--- a/3 - 파티클 응용.pptx
+++ b/3 - 파티클 응용.pptx
@@ -47,19 +47,55 @@
     <p:sldId id="314" r:id="rId41"/>
     <p:sldId id="315" r:id="rId42"/>
     <p:sldId id="317" r:id="rId43"/>
-    <p:sldId id="277" r:id="rId44"/>
+    <p:sldId id="318" r:id="rId44"/>
+    <p:sldId id="319" r:id="rId45"/>
+    <p:sldId id="320" r:id="rId46"/>
+    <p:sldId id="321" r:id="rId47"/>
+    <p:sldId id="322" r:id="rId48"/>
+    <p:sldId id="323" r:id="rId49"/>
+    <p:sldId id="324" r:id="rId50"/>
+    <p:sldId id="325" r:id="rId51"/>
+    <p:sldId id="326" r:id="rId52"/>
+    <p:sldId id="327" r:id="rId53"/>
+    <p:sldId id="328" r:id="rId54"/>
+    <p:sldId id="329" r:id="rId55"/>
+    <p:sldId id="330" r:id="rId56"/>
+    <p:sldId id="332" r:id="rId57"/>
+    <p:sldId id="333" r:id="rId58"/>
+    <p:sldId id="331" r:id="rId59"/>
+    <p:sldId id="334" r:id="rId60"/>
+    <p:sldId id="335" r:id="rId61"/>
+    <p:sldId id="336" r:id="rId62"/>
+    <p:sldId id="337" r:id="rId63"/>
+    <p:sldId id="338" r:id="rId64"/>
+    <p:sldId id="339" r:id="rId65"/>
+    <p:sldId id="340" r:id="rId66"/>
+    <p:sldId id="341" r:id="rId67"/>
+    <p:sldId id="342" r:id="rId68"/>
+    <p:sldId id="343" r:id="rId69"/>
+    <p:sldId id="344" r:id="rId70"/>
+    <p:sldId id="345" r:id="rId71"/>
+    <p:sldId id="346" r:id="rId72"/>
+    <p:sldId id="347" r:id="rId73"/>
+    <p:sldId id="348" r:id="rId74"/>
+    <p:sldId id="349" r:id="rId75"/>
+    <p:sldId id="350" r:id="rId76"/>
+    <p:sldId id="351" r:id="rId77"/>
+    <p:sldId id="352" r:id="rId78"/>
+    <p:sldId id="353" r:id="rId79"/>
+    <p:sldId id="277" r:id="rId80"/>
   </p:sldIdLst>
   <p:sldSz cx="12192000" cy="6858000"/>
   <p:notesSz cx="6858000" cy="9144000"/>
   <p:embeddedFontLst>
     <p:embeddedFont>
       <p:font typeface="나눔스퀘어OTF Light" panose="020B0600000101010101" pitchFamily="34" charset="-127"/>
-      <p:regular r:id="rId45"/>
+      <p:regular r:id="rId81"/>
     </p:embeddedFont>
     <p:embeddedFont>
       <p:font typeface="맑은 고딕" panose="020B0503020000020004" pitchFamily="50" charset="-127"/>
-      <p:regular r:id="rId46"/>
-      <p:bold r:id="rId47"/>
+      <p:regular r:id="rId82"/>
+      <p:bold r:id="rId83"/>
     </p:embeddedFont>
   </p:embeddedFontLst>
   <p:defaultTextStyle>
@@ -312,7 +348,7 @@
           <a:p>
             <a:fld id="{3BAD717E-5B48-41D6-98B3-DB23E84BF0BC}" type="datetimeFigureOut">
               <a:rPr lang="ko-KR" altLang="en-US" smtClean="0"/>
-              <a:t>2022-01-25</a:t>
+              <a:t>2022-01-26</a:t>
             </a:fld>
             <a:endParaRPr lang="ko-KR" altLang="en-US"/>
           </a:p>
@@ -510,7 +546,7 @@
           <a:p>
             <a:fld id="{3BAD717E-5B48-41D6-98B3-DB23E84BF0BC}" type="datetimeFigureOut">
               <a:rPr lang="ko-KR" altLang="en-US" smtClean="0"/>
-              <a:t>2022-01-25</a:t>
+              <a:t>2022-01-26</a:t>
             </a:fld>
             <a:endParaRPr lang="ko-KR" altLang="en-US"/>
           </a:p>
@@ -718,7 +754,7 @@
           <a:p>
             <a:fld id="{3BAD717E-5B48-41D6-98B3-DB23E84BF0BC}" type="datetimeFigureOut">
               <a:rPr lang="ko-KR" altLang="en-US" smtClean="0"/>
-              <a:t>2022-01-25</a:t>
+              <a:t>2022-01-26</a:t>
             </a:fld>
             <a:endParaRPr lang="ko-KR" altLang="en-US"/>
           </a:p>
@@ -916,7 +952,7 @@
           <a:p>
             <a:fld id="{3BAD717E-5B48-41D6-98B3-DB23E84BF0BC}" type="datetimeFigureOut">
               <a:rPr lang="ko-KR" altLang="en-US" smtClean="0"/>
-              <a:t>2022-01-25</a:t>
+              <a:t>2022-01-26</a:t>
             </a:fld>
             <a:endParaRPr lang="ko-KR" altLang="en-US"/>
           </a:p>
@@ -1191,7 +1227,7 @@
           <a:p>
             <a:fld id="{3BAD717E-5B48-41D6-98B3-DB23E84BF0BC}" type="datetimeFigureOut">
               <a:rPr lang="ko-KR" altLang="en-US" smtClean="0"/>
-              <a:t>2022-01-25</a:t>
+              <a:t>2022-01-26</a:t>
             </a:fld>
             <a:endParaRPr lang="ko-KR" altLang="en-US"/>
           </a:p>
@@ -1456,7 +1492,7 @@
           <a:p>
             <a:fld id="{3BAD717E-5B48-41D6-98B3-DB23E84BF0BC}" type="datetimeFigureOut">
               <a:rPr lang="ko-KR" altLang="en-US" smtClean="0"/>
-              <a:t>2022-01-25</a:t>
+              <a:t>2022-01-26</a:t>
             </a:fld>
             <a:endParaRPr lang="ko-KR" altLang="en-US"/>
           </a:p>
@@ -1868,7 +1904,7 @@
           <a:p>
             <a:fld id="{3BAD717E-5B48-41D6-98B3-DB23E84BF0BC}" type="datetimeFigureOut">
               <a:rPr lang="ko-KR" altLang="en-US" smtClean="0"/>
-              <a:t>2022-01-25</a:t>
+              <a:t>2022-01-26</a:t>
             </a:fld>
             <a:endParaRPr lang="ko-KR" altLang="en-US"/>
           </a:p>
@@ -2009,7 +2045,7 @@
           <a:p>
             <a:fld id="{3BAD717E-5B48-41D6-98B3-DB23E84BF0BC}" type="datetimeFigureOut">
               <a:rPr lang="ko-KR" altLang="en-US" smtClean="0"/>
-              <a:t>2022-01-25</a:t>
+              <a:t>2022-01-26</a:t>
             </a:fld>
             <a:endParaRPr lang="ko-KR" altLang="en-US"/>
           </a:p>
@@ -2122,7 +2158,7 @@
           <a:p>
             <a:fld id="{3BAD717E-5B48-41D6-98B3-DB23E84BF0BC}" type="datetimeFigureOut">
               <a:rPr lang="ko-KR" altLang="en-US" smtClean="0"/>
-              <a:t>2022-01-25</a:t>
+              <a:t>2022-01-26</a:t>
             </a:fld>
             <a:endParaRPr lang="ko-KR" altLang="en-US"/>
           </a:p>
@@ -2433,7 +2469,7 @@
           <a:p>
             <a:fld id="{3BAD717E-5B48-41D6-98B3-DB23E84BF0BC}" type="datetimeFigureOut">
               <a:rPr lang="ko-KR" altLang="en-US" smtClean="0"/>
-              <a:t>2022-01-25</a:t>
+              <a:t>2022-01-26</a:t>
             </a:fld>
             <a:endParaRPr lang="ko-KR" altLang="en-US"/>
           </a:p>
@@ -2721,7 +2757,7 @@
           <a:p>
             <a:fld id="{3BAD717E-5B48-41D6-98B3-DB23E84BF0BC}" type="datetimeFigureOut">
               <a:rPr lang="ko-KR" altLang="en-US" smtClean="0"/>
-              <a:t>2022-01-25</a:t>
+              <a:t>2022-01-26</a:t>
             </a:fld>
             <a:endParaRPr lang="ko-KR" altLang="en-US"/>
           </a:p>
@@ -2962,7 +2998,7 @@
           <a:p>
             <a:fld id="{3BAD717E-5B48-41D6-98B3-DB23E84BF0BC}" type="datetimeFigureOut">
               <a:rPr lang="ko-KR" altLang="en-US" smtClean="0"/>
-              <a:t>2022-01-25</a:t>
+              <a:t>2022-01-26</a:t>
             </a:fld>
             <a:endParaRPr lang="ko-KR" altLang="en-US"/>
           </a:p>
@@ -6110,6 +6146,17 @@
               </a:rPr>
               <a:t>4. </a:t>
             </a:r>
+            <a:r>
+              <a:rPr lang="ko-KR" altLang="en-US" sz="2000">
+                <a:latin typeface="나눔스퀘어OTF Light" panose="020B0600000101010101" pitchFamily="34" charset="-127"/>
+                <a:ea typeface="나눔스퀘어OTF Light" panose="020B0600000101010101" pitchFamily="34" charset="-127"/>
+              </a:rPr>
+              <a:t>비 파티클</a:t>
+            </a:r>
+            <a:endParaRPr lang="en-US" altLang="ko-KR" sz="2000">
+              <a:latin typeface="나눔스퀘어OTF Light" panose="020B0600000101010101" pitchFamily="34" charset="-127"/>
+              <a:ea typeface="나눔스퀘어OTF Light" panose="020B0600000101010101" pitchFamily="34" charset="-127"/>
+            </a:endParaRPr>
           </a:p>
         </p:txBody>
       </p:sp>
@@ -12793,8 +12840,8 @@
         </p:nvSpPr>
         <p:spPr>
           <a:xfrm>
-            <a:off x="5770431" y="2629032"/>
-            <a:ext cx="651140" cy="707886"/>
+            <a:off x="171888" y="194702"/>
+            <a:ext cx="4185761" cy="523220"/>
           </a:xfrm>
           <a:prstGeom prst="rect">
             <a:avLst/>
@@ -12807,58 +12854,19 @@
           </a:bodyPr>
           <a:lstStyle/>
           <a:p>
-            <a:pPr algn="ctr"/>
-            <a:r>
-              <a:rPr lang="ko-KR" altLang="en-US" sz="4000">
-                <a:latin typeface="나눔스퀘어OTF Light" panose="020B0600000101010101" pitchFamily="34" charset="-127"/>
-                <a:ea typeface="나눔스퀘어OTF Light" panose="020B0600000101010101" pitchFamily="34" charset="-127"/>
-              </a:rPr>
-              <a:t>끝</a:t>
-            </a:r>
-          </a:p>
-        </p:txBody>
-      </p:sp>
-      <p:sp>
-        <p:nvSpPr>
-          <p:cNvPr id="3" name="TextBox 2">
-            <a:extLst>
-              <a:ext uri="{FF2B5EF4-FFF2-40B4-BE49-F238E27FC236}">
-                <a16:creationId xmlns:a16="http://schemas.microsoft.com/office/drawing/2014/main" id="{3D4DB731-0D09-4D43-B30D-F113660223A3}"/>
-              </a:ext>
-            </a:extLst>
-          </p:cNvPr>
-          <p:cNvSpPr txBox="1"/>
-          <p:nvPr/>
-        </p:nvSpPr>
-        <p:spPr>
-          <a:xfrm>
-            <a:off x="3595155" y="3336918"/>
-            <a:ext cx="1683474" cy="400110"/>
-          </a:xfrm>
-          <a:prstGeom prst="rect">
-            <a:avLst/>
-          </a:prstGeom>
-          <a:noFill/>
-        </p:spPr>
-        <p:txBody>
-          <a:bodyPr wrap="none" rtlCol="0">
-            <a:spAutoFit/>
-          </a:bodyPr>
-          <a:lstStyle/>
-          <a:p>
-            <a:r>
-              <a:rPr lang="en-US" altLang="ko-KR" sz="2000">
-                <a:latin typeface="나눔스퀘어OTF Light" panose="020B0600000101010101" pitchFamily="34" charset="-127"/>
-                <a:ea typeface="나눔스퀘어OTF Light" panose="020B0600000101010101" pitchFamily="34" charset="-127"/>
-              </a:rPr>
-              <a:t>3. </a:t>
-            </a:r>
-            <a:r>
-              <a:rPr lang="ko-KR" altLang="en-US" sz="2000">
-                <a:latin typeface="나눔스퀘어OTF Light" panose="020B0600000101010101" pitchFamily="34" charset="-127"/>
-                <a:ea typeface="나눔스퀘어OTF Light" panose="020B0600000101010101" pitchFamily="34" charset="-127"/>
-              </a:rPr>
-              <a:t>파티클 응용</a:t>
+            <a:r>
+              <a:rPr lang="en-US" altLang="ko-KR" sz="2800">
+                <a:latin typeface="나눔스퀘어OTF Light" panose="020B0600000101010101" pitchFamily="34" charset="-127"/>
+                <a:ea typeface="나눔스퀘어OTF Light" panose="020B0600000101010101" pitchFamily="34" charset="-127"/>
+              </a:rPr>
+              <a:t>2. </a:t>
+            </a:r>
+            <a:r>
+              <a:rPr lang="ko-KR" altLang="en-US" sz="2800">
+                <a:latin typeface="나눔스퀘어OTF Light" panose="020B0600000101010101" pitchFamily="34" charset="-127"/>
+                <a:ea typeface="나눔스퀘어OTF Light" panose="020B0600000101010101" pitchFamily="34" charset="-127"/>
+              </a:rPr>
+              <a:t>파티클 시스템 포스 필드</a:t>
             </a:r>
           </a:p>
         </p:txBody>
@@ -12872,13 +12880,15 @@
               </a:ext>
             </a:extLst>
           </p:cNvPr>
-          <p:cNvCxnSpPr/>
+          <p:cNvCxnSpPr>
+            <a:cxnSpLocks/>
+          </p:cNvCxnSpPr>
           <p:nvPr/>
         </p:nvCxnSpPr>
         <p:spPr>
           <a:xfrm>
-            <a:off x="3642861" y="3328967"/>
-            <a:ext cx="4858247" cy="0"/>
+            <a:off x="132133" y="780690"/>
+            <a:ext cx="819295" cy="0"/>
           </a:xfrm>
           <a:prstGeom prst="line">
             <a:avLst/>
@@ -12904,10 +12914,1590 @@
           </a:fontRef>
         </p:style>
       </p:cxnSp>
+      <p:pic>
+        <p:nvPicPr>
+          <p:cNvPr id="3" name="그림 2">
+            <a:extLst>
+              <a:ext uri="{FF2B5EF4-FFF2-40B4-BE49-F238E27FC236}">
+                <a16:creationId xmlns:a16="http://schemas.microsoft.com/office/drawing/2014/main" id="{A2235E66-3EA1-43AD-92E6-A1FC3092A553}"/>
+              </a:ext>
+            </a:extLst>
+          </p:cNvPr>
+          <p:cNvPicPr>
+            <a:picLocks noChangeAspect="1"/>
+          </p:cNvPicPr>
+          <p:nvPr/>
+        </p:nvPicPr>
+        <p:blipFill>
+          <a:blip r:embed="rId2"/>
+          <a:stretch>
+            <a:fillRect/>
+          </a:stretch>
+        </p:blipFill>
+        <p:spPr>
+          <a:xfrm>
+            <a:off x="2826736" y="1593531"/>
+            <a:ext cx="6538527" cy="4153260"/>
+          </a:xfrm>
+          <a:prstGeom prst="rect">
+            <a:avLst/>
+          </a:prstGeom>
+        </p:spPr>
+      </p:pic>
     </p:spTree>
     <p:extLst>
       <p:ext uri="{BB962C8B-B14F-4D97-AF65-F5344CB8AC3E}">
-        <p14:creationId xmlns:p14="http://schemas.microsoft.com/office/powerpoint/2010/main" val="1544407394"/>
+        <p14:creationId xmlns:p14="http://schemas.microsoft.com/office/powerpoint/2010/main" val="578130432"/>
+      </p:ext>
+    </p:extLst>
+  </p:cSld>
+  <p:clrMapOvr>
+    <a:masterClrMapping/>
+  </p:clrMapOvr>
+</p:sld>
+</file>
+
+<file path=ppt/slides/slide44.xml><?xml version="1.0" encoding="utf-8"?>
+<p:sld xmlns:a="http://schemas.openxmlformats.org/drawingml/2006/main" xmlns:r="http://schemas.openxmlformats.org/officeDocument/2006/relationships" xmlns:p="http://schemas.openxmlformats.org/presentationml/2006/main">
+  <p:cSld>
+    <p:spTree>
+      <p:nvGrpSpPr>
+        <p:cNvPr id="1" name=""/>
+        <p:cNvGrpSpPr/>
+        <p:nvPr/>
+      </p:nvGrpSpPr>
+      <p:grpSpPr>
+        <a:xfrm>
+          <a:off x="0" y="0"/>
+          <a:ext cx="0" cy="0"/>
+          <a:chOff x="0" y="0"/>
+          <a:chExt cx="0" cy="0"/>
+        </a:xfrm>
+      </p:grpSpPr>
+      <p:sp>
+        <p:nvSpPr>
+          <p:cNvPr id="6" name="TextBox 5">
+            <a:extLst>
+              <a:ext uri="{FF2B5EF4-FFF2-40B4-BE49-F238E27FC236}">
+                <a16:creationId xmlns:a16="http://schemas.microsoft.com/office/drawing/2014/main" id="{F453C929-8CA3-4E79-AF5D-99EC8407C6CF}"/>
+              </a:ext>
+            </a:extLst>
+          </p:cNvPr>
+          <p:cNvSpPr txBox="1"/>
+          <p:nvPr/>
+        </p:nvSpPr>
+        <p:spPr>
+          <a:xfrm>
+            <a:off x="171888" y="194702"/>
+            <a:ext cx="4185761" cy="523220"/>
+          </a:xfrm>
+          <a:prstGeom prst="rect">
+            <a:avLst/>
+          </a:prstGeom>
+          <a:noFill/>
+        </p:spPr>
+        <p:txBody>
+          <a:bodyPr wrap="none" rtlCol="0">
+            <a:spAutoFit/>
+          </a:bodyPr>
+          <a:lstStyle/>
+          <a:p>
+            <a:r>
+              <a:rPr lang="en-US" altLang="ko-KR" sz="2800">
+                <a:latin typeface="나눔스퀘어OTF Light" panose="020B0600000101010101" pitchFamily="34" charset="-127"/>
+                <a:ea typeface="나눔스퀘어OTF Light" panose="020B0600000101010101" pitchFamily="34" charset="-127"/>
+              </a:rPr>
+              <a:t>2. </a:t>
+            </a:r>
+            <a:r>
+              <a:rPr lang="ko-KR" altLang="en-US" sz="2800">
+                <a:latin typeface="나눔스퀘어OTF Light" panose="020B0600000101010101" pitchFamily="34" charset="-127"/>
+                <a:ea typeface="나눔스퀘어OTF Light" panose="020B0600000101010101" pitchFamily="34" charset="-127"/>
+              </a:rPr>
+              <a:t>파티클 시스템 포스 필드</a:t>
+            </a:r>
+          </a:p>
+        </p:txBody>
+      </p:sp>
+      <p:cxnSp>
+        <p:nvCxnSpPr>
+          <p:cNvPr id="4" name="직선 연결선 3">
+            <a:extLst>
+              <a:ext uri="{FF2B5EF4-FFF2-40B4-BE49-F238E27FC236}">
+                <a16:creationId xmlns:a16="http://schemas.microsoft.com/office/drawing/2014/main" id="{7442459B-3DED-44F0-9E4C-B50601FEB425}"/>
+              </a:ext>
+            </a:extLst>
+          </p:cNvPr>
+          <p:cNvCxnSpPr>
+            <a:cxnSpLocks/>
+          </p:cNvCxnSpPr>
+          <p:nvPr/>
+        </p:nvCxnSpPr>
+        <p:spPr>
+          <a:xfrm>
+            <a:off x="132133" y="780690"/>
+            <a:ext cx="819295" cy="0"/>
+          </a:xfrm>
+          <a:prstGeom prst="line">
+            <a:avLst/>
+          </a:prstGeom>
+          <a:ln>
+            <a:solidFill>
+              <a:schemeClr val="tx1"/>
+            </a:solidFill>
+          </a:ln>
+        </p:spPr>
+        <p:style>
+          <a:lnRef idx="1">
+            <a:schemeClr val="accent1"/>
+          </a:lnRef>
+          <a:fillRef idx="0">
+            <a:schemeClr val="accent1"/>
+          </a:fillRef>
+          <a:effectRef idx="0">
+            <a:schemeClr val="accent1"/>
+          </a:effectRef>
+          <a:fontRef idx="minor">
+            <a:schemeClr val="tx1"/>
+          </a:fontRef>
+        </p:style>
+      </p:cxnSp>
+      <p:pic>
+        <p:nvPicPr>
+          <p:cNvPr id="5" name="그림 4">
+            <a:extLst>
+              <a:ext uri="{FF2B5EF4-FFF2-40B4-BE49-F238E27FC236}">
+                <a16:creationId xmlns:a16="http://schemas.microsoft.com/office/drawing/2014/main" id="{EDA9AE07-561C-4D74-B8F7-C5AD995BDB96}"/>
+              </a:ext>
+            </a:extLst>
+          </p:cNvPr>
+          <p:cNvPicPr>
+            <a:picLocks noChangeAspect="1"/>
+          </p:cNvPicPr>
+          <p:nvPr/>
+        </p:nvPicPr>
+        <p:blipFill>
+          <a:blip r:embed="rId2"/>
+          <a:stretch>
+            <a:fillRect/>
+          </a:stretch>
+        </p:blipFill>
+        <p:spPr>
+          <a:xfrm>
+            <a:off x="2078478" y="1473751"/>
+            <a:ext cx="3938599" cy="4624337"/>
+          </a:xfrm>
+          <a:prstGeom prst="rect">
+            <a:avLst/>
+          </a:prstGeom>
+        </p:spPr>
+      </p:pic>
+      <p:sp>
+        <p:nvSpPr>
+          <p:cNvPr id="7" name="TextBox 6">
+            <a:extLst>
+              <a:ext uri="{FF2B5EF4-FFF2-40B4-BE49-F238E27FC236}">
+                <a16:creationId xmlns:a16="http://schemas.microsoft.com/office/drawing/2014/main" id="{FCBA8599-FA5B-484A-887E-0EC58D288B8C}"/>
+              </a:ext>
+            </a:extLst>
+          </p:cNvPr>
+          <p:cNvSpPr txBox="1"/>
+          <p:nvPr/>
+        </p:nvSpPr>
+        <p:spPr>
+          <a:xfrm>
+            <a:off x="6245540" y="2814523"/>
+            <a:ext cx="3867982" cy="461665"/>
+          </a:xfrm>
+          <a:prstGeom prst="rect">
+            <a:avLst/>
+          </a:prstGeom>
+          <a:noFill/>
+        </p:spPr>
+        <p:txBody>
+          <a:bodyPr wrap="none" rtlCol="0">
+            <a:spAutoFit/>
+          </a:bodyPr>
+          <a:lstStyle/>
+          <a:p>
+            <a:r>
+              <a:rPr lang="en-US" altLang="ko-KR" sz="2400">
+                <a:latin typeface="나눔스퀘어OTF Light" panose="020B0600000101010101" pitchFamily="34" charset="-127"/>
+                <a:ea typeface="나눔스퀘어OTF Light" panose="020B0600000101010101" pitchFamily="34" charset="-127"/>
+              </a:rPr>
+              <a:t>Particle System Force Field</a:t>
+            </a:r>
+          </a:p>
+        </p:txBody>
+      </p:sp>
+      <p:sp>
+        <p:nvSpPr>
+          <p:cNvPr id="8" name="TextBox 7">
+            <a:extLst>
+              <a:ext uri="{FF2B5EF4-FFF2-40B4-BE49-F238E27FC236}">
+                <a16:creationId xmlns:a16="http://schemas.microsoft.com/office/drawing/2014/main" id="{9D0BECC0-FB27-4690-848F-4EABC374045E}"/>
+              </a:ext>
+            </a:extLst>
+          </p:cNvPr>
+          <p:cNvSpPr txBox="1"/>
+          <p:nvPr/>
+        </p:nvSpPr>
+        <p:spPr>
+          <a:xfrm>
+            <a:off x="6245540" y="3581812"/>
+            <a:ext cx="3890809" cy="646331"/>
+          </a:xfrm>
+          <a:prstGeom prst="rect">
+            <a:avLst/>
+          </a:prstGeom>
+          <a:noFill/>
+        </p:spPr>
+        <p:txBody>
+          <a:bodyPr wrap="none" rtlCol="0">
+            <a:spAutoFit/>
+          </a:bodyPr>
+          <a:lstStyle/>
+          <a:p>
+            <a:r>
+              <a:rPr lang="ko-KR" altLang="en-US">
+                <a:latin typeface="나눔스퀘어OTF Light" panose="020B0600000101010101" pitchFamily="34" charset="-127"/>
+                <a:ea typeface="나눔스퀘어OTF Light" panose="020B0600000101010101" pitchFamily="34" charset="-127"/>
+              </a:rPr>
+              <a:t>파티클에 외부 힘을 작용하는 구역</a:t>
+            </a:r>
+            <a:endParaRPr lang="en-US" altLang="ko-KR">
+              <a:latin typeface="나눔스퀘어OTF Light" panose="020B0600000101010101" pitchFamily="34" charset="-127"/>
+              <a:ea typeface="나눔스퀘어OTF Light" panose="020B0600000101010101" pitchFamily="34" charset="-127"/>
+            </a:endParaRPr>
+          </a:p>
+          <a:p>
+            <a:r>
+              <a:rPr lang="ko-KR" altLang="en-US">
+                <a:latin typeface="나눔스퀘어OTF Light" panose="020B0600000101010101" pitchFamily="34" charset="-127"/>
+                <a:ea typeface="나눔스퀘어OTF Light" panose="020B0600000101010101" pitchFamily="34" charset="-127"/>
+              </a:rPr>
+              <a:t>바람과 같은 여러 효과를 나타낼 수 있음</a:t>
+            </a:r>
+            <a:endParaRPr lang="en-US" altLang="ko-KR">
+              <a:latin typeface="나눔스퀘어OTF Light" panose="020B0600000101010101" pitchFamily="34" charset="-127"/>
+              <a:ea typeface="나눔스퀘어OTF Light" panose="020B0600000101010101" pitchFamily="34" charset="-127"/>
+            </a:endParaRPr>
+          </a:p>
+        </p:txBody>
+      </p:sp>
+    </p:spTree>
+    <p:extLst>
+      <p:ext uri="{BB962C8B-B14F-4D97-AF65-F5344CB8AC3E}">
+        <p14:creationId xmlns:p14="http://schemas.microsoft.com/office/powerpoint/2010/main" val="2343682302"/>
+      </p:ext>
+    </p:extLst>
+  </p:cSld>
+  <p:clrMapOvr>
+    <a:masterClrMapping/>
+  </p:clrMapOvr>
+</p:sld>
+</file>
+
+<file path=ppt/slides/slide45.xml><?xml version="1.0" encoding="utf-8"?>
+<p:sld xmlns:a="http://schemas.openxmlformats.org/drawingml/2006/main" xmlns:r="http://schemas.openxmlformats.org/officeDocument/2006/relationships" xmlns:p="http://schemas.openxmlformats.org/presentationml/2006/main">
+  <p:cSld>
+    <p:spTree>
+      <p:nvGrpSpPr>
+        <p:cNvPr id="1" name=""/>
+        <p:cNvGrpSpPr/>
+        <p:nvPr/>
+      </p:nvGrpSpPr>
+      <p:grpSpPr>
+        <a:xfrm>
+          <a:off x="0" y="0"/>
+          <a:ext cx="0" cy="0"/>
+          <a:chOff x="0" y="0"/>
+          <a:chExt cx="0" cy="0"/>
+        </a:xfrm>
+      </p:grpSpPr>
+      <p:sp>
+        <p:nvSpPr>
+          <p:cNvPr id="6" name="TextBox 5">
+            <a:extLst>
+              <a:ext uri="{FF2B5EF4-FFF2-40B4-BE49-F238E27FC236}">
+                <a16:creationId xmlns:a16="http://schemas.microsoft.com/office/drawing/2014/main" id="{F453C929-8CA3-4E79-AF5D-99EC8407C6CF}"/>
+              </a:ext>
+            </a:extLst>
+          </p:cNvPr>
+          <p:cNvSpPr txBox="1"/>
+          <p:nvPr/>
+        </p:nvSpPr>
+        <p:spPr>
+          <a:xfrm>
+            <a:off x="171888" y="194702"/>
+            <a:ext cx="4185761" cy="523220"/>
+          </a:xfrm>
+          <a:prstGeom prst="rect">
+            <a:avLst/>
+          </a:prstGeom>
+          <a:noFill/>
+        </p:spPr>
+        <p:txBody>
+          <a:bodyPr wrap="none" rtlCol="0">
+            <a:spAutoFit/>
+          </a:bodyPr>
+          <a:lstStyle/>
+          <a:p>
+            <a:r>
+              <a:rPr lang="en-US" altLang="ko-KR" sz="2800">
+                <a:latin typeface="나눔스퀘어OTF Light" panose="020B0600000101010101" pitchFamily="34" charset="-127"/>
+                <a:ea typeface="나눔스퀘어OTF Light" panose="020B0600000101010101" pitchFamily="34" charset="-127"/>
+              </a:rPr>
+              <a:t>2. </a:t>
+            </a:r>
+            <a:r>
+              <a:rPr lang="ko-KR" altLang="en-US" sz="2800">
+                <a:latin typeface="나눔스퀘어OTF Light" panose="020B0600000101010101" pitchFamily="34" charset="-127"/>
+                <a:ea typeface="나눔스퀘어OTF Light" panose="020B0600000101010101" pitchFamily="34" charset="-127"/>
+              </a:rPr>
+              <a:t>파티클 시스템 포스 필드</a:t>
+            </a:r>
+          </a:p>
+        </p:txBody>
+      </p:sp>
+      <p:cxnSp>
+        <p:nvCxnSpPr>
+          <p:cNvPr id="4" name="직선 연결선 3">
+            <a:extLst>
+              <a:ext uri="{FF2B5EF4-FFF2-40B4-BE49-F238E27FC236}">
+                <a16:creationId xmlns:a16="http://schemas.microsoft.com/office/drawing/2014/main" id="{7442459B-3DED-44F0-9E4C-B50601FEB425}"/>
+              </a:ext>
+            </a:extLst>
+          </p:cNvPr>
+          <p:cNvCxnSpPr>
+            <a:cxnSpLocks/>
+          </p:cNvCxnSpPr>
+          <p:nvPr/>
+        </p:nvCxnSpPr>
+        <p:spPr>
+          <a:xfrm>
+            <a:off x="132133" y="780690"/>
+            <a:ext cx="819295" cy="0"/>
+          </a:xfrm>
+          <a:prstGeom prst="line">
+            <a:avLst/>
+          </a:prstGeom>
+          <a:ln>
+            <a:solidFill>
+              <a:schemeClr val="tx1"/>
+            </a:solidFill>
+          </a:ln>
+        </p:spPr>
+        <p:style>
+          <a:lnRef idx="1">
+            <a:schemeClr val="accent1"/>
+          </a:lnRef>
+          <a:fillRef idx="0">
+            <a:schemeClr val="accent1"/>
+          </a:fillRef>
+          <a:effectRef idx="0">
+            <a:schemeClr val="accent1"/>
+          </a:effectRef>
+          <a:fontRef idx="minor">
+            <a:schemeClr val="tx1"/>
+          </a:fontRef>
+        </p:style>
+      </p:cxnSp>
+      <p:pic>
+        <p:nvPicPr>
+          <p:cNvPr id="3" name="그림 2">
+            <a:extLst>
+              <a:ext uri="{FF2B5EF4-FFF2-40B4-BE49-F238E27FC236}">
+                <a16:creationId xmlns:a16="http://schemas.microsoft.com/office/drawing/2014/main" id="{95563A67-EDB8-4A82-972F-8AC71778E298}"/>
+              </a:ext>
+            </a:extLst>
+          </p:cNvPr>
+          <p:cNvPicPr>
+            <a:picLocks noChangeAspect="1"/>
+          </p:cNvPicPr>
+          <p:nvPr/>
+        </p:nvPicPr>
+        <p:blipFill>
+          <a:blip r:embed="rId2"/>
+          <a:stretch>
+            <a:fillRect/>
+          </a:stretch>
+        </p:blipFill>
+        <p:spPr>
+          <a:xfrm>
+            <a:off x="1916334" y="1624519"/>
+            <a:ext cx="4458086" cy="4000847"/>
+          </a:xfrm>
+          <a:prstGeom prst="rect">
+            <a:avLst/>
+          </a:prstGeom>
+        </p:spPr>
+      </p:pic>
+      <p:sp>
+        <p:nvSpPr>
+          <p:cNvPr id="9" name="TextBox 8">
+            <a:extLst>
+              <a:ext uri="{FF2B5EF4-FFF2-40B4-BE49-F238E27FC236}">
+                <a16:creationId xmlns:a16="http://schemas.microsoft.com/office/drawing/2014/main" id="{C86BC442-70E0-4EA4-9521-B8296849E651}"/>
+              </a:ext>
+            </a:extLst>
+          </p:cNvPr>
+          <p:cNvSpPr txBox="1"/>
+          <p:nvPr/>
+        </p:nvSpPr>
+        <p:spPr>
+          <a:xfrm>
+            <a:off x="6563947" y="3429000"/>
+            <a:ext cx="4015843" cy="400110"/>
+          </a:xfrm>
+          <a:prstGeom prst="rect">
+            <a:avLst/>
+          </a:prstGeom>
+          <a:noFill/>
+        </p:spPr>
+        <p:txBody>
+          <a:bodyPr wrap="none" rtlCol="0">
+            <a:spAutoFit/>
+          </a:bodyPr>
+          <a:lstStyle/>
+          <a:p>
+            <a:r>
+              <a:rPr lang="ko-KR" altLang="en-US" sz="2000">
+                <a:latin typeface="나눔스퀘어OTF Light" panose="020B0600000101010101" pitchFamily="34" charset="-127"/>
+                <a:ea typeface="나눔스퀘어OTF Light" panose="020B0600000101010101" pitchFamily="34" charset="-127"/>
+              </a:rPr>
+              <a:t>구역 안에서 파티클이 외부 힘을 받음</a:t>
+            </a:r>
+            <a:endParaRPr lang="en-US" altLang="ko-KR" sz="2000">
+              <a:latin typeface="나눔스퀘어OTF Light" panose="020B0600000101010101" pitchFamily="34" charset="-127"/>
+              <a:ea typeface="나눔스퀘어OTF Light" panose="020B0600000101010101" pitchFamily="34" charset="-127"/>
+            </a:endParaRPr>
+          </a:p>
+        </p:txBody>
+      </p:sp>
+    </p:spTree>
+    <p:extLst>
+      <p:ext uri="{BB962C8B-B14F-4D97-AF65-F5344CB8AC3E}">
+        <p14:creationId xmlns:p14="http://schemas.microsoft.com/office/powerpoint/2010/main" val="1214070507"/>
+      </p:ext>
+    </p:extLst>
+  </p:cSld>
+  <p:clrMapOvr>
+    <a:masterClrMapping/>
+  </p:clrMapOvr>
+</p:sld>
+</file>
+
+<file path=ppt/slides/slide46.xml><?xml version="1.0" encoding="utf-8"?>
+<p:sld xmlns:a="http://schemas.openxmlformats.org/drawingml/2006/main" xmlns:r="http://schemas.openxmlformats.org/officeDocument/2006/relationships" xmlns:p="http://schemas.openxmlformats.org/presentationml/2006/main">
+  <p:cSld>
+    <p:spTree>
+      <p:nvGrpSpPr>
+        <p:cNvPr id="1" name=""/>
+        <p:cNvGrpSpPr/>
+        <p:nvPr/>
+      </p:nvGrpSpPr>
+      <p:grpSpPr>
+        <a:xfrm>
+          <a:off x="0" y="0"/>
+          <a:ext cx="0" cy="0"/>
+          <a:chOff x="0" y="0"/>
+          <a:chExt cx="0" cy="0"/>
+        </a:xfrm>
+      </p:grpSpPr>
+      <p:sp>
+        <p:nvSpPr>
+          <p:cNvPr id="6" name="TextBox 5">
+            <a:extLst>
+              <a:ext uri="{FF2B5EF4-FFF2-40B4-BE49-F238E27FC236}">
+                <a16:creationId xmlns:a16="http://schemas.microsoft.com/office/drawing/2014/main" id="{F453C929-8CA3-4E79-AF5D-99EC8407C6CF}"/>
+              </a:ext>
+            </a:extLst>
+          </p:cNvPr>
+          <p:cNvSpPr txBox="1"/>
+          <p:nvPr/>
+        </p:nvSpPr>
+        <p:spPr>
+          <a:xfrm>
+            <a:off x="171888" y="194702"/>
+            <a:ext cx="4185761" cy="523220"/>
+          </a:xfrm>
+          <a:prstGeom prst="rect">
+            <a:avLst/>
+          </a:prstGeom>
+          <a:noFill/>
+        </p:spPr>
+        <p:txBody>
+          <a:bodyPr wrap="none" rtlCol="0">
+            <a:spAutoFit/>
+          </a:bodyPr>
+          <a:lstStyle/>
+          <a:p>
+            <a:r>
+              <a:rPr lang="en-US" altLang="ko-KR" sz="2800">
+                <a:latin typeface="나눔스퀘어OTF Light" panose="020B0600000101010101" pitchFamily="34" charset="-127"/>
+                <a:ea typeface="나눔스퀘어OTF Light" panose="020B0600000101010101" pitchFamily="34" charset="-127"/>
+              </a:rPr>
+              <a:t>2. </a:t>
+            </a:r>
+            <a:r>
+              <a:rPr lang="ko-KR" altLang="en-US" sz="2800">
+                <a:latin typeface="나눔스퀘어OTF Light" panose="020B0600000101010101" pitchFamily="34" charset="-127"/>
+                <a:ea typeface="나눔스퀘어OTF Light" panose="020B0600000101010101" pitchFamily="34" charset="-127"/>
+              </a:rPr>
+              <a:t>파티클 시스템 포스 필드</a:t>
+            </a:r>
+          </a:p>
+        </p:txBody>
+      </p:sp>
+      <p:cxnSp>
+        <p:nvCxnSpPr>
+          <p:cNvPr id="4" name="직선 연결선 3">
+            <a:extLst>
+              <a:ext uri="{FF2B5EF4-FFF2-40B4-BE49-F238E27FC236}">
+                <a16:creationId xmlns:a16="http://schemas.microsoft.com/office/drawing/2014/main" id="{7442459B-3DED-44F0-9E4C-B50601FEB425}"/>
+              </a:ext>
+            </a:extLst>
+          </p:cNvPr>
+          <p:cNvCxnSpPr>
+            <a:cxnSpLocks/>
+          </p:cNvCxnSpPr>
+          <p:nvPr/>
+        </p:nvCxnSpPr>
+        <p:spPr>
+          <a:xfrm>
+            <a:off x="132133" y="780690"/>
+            <a:ext cx="819295" cy="0"/>
+          </a:xfrm>
+          <a:prstGeom prst="line">
+            <a:avLst/>
+          </a:prstGeom>
+          <a:ln>
+            <a:solidFill>
+              <a:schemeClr val="tx1"/>
+            </a:solidFill>
+          </a:ln>
+        </p:spPr>
+        <p:style>
+          <a:lnRef idx="1">
+            <a:schemeClr val="accent1"/>
+          </a:lnRef>
+          <a:fillRef idx="0">
+            <a:schemeClr val="accent1"/>
+          </a:fillRef>
+          <a:effectRef idx="0">
+            <a:schemeClr val="accent1"/>
+          </a:effectRef>
+          <a:fontRef idx="minor">
+            <a:schemeClr val="tx1"/>
+          </a:fontRef>
+        </p:style>
+      </p:cxnSp>
+      <p:pic>
+        <p:nvPicPr>
+          <p:cNvPr id="5" name="그림 4">
+            <a:extLst>
+              <a:ext uri="{FF2B5EF4-FFF2-40B4-BE49-F238E27FC236}">
+                <a16:creationId xmlns:a16="http://schemas.microsoft.com/office/drawing/2014/main" id="{3C3D0E0B-CD9C-49D5-A005-03EE964CB6A5}"/>
+              </a:ext>
+            </a:extLst>
+          </p:cNvPr>
+          <p:cNvPicPr>
+            <a:picLocks noChangeAspect="1"/>
+          </p:cNvPicPr>
+          <p:nvPr/>
+        </p:nvPicPr>
+        <p:blipFill>
+          <a:blip r:embed="rId2"/>
+          <a:stretch>
+            <a:fillRect/>
+          </a:stretch>
+        </p:blipFill>
+        <p:spPr>
+          <a:xfrm>
+            <a:off x="3233231" y="1831503"/>
+            <a:ext cx="5725537" cy="723918"/>
+          </a:xfrm>
+          <a:prstGeom prst="rect">
+            <a:avLst/>
+          </a:prstGeom>
+        </p:spPr>
+      </p:pic>
+      <p:sp>
+        <p:nvSpPr>
+          <p:cNvPr id="8" name="TextBox 7">
+            <a:extLst>
+              <a:ext uri="{FF2B5EF4-FFF2-40B4-BE49-F238E27FC236}">
+                <a16:creationId xmlns:a16="http://schemas.microsoft.com/office/drawing/2014/main" id="{B5030198-9985-4926-B220-63CD579105FE}"/>
+              </a:ext>
+            </a:extLst>
+          </p:cNvPr>
+          <p:cNvSpPr txBox="1"/>
+          <p:nvPr/>
+        </p:nvSpPr>
+        <p:spPr>
+          <a:xfrm>
+            <a:off x="4722292" y="2555421"/>
+            <a:ext cx="2747420" cy="523220"/>
+          </a:xfrm>
+          <a:prstGeom prst="rect">
+            <a:avLst/>
+          </a:prstGeom>
+          <a:noFill/>
+        </p:spPr>
+        <p:txBody>
+          <a:bodyPr wrap="none" rtlCol="0">
+            <a:spAutoFit/>
+          </a:bodyPr>
+          <a:lstStyle/>
+          <a:p>
+            <a:pPr algn="ctr"/>
+            <a:r>
+              <a:rPr lang="en-US" altLang="ko-KR" sz="2800">
+                <a:latin typeface="나눔스퀘어OTF Light" panose="020B0600000101010101" pitchFamily="34" charset="-127"/>
+                <a:ea typeface="나눔스퀘어OTF Light" panose="020B0600000101010101" pitchFamily="34" charset="-127"/>
+              </a:rPr>
+              <a:t>External Forces</a:t>
+            </a:r>
+          </a:p>
+        </p:txBody>
+      </p:sp>
+      <p:sp>
+        <p:nvSpPr>
+          <p:cNvPr id="10" name="TextBox 9">
+            <a:extLst>
+              <a:ext uri="{FF2B5EF4-FFF2-40B4-BE49-F238E27FC236}">
+                <a16:creationId xmlns:a16="http://schemas.microsoft.com/office/drawing/2014/main" id="{6677E081-8D53-4BF9-AEAF-1BF4A4580B6D}"/>
+              </a:ext>
+            </a:extLst>
+          </p:cNvPr>
+          <p:cNvSpPr txBox="1"/>
+          <p:nvPr/>
+        </p:nvSpPr>
+        <p:spPr>
+          <a:xfrm>
+            <a:off x="2482254" y="3931605"/>
+            <a:ext cx="7227491" cy="1631216"/>
+          </a:xfrm>
+          <a:prstGeom prst="rect">
+            <a:avLst/>
+          </a:prstGeom>
+          <a:noFill/>
+        </p:spPr>
+        <p:txBody>
+          <a:bodyPr wrap="none" rtlCol="0">
+            <a:spAutoFit/>
+          </a:bodyPr>
+          <a:lstStyle/>
+          <a:p>
+            <a:r>
+              <a:rPr lang="ko-KR" altLang="en-US" sz="2000">
+                <a:latin typeface="나눔스퀘어OTF Light" panose="020B0600000101010101" pitchFamily="34" charset="-127"/>
+                <a:ea typeface="나눔스퀘어OTF Light" panose="020B0600000101010101" pitchFamily="34" charset="-127"/>
+              </a:rPr>
+              <a:t>외부 힘을 적용하기 위해서는 </a:t>
+            </a:r>
+            <a:r>
+              <a:rPr lang="en-US" altLang="ko-KR" sz="2000">
+                <a:latin typeface="나눔스퀘어OTF Light" panose="020B0600000101010101" pitchFamily="34" charset="-127"/>
+                <a:ea typeface="나눔스퀘어OTF Light" panose="020B0600000101010101" pitchFamily="34" charset="-127"/>
+              </a:rPr>
+              <a:t>External Fordces </a:t>
+            </a:r>
+            <a:r>
+              <a:rPr lang="ko-KR" altLang="en-US" sz="2000">
+                <a:latin typeface="나눔스퀘어OTF Light" panose="020B0600000101010101" pitchFamily="34" charset="-127"/>
+                <a:ea typeface="나눔스퀘어OTF Light" panose="020B0600000101010101" pitchFamily="34" charset="-127"/>
+              </a:rPr>
+              <a:t>모듈을 추가해야 함</a:t>
+            </a:r>
+            <a:endParaRPr lang="en-US" altLang="ko-KR" sz="2000">
+              <a:latin typeface="나눔스퀘어OTF Light" panose="020B0600000101010101" pitchFamily="34" charset="-127"/>
+              <a:ea typeface="나눔스퀘어OTF Light" panose="020B0600000101010101" pitchFamily="34" charset="-127"/>
+            </a:endParaRPr>
+          </a:p>
+          <a:p>
+            <a:endParaRPr lang="en-US" altLang="ko-KR" sz="2000">
+              <a:latin typeface="나눔스퀘어OTF Light" panose="020B0600000101010101" pitchFamily="34" charset="-127"/>
+              <a:ea typeface="나눔스퀘어OTF Light" panose="020B0600000101010101" pitchFamily="34" charset="-127"/>
+            </a:endParaRPr>
+          </a:p>
+          <a:p>
+            <a:r>
+              <a:rPr lang="en-US" altLang="ko-KR" sz="2000">
+                <a:latin typeface="나눔스퀘어OTF Light" panose="020B0600000101010101" pitchFamily="34" charset="-127"/>
+                <a:ea typeface="나눔스퀘어OTF Light" panose="020B0600000101010101" pitchFamily="34" charset="-127"/>
+              </a:rPr>
+              <a:t>Multiplier : </a:t>
+            </a:r>
+            <a:r>
+              <a:rPr lang="ko-KR" altLang="en-US" sz="2000">
+                <a:latin typeface="나눔스퀘어OTF Light" panose="020B0600000101010101" pitchFamily="34" charset="-127"/>
+                <a:ea typeface="나눔스퀘어OTF Light" panose="020B0600000101010101" pitchFamily="34" charset="-127"/>
+              </a:rPr>
+              <a:t>외부 힘 계수</a:t>
+            </a:r>
+            <a:endParaRPr lang="en-US" altLang="ko-KR" sz="2000">
+              <a:latin typeface="나눔스퀘어OTF Light" panose="020B0600000101010101" pitchFamily="34" charset="-127"/>
+              <a:ea typeface="나눔스퀘어OTF Light" panose="020B0600000101010101" pitchFamily="34" charset="-127"/>
+            </a:endParaRPr>
+          </a:p>
+          <a:p>
+            <a:r>
+              <a:rPr lang="en-US" altLang="ko-KR" sz="2000">
+                <a:latin typeface="나눔스퀘어OTF Light" panose="020B0600000101010101" pitchFamily="34" charset="-127"/>
+                <a:ea typeface="나눔스퀘어OTF Light" panose="020B0600000101010101" pitchFamily="34" charset="-127"/>
+              </a:rPr>
+              <a:t>Influence Filter : </a:t>
+            </a:r>
+            <a:r>
+              <a:rPr lang="ko-KR" altLang="en-US" sz="2000">
+                <a:latin typeface="나눔스퀘어OTF Light" panose="020B0600000101010101" pitchFamily="34" charset="-127"/>
+                <a:ea typeface="나눔스퀘어OTF Light" panose="020B0600000101010101" pitchFamily="34" charset="-127"/>
+              </a:rPr>
+              <a:t>영향을 받을 필드</a:t>
+            </a:r>
+            <a:endParaRPr lang="en-US" altLang="ko-KR" sz="2000">
+              <a:latin typeface="나눔스퀘어OTF Light" panose="020B0600000101010101" pitchFamily="34" charset="-127"/>
+              <a:ea typeface="나눔스퀘어OTF Light" panose="020B0600000101010101" pitchFamily="34" charset="-127"/>
+            </a:endParaRPr>
+          </a:p>
+          <a:p>
+            <a:r>
+              <a:rPr lang="en-US" altLang="ko-KR" sz="2000">
+                <a:latin typeface="나눔스퀘어OTF Light" panose="020B0600000101010101" pitchFamily="34" charset="-127"/>
+                <a:ea typeface="나눔스퀘어OTF Light" panose="020B0600000101010101" pitchFamily="34" charset="-127"/>
+              </a:rPr>
+              <a:t>Infulence Mask : </a:t>
+            </a:r>
+            <a:r>
+              <a:rPr lang="ko-KR" altLang="en-US" sz="2000">
+                <a:latin typeface="나눔스퀘어OTF Light" panose="020B0600000101010101" pitchFamily="34" charset="-127"/>
+                <a:ea typeface="나눔스퀘어OTF Light" panose="020B0600000101010101" pitchFamily="34" charset="-127"/>
+              </a:rPr>
+              <a:t>영향을 받을 필드의 마스크</a:t>
+            </a:r>
+            <a:endParaRPr lang="en-US" altLang="ko-KR" sz="2000">
+              <a:latin typeface="나눔스퀘어OTF Light" panose="020B0600000101010101" pitchFamily="34" charset="-127"/>
+              <a:ea typeface="나눔스퀘어OTF Light" panose="020B0600000101010101" pitchFamily="34" charset="-127"/>
+            </a:endParaRPr>
+          </a:p>
+        </p:txBody>
+      </p:sp>
+    </p:spTree>
+    <p:extLst>
+      <p:ext uri="{BB962C8B-B14F-4D97-AF65-F5344CB8AC3E}">
+        <p14:creationId xmlns:p14="http://schemas.microsoft.com/office/powerpoint/2010/main" val="873983384"/>
+      </p:ext>
+    </p:extLst>
+  </p:cSld>
+  <p:clrMapOvr>
+    <a:masterClrMapping/>
+  </p:clrMapOvr>
+</p:sld>
+</file>
+
+<file path=ppt/slides/slide47.xml><?xml version="1.0" encoding="utf-8"?>
+<p:sld xmlns:a="http://schemas.openxmlformats.org/drawingml/2006/main" xmlns:r="http://schemas.openxmlformats.org/officeDocument/2006/relationships" xmlns:p="http://schemas.openxmlformats.org/presentationml/2006/main">
+  <p:cSld>
+    <p:spTree>
+      <p:nvGrpSpPr>
+        <p:cNvPr id="1" name=""/>
+        <p:cNvGrpSpPr/>
+        <p:nvPr/>
+      </p:nvGrpSpPr>
+      <p:grpSpPr>
+        <a:xfrm>
+          <a:off x="0" y="0"/>
+          <a:ext cx="0" cy="0"/>
+          <a:chOff x="0" y="0"/>
+          <a:chExt cx="0" cy="0"/>
+        </a:xfrm>
+      </p:grpSpPr>
+      <p:sp>
+        <p:nvSpPr>
+          <p:cNvPr id="6" name="TextBox 5">
+            <a:extLst>
+              <a:ext uri="{FF2B5EF4-FFF2-40B4-BE49-F238E27FC236}">
+                <a16:creationId xmlns:a16="http://schemas.microsoft.com/office/drawing/2014/main" id="{F453C929-8CA3-4E79-AF5D-99EC8407C6CF}"/>
+              </a:ext>
+            </a:extLst>
+          </p:cNvPr>
+          <p:cNvSpPr txBox="1"/>
+          <p:nvPr/>
+        </p:nvSpPr>
+        <p:spPr>
+          <a:xfrm>
+            <a:off x="171888" y="194702"/>
+            <a:ext cx="4185761" cy="523220"/>
+          </a:xfrm>
+          <a:prstGeom prst="rect">
+            <a:avLst/>
+          </a:prstGeom>
+          <a:noFill/>
+        </p:spPr>
+        <p:txBody>
+          <a:bodyPr wrap="none" rtlCol="0">
+            <a:spAutoFit/>
+          </a:bodyPr>
+          <a:lstStyle/>
+          <a:p>
+            <a:r>
+              <a:rPr lang="en-US" altLang="ko-KR" sz="2800">
+                <a:latin typeface="나눔스퀘어OTF Light" panose="020B0600000101010101" pitchFamily="34" charset="-127"/>
+                <a:ea typeface="나눔스퀘어OTF Light" panose="020B0600000101010101" pitchFamily="34" charset="-127"/>
+              </a:rPr>
+              <a:t>2. </a:t>
+            </a:r>
+            <a:r>
+              <a:rPr lang="ko-KR" altLang="en-US" sz="2800">
+                <a:latin typeface="나눔스퀘어OTF Light" panose="020B0600000101010101" pitchFamily="34" charset="-127"/>
+                <a:ea typeface="나눔스퀘어OTF Light" panose="020B0600000101010101" pitchFamily="34" charset="-127"/>
+              </a:rPr>
+              <a:t>파티클 시스템 포스 필드</a:t>
+            </a:r>
+          </a:p>
+        </p:txBody>
+      </p:sp>
+      <p:cxnSp>
+        <p:nvCxnSpPr>
+          <p:cNvPr id="4" name="직선 연결선 3">
+            <a:extLst>
+              <a:ext uri="{FF2B5EF4-FFF2-40B4-BE49-F238E27FC236}">
+                <a16:creationId xmlns:a16="http://schemas.microsoft.com/office/drawing/2014/main" id="{7442459B-3DED-44F0-9E4C-B50601FEB425}"/>
+              </a:ext>
+            </a:extLst>
+          </p:cNvPr>
+          <p:cNvCxnSpPr>
+            <a:cxnSpLocks/>
+          </p:cNvCxnSpPr>
+          <p:nvPr/>
+        </p:nvCxnSpPr>
+        <p:spPr>
+          <a:xfrm>
+            <a:off x="132133" y="780690"/>
+            <a:ext cx="819295" cy="0"/>
+          </a:xfrm>
+          <a:prstGeom prst="line">
+            <a:avLst/>
+          </a:prstGeom>
+          <a:ln>
+            <a:solidFill>
+              <a:schemeClr val="tx1"/>
+            </a:solidFill>
+          </a:ln>
+        </p:spPr>
+        <p:style>
+          <a:lnRef idx="1">
+            <a:schemeClr val="accent1"/>
+          </a:lnRef>
+          <a:fillRef idx="0">
+            <a:schemeClr val="accent1"/>
+          </a:fillRef>
+          <a:effectRef idx="0">
+            <a:schemeClr val="accent1"/>
+          </a:effectRef>
+          <a:fontRef idx="minor">
+            <a:schemeClr val="tx1"/>
+          </a:fontRef>
+        </p:style>
+      </p:cxnSp>
+      <p:pic>
+        <p:nvPicPr>
+          <p:cNvPr id="3" name="그림 2">
+            <a:extLst>
+              <a:ext uri="{FF2B5EF4-FFF2-40B4-BE49-F238E27FC236}">
+                <a16:creationId xmlns:a16="http://schemas.microsoft.com/office/drawing/2014/main" id="{541CE4AB-31DA-4D43-ADA6-0D1B9B317B38}"/>
+              </a:ext>
+            </a:extLst>
+          </p:cNvPr>
+          <p:cNvPicPr>
+            <a:picLocks noChangeAspect="1"/>
+          </p:cNvPicPr>
+          <p:nvPr/>
+        </p:nvPicPr>
+        <p:blipFill>
+          <a:blip r:embed="rId2"/>
+          <a:stretch>
+            <a:fillRect/>
+          </a:stretch>
+        </p:blipFill>
+        <p:spPr>
+          <a:xfrm>
+            <a:off x="4005567" y="1376472"/>
+            <a:ext cx="4180866" cy="746242"/>
+          </a:xfrm>
+          <a:prstGeom prst="rect">
+            <a:avLst/>
+          </a:prstGeom>
+        </p:spPr>
+      </p:pic>
+      <p:sp>
+        <p:nvSpPr>
+          <p:cNvPr id="9" name="TextBox 8">
+            <a:extLst>
+              <a:ext uri="{FF2B5EF4-FFF2-40B4-BE49-F238E27FC236}">
+                <a16:creationId xmlns:a16="http://schemas.microsoft.com/office/drawing/2014/main" id="{E53678D8-A46F-495A-927B-A2075684036C}"/>
+              </a:ext>
+            </a:extLst>
+          </p:cNvPr>
+          <p:cNvSpPr txBox="1"/>
+          <p:nvPr/>
+        </p:nvSpPr>
+        <p:spPr>
+          <a:xfrm>
+            <a:off x="4471196" y="2192612"/>
+            <a:ext cx="3249608" cy="400110"/>
+          </a:xfrm>
+          <a:prstGeom prst="rect">
+            <a:avLst/>
+          </a:prstGeom>
+          <a:noFill/>
+        </p:spPr>
+        <p:txBody>
+          <a:bodyPr wrap="none" rtlCol="0">
+            <a:spAutoFit/>
+          </a:bodyPr>
+          <a:lstStyle/>
+          <a:p>
+            <a:pPr algn="ctr"/>
+            <a:r>
+              <a:rPr lang="ko-KR" altLang="en-US" sz="2000">
+                <a:latin typeface="나눔스퀘어OTF Light" panose="020B0600000101010101" pitchFamily="34" charset="-127"/>
+                <a:ea typeface="나눔스퀘어OTF Light" panose="020B0600000101010101" pitchFamily="34" charset="-127"/>
+              </a:rPr>
+              <a:t>필드의 모양과 범위를 설정함</a:t>
+            </a:r>
+            <a:endParaRPr lang="en-US" altLang="ko-KR" sz="2000">
+              <a:latin typeface="나눔스퀘어OTF Light" panose="020B0600000101010101" pitchFamily="34" charset="-127"/>
+              <a:ea typeface="나눔스퀘어OTF Light" panose="020B0600000101010101" pitchFamily="34" charset="-127"/>
+            </a:endParaRPr>
+          </a:p>
+        </p:txBody>
+      </p:sp>
+      <p:pic>
+        <p:nvPicPr>
+          <p:cNvPr id="11" name="그림 10">
+            <a:extLst>
+              <a:ext uri="{FF2B5EF4-FFF2-40B4-BE49-F238E27FC236}">
+                <a16:creationId xmlns:a16="http://schemas.microsoft.com/office/drawing/2014/main" id="{DBD47FDB-044A-4D25-8DDC-034014B7337E}"/>
+              </a:ext>
+            </a:extLst>
+          </p:cNvPr>
+          <p:cNvPicPr>
+            <a:picLocks noChangeAspect="1"/>
+          </p:cNvPicPr>
+          <p:nvPr/>
+        </p:nvPicPr>
+        <p:blipFill>
+          <a:blip r:embed="rId3"/>
+          <a:stretch>
+            <a:fillRect/>
+          </a:stretch>
+        </p:blipFill>
+        <p:spPr>
+          <a:xfrm>
+            <a:off x="1724526" y="3094563"/>
+            <a:ext cx="3741577" cy="3281448"/>
+          </a:xfrm>
+          <a:prstGeom prst="rect">
+            <a:avLst/>
+          </a:prstGeom>
+        </p:spPr>
+      </p:pic>
+      <p:pic>
+        <p:nvPicPr>
+          <p:cNvPr id="13" name="그림 12">
+            <a:extLst>
+              <a:ext uri="{FF2B5EF4-FFF2-40B4-BE49-F238E27FC236}">
+                <a16:creationId xmlns:a16="http://schemas.microsoft.com/office/drawing/2014/main" id="{082EA754-ED9B-46AE-B9FD-BA0035D0C0DB}"/>
+              </a:ext>
+            </a:extLst>
+          </p:cNvPr>
+          <p:cNvPicPr>
+            <a:picLocks noChangeAspect="1"/>
+          </p:cNvPicPr>
+          <p:nvPr/>
+        </p:nvPicPr>
+        <p:blipFill>
+          <a:blip r:embed="rId4"/>
+          <a:stretch>
+            <a:fillRect/>
+          </a:stretch>
+        </p:blipFill>
+        <p:spPr>
+          <a:xfrm>
+            <a:off x="6725899" y="3016853"/>
+            <a:ext cx="3602040" cy="3436867"/>
+          </a:xfrm>
+          <a:prstGeom prst="rect">
+            <a:avLst/>
+          </a:prstGeom>
+        </p:spPr>
+      </p:pic>
+    </p:spTree>
+    <p:extLst>
+      <p:ext uri="{BB962C8B-B14F-4D97-AF65-F5344CB8AC3E}">
+        <p14:creationId xmlns:p14="http://schemas.microsoft.com/office/powerpoint/2010/main" val="728070284"/>
+      </p:ext>
+    </p:extLst>
+  </p:cSld>
+  <p:clrMapOvr>
+    <a:masterClrMapping/>
+  </p:clrMapOvr>
+</p:sld>
+</file>
+
+<file path=ppt/slides/slide48.xml><?xml version="1.0" encoding="utf-8"?>
+<p:sld xmlns:a="http://schemas.openxmlformats.org/drawingml/2006/main" xmlns:r="http://schemas.openxmlformats.org/officeDocument/2006/relationships" xmlns:p="http://schemas.openxmlformats.org/presentationml/2006/main">
+  <p:cSld>
+    <p:spTree>
+      <p:nvGrpSpPr>
+        <p:cNvPr id="1" name=""/>
+        <p:cNvGrpSpPr/>
+        <p:nvPr/>
+      </p:nvGrpSpPr>
+      <p:grpSpPr>
+        <a:xfrm>
+          <a:off x="0" y="0"/>
+          <a:ext cx="0" cy="0"/>
+          <a:chOff x="0" y="0"/>
+          <a:chExt cx="0" cy="0"/>
+        </a:xfrm>
+      </p:grpSpPr>
+      <p:sp>
+        <p:nvSpPr>
+          <p:cNvPr id="6" name="TextBox 5">
+            <a:extLst>
+              <a:ext uri="{FF2B5EF4-FFF2-40B4-BE49-F238E27FC236}">
+                <a16:creationId xmlns:a16="http://schemas.microsoft.com/office/drawing/2014/main" id="{F453C929-8CA3-4E79-AF5D-99EC8407C6CF}"/>
+              </a:ext>
+            </a:extLst>
+          </p:cNvPr>
+          <p:cNvSpPr txBox="1"/>
+          <p:nvPr/>
+        </p:nvSpPr>
+        <p:spPr>
+          <a:xfrm>
+            <a:off x="171888" y="194702"/>
+            <a:ext cx="4185761" cy="523220"/>
+          </a:xfrm>
+          <a:prstGeom prst="rect">
+            <a:avLst/>
+          </a:prstGeom>
+          <a:noFill/>
+        </p:spPr>
+        <p:txBody>
+          <a:bodyPr wrap="none" rtlCol="0">
+            <a:spAutoFit/>
+          </a:bodyPr>
+          <a:lstStyle/>
+          <a:p>
+            <a:r>
+              <a:rPr lang="en-US" altLang="ko-KR" sz="2800">
+                <a:latin typeface="나눔스퀘어OTF Light" panose="020B0600000101010101" pitchFamily="34" charset="-127"/>
+                <a:ea typeface="나눔스퀘어OTF Light" panose="020B0600000101010101" pitchFamily="34" charset="-127"/>
+              </a:rPr>
+              <a:t>2. </a:t>
+            </a:r>
+            <a:r>
+              <a:rPr lang="ko-KR" altLang="en-US" sz="2800">
+                <a:latin typeface="나눔스퀘어OTF Light" panose="020B0600000101010101" pitchFamily="34" charset="-127"/>
+                <a:ea typeface="나눔스퀘어OTF Light" panose="020B0600000101010101" pitchFamily="34" charset="-127"/>
+              </a:rPr>
+              <a:t>파티클 시스템 포스 필드</a:t>
+            </a:r>
+          </a:p>
+        </p:txBody>
+      </p:sp>
+      <p:cxnSp>
+        <p:nvCxnSpPr>
+          <p:cNvPr id="4" name="직선 연결선 3">
+            <a:extLst>
+              <a:ext uri="{FF2B5EF4-FFF2-40B4-BE49-F238E27FC236}">
+                <a16:creationId xmlns:a16="http://schemas.microsoft.com/office/drawing/2014/main" id="{7442459B-3DED-44F0-9E4C-B50601FEB425}"/>
+              </a:ext>
+            </a:extLst>
+          </p:cNvPr>
+          <p:cNvCxnSpPr>
+            <a:cxnSpLocks/>
+          </p:cNvCxnSpPr>
+          <p:nvPr/>
+        </p:nvCxnSpPr>
+        <p:spPr>
+          <a:xfrm>
+            <a:off x="132133" y="780690"/>
+            <a:ext cx="819295" cy="0"/>
+          </a:xfrm>
+          <a:prstGeom prst="line">
+            <a:avLst/>
+          </a:prstGeom>
+          <a:ln>
+            <a:solidFill>
+              <a:schemeClr val="tx1"/>
+            </a:solidFill>
+          </a:ln>
+        </p:spPr>
+        <p:style>
+          <a:lnRef idx="1">
+            <a:schemeClr val="accent1"/>
+          </a:lnRef>
+          <a:fillRef idx="0">
+            <a:schemeClr val="accent1"/>
+          </a:fillRef>
+          <a:effectRef idx="0">
+            <a:schemeClr val="accent1"/>
+          </a:effectRef>
+          <a:fontRef idx="minor">
+            <a:schemeClr val="tx1"/>
+          </a:fontRef>
+        </p:style>
+      </p:cxnSp>
+      <p:sp>
+        <p:nvSpPr>
+          <p:cNvPr id="9" name="TextBox 8">
+            <a:extLst>
+              <a:ext uri="{FF2B5EF4-FFF2-40B4-BE49-F238E27FC236}">
+                <a16:creationId xmlns:a16="http://schemas.microsoft.com/office/drawing/2014/main" id="{E53678D8-A46F-495A-927B-A2075684036C}"/>
+              </a:ext>
+            </a:extLst>
+          </p:cNvPr>
+          <p:cNvSpPr txBox="1"/>
+          <p:nvPr/>
+        </p:nvSpPr>
+        <p:spPr>
+          <a:xfrm>
+            <a:off x="4120142" y="2192612"/>
+            <a:ext cx="3951723" cy="400110"/>
+          </a:xfrm>
+          <a:prstGeom prst="rect">
+            <a:avLst/>
+          </a:prstGeom>
+          <a:noFill/>
+        </p:spPr>
+        <p:txBody>
+          <a:bodyPr wrap="none" rtlCol="0">
+            <a:spAutoFit/>
+          </a:bodyPr>
+          <a:lstStyle/>
+          <a:p>
+            <a:pPr algn="ctr"/>
+            <a:r>
+              <a:rPr lang="ko-KR" altLang="en-US" sz="2000">
+                <a:latin typeface="나눔스퀘어OTF Light" panose="020B0600000101010101" pitchFamily="34" charset="-127"/>
+                <a:ea typeface="나눔스퀘어OTF Light" panose="020B0600000101010101" pitchFamily="34" charset="-127"/>
+              </a:rPr>
+              <a:t>일정한 방향으로 파티클을 이동시킴</a:t>
+            </a:r>
+            <a:endParaRPr lang="en-US" altLang="ko-KR" sz="2000">
+              <a:latin typeface="나눔스퀘어OTF Light" panose="020B0600000101010101" pitchFamily="34" charset="-127"/>
+              <a:ea typeface="나눔스퀘어OTF Light" panose="020B0600000101010101" pitchFamily="34" charset="-127"/>
+            </a:endParaRPr>
+          </a:p>
+        </p:txBody>
+      </p:sp>
+      <p:pic>
+        <p:nvPicPr>
+          <p:cNvPr id="5" name="그림 4">
+            <a:extLst>
+              <a:ext uri="{FF2B5EF4-FFF2-40B4-BE49-F238E27FC236}">
+                <a16:creationId xmlns:a16="http://schemas.microsoft.com/office/drawing/2014/main" id="{F7D261BB-78DC-49A3-BBF8-89C00DF15F68}"/>
+              </a:ext>
+            </a:extLst>
+          </p:cNvPr>
+          <p:cNvPicPr>
+            <a:picLocks noChangeAspect="1"/>
+          </p:cNvPicPr>
+          <p:nvPr/>
+        </p:nvPicPr>
+        <p:blipFill>
+          <a:blip r:embed="rId2"/>
+          <a:stretch>
+            <a:fillRect/>
+          </a:stretch>
+        </p:blipFill>
+        <p:spPr>
+          <a:xfrm>
+            <a:off x="4027239" y="1300527"/>
+            <a:ext cx="4137521" cy="780487"/>
+          </a:xfrm>
+          <a:prstGeom prst="rect">
+            <a:avLst/>
+          </a:prstGeom>
+        </p:spPr>
+      </p:pic>
+      <p:pic>
+        <p:nvPicPr>
+          <p:cNvPr id="8" name="그림 7">
+            <a:extLst>
+              <a:ext uri="{FF2B5EF4-FFF2-40B4-BE49-F238E27FC236}">
+                <a16:creationId xmlns:a16="http://schemas.microsoft.com/office/drawing/2014/main" id="{181607A3-F38C-47D1-8D29-AA07EE2959FB}"/>
+              </a:ext>
+            </a:extLst>
+          </p:cNvPr>
+          <p:cNvPicPr>
+            <a:picLocks noChangeAspect="1"/>
+          </p:cNvPicPr>
+          <p:nvPr/>
+        </p:nvPicPr>
+        <p:blipFill>
+          <a:blip r:embed="rId3"/>
+          <a:stretch>
+            <a:fillRect/>
+          </a:stretch>
+        </p:blipFill>
+        <p:spPr>
+          <a:xfrm>
+            <a:off x="3977455" y="2865505"/>
+            <a:ext cx="4237087" cy="3657917"/>
+          </a:xfrm>
+          <a:prstGeom prst="rect">
+            <a:avLst/>
+          </a:prstGeom>
+        </p:spPr>
+      </p:pic>
+    </p:spTree>
+    <p:extLst>
+      <p:ext uri="{BB962C8B-B14F-4D97-AF65-F5344CB8AC3E}">
+        <p14:creationId xmlns:p14="http://schemas.microsoft.com/office/powerpoint/2010/main" val="699400369"/>
+      </p:ext>
+    </p:extLst>
+  </p:cSld>
+  <p:clrMapOvr>
+    <a:masterClrMapping/>
+  </p:clrMapOvr>
+</p:sld>
+</file>
+
+<file path=ppt/slides/slide49.xml><?xml version="1.0" encoding="utf-8"?>
+<p:sld xmlns:a="http://schemas.openxmlformats.org/drawingml/2006/main" xmlns:r="http://schemas.openxmlformats.org/officeDocument/2006/relationships" xmlns:p="http://schemas.openxmlformats.org/presentationml/2006/main">
+  <p:cSld>
+    <p:spTree>
+      <p:nvGrpSpPr>
+        <p:cNvPr id="1" name=""/>
+        <p:cNvGrpSpPr/>
+        <p:nvPr/>
+      </p:nvGrpSpPr>
+      <p:grpSpPr>
+        <a:xfrm>
+          <a:off x="0" y="0"/>
+          <a:ext cx="0" cy="0"/>
+          <a:chOff x="0" y="0"/>
+          <a:chExt cx="0" cy="0"/>
+        </a:xfrm>
+      </p:grpSpPr>
+      <p:sp>
+        <p:nvSpPr>
+          <p:cNvPr id="6" name="TextBox 5">
+            <a:extLst>
+              <a:ext uri="{FF2B5EF4-FFF2-40B4-BE49-F238E27FC236}">
+                <a16:creationId xmlns:a16="http://schemas.microsoft.com/office/drawing/2014/main" id="{F453C929-8CA3-4E79-AF5D-99EC8407C6CF}"/>
+              </a:ext>
+            </a:extLst>
+          </p:cNvPr>
+          <p:cNvSpPr txBox="1"/>
+          <p:nvPr/>
+        </p:nvSpPr>
+        <p:spPr>
+          <a:xfrm>
+            <a:off x="171888" y="194702"/>
+            <a:ext cx="4185761" cy="523220"/>
+          </a:xfrm>
+          <a:prstGeom prst="rect">
+            <a:avLst/>
+          </a:prstGeom>
+          <a:noFill/>
+        </p:spPr>
+        <p:txBody>
+          <a:bodyPr wrap="none" rtlCol="0">
+            <a:spAutoFit/>
+          </a:bodyPr>
+          <a:lstStyle/>
+          <a:p>
+            <a:r>
+              <a:rPr lang="en-US" altLang="ko-KR" sz="2800">
+                <a:latin typeface="나눔스퀘어OTF Light" panose="020B0600000101010101" pitchFamily="34" charset="-127"/>
+                <a:ea typeface="나눔스퀘어OTF Light" panose="020B0600000101010101" pitchFamily="34" charset="-127"/>
+              </a:rPr>
+              <a:t>2. </a:t>
+            </a:r>
+            <a:r>
+              <a:rPr lang="ko-KR" altLang="en-US" sz="2800">
+                <a:latin typeface="나눔스퀘어OTF Light" panose="020B0600000101010101" pitchFamily="34" charset="-127"/>
+                <a:ea typeface="나눔스퀘어OTF Light" panose="020B0600000101010101" pitchFamily="34" charset="-127"/>
+              </a:rPr>
+              <a:t>파티클 시스템 포스 필드</a:t>
+            </a:r>
+          </a:p>
+        </p:txBody>
+      </p:sp>
+      <p:cxnSp>
+        <p:nvCxnSpPr>
+          <p:cNvPr id="4" name="직선 연결선 3">
+            <a:extLst>
+              <a:ext uri="{FF2B5EF4-FFF2-40B4-BE49-F238E27FC236}">
+                <a16:creationId xmlns:a16="http://schemas.microsoft.com/office/drawing/2014/main" id="{7442459B-3DED-44F0-9E4C-B50601FEB425}"/>
+              </a:ext>
+            </a:extLst>
+          </p:cNvPr>
+          <p:cNvCxnSpPr>
+            <a:cxnSpLocks/>
+          </p:cNvCxnSpPr>
+          <p:nvPr/>
+        </p:nvCxnSpPr>
+        <p:spPr>
+          <a:xfrm>
+            <a:off x="132133" y="780690"/>
+            <a:ext cx="819295" cy="0"/>
+          </a:xfrm>
+          <a:prstGeom prst="line">
+            <a:avLst/>
+          </a:prstGeom>
+          <a:ln>
+            <a:solidFill>
+              <a:schemeClr val="tx1"/>
+            </a:solidFill>
+          </a:ln>
+        </p:spPr>
+        <p:style>
+          <a:lnRef idx="1">
+            <a:schemeClr val="accent1"/>
+          </a:lnRef>
+          <a:fillRef idx="0">
+            <a:schemeClr val="accent1"/>
+          </a:fillRef>
+          <a:effectRef idx="0">
+            <a:schemeClr val="accent1"/>
+          </a:effectRef>
+          <a:fontRef idx="minor">
+            <a:schemeClr val="tx1"/>
+          </a:fontRef>
+        </p:style>
+      </p:cxnSp>
+      <p:sp>
+        <p:nvSpPr>
+          <p:cNvPr id="9" name="TextBox 8">
+            <a:extLst>
+              <a:ext uri="{FF2B5EF4-FFF2-40B4-BE49-F238E27FC236}">
+                <a16:creationId xmlns:a16="http://schemas.microsoft.com/office/drawing/2014/main" id="{E53678D8-A46F-495A-927B-A2075684036C}"/>
+              </a:ext>
+            </a:extLst>
+          </p:cNvPr>
+          <p:cNvSpPr txBox="1"/>
+          <p:nvPr/>
+        </p:nvSpPr>
+        <p:spPr>
+          <a:xfrm>
+            <a:off x="3397195" y="2192612"/>
+            <a:ext cx="5397631" cy="400110"/>
+          </a:xfrm>
+          <a:prstGeom prst="rect">
+            <a:avLst/>
+          </a:prstGeom>
+          <a:noFill/>
+        </p:spPr>
+        <p:txBody>
+          <a:bodyPr wrap="none" rtlCol="0">
+            <a:spAutoFit/>
+          </a:bodyPr>
+          <a:lstStyle/>
+          <a:p>
+            <a:pPr algn="ctr"/>
+            <a:r>
+              <a:rPr lang="ko-KR" altLang="en-US" sz="2000">
+                <a:latin typeface="나눔스퀘어OTF Light" panose="020B0600000101010101" pitchFamily="34" charset="-127"/>
+                <a:ea typeface="나눔스퀘어OTF Light" panose="020B0600000101010101" pitchFamily="34" charset="-127"/>
+              </a:rPr>
+              <a:t>중력장 효과를 추가함 </a:t>
+            </a:r>
+            <a:r>
+              <a:rPr lang="en-US" altLang="ko-KR" sz="2000">
+                <a:latin typeface="나눔스퀘어OTF Light" panose="020B0600000101010101" pitchFamily="34" charset="-127"/>
+                <a:ea typeface="나눔스퀘어OTF Light" panose="020B0600000101010101" pitchFamily="34" charset="-127"/>
+              </a:rPr>
+              <a:t>(</a:t>
+            </a:r>
+            <a:r>
+              <a:rPr lang="ko-KR" altLang="en-US" sz="2000">
+                <a:latin typeface="나눔스퀘어OTF Light" panose="020B0600000101010101" pitchFamily="34" charset="-127"/>
+                <a:ea typeface="나눔스퀘어OTF Light" panose="020B0600000101010101" pitchFamily="34" charset="-127"/>
+              </a:rPr>
+              <a:t>파티클이 공전하듯 움직임</a:t>
+            </a:r>
+            <a:r>
+              <a:rPr lang="en-US" altLang="ko-KR" sz="2000">
+                <a:latin typeface="나눔스퀘어OTF Light" panose="020B0600000101010101" pitchFamily="34" charset="-127"/>
+                <a:ea typeface="나눔스퀘어OTF Light" panose="020B0600000101010101" pitchFamily="34" charset="-127"/>
+              </a:rPr>
+              <a:t>)</a:t>
+            </a:r>
+          </a:p>
+        </p:txBody>
+      </p:sp>
+      <p:pic>
+        <p:nvPicPr>
+          <p:cNvPr id="3" name="그림 2">
+            <a:extLst>
+              <a:ext uri="{FF2B5EF4-FFF2-40B4-BE49-F238E27FC236}">
+                <a16:creationId xmlns:a16="http://schemas.microsoft.com/office/drawing/2014/main" id="{C4E4180B-3310-45BD-AF54-81A969A92AC0}"/>
+              </a:ext>
+            </a:extLst>
+          </p:cNvPr>
+          <p:cNvPicPr>
+            <a:picLocks noChangeAspect="1"/>
+          </p:cNvPicPr>
+          <p:nvPr/>
+        </p:nvPicPr>
+        <p:blipFill>
+          <a:blip r:embed="rId2"/>
+          <a:stretch>
+            <a:fillRect/>
+          </a:stretch>
+        </p:blipFill>
+        <p:spPr>
+          <a:xfrm>
+            <a:off x="3985983" y="1440269"/>
+            <a:ext cx="4228559" cy="608218"/>
+          </a:xfrm>
+          <a:prstGeom prst="rect">
+            <a:avLst/>
+          </a:prstGeom>
+        </p:spPr>
+      </p:pic>
+      <p:pic>
+        <p:nvPicPr>
+          <p:cNvPr id="10" name="그림 9">
+            <a:extLst>
+              <a:ext uri="{FF2B5EF4-FFF2-40B4-BE49-F238E27FC236}">
+                <a16:creationId xmlns:a16="http://schemas.microsoft.com/office/drawing/2014/main" id="{9DB94DC0-AA55-478B-9289-341661E7C5EF}"/>
+              </a:ext>
+            </a:extLst>
+          </p:cNvPr>
+          <p:cNvPicPr>
+            <a:picLocks noChangeAspect="1"/>
+          </p:cNvPicPr>
+          <p:nvPr/>
+        </p:nvPicPr>
+        <p:blipFill>
+          <a:blip r:embed="rId3"/>
+          <a:stretch>
+            <a:fillRect/>
+          </a:stretch>
+        </p:blipFill>
+        <p:spPr>
+          <a:xfrm>
+            <a:off x="4148921" y="2911774"/>
+            <a:ext cx="3894157" cy="3581710"/>
+          </a:xfrm>
+          <a:prstGeom prst="rect">
+            <a:avLst/>
+          </a:prstGeom>
+        </p:spPr>
+      </p:pic>
+      <p:sp>
+        <p:nvSpPr>
+          <p:cNvPr id="11" name="TextBox 10">
+            <a:extLst>
+              <a:ext uri="{FF2B5EF4-FFF2-40B4-BE49-F238E27FC236}">
+                <a16:creationId xmlns:a16="http://schemas.microsoft.com/office/drawing/2014/main" id="{9EB78697-4E00-4BB6-90B1-DBAA45F8B710}"/>
+              </a:ext>
+            </a:extLst>
+          </p:cNvPr>
+          <p:cNvSpPr txBox="1"/>
+          <p:nvPr/>
+        </p:nvSpPr>
+        <p:spPr>
+          <a:xfrm>
+            <a:off x="7307347" y="634412"/>
+            <a:ext cx="4652236" cy="646331"/>
+          </a:xfrm>
+          <a:prstGeom prst="rect">
+            <a:avLst/>
+          </a:prstGeom>
+          <a:noFill/>
+        </p:spPr>
+        <p:txBody>
+          <a:bodyPr wrap="none" rtlCol="0">
+            <a:spAutoFit/>
+          </a:bodyPr>
+          <a:lstStyle/>
+          <a:p>
+            <a:r>
+              <a:rPr lang="en-US" altLang="ko-KR">
+                <a:latin typeface="나눔스퀘어OTF Light" panose="020B0600000101010101" pitchFamily="34" charset="-127"/>
+                <a:ea typeface="나눔스퀘어OTF Light" panose="020B0600000101010101" pitchFamily="34" charset="-127"/>
+              </a:rPr>
+              <a:t>Strength : </a:t>
+            </a:r>
+            <a:r>
+              <a:rPr lang="ko-KR" altLang="en-US">
+                <a:latin typeface="나눔스퀘어OTF Light" panose="020B0600000101010101" pitchFamily="34" charset="-127"/>
+                <a:ea typeface="나눔스퀘어OTF Light" panose="020B0600000101010101" pitchFamily="34" charset="-127"/>
+              </a:rPr>
+              <a:t>중력의 세기</a:t>
+            </a:r>
+            <a:endParaRPr lang="en-US" altLang="ko-KR">
+              <a:latin typeface="나눔스퀘어OTF Light" panose="020B0600000101010101" pitchFamily="34" charset="-127"/>
+              <a:ea typeface="나눔스퀘어OTF Light" panose="020B0600000101010101" pitchFamily="34" charset="-127"/>
+            </a:endParaRPr>
+          </a:p>
+          <a:p>
+            <a:r>
+              <a:rPr lang="en-US" altLang="ko-KR">
+                <a:latin typeface="나눔스퀘어OTF Light" panose="020B0600000101010101" pitchFamily="34" charset="-127"/>
+                <a:ea typeface="나눔스퀘어OTF Light" panose="020B0600000101010101" pitchFamily="34" charset="-127"/>
+              </a:rPr>
+              <a:t>Focus : </a:t>
+            </a:r>
+            <a:r>
+              <a:rPr lang="ko-KR" altLang="en-US">
+                <a:latin typeface="나눔스퀘어OTF Light" panose="020B0600000101010101" pitchFamily="34" charset="-127"/>
+                <a:ea typeface="나눔스퀘어OTF Light" panose="020B0600000101010101" pitchFamily="34" charset="-127"/>
+              </a:rPr>
+              <a:t>끌어당겨지는 위치 </a:t>
+            </a:r>
+            <a:r>
+              <a:rPr lang="en-US" altLang="ko-KR">
+                <a:latin typeface="나눔스퀘어OTF Light" panose="020B0600000101010101" pitchFamily="34" charset="-127"/>
+                <a:ea typeface="나눔스퀘어OTF Light" panose="020B0600000101010101" pitchFamily="34" charset="-127"/>
+              </a:rPr>
+              <a:t>(0</a:t>
+            </a:r>
+            <a:r>
+              <a:rPr lang="ko-KR" altLang="en-US">
+                <a:latin typeface="나눔스퀘어OTF Light" panose="020B0600000101010101" pitchFamily="34" charset="-127"/>
+                <a:ea typeface="나눔스퀘어OTF Light" panose="020B0600000101010101" pitchFamily="34" charset="-127"/>
+              </a:rPr>
+              <a:t>은 중심</a:t>
+            </a:r>
+            <a:r>
+              <a:rPr lang="en-US" altLang="ko-KR">
+                <a:latin typeface="나눔스퀘어OTF Light" panose="020B0600000101010101" pitchFamily="34" charset="-127"/>
+                <a:ea typeface="나눔스퀘어OTF Light" panose="020B0600000101010101" pitchFamily="34" charset="-127"/>
+              </a:rPr>
+              <a:t>, 1</a:t>
+            </a:r>
+            <a:r>
+              <a:rPr lang="ko-KR" altLang="en-US">
+                <a:latin typeface="나눔스퀘어OTF Light" panose="020B0600000101010101" pitchFamily="34" charset="-127"/>
+                <a:ea typeface="나눔스퀘어OTF Light" panose="020B0600000101010101" pitchFamily="34" charset="-127"/>
+              </a:rPr>
+              <a:t>은 외곽</a:t>
+            </a:r>
+            <a:r>
+              <a:rPr lang="en-US" altLang="ko-KR">
+                <a:latin typeface="나눔스퀘어OTF Light" panose="020B0600000101010101" pitchFamily="34" charset="-127"/>
+                <a:ea typeface="나눔스퀘어OTF Light" panose="020B0600000101010101" pitchFamily="34" charset="-127"/>
+              </a:rPr>
+              <a:t>)</a:t>
+            </a:r>
+          </a:p>
+        </p:txBody>
+      </p:sp>
+    </p:spTree>
+    <p:extLst>
+      <p:ext uri="{BB962C8B-B14F-4D97-AF65-F5344CB8AC3E}">
+        <p14:creationId xmlns:p14="http://schemas.microsoft.com/office/powerpoint/2010/main" val="581941446"/>
       </p:ext>
     </p:extLst>
   </p:cSld>
@@ -13161,7 +14751,7 @@
 </p:sld>
 </file>
 
-<file path=ppt/slides/slide6.xml><?xml version="1.0" encoding="utf-8"?>
+<file path=ppt/slides/slide50.xml><?xml version="1.0" encoding="utf-8"?>
 <p:sld xmlns:a="http://schemas.openxmlformats.org/drawingml/2006/main" xmlns:r="http://schemas.openxmlformats.org/officeDocument/2006/relationships" xmlns:p="http://schemas.openxmlformats.org/presentationml/2006/main">
   <p:cSld>
     <p:spTree>
@@ -13193,7 +14783,7 @@
         <p:spPr>
           <a:xfrm>
             <a:off x="171888" y="194702"/>
-            <a:ext cx="2281394" cy="523220"/>
+            <a:ext cx="4185761" cy="523220"/>
           </a:xfrm>
           <a:prstGeom prst="rect">
             <a:avLst/>
@@ -13211,14 +14801,579 @@
                 <a:latin typeface="나눔스퀘어OTF Light" panose="020B0600000101010101" pitchFamily="34" charset="-127"/>
                 <a:ea typeface="나눔스퀘어OTF Light" panose="020B0600000101010101" pitchFamily="34" charset="-127"/>
               </a:rPr>
-              <a:t>1. </a:t>
+              <a:t>2. </a:t>
             </a:r>
             <a:r>
               <a:rPr lang="ko-KR" altLang="en-US" sz="2800">
                 <a:latin typeface="나눔스퀘어OTF Light" panose="020B0600000101010101" pitchFamily="34" charset="-127"/>
                 <a:ea typeface="나눔스퀘어OTF Light" panose="020B0600000101010101" pitchFamily="34" charset="-127"/>
               </a:rPr>
-              <a:t>파티클 모듈</a:t>
+              <a:t>파티클 시스템 포스 필드</a:t>
+            </a:r>
+          </a:p>
+        </p:txBody>
+      </p:sp>
+      <p:cxnSp>
+        <p:nvCxnSpPr>
+          <p:cNvPr id="4" name="직선 연결선 3">
+            <a:extLst>
+              <a:ext uri="{FF2B5EF4-FFF2-40B4-BE49-F238E27FC236}">
+                <a16:creationId xmlns:a16="http://schemas.microsoft.com/office/drawing/2014/main" id="{7442459B-3DED-44F0-9E4C-B50601FEB425}"/>
+              </a:ext>
+            </a:extLst>
+          </p:cNvPr>
+          <p:cNvCxnSpPr>
+            <a:cxnSpLocks/>
+          </p:cNvCxnSpPr>
+          <p:nvPr/>
+        </p:nvCxnSpPr>
+        <p:spPr>
+          <a:xfrm>
+            <a:off x="132133" y="780690"/>
+            <a:ext cx="819295" cy="0"/>
+          </a:xfrm>
+          <a:prstGeom prst="line">
+            <a:avLst/>
+          </a:prstGeom>
+          <a:ln>
+            <a:solidFill>
+              <a:schemeClr val="tx1"/>
+            </a:solidFill>
+          </a:ln>
+        </p:spPr>
+        <p:style>
+          <a:lnRef idx="1">
+            <a:schemeClr val="accent1"/>
+          </a:lnRef>
+          <a:fillRef idx="0">
+            <a:schemeClr val="accent1"/>
+          </a:fillRef>
+          <a:effectRef idx="0">
+            <a:schemeClr val="accent1"/>
+          </a:effectRef>
+          <a:fontRef idx="minor">
+            <a:schemeClr val="tx1"/>
+          </a:fontRef>
+        </p:style>
+      </p:cxnSp>
+      <p:sp>
+        <p:nvSpPr>
+          <p:cNvPr id="9" name="TextBox 8">
+            <a:extLst>
+              <a:ext uri="{FF2B5EF4-FFF2-40B4-BE49-F238E27FC236}">
+                <a16:creationId xmlns:a16="http://schemas.microsoft.com/office/drawing/2014/main" id="{E53678D8-A46F-495A-927B-A2075684036C}"/>
+              </a:ext>
+            </a:extLst>
+          </p:cNvPr>
+          <p:cNvSpPr txBox="1"/>
+          <p:nvPr/>
+        </p:nvSpPr>
+        <p:spPr>
+          <a:xfrm>
+            <a:off x="4971347" y="2192612"/>
+            <a:ext cx="2249335" cy="400110"/>
+          </a:xfrm>
+          <a:prstGeom prst="rect">
+            <a:avLst/>
+          </a:prstGeom>
+          <a:noFill/>
+        </p:spPr>
+        <p:txBody>
+          <a:bodyPr wrap="none" rtlCol="0">
+            <a:spAutoFit/>
+          </a:bodyPr>
+          <a:lstStyle/>
+          <a:p>
+            <a:pPr algn="ctr"/>
+            <a:r>
+              <a:rPr lang="ko-KR" altLang="en-US" sz="2000">
+                <a:latin typeface="나눔스퀘어OTF Light" panose="020B0600000101010101" pitchFamily="34" charset="-127"/>
+                <a:ea typeface="나눔스퀘어OTF Light" panose="020B0600000101010101" pitchFamily="34" charset="-127"/>
+              </a:rPr>
+              <a:t>파티클이 궤도를 돔</a:t>
+            </a:r>
+            <a:endParaRPr lang="en-US" altLang="ko-KR" sz="2000">
+              <a:latin typeface="나눔스퀘어OTF Light" panose="020B0600000101010101" pitchFamily="34" charset="-127"/>
+              <a:ea typeface="나눔스퀘어OTF Light" panose="020B0600000101010101" pitchFamily="34" charset="-127"/>
+            </a:endParaRPr>
+          </a:p>
+        </p:txBody>
+      </p:sp>
+      <p:sp>
+        <p:nvSpPr>
+          <p:cNvPr id="11" name="TextBox 10">
+            <a:extLst>
+              <a:ext uri="{FF2B5EF4-FFF2-40B4-BE49-F238E27FC236}">
+                <a16:creationId xmlns:a16="http://schemas.microsoft.com/office/drawing/2014/main" id="{9EB78697-4E00-4BB6-90B1-DBAA45F8B710}"/>
+              </a:ext>
+            </a:extLst>
+          </p:cNvPr>
+          <p:cNvSpPr txBox="1"/>
+          <p:nvPr/>
+        </p:nvSpPr>
+        <p:spPr>
+          <a:xfrm>
+            <a:off x="6975334" y="194702"/>
+            <a:ext cx="5084533" cy="923330"/>
+          </a:xfrm>
+          <a:prstGeom prst="rect">
+            <a:avLst/>
+          </a:prstGeom>
+          <a:noFill/>
+        </p:spPr>
+        <p:txBody>
+          <a:bodyPr wrap="none" rtlCol="0">
+            <a:spAutoFit/>
+          </a:bodyPr>
+          <a:lstStyle/>
+          <a:p>
+            <a:r>
+              <a:rPr lang="en-US" altLang="ko-KR">
+                <a:latin typeface="나눔스퀘어OTF Light" panose="020B0600000101010101" pitchFamily="34" charset="-127"/>
+                <a:ea typeface="나눔스퀘어OTF Light" panose="020B0600000101010101" pitchFamily="34" charset="-127"/>
+              </a:rPr>
+              <a:t>Speed : </a:t>
+            </a:r>
+            <a:r>
+              <a:rPr lang="ko-KR" altLang="en-US">
+                <a:latin typeface="나눔스퀘어OTF Light" panose="020B0600000101010101" pitchFamily="34" charset="-127"/>
+                <a:ea typeface="나눔스퀘어OTF Light" panose="020B0600000101010101" pitchFamily="34" charset="-127"/>
+              </a:rPr>
+              <a:t>회전 속도</a:t>
+            </a:r>
+            <a:endParaRPr lang="en-US" altLang="ko-KR">
+              <a:latin typeface="나눔스퀘어OTF Light" panose="020B0600000101010101" pitchFamily="34" charset="-127"/>
+              <a:ea typeface="나눔스퀘어OTF Light" panose="020B0600000101010101" pitchFamily="34" charset="-127"/>
+            </a:endParaRPr>
+          </a:p>
+          <a:p>
+            <a:r>
+              <a:rPr lang="en-US" altLang="ko-KR">
+                <a:latin typeface="나눔스퀘어OTF Light" panose="020B0600000101010101" pitchFamily="34" charset="-127"/>
+                <a:ea typeface="나눔스퀘어OTF Light" panose="020B0600000101010101" pitchFamily="34" charset="-127"/>
+              </a:rPr>
+              <a:t>Attraction : </a:t>
+            </a:r>
+            <a:r>
+              <a:rPr lang="ko-KR" altLang="en-US">
+                <a:latin typeface="나눔스퀘어OTF Light" panose="020B0600000101010101" pitchFamily="34" charset="-127"/>
+                <a:ea typeface="나눔스퀘어OTF Light" panose="020B0600000101010101" pitchFamily="34" charset="-127"/>
+              </a:rPr>
+              <a:t>궤도 유지 </a:t>
+            </a:r>
+            <a:r>
+              <a:rPr lang="en-US" altLang="ko-KR">
+                <a:latin typeface="나눔스퀘어OTF Light" panose="020B0600000101010101" pitchFamily="34" charset="-127"/>
+                <a:ea typeface="나눔스퀘어OTF Light" panose="020B0600000101010101" pitchFamily="34" charset="-127"/>
+              </a:rPr>
+              <a:t>(1</a:t>
+            </a:r>
+            <a:r>
+              <a:rPr lang="ko-KR" altLang="en-US">
+                <a:latin typeface="나눔스퀘어OTF Light" panose="020B0600000101010101" pitchFamily="34" charset="-127"/>
+                <a:ea typeface="나눔스퀘어OTF Light" panose="020B0600000101010101" pitchFamily="34" charset="-127"/>
+              </a:rPr>
+              <a:t>은 궤도에서 벗어나지 않음</a:t>
+            </a:r>
+            <a:r>
+              <a:rPr lang="en-US" altLang="ko-KR">
+                <a:latin typeface="나눔스퀘어OTF Light" panose="020B0600000101010101" pitchFamily="34" charset="-127"/>
+                <a:ea typeface="나눔스퀘어OTF Light" panose="020B0600000101010101" pitchFamily="34" charset="-127"/>
+              </a:rPr>
+              <a:t>)</a:t>
+            </a:r>
+          </a:p>
+          <a:p>
+            <a:r>
+              <a:rPr lang="en-US" altLang="ko-KR">
+                <a:latin typeface="나눔스퀘어OTF Light" panose="020B0600000101010101" pitchFamily="34" charset="-127"/>
+                <a:ea typeface="나눔스퀘어OTF Light" panose="020B0600000101010101" pitchFamily="34" charset="-127"/>
+              </a:rPr>
+              <a:t>Randomness : </a:t>
+            </a:r>
+            <a:r>
+              <a:rPr lang="ko-KR" altLang="en-US">
+                <a:latin typeface="나눔스퀘어OTF Light" panose="020B0600000101010101" pitchFamily="34" charset="-127"/>
+                <a:ea typeface="나눔스퀘어OTF Light" panose="020B0600000101010101" pitchFamily="34" charset="-127"/>
+              </a:rPr>
+              <a:t>궤도를 랜덤으로 설정</a:t>
+            </a:r>
+            <a:endParaRPr lang="en-US" altLang="ko-KR">
+              <a:latin typeface="나눔스퀘어OTF Light" panose="020B0600000101010101" pitchFamily="34" charset="-127"/>
+              <a:ea typeface="나눔스퀘어OTF Light" panose="020B0600000101010101" pitchFamily="34" charset="-127"/>
+            </a:endParaRPr>
+          </a:p>
+        </p:txBody>
+      </p:sp>
+      <p:pic>
+        <p:nvPicPr>
+          <p:cNvPr id="5" name="그림 4">
+            <a:extLst>
+              <a:ext uri="{FF2B5EF4-FFF2-40B4-BE49-F238E27FC236}">
+                <a16:creationId xmlns:a16="http://schemas.microsoft.com/office/drawing/2014/main" id="{06EFDCE5-2C44-4379-BFD1-69143282F3B7}"/>
+              </a:ext>
+            </a:extLst>
+          </p:cNvPr>
+          <p:cNvPicPr>
+            <a:picLocks noChangeAspect="1"/>
+          </p:cNvPicPr>
+          <p:nvPr/>
+        </p:nvPicPr>
+        <p:blipFill>
+          <a:blip r:embed="rId2"/>
+          <a:stretch>
+            <a:fillRect/>
+          </a:stretch>
+        </p:blipFill>
+        <p:spPr>
+          <a:xfrm>
+            <a:off x="4066924" y="1388162"/>
+            <a:ext cx="4058149" cy="761483"/>
+          </a:xfrm>
+          <a:prstGeom prst="rect">
+            <a:avLst/>
+          </a:prstGeom>
+        </p:spPr>
+      </p:pic>
+      <p:pic>
+        <p:nvPicPr>
+          <p:cNvPr id="8" name="그림 7">
+            <a:extLst>
+              <a:ext uri="{FF2B5EF4-FFF2-40B4-BE49-F238E27FC236}">
+                <a16:creationId xmlns:a16="http://schemas.microsoft.com/office/drawing/2014/main" id="{71E64840-D006-4F42-A7D6-BA85F41F0447}"/>
+              </a:ext>
+            </a:extLst>
+          </p:cNvPr>
+          <p:cNvPicPr>
+            <a:picLocks noChangeAspect="1"/>
+          </p:cNvPicPr>
+          <p:nvPr/>
+        </p:nvPicPr>
+        <p:blipFill>
+          <a:blip r:embed="rId3"/>
+          <a:stretch>
+            <a:fillRect/>
+          </a:stretch>
+        </p:blipFill>
+        <p:spPr>
+          <a:xfrm>
+            <a:off x="4066924" y="2819885"/>
+            <a:ext cx="4046571" cy="3703641"/>
+          </a:xfrm>
+          <a:prstGeom prst="rect">
+            <a:avLst/>
+          </a:prstGeom>
+        </p:spPr>
+      </p:pic>
+    </p:spTree>
+    <p:extLst>
+      <p:ext uri="{BB962C8B-B14F-4D97-AF65-F5344CB8AC3E}">
+        <p14:creationId xmlns:p14="http://schemas.microsoft.com/office/powerpoint/2010/main" val="3634526836"/>
+      </p:ext>
+    </p:extLst>
+  </p:cSld>
+  <p:clrMapOvr>
+    <a:masterClrMapping/>
+  </p:clrMapOvr>
+</p:sld>
+</file>
+
+<file path=ppt/slides/slide51.xml><?xml version="1.0" encoding="utf-8"?>
+<p:sld xmlns:a="http://schemas.openxmlformats.org/drawingml/2006/main" xmlns:r="http://schemas.openxmlformats.org/officeDocument/2006/relationships" xmlns:p="http://schemas.openxmlformats.org/presentationml/2006/main">
+  <p:cSld>
+    <p:spTree>
+      <p:nvGrpSpPr>
+        <p:cNvPr id="1" name=""/>
+        <p:cNvGrpSpPr/>
+        <p:nvPr/>
+      </p:nvGrpSpPr>
+      <p:grpSpPr>
+        <a:xfrm>
+          <a:off x="0" y="0"/>
+          <a:ext cx="0" cy="0"/>
+          <a:chOff x="0" y="0"/>
+          <a:chExt cx="0" cy="0"/>
+        </a:xfrm>
+      </p:grpSpPr>
+      <p:sp>
+        <p:nvSpPr>
+          <p:cNvPr id="6" name="TextBox 5">
+            <a:extLst>
+              <a:ext uri="{FF2B5EF4-FFF2-40B4-BE49-F238E27FC236}">
+                <a16:creationId xmlns:a16="http://schemas.microsoft.com/office/drawing/2014/main" id="{F453C929-8CA3-4E79-AF5D-99EC8407C6CF}"/>
+              </a:ext>
+            </a:extLst>
+          </p:cNvPr>
+          <p:cNvSpPr txBox="1"/>
+          <p:nvPr/>
+        </p:nvSpPr>
+        <p:spPr>
+          <a:xfrm>
+            <a:off x="171888" y="194702"/>
+            <a:ext cx="4185761" cy="523220"/>
+          </a:xfrm>
+          <a:prstGeom prst="rect">
+            <a:avLst/>
+          </a:prstGeom>
+          <a:noFill/>
+        </p:spPr>
+        <p:txBody>
+          <a:bodyPr wrap="none" rtlCol="0">
+            <a:spAutoFit/>
+          </a:bodyPr>
+          <a:lstStyle/>
+          <a:p>
+            <a:r>
+              <a:rPr lang="en-US" altLang="ko-KR" sz="2800">
+                <a:latin typeface="나눔스퀘어OTF Light" panose="020B0600000101010101" pitchFamily="34" charset="-127"/>
+                <a:ea typeface="나눔스퀘어OTF Light" panose="020B0600000101010101" pitchFamily="34" charset="-127"/>
+              </a:rPr>
+              <a:t>2. </a:t>
+            </a:r>
+            <a:r>
+              <a:rPr lang="ko-KR" altLang="en-US" sz="2800">
+                <a:latin typeface="나눔스퀘어OTF Light" panose="020B0600000101010101" pitchFamily="34" charset="-127"/>
+                <a:ea typeface="나눔스퀘어OTF Light" panose="020B0600000101010101" pitchFamily="34" charset="-127"/>
+              </a:rPr>
+              <a:t>파티클 시스템 포스 필드</a:t>
+            </a:r>
+          </a:p>
+        </p:txBody>
+      </p:sp>
+      <p:cxnSp>
+        <p:nvCxnSpPr>
+          <p:cNvPr id="4" name="직선 연결선 3">
+            <a:extLst>
+              <a:ext uri="{FF2B5EF4-FFF2-40B4-BE49-F238E27FC236}">
+                <a16:creationId xmlns:a16="http://schemas.microsoft.com/office/drawing/2014/main" id="{7442459B-3DED-44F0-9E4C-B50601FEB425}"/>
+              </a:ext>
+            </a:extLst>
+          </p:cNvPr>
+          <p:cNvCxnSpPr>
+            <a:cxnSpLocks/>
+          </p:cNvCxnSpPr>
+          <p:nvPr/>
+        </p:nvCxnSpPr>
+        <p:spPr>
+          <a:xfrm>
+            <a:off x="132133" y="780690"/>
+            <a:ext cx="819295" cy="0"/>
+          </a:xfrm>
+          <a:prstGeom prst="line">
+            <a:avLst/>
+          </a:prstGeom>
+          <a:ln>
+            <a:solidFill>
+              <a:schemeClr val="tx1"/>
+            </a:solidFill>
+          </a:ln>
+        </p:spPr>
+        <p:style>
+          <a:lnRef idx="1">
+            <a:schemeClr val="accent1"/>
+          </a:lnRef>
+          <a:fillRef idx="0">
+            <a:schemeClr val="accent1"/>
+          </a:fillRef>
+          <a:effectRef idx="0">
+            <a:schemeClr val="accent1"/>
+          </a:effectRef>
+          <a:fontRef idx="minor">
+            <a:schemeClr val="tx1"/>
+          </a:fontRef>
+        </p:style>
+      </p:cxnSp>
+      <p:sp>
+        <p:nvSpPr>
+          <p:cNvPr id="9" name="TextBox 8">
+            <a:extLst>
+              <a:ext uri="{FF2B5EF4-FFF2-40B4-BE49-F238E27FC236}">
+                <a16:creationId xmlns:a16="http://schemas.microsoft.com/office/drawing/2014/main" id="{E53678D8-A46F-495A-927B-A2075684036C}"/>
+              </a:ext>
+            </a:extLst>
+          </p:cNvPr>
+          <p:cNvSpPr txBox="1"/>
+          <p:nvPr/>
+        </p:nvSpPr>
+        <p:spPr>
+          <a:xfrm>
+            <a:off x="4780594" y="2192612"/>
+            <a:ext cx="2630848" cy="400110"/>
+          </a:xfrm>
+          <a:prstGeom prst="rect">
+            <a:avLst/>
+          </a:prstGeom>
+          <a:noFill/>
+        </p:spPr>
+        <p:txBody>
+          <a:bodyPr wrap="none" rtlCol="0">
+            <a:spAutoFit/>
+          </a:bodyPr>
+          <a:lstStyle/>
+          <a:p>
+            <a:pPr algn="ctr"/>
+            <a:r>
+              <a:rPr lang="ko-KR" altLang="en-US" sz="2000">
+                <a:latin typeface="나눔스퀘어OTF Light" panose="020B0600000101010101" pitchFamily="34" charset="-127"/>
+                <a:ea typeface="나눔스퀘어OTF Light" panose="020B0600000101010101" pitchFamily="34" charset="-127"/>
+              </a:rPr>
+              <a:t>항력 </a:t>
+            </a:r>
+            <a:r>
+              <a:rPr lang="en-US" altLang="ko-KR" sz="2000">
+                <a:latin typeface="나눔스퀘어OTF Light" panose="020B0600000101010101" pitchFamily="34" charset="-127"/>
+                <a:ea typeface="나눔스퀘어OTF Light" panose="020B0600000101010101" pitchFamily="34" charset="-127"/>
+              </a:rPr>
+              <a:t>(</a:t>
+            </a:r>
+            <a:r>
+              <a:rPr lang="ko-KR" altLang="en-US" sz="2000">
+                <a:latin typeface="나눔스퀘어OTF Light" panose="020B0600000101010101" pitchFamily="34" charset="-127"/>
+                <a:ea typeface="나눔스퀘어OTF Light" panose="020B0600000101010101" pitchFamily="34" charset="-127"/>
+              </a:rPr>
+              <a:t>파티클이 느려짐</a:t>
+            </a:r>
+            <a:r>
+              <a:rPr lang="en-US" altLang="ko-KR" sz="2000">
+                <a:latin typeface="나눔스퀘어OTF Light" panose="020B0600000101010101" pitchFamily="34" charset="-127"/>
+                <a:ea typeface="나눔스퀘어OTF Light" panose="020B0600000101010101" pitchFamily="34" charset="-127"/>
+              </a:rPr>
+              <a:t>)</a:t>
+            </a:r>
+          </a:p>
+        </p:txBody>
+      </p:sp>
+      <p:pic>
+        <p:nvPicPr>
+          <p:cNvPr id="3" name="그림 2">
+            <a:extLst>
+              <a:ext uri="{FF2B5EF4-FFF2-40B4-BE49-F238E27FC236}">
+                <a16:creationId xmlns:a16="http://schemas.microsoft.com/office/drawing/2014/main" id="{A45A392E-7CDD-4AD8-BE7C-478AC2A728E6}"/>
+              </a:ext>
+            </a:extLst>
+          </p:cNvPr>
+          <p:cNvPicPr>
+            <a:picLocks noChangeAspect="1"/>
+          </p:cNvPicPr>
+          <p:nvPr/>
+        </p:nvPicPr>
+        <p:blipFill>
+          <a:blip r:embed="rId2"/>
+          <a:stretch>
+            <a:fillRect/>
+          </a:stretch>
+        </p:blipFill>
+        <p:spPr>
+          <a:xfrm>
+            <a:off x="4200874" y="1413570"/>
+            <a:ext cx="3778669" cy="710667"/>
+          </a:xfrm>
+          <a:prstGeom prst="rect">
+            <a:avLst/>
+          </a:prstGeom>
+        </p:spPr>
+      </p:pic>
+      <p:pic>
+        <p:nvPicPr>
+          <p:cNvPr id="10" name="그림 9">
+            <a:extLst>
+              <a:ext uri="{FF2B5EF4-FFF2-40B4-BE49-F238E27FC236}">
+                <a16:creationId xmlns:a16="http://schemas.microsoft.com/office/drawing/2014/main" id="{D9ABC879-7906-48BB-A994-5EE5E3EBD992}"/>
+              </a:ext>
+            </a:extLst>
+          </p:cNvPr>
+          <p:cNvPicPr>
+            <a:picLocks noChangeAspect="1"/>
+          </p:cNvPicPr>
+          <p:nvPr/>
+        </p:nvPicPr>
+        <p:blipFill>
+          <a:blip r:embed="rId3"/>
+          <a:stretch>
+            <a:fillRect/>
+          </a:stretch>
+        </p:blipFill>
+        <p:spPr>
+          <a:xfrm>
+            <a:off x="3967854" y="2819885"/>
+            <a:ext cx="4244708" cy="3589331"/>
+          </a:xfrm>
+          <a:prstGeom prst="rect">
+            <a:avLst/>
+          </a:prstGeom>
+        </p:spPr>
+      </p:pic>
+    </p:spTree>
+    <p:extLst>
+      <p:ext uri="{BB962C8B-B14F-4D97-AF65-F5344CB8AC3E}">
+        <p14:creationId xmlns:p14="http://schemas.microsoft.com/office/powerpoint/2010/main" val="2626196399"/>
+      </p:ext>
+    </p:extLst>
+  </p:cSld>
+  <p:clrMapOvr>
+    <a:masterClrMapping/>
+  </p:clrMapOvr>
+</p:sld>
+</file>
+
+<file path=ppt/slides/slide52.xml><?xml version="1.0" encoding="utf-8"?>
+<p:sld xmlns:a="http://schemas.openxmlformats.org/drawingml/2006/main" xmlns:r="http://schemas.openxmlformats.org/officeDocument/2006/relationships" xmlns:p="http://schemas.openxmlformats.org/presentationml/2006/main">
+  <p:cSld>
+    <p:spTree>
+      <p:nvGrpSpPr>
+        <p:cNvPr id="1" name=""/>
+        <p:cNvGrpSpPr/>
+        <p:nvPr/>
+      </p:nvGrpSpPr>
+      <p:grpSpPr>
+        <a:xfrm>
+          <a:off x="0" y="0"/>
+          <a:ext cx="0" cy="0"/>
+          <a:chOff x="0" y="0"/>
+          <a:chExt cx="0" cy="0"/>
+        </a:xfrm>
+      </p:grpSpPr>
+      <p:sp>
+        <p:nvSpPr>
+          <p:cNvPr id="6" name="TextBox 5">
+            <a:extLst>
+              <a:ext uri="{FF2B5EF4-FFF2-40B4-BE49-F238E27FC236}">
+                <a16:creationId xmlns:a16="http://schemas.microsoft.com/office/drawing/2014/main" id="{F453C929-8CA3-4E79-AF5D-99EC8407C6CF}"/>
+              </a:ext>
+            </a:extLst>
+          </p:cNvPr>
+          <p:cNvSpPr txBox="1"/>
+          <p:nvPr/>
+        </p:nvSpPr>
+        <p:spPr>
+          <a:xfrm>
+            <a:off x="171888" y="194702"/>
+            <a:ext cx="4185761" cy="523220"/>
+          </a:xfrm>
+          <a:prstGeom prst="rect">
+            <a:avLst/>
+          </a:prstGeom>
+          <a:noFill/>
+        </p:spPr>
+        <p:txBody>
+          <a:bodyPr wrap="none" rtlCol="0">
+            <a:spAutoFit/>
+          </a:bodyPr>
+          <a:lstStyle/>
+          <a:p>
+            <a:r>
+              <a:rPr lang="en-US" altLang="ko-KR" sz="2800">
+                <a:latin typeface="나눔스퀘어OTF Light" panose="020B0600000101010101" pitchFamily="34" charset="-127"/>
+                <a:ea typeface="나눔스퀘어OTF Light" panose="020B0600000101010101" pitchFamily="34" charset="-127"/>
+              </a:rPr>
+              <a:t>2. </a:t>
+            </a:r>
+            <a:r>
+              <a:rPr lang="ko-KR" altLang="en-US" sz="2800">
+                <a:latin typeface="나눔스퀘어OTF Light" panose="020B0600000101010101" pitchFamily="34" charset="-127"/>
+                <a:ea typeface="나눔스퀘어OTF Light" panose="020B0600000101010101" pitchFamily="34" charset="-127"/>
+              </a:rPr>
+              <a:t>파티클 시스템 포스 필드</a:t>
             </a:r>
           </a:p>
         </p:txBody>
@@ -13271,7 +15426,7 @@
           <p:cNvPr id="5" name="그림 4">
             <a:extLst>
               <a:ext uri="{FF2B5EF4-FFF2-40B4-BE49-F238E27FC236}">
-                <a16:creationId xmlns:a16="http://schemas.microsoft.com/office/drawing/2014/main" id="{EA9B3D42-DEA6-44C0-813B-AFACB895E8DF}"/>
+                <a16:creationId xmlns:a16="http://schemas.microsoft.com/office/drawing/2014/main" id="{1CDB64D6-E2FB-4718-AD84-A00A4305C163}"/>
               </a:ext>
             </a:extLst>
           </p:cNvPr>
@@ -13288,8 +15443,8 @@
         </p:blipFill>
         <p:spPr>
           <a:xfrm>
-            <a:off x="3364776" y="1938214"/>
-            <a:ext cx="5462448" cy="1403198"/>
+            <a:off x="3593008" y="2316452"/>
+            <a:ext cx="5005984" cy="932933"/>
           </a:xfrm>
           <a:prstGeom prst="rect">
             <a:avLst/>
@@ -13298,10 +15453,10 @@
       </p:pic>
       <p:sp>
         <p:nvSpPr>
-          <p:cNvPr id="9" name="TextBox 8">
-            <a:extLst>
-              <a:ext uri="{FF2B5EF4-FFF2-40B4-BE49-F238E27FC236}">
-                <a16:creationId xmlns:a16="http://schemas.microsoft.com/office/drawing/2014/main" id="{914D3F27-1F89-4729-9ABE-7BA7764BD359}"/>
+          <p:cNvPr id="11" name="TextBox 10">
+            <a:extLst>
+              <a:ext uri="{FF2B5EF4-FFF2-40B4-BE49-F238E27FC236}">
+                <a16:creationId xmlns:a16="http://schemas.microsoft.com/office/drawing/2014/main" id="{7043D0A6-AF3C-4AEC-9F84-78388C3E4614}"/>
               </a:ext>
             </a:extLst>
           </p:cNvPr>
@@ -13310,8 +15465,8 @@
         </p:nvSpPr>
         <p:spPr>
           <a:xfrm>
-            <a:off x="4252645" y="3341412"/>
-            <a:ext cx="3686715" cy="523220"/>
+            <a:off x="4546555" y="3355521"/>
+            <a:ext cx="3098926" cy="400110"/>
           </a:xfrm>
           <a:prstGeom prst="rect">
             <a:avLst/>
@@ -13326,50 +15481,18 @@
           <a:p>
             <a:pPr algn="ctr"/>
             <a:r>
-              <a:rPr lang="en-US" altLang="ko-KR" sz="2800">
-                <a:latin typeface="나눔스퀘어OTF Light" panose="020B0600000101010101" pitchFamily="34" charset="-127"/>
-                <a:ea typeface="나눔스퀘어OTF Light" panose="020B0600000101010101" pitchFamily="34" charset="-127"/>
-              </a:rPr>
-              <a:t>Velocity over Lifetime</a:t>
-            </a:r>
-          </a:p>
-        </p:txBody>
-      </p:sp>
-      <p:sp>
-        <p:nvSpPr>
-          <p:cNvPr id="11" name="TextBox 10">
-            <a:extLst>
-              <a:ext uri="{FF2B5EF4-FFF2-40B4-BE49-F238E27FC236}">
-                <a16:creationId xmlns:a16="http://schemas.microsoft.com/office/drawing/2014/main" id="{1305389C-E4A2-4A27-A0C6-4907057A625A}"/>
-              </a:ext>
-            </a:extLst>
-          </p:cNvPr>
-          <p:cNvSpPr txBox="1"/>
-          <p:nvPr/>
-        </p:nvSpPr>
-        <p:spPr>
-          <a:xfrm>
-            <a:off x="3821986" y="4559944"/>
-            <a:ext cx="4548040" cy="400110"/>
-          </a:xfrm>
-          <a:prstGeom prst="rect">
-            <a:avLst/>
-          </a:prstGeom>
-          <a:noFill/>
-        </p:spPr>
-        <p:txBody>
-          <a:bodyPr wrap="none" rtlCol="0">
-            <a:spAutoFit/>
-          </a:bodyPr>
-          <a:lstStyle/>
-          <a:p>
-            <a:pPr algn="ctr"/>
+              <a:rPr lang="en-US" altLang="ko-KR" sz="2000">
+                <a:latin typeface="나눔스퀘어OTF Light" panose="020B0600000101010101" pitchFamily="34" charset="-127"/>
+                <a:ea typeface="나눔스퀘어OTF Light" panose="020B0600000101010101" pitchFamily="34" charset="-127"/>
+              </a:rPr>
+              <a:t>3D </a:t>
+            </a:r>
             <a:r>
               <a:rPr lang="ko-KR" altLang="en-US" sz="2000">
                 <a:latin typeface="나눔스퀘어OTF Light" panose="020B0600000101010101" pitchFamily="34" charset="-127"/>
                 <a:ea typeface="나눔스퀘어OTF Light" panose="020B0600000101010101" pitchFamily="34" charset="-127"/>
               </a:rPr>
-              <a:t>시간 경과에 따른 파티클의 속도를 제어함</a:t>
+              <a:t>텍스쳐를 이용한 벡터장</a:t>
             </a:r>
             <a:endParaRPr lang="en-US" altLang="ko-KR" sz="2000">
               <a:latin typeface="나눔스퀘어OTF Light" panose="020B0600000101010101" pitchFamily="34" charset="-127"/>
@@ -13378,10 +15501,5066 @@
           </a:p>
         </p:txBody>
       </p:sp>
+      <p:sp>
+        <p:nvSpPr>
+          <p:cNvPr id="12" name="TextBox 11">
+            <a:extLst>
+              <a:ext uri="{FF2B5EF4-FFF2-40B4-BE49-F238E27FC236}">
+                <a16:creationId xmlns:a16="http://schemas.microsoft.com/office/drawing/2014/main" id="{0945461A-D7A5-4BAA-8EBF-DA7FD66B3C8A}"/>
+              </a:ext>
+            </a:extLst>
+          </p:cNvPr>
+          <p:cNvSpPr txBox="1"/>
+          <p:nvPr/>
+        </p:nvSpPr>
+        <p:spPr>
+          <a:xfrm>
+            <a:off x="234746" y="6016967"/>
+            <a:ext cx="3680816" cy="646331"/>
+          </a:xfrm>
+          <a:prstGeom prst="rect">
+            <a:avLst/>
+          </a:prstGeom>
+          <a:noFill/>
+        </p:spPr>
+        <p:txBody>
+          <a:bodyPr wrap="none" rtlCol="0">
+            <a:spAutoFit/>
+          </a:bodyPr>
+          <a:lstStyle/>
+          <a:p>
+            <a:r>
+              <a:rPr lang="ko-KR" altLang="en-US">
+                <a:latin typeface="나눔스퀘어OTF Light" panose="020B0600000101010101" pitchFamily="34" charset="-127"/>
+                <a:ea typeface="나눔스퀘어OTF Light" panose="020B0600000101010101" pitchFamily="34" charset="-127"/>
+              </a:rPr>
+              <a:t>더 복잡한 포스 필드를 만들 수 있으나</a:t>
+            </a:r>
+            <a:endParaRPr lang="en-US" altLang="ko-KR">
+              <a:latin typeface="나눔스퀘어OTF Light" panose="020B0600000101010101" pitchFamily="34" charset="-127"/>
+              <a:ea typeface="나눔스퀘어OTF Light" panose="020B0600000101010101" pitchFamily="34" charset="-127"/>
+            </a:endParaRPr>
+          </a:p>
+          <a:p>
+            <a:r>
+              <a:rPr lang="ko-KR" altLang="en-US">
+                <a:latin typeface="나눔스퀘어OTF Light" panose="020B0600000101010101" pitchFamily="34" charset="-127"/>
+                <a:ea typeface="나눔스퀘어OTF Light" panose="020B0600000101010101" pitchFamily="34" charset="-127"/>
+              </a:rPr>
+              <a:t>수업에선 생략합니다</a:t>
+            </a:r>
+            <a:endParaRPr lang="en-US" altLang="ko-KR">
+              <a:latin typeface="나눔스퀘어OTF Light" panose="020B0600000101010101" pitchFamily="34" charset="-127"/>
+              <a:ea typeface="나눔스퀘어OTF Light" panose="020B0600000101010101" pitchFamily="34" charset="-127"/>
+            </a:endParaRPr>
+          </a:p>
+        </p:txBody>
+      </p:sp>
+    </p:spTree>
+    <p:extLst>
+      <p:ext uri="{BB962C8B-B14F-4D97-AF65-F5344CB8AC3E}">
+        <p14:creationId xmlns:p14="http://schemas.microsoft.com/office/powerpoint/2010/main" val="2253238204"/>
+      </p:ext>
+    </p:extLst>
+  </p:cSld>
+  <p:clrMapOvr>
+    <a:masterClrMapping/>
+  </p:clrMapOvr>
+</p:sld>
+</file>
+
+<file path=ppt/slides/slide53.xml><?xml version="1.0" encoding="utf-8"?>
+<p:sld xmlns:a="http://schemas.openxmlformats.org/drawingml/2006/main" xmlns:r="http://schemas.openxmlformats.org/officeDocument/2006/relationships" xmlns:p="http://schemas.openxmlformats.org/presentationml/2006/main">
+  <p:cSld>
+    <p:spTree>
+      <p:nvGrpSpPr>
+        <p:cNvPr id="1" name=""/>
+        <p:cNvGrpSpPr/>
+        <p:nvPr/>
+      </p:nvGrpSpPr>
+      <p:grpSpPr>
+        <a:xfrm>
+          <a:off x="0" y="0"/>
+          <a:ext cx="0" cy="0"/>
+          <a:chOff x="0" y="0"/>
+          <a:chExt cx="0" cy="0"/>
+        </a:xfrm>
+      </p:grpSpPr>
+      <p:sp>
+        <p:nvSpPr>
+          <p:cNvPr id="6" name="TextBox 5">
+            <a:extLst>
+              <a:ext uri="{FF2B5EF4-FFF2-40B4-BE49-F238E27FC236}">
+                <a16:creationId xmlns:a16="http://schemas.microsoft.com/office/drawing/2014/main" id="{F453C929-8CA3-4E79-AF5D-99EC8407C6CF}"/>
+              </a:ext>
+            </a:extLst>
+          </p:cNvPr>
+          <p:cNvSpPr txBox="1"/>
+          <p:nvPr/>
+        </p:nvSpPr>
+        <p:spPr>
+          <a:xfrm>
+            <a:off x="171888" y="194702"/>
+            <a:ext cx="2608406" cy="523220"/>
+          </a:xfrm>
+          <a:prstGeom prst="rect">
+            <a:avLst/>
+          </a:prstGeom>
+          <a:noFill/>
+        </p:spPr>
+        <p:txBody>
+          <a:bodyPr wrap="none" rtlCol="0">
+            <a:spAutoFit/>
+          </a:bodyPr>
+          <a:lstStyle/>
+          <a:p>
+            <a:r>
+              <a:rPr lang="en-US" altLang="ko-KR" sz="2800">
+                <a:latin typeface="나눔스퀘어OTF Light" panose="020B0600000101010101" pitchFamily="34" charset="-127"/>
+                <a:ea typeface="나눔스퀘어OTF Light" panose="020B0600000101010101" pitchFamily="34" charset="-127"/>
+              </a:rPr>
+              <a:t>3. </a:t>
+            </a:r>
+            <a:r>
+              <a:rPr lang="ko-KR" altLang="en-US" sz="2800">
+                <a:latin typeface="나눔스퀘어OTF Light" panose="020B0600000101010101" pitchFamily="34" charset="-127"/>
+                <a:ea typeface="나눔스퀘어OTF Light" panose="020B0600000101010101" pitchFamily="34" charset="-127"/>
+              </a:rPr>
+              <a:t>파티클 쉐이더</a:t>
+            </a:r>
+          </a:p>
+        </p:txBody>
+      </p:sp>
+      <p:cxnSp>
+        <p:nvCxnSpPr>
+          <p:cNvPr id="4" name="직선 연결선 3">
+            <a:extLst>
+              <a:ext uri="{FF2B5EF4-FFF2-40B4-BE49-F238E27FC236}">
+                <a16:creationId xmlns:a16="http://schemas.microsoft.com/office/drawing/2014/main" id="{7442459B-3DED-44F0-9E4C-B50601FEB425}"/>
+              </a:ext>
+            </a:extLst>
+          </p:cNvPr>
+          <p:cNvCxnSpPr>
+            <a:cxnSpLocks/>
+          </p:cNvCxnSpPr>
+          <p:nvPr/>
+        </p:nvCxnSpPr>
+        <p:spPr>
+          <a:xfrm>
+            <a:off x="132133" y="780690"/>
+            <a:ext cx="819295" cy="0"/>
+          </a:xfrm>
+          <a:prstGeom prst="line">
+            <a:avLst/>
+          </a:prstGeom>
+          <a:ln>
+            <a:solidFill>
+              <a:schemeClr val="tx1"/>
+            </a:solidFill>
+          </a:ln>
+        </p:spPr>
+        <p:style>
+          <a:lnRef idx="1">
+            <a:schemeClr val="accent1"/>
+          </a:lnRef>
+          <a:fillRef idx="0">
+            <a:schemeClr val="accent1"/>
+          </a:fillRef>
+          <a:effectRef idx="0">
+            <a:schemeClr val="accent1"/>
+          </a:effectRef>
+          <a:fontRef idx="minor">
+            <a:schemeClr val="tx1"/>
+          </a:fontRef>
+        </p:style>
+      </p:cxnSp>
+      <p:pic>
+        <p:nvPicPr>
+          <p:cNvPr id="8" name="그림 7">
+            <a:extLst>
+              <a:ext uri="{FF2B5EF4-FFF2-40B4-BE49-F238E27FC236}">
+                <a16:creationId xmlns:a16="http://schemas.microsoft.com/office/drawing/2014/main" id="{D792EE30-9E75-49FF-9C44-DE687EFB846D}"/>
+              </a:ext>
+            </a:extLst>
+          </p:cNvPr>
+          <p:cNvPicPr>
+            <a:picLocks noChangeAspect="1"/>
+          </p:cNvPicPr>
+          <p:nvPr/>
+        </p:nvPicPr>
+        <p:blipFill>
+          <a:blip r:embed="rId2"/>
+          <a:stretch>
+            <a:fillRect/>
+          </a:stretch>
+        </p:blipFill>
+        <p:spPr>
+          <a:xfrm>
+            <a:off x="4283104" y="1398813"/>
+            <a:ext cx="3625791" cy="3614057"/>
+          </a:xfrm>
+          <a:prstGeom prst="rect">
+            <a:avLst/>
+          </a:prstGeom>
+        </p:spPr>
+      </p:pic>
+      <p:sp>
+        <p:nvSpPr>
+          <p:cNvPr id="13" name="TextBox 12">
+            <a:extLst>
+              <a:ext uri="{FF2B5EF4-FFF2-40B4-BE49-F238E27FC236}">
+                <a16:creationId xmlns:a16="http://schemas.microsoft.com/office/drawing/2014/main" id="{C0C4F9C9-A140-4083-86B5-AD8F1B3FCA18}"/>
+              </a:ext>
+            </a:extLst>
+          </p:cNvPr>
+          <p:cNvSpPr txBox="1"/>
+          <p:nvPr/>
+        </p:nvSpPr>
+        <p:spPr>
+          <a:xfrm>
+            <a:off x="2534773" y="5167992"/>
+            <a:ext cx="7122463" cy="400110"/>
+          </a:xfrm>
+          <a:prstGeom prst="rect">
+            <a:avLst/>
+          </a:prstGeom>
+          <a:noFill/>
+        </p:spPr>
+        <p:txBody>
+          <a:bodyPr wrap="none" rtlCol="0">
+            <a:spAutoFit/>
+          </a:bodyPr>
+          <a:lstStyle/>
+          <a:p>
+            <a:pPr algn="ctr"/>
+            <a:r>
+              <a:rPr lang="ko-KR" altLang="en-US" sz="2000">
+                <a:latin typeface="나눔스퀘어OTF Light" panose="020B0600000101010101" pitchFamily="34" charset="-127"/>
+                <a:ea typeface="나눔스퀘어OTF Light" panose="020B0600000101010101" pitchFamily="34" charset="-127"/>
+              </a:rPr>
+              <a:t>유니티에서는 파티클을 위한 스탠다드 파티클 쉐이더를 지원합니다</a:t>
+            </a:r>
+            <a:endParaRPr lang="en-US" altLang="ko-KR" sz="2000">
+              <a:latin typeface="나눔스퀘어OTF Light" panose="020B0600000101010101" pitchFamily="34" charset="-127"/>
+              <a:ea typeface="나눔스퀘어OTF Light" panose="020B0600000101010101" pitchFamily="34" charset="-127"/>
+            </a:endParaRPr>
+          </a:p>
+        </p:txBody>
+      </p:sp>
+    </p:spTree>
+    <p:extLst>
+      <p:ext uri="{BB962C8B-B14F-4D97-AF65-F5344CB8AC3E}">
+        <p14:creationId xmlns:p14="http://schemas.microsoft.com/office/powerpoint/2010/main" val="3344057001"/>
+      </p:ext>
+    </p:extLst>
+  </p:cSld>
+  <p:clrMapOvr>
+    <a:masterClrMapping/>
+  </p:clrMapOvr>
+</p:sld>
+</file>
+
+<file path=ppt/slides/slide54.xml><?xml version="1.0" encoding="utf-8"?>
+<p:sld xmlns:a="http://schemas.openxmlformats.org/drawingml/2006/main" xmlns:r="http://schemas.openxmlformats.org/officeDocument/2006/relationships" xmlns:p="http://schemas.openxmlformats.org/presentationml/2006/main">
+  <p:cSld>
+    <p:spTree>
+      <p:nvGrpSpPr>
+        <p:cNvPr id="1" name=""/>
+        <p:cNvGrpSpPr/>
+        <p:nvPr/>
+      </p:nvGrpSpPr>
+      <p:grpSpPr>
+        <a:xfrm>
+          <a:off x="0" y="0"/>
+          <a:ext cx="0" cy="0"/>
+          <a:chOff x="0" y="0"/>
+          <a:chExt cx="0" cy="0"/>
+        </a:xfrm>
+      </p:grpSpPr>
+      <p:sp>
+        <p:nvSpPr>
+          <p:cNvPr id="6" name="TextBox 5">
+            <a:extLst>
+              <a:ext uri="{FF2B5EF4-FFF2-40B4-BE49-F238E27FC236}">
+                <a16:creationId xmlns:a16="http://schemas.microsoft.com/office/drawing/2014/main" id="{F453C929-8CA3-4E79-AF5D-99EC8407C6CF}"/>
+              </a:ext>
+            </a:extLst>
+          </p:cNvPr>
+          <p:cNvSpPr txBox="1"/>
+          <p:nvPr/>
+        </p:nvSpPr>
+        <p:spPr>
+          <a:xfrm>
+            <a:off x="171888" y="194702"/>
+            <a:ext cx="2608406" cy="523220"/>
+          </a:xfrm>
+          <a:prstGeom prst="rect">
+            <a:avLst/>
+          </a:prstGeom>
+          <a:noFill/>
+        </p:spPr>
+        <p:txBody>
+          <a:bodyPr wrap="none" rtlCol="0">
+            <a:spAutoFit/>
+          </a:bodyPr>
+          <a:lstStyle/>
+          <a:p>
+            <a:r>
+              <a:rPr lang="en-US" altLang="ko-KR" sz="2800">
+                <a:latin typeface="나눔스퀘어OTF Light" panose="020B0600000101010101" pitchFamily="34" charset="-127"/>
+                <a:ea typeface="나눔스퀘어OTF Light" panose="020B0600000101010101" pitchFamily="34" charset="-127"/>
+              </a:rPr>
+              <a:t>3. </a:t>
+            </a:r>
+            <a:r>
+              <a:rPr lang="ko-KR" altLang="en-US" sz="2800">
+                <a:latin typeface="나눔스퀘어OTF Light" panose="020B0600000101010101" pitchFamily="34" charset="-127"/>
+                <a:ea typeface="나눔스퀘어OTF Light" panose="020B0600000101010101" pitchFamily="34" charset="-127"/>
+              </a:rPr>
+              <a:t>파티클 쉐이더</a:t>
+            </a:r>
+          </a:p>
+        </p:txBody>
+      </p:sp>
+      <p:cxnSp>
+        <p:nvCxnSpPr>
+          <p:cNvPr id="4" name="직선 연결선 3">
+            <a:extLst>
+              <a:ext uri="{FF2B5EF4-FFF2-40B4-BE49-F238E27FC236}">
+                <a16:creationId xmlns:a16="http://schemas.microsoft.com/office/drawing/2014/main" id="{7442459B-3DED-44F0-9E4C-B50601FEB425}"/>
+              </a:ext>
+            </a:extLst>
+          </p:cNvPr>
+          <p:cNvCxnSpPr>
+            <a:cxnSpLocks/>
+          </p:cNvCxnSpPr>
+          <p:nvPr/>
+        </p:nvCxnSpPr>
+        <p:spPr>
+          <a:xfrm>
+            <a:off x="132133" y="780690"/>
+            <a:ext cx="819295" cy="0"/>
+          </a:xfrm>
+          <a:prstGeom prst="line">
+            <a:avLst/>
+          </a:prstGeom>
+          <a:ln>
+            <a:solidFill>
+              <a:schemeClr val="tx1"/>
+            </a:solidFill>
+          </a:ln>
+        </p:spPr>
+        <p:style>
+          <a:lnRef idx="1">
+            <a:schemeClr val="accent1"/>
+          </a:lnRef>
+          <a:fillRef idx="0">
+            <a:schemeClr val="accent1"/>
+          </a:fillRef>
+          <a:effectRef idx="0">
+            <a:schemeClr val="accent1"/>
+          </a:effectRef>
+          <a:fontRef idx="minor">
+            <a:schemeClr val="tx1"/>
+          </a:fontRef>
+        </p:style>
+      </p:cxnSp>
+      <p:pic>
+        <p:nvPicPr>
+          <p:cNvPr id="3" name="그림 2">
+            <a:extLst>
+              <a:ext uri="{FF2B5EF4-FFF2-40B4-BE49-F238E27FC236}">
+                <a16:creationId xmlns:a16="http://schemas.microsoft.com/office/drawing/2014/main" id="{16B372C9-7629-4834-9BC7-9165C8B5238F}"/>
+              </a:ext>
+            </a:extLst>
+          </p:cNvPr>
+          <p:cNvPicPr>
+            <a:picLocks noChangeAspect="1"/>
+          </p:cNvPicPr>
+          <p:nvPr/>
+        </p:nvPicPr>
+        <p:blipFill>
+          <a:blip r:embed="rId2"/>
+          <a:stretch>
+            <a:fillRect/>
+          </a:stretch>
+        </p:blipFill>
+        <p:spPr>
+          <a:xfrm>
+            <a:off x="2867761" y="1531455"/>
+            <a:ext cx="1851820" cy="3795089"/>
+          </a:xfrm>
+          <a:prstGeom prst="rect">
+            <a:avLst/>
+          </a:prstGeom>
+        </p:spPr>
+      </p:pic>
+      <p:pic>
+        <p:nvPicPr>
+          <p:cNvPr id="7" name="그림 6">
+            <a:extLst>
+              <a:ext uri="{FF2B5EF4-FFF2-40B4-BE49-F238E27FC236}">
+                <a16:creationId xmlns:a16="http://schemas.microsoft.com/office/drawing/2014/main" id="{B64BE5EE-D4BB-4A16-B37F-C75755C242F7}"/>
+              </a:ext>
+            </a:extLst>
+          </p:cNvPr>
+          <p:cNvPicPr>
+            <a:picLocks noChangeAspect="1"/>
+          </p:cNvPicPr>
+          <p:nvPr/>
+        </p:nvPicPr>
+        <p:blipFill>
+          <a:blip r:embed="rId3"/>
+          <a:stretch>
+            <a:fillRect/>
+          </a:stretch>
+        </p:blipFill>
+        <p:spPr>
+          <a:xfrm>
+            <a:off x="7472421" y="1531455"/>
+            <a:ext cx="1838933" cy="3795089"/>
+          </a:xfrm>
+          <a:prstGeom prst="rect">
+            <a:avLst/>
+          </a:prstGeom>
+        </p:spPr>
+      </p:pic>
+      <p:sp>
+        <p:nvSpPr>
+          <p:cNvPr id="10" name="TextBox 9">
+            <a:extLst>
+              <a:ext uri="{FF2B5EF4-FFF2-40B4-BE49-F238E27FC236}">
+                <a16:creationId xmlns:a16="http://schemas.microsoft.com/office/drawing/2014/main" id="{BBE354F4-75CB-46AA-9257-DC703211A71C}"/>
+              </a:ext>
+            </a:extLst>
+          </p:cNvPr>
+          <p:cNvSpPr txBox="1"/>
+          <p:nvPr/>
+        </p:nvSpPr>
+        <p:spPr>
+          <a:xfrm>
+            <a:off x="1968171" y="5461907"/>
+            <a:ext cx="3650999" cy="400110"/>
+          </a:xfrm>
+          <a:prstGeom prst="rect">
+            <a:avLst/>
+          </a:prstGeom>
+          <a:noFill/>
+        </p:spPr>
+        <p:txBody>
+          <a:bodyPr wrap="none" rtlCol="0">
+            <a:spAutoFit/>
+          </a:bodyPr>
+          <a:lstStyle/>
+          <a:p>
+            <a:pPr algn="ctr"/>
+            <a:r>
+              <a:rPr lang="en-US" altLang="ko-KR" sz="2000">
+                <a:latin typeface="나눔스퀘어OTF Light" panose="020B0600000101010101" pitchFamily="34" charset="-127"/>
+                <a:ea typeface="나눔스퀘어OTF Light" panose="020B0600000101010101" pitchFamily="34" charset="-127"/>
+              </a:rPr>
+              <a:t>Standard Unlit Particle Shader</a:t>
+            </a:r>
+          </a:p>
+        </p:txBody>
+      </p:sp>
+      <p:sp>
+        <p:nvSpPr>
+          <p:cNvPr id="11" name="TextBox 10">
+            <a:extLst>
+              <a:ext uri="{FF2B5EF4-FFF2-40B4-BE49-F238E27FC236}">
+                <a16:creationId xmlns:a16="http://schemas.microsoft.com/office/drawing/2014/main" id="{5250A04B-DD6A-46DB-B67E-826FF5ED7224}"/>
+              </a:ext>
+            </a:extLst>
+          </p:cNvPr>
+          <p:cNvSpPr txBox="1"/>
+          <p:nvPr/>
+        </p:nvSpPr>
+        <p:spPr>
+          <a:xfrm>
+            <a:off x="6315684" y="5461907"/>
+            <a:ext cx="4152419" cy="400110"/>
+          </a:xfrm>
+          <a:prstGeom prst="rect">
+            <a:avLst/>
+          </a:prstGeom>
+          <a:noFill/>
+        </p:spPr>
+        <p:txBody>
+          <a:bodyPr wrap="none" rtlCol="0">
+            <a:spAutoFit/>
+          </a:bodyPr>
+          <a:lstStyle/>
+          <a:p>
+            <a:pPr algn="ctr"/>
+            <a:r>
+              <a:rPr lang="en-US" altLang="ko-KR" sz="2000">
+                <a:latin typeface="나눔스퀘어OTF Light" panose="020B0600000101010101" pitchFamily="34" charset="-127"/>
+                <a:ea typeface="나눔스퀘어OTF Light" panose="020B0600000101010101" pitchFamily="34" charset="-127"/>
+              </a:rPr>
+              <a:t>Standard Surfadce Particle Shader</a:t>
+            </a:r>
+          </a:p>
+        </p:txBody>
+      </p:sp>
+    </p:spTree>
+    <p:extLst>
+      <p:ext uri="{BB962C8B-B14F-4D97-AF65-F5344CB8AC3E}">
+        <p14:creationId xmlns:p14="http://schemas.microsoft.com/office/powerpoint/2010/main" val="1567144276"/>
+      </p:ext>
+    </p:extLst>
+  </p:cSld>
+  <p:clrMapOvr>
+    <a:masterClrMapping/>
+  </p:clrMapOvr>
+</p:sld>
+</file>
+
+<file path=ppt/slides/slide55.xml><?xml version="1.0" encoding="utf-8"?>
+<p:sld xmlns:a="http://schemas.openxmlformats.org/drawingml/2006/main" xmlns:r="http://schemas.openxmlformats.org/officeDocument/2006/relationships" xmlns:p="http://schemas.openxmlformats.org/presentationml/2006/main">
+  <p:cSld>
+    <p:spTree>
+      <p:nvGrpSpPr>
+        <p:cNvPr id="1" name=""/>
+        <p:cNvGrpSpPr/>
+        <p:nvPr/>
+      </p:nvGrpSpPr>
+      <p:grpSpPr>
+        <a:xfrm>
+          <a:off x="0" y="0"/>
+          <a:ext cx="0" cy="0"/>
+          <a:chOff x="0" y="0"/>
+          <a:chExt cx="0" cy="0"/>
+        </a:xfrm>
+      </p:grpSpPr>
+      <p:sp>
+        <p:nvSpPr>
+          <p:cNvPr id="6" name="TextBox 5">
+            <a:extLst>
+              <a:ext uri="{FF2B5EF4-FFF2-40B4-BE49-F238E27FC236}">
+                <a16:creationId xmlns:a16="http://schemas.microsoft.com/office/drawing/2014/main" id="{F453C929-8CA3-4E79-AF5D-99EC8407C6CF}"/>
+              </a:ext>
+            </a:extLst>
+          </p:cNvPr>
+          <p:cNvSpPr txBox="1"/>
+          <p:nvPr/>
+        </p:nvSpPr>
+        <p:spPr>
+          <a:xfrm>
+            <a:off x="171888" y="194702"/>
+            <a:ext cx="2608406" cy="523220"/>
+          </a:xfrm>
+          <a:prstGeom prst="rect">
+            <a:avLst/>
+          </a:prstGeom>
+          <a:noFill/>
+        </p:spPr>
+        <p:txBody>
+          <a:bodyPr wrap="none" rtlCol="0">
+            <a:spAutoFit/>
+          </a:bodyPr>
+          <a:lstStyle/>
+          <a:p>
+            <a:r>
+              <a:rPr lang="en-US" altLang="ko-KR" sz="2800">
+                <a:latin typeface="나눔스퀘어OTF Light" panose="020B0600000101010101" pitchFamily="34" charset="-127"/>
+                <a:ea typeface="나눔스퀘어OTF Light" panose="020B0600000101010101" pitchFamily="34" charset="-127"/>
+              </a:rPr>
+              <a:t>3. </a:t>
+            </a:r>
+            <a:r>
+              <a:rPr lang="ko-KR" altLang="en-US" sz="2800">
+                <a:latin typeface="나눔스퀘어OTF Light" panose="020B0600000101010101" pitchFamily="34" charset="-127"/>
+                <a:ea typeface="나눔스퀘어OTF Light" panose="020B0600000101010101" pitchFamily="34" charset="-127"/>
+              </a:rPr>
+              <a:t>파티클 쉐이더</a:t>
+            </a:r>
+          </a:p>
+        </p:txBody>
+      </p:sp>
+      <p:cxnSp>
+        <p:nvCxnSpPr>
+          <p:cNvPr id="4" name="직선 연결선 3">
+            <a:extLst>
+              <a:ext uri="{FF2B5EF4-FFF2-40B4-BE49-F238E27FC236}">
+                <a16:creationId xmlns:a16="http://schemas.microsoft.com/office/drawing/2014/main" id="{7442459B-3DED-44F0-9E4C-B50601FEB425}"/>
+              </a:ext>
+            </a:extLst>
+          </p:cNvPr>
+          <p:cNvCxnSpPr>
+            <a:cxnSpLocks/>
+          </p:cNvCxnSpPr>
+          <p:nvPr/>
+        </p:nvCxnSpPr>
+        <p:spPr>
+          <a:xfrm>
+            <a:off x="132133" y="780690"/>
+            <a:ext cx="819295" cy="0"/>
+          </a:xfrm>
+          <a:prstGeom prst="line">
+            <a:avLst/>
+          </a:prstGeom>
+          <a:ln>
+            <a:solidFill>
+              <a:schemeClr val="tx1"/>
+            </a:solidFill>
+          </a:ln>
+        </p:spPr>
+        <p:style>
+          <a:lnRef idx="1">
+            <a:schemeClr val="accent1"/>
+          </a:lnRef>
+          <a:fillRef idx="0">
+            <a:schemeClr val="accent1"/>
+          </a:fillRef>
+          <a:effectRef idx="0">
+            <a:schemeClr val="accent1"/>
+          </a:effectRef>
+          <a:fontRef idx="minor">
+            <a:schemeClr val="tx1"/>
+          </a:fontRef>
+        </p:style>
+      </p:cxnSp>
+      <p:pic>
+        <p:nvPicPr>
+          <p:cNvPr id="3" name="그림 2">
+            <a:extLst>
+              <a:ext uri="{FF2B5EF4-FFF2-40B4-BE49-F238E27FC236}">
+                <a16:creationId xmlns:a16="http://schemas.microsoft.com/office/drawing/2014/main" id="{3DB527DD-2179-4D50-B185-B2EFC76A8496}"/>
+              </a:ext>
+            </a:extLst>
+          </p:cNvPr>
+          <p:cNvPicPr>
+            <a:picLocks noChangeAspect="1"/>
+          </p:cNvPicPr>
+          <p:nvPr/>
+        </p:nvPicPr>
+        <p:blipFill>
+          <a:blip r:embed="rId2"/>
+          <a:stretch>
+            <a:fillRect/>
+          </a:stretch>
+        </p:blipFill>
+        <p:spPr>
+          <a:xfrm>
+            <a:off x="3655077" y="1091996"/>
+            <a:ext cx="4881846" cy="4423149"/>
+          </a:xfrm>
+          <a:prstGeom prst="rect">
+            <a:avLst/>
+          </a:prstGeom>
+        </p:spPr>
+      </p:pic>
+      <p:sp>
+        <p:nvSpPr>
+          <p:cNvPr id="7" name="TextBox 6">
+            <a:extLst>
+              <a:ext uri="{FF2B5EF4-FFF2-40B4-BE49-F238E27FC236}">
+                <a16:creationId xmlns:a16="http://schemas.microsoft.com/office/drawing/2014/main" id="{AFE79404-4026-407F-92D0-001D900BCB8C}"/>
+              </a:ext>
+            </a:extLst>
+          </p:cNvPr>
+          <p:cNvSpPr txBox="1"/>
+          <p:nvPr/>
+        </p:nvSpPr>
+        <p:spPr>
+          <a:xfrm>
+            <a:off x="4270500" y="5515145"/>
+            <a:ext cx="3650999" cy="400110"/>
+          </a:xfrm>
+          <a:prstGeom prst="rect">
+            <a:avLst/>
+          </a:prstGeom>
+          <a:noFill/>
+        </p:spPr>
+        <p:txBody>
+          <a:bodyPr wrap="none" rtlCol="0">
+            <a:spAutoFit/>
+          </a:bodyPr>
+          <a:lstStyle/>
+          <a:p>
+            <a:pPr algn="ctr"/>
+            <a:r>
+              <a:rPr lang="en-US" altLang="ko-KR" sz="2000">
+                <a:latin typeface="나눔스퀘어OTF Light" panose="020B0600000101010101" pitchFamily="34" charset="-127"/>
+                <a:ea typeface="나눔스퀘어OTF Light" panose="020B0600000101010101" pitchFamily="34" charset="-127"/>
+              </a:rPr>
+              <a:t>Standard Unlit Particle Shader</a:t>
+            </a:r>
+          </a:p>
+        </p:txBody>
+      </p:sp>
+    </p:spTree>
+    <p:extLst>
+      <p:ext uri="{BB962C8B-B14F-4D97-AF65-F5344CB8AC3E}">
+        <p14:creationId xmlns:p14="http://schemas.microsoft.com/office/powerpoint/2010/main" val="3382911595"/>
+      </p:ext>
+    </p:extLst>
+  </p:cSld>
+  <p:clrMapOvr>
+    <a:masterClrMapping/>
+  </p:clrMapOvr>
+</p:sld>
+</file>
+
+<file path=ppt/slides/slide56.xml><?xml version="1.0" encoding="utf-8"?>
+<p:sld xmlns:a="http://schemas.openxmlformats.org/drawingml/2006/main" xmlns:r="http://schemas.openxmlformats.org/officeDocument/2006/relationships" xmlns:p="http://schemas.openxmlformats.org/presentationml/2006/main">
+  <p:cSld>
+    <p:spTree>
+      <p:nvGrpSpPr>
+        <p:cNvPr id="1" name=""/>
+        <p:cNvGrpSpPr/>
+        <p:nvPr/>
+      </p:nvGrpSpPr>
+      <p:grpSpPr>
+        <a:xfrm>
+          <a:off x="0" y="0"/>
+          <a:ext cx="0" cy="0"/>
+          <a:chOff x="0" y="0"/>
+          <a:chExt cx="0" cy="0"/>
+        </a:xfrm>
+      </p:grpSpPr>
+      <p:sp>
+        <p:nvSpPr>
+          <p:cNvPr id="6" name="TextBox 5">
+            <a:extLst>
+              <a:ext uri="{FF2B5EF4-FFF2-40B4-BE49-F238E27FC236}">
+                <a16:creationId xmlns:a16="http://schemas.microsoft.com/office/drawing/2014/main" id="{F453C929-8CA3-4E79-AF5D-99EC8407C6CF}"/>
+              </a:ext>
+            </a:extLst>
+          </p:cNvPr>
+          <p:cNvSpPr txBox="1"/>
+          <p:nvPr/>
+        </p:nvSpPr>
+        <p:spPr>
+          <a:xfrm>
+            <a:off x="171888" y="194702"/>
+            <a:ext cx="2608406" cy="523220"/>
+          </a:xfrm>
+          <a:prstGeom prst="rect">
+            <a:avLst/>
+          </a:prstGeom>
+          <a:noFill/>
+        </p:spPr>
+        <p:txBody>
+          <a:bodyPr wrap="none" rtlCol="0">
+            <a:spAutoFit/>
+          </a:bodyPr>
+          <a:lstStyle/>
+          <a:p>
+            <a:r>
+              <a:rPr lang="en-US" altLang="ko-KR" sz="2800">
+                <a:latin typeface="나눔스퀘어OTF Light" panose="020B0600000101010101" pitchFamily="34" charset="-127"/>
+                <a:ea typeface="나눔스퀘어OTF Light" panose="020B0600000101010101" pitchFamily="34" charset="-127"/>
+              </a:rPr>
+              <a:t>3. </a:t>
+            </a:r>
+            <a:r>
+              <a:rPr lang="ko-KR" altLang="en-US" sz="2800">
+                <a:latin typeface="나눔스퀘어OTF Light" panose="020B0600000101010101" pitchFamily="34" charset="-127"/>
+                <a:ea typeface="나눔스퀘어OTF Light" panose="020B0600000101010101" pitchFamily="34" charset="-127"/>
+              </a:rPr>
+              <a:t>파티클 쉐이더</a:t>
+            </a:r>
+          </a:p>
+        </p:txBody>
+      </p:sp>
+      <p:cxnSp>
+        <p:nvCxnSpPr>
+          <p:cNvPr id="4" name="직선 연결선 3">
+            <a:extLst>
+              <a:ext uri="{FF2B5EF4-FFF2-40B4-BE49-F238E27FC236}">
+                <a16:creationId xmlns:a16="http://schemas.microsoft.com/office/drawing/2014/main" id="{7442459B-3DED-44F0-9E4C-B50601FEB425}"/>
+              </a:ext>
+            </a:extLst>
+          </p:cNvPr>
+          <p:cNvCxnSpPr>
+            <a:cxnSpLocks/>
+          </p:cNvCxnSpPr>
+          <p:nvPr/>
+        </p:nvCxnSpPr>
+        <p:spPr>
+          <a:xfrm>
+            <a:off x="132133" y="780690"/>
+            <a:ext cx="819295" cy="0"/>
+          </a:xfrm>
+          <a:prstGeom prst="line">
+            <a:avLst/>
+          </a:prstGeom>
+          <a:ln>
+            <a:solidFill>
+              <a:schemeClr val="tx1"/>
+            </a:solidFill>
+          </a:ln>
+        </p:spPr>
+        <p:style>
+          <a:lnRef idx="1">
+            <a:schemeClr val="accent1"/>
+          </a:lnRef>
+          <a:fillRef idx="0">
+            <a:schemeClr val="accent1"/>
+          </a:fillRef>
+          <a:effectRef idx="0">
+            <a:schemeClr val="accent1"/>
+          </a:effectRef>
+          <a:fontRef idx="minor">
+            <a:schemeClr val="tx1"/>
+          </a:fontRef>
+        </p:style>
+      </p:cxnSp>
+      <p:pic>
+        <p:nvPicPr>
+          <p:cNvPr id="5" name="그림 4">
+            <a:extLst>
+              <a:ext uri="{FF2B5EF4-FFF2-40B4-BE49-F238E27FC236}">
+                <a16:creationId xmlns:a16="http://schemas.microsoft.com/office/drawing/2014/main" id="{EF9B2714-6946-4721-B99C-C5A3EC06711A}"/>
+              </a:ext>
+            </a:extLst>
+          </p:cNvPr>
+          <p:cNvPicPr>
+            <a:picLocks noChangeAspect="1"/>
+          </p:cNvPicPr>
+          <p:nvPr/>
+        </p:nvPicPr>
+        <p:blipFill>
+          <a:blip r:embed="rId2"/>
+          <a:stretch>
+            <a:fillRect/>
+          </a:stretch>
+        </p:blipFill>
+        <p:spPr>
+          <a:xfrm>
+            <a:off x="3684256" y="2520961"/>
+            <a:ext cx="4823488" cy="673301"/>
+          </a:xfrm>
+          <a:prstGeom prst="rect">
+            <a:avLst/>
+          </a:prstGeom>
+        </p:spPr>
+      </p:pic>
+      <p:sp>
+        <p:nvSpPr>
+          <p:cNvPr id="8" name="TextBox 7">
+            <a:extLst>
+              <a:ext uri="{FF2B5EF4-FFF2-40B4-BE49-F238E27FC236}">
+                <a16:creationId xmlns:a16="http://schemas.microsoft.com/office/drawing/2014/main" id="{4091B53E-1798-416A-8F6A-408D9711E2D2}"/>
+              </a:ext>
+            </a:extLst>
+          </p:cNvPr>
+          <p:cNvSpPr txBox="1"/>
+          <p:nvPr/>
+        </p:nvSpPr>
+        <p:spPr>
+          <a:xfrm>
+            <a:off x="3020478" y="4000388"/>
+            <a:ext cx="6151043" cy="369332"/>
+          </a:xfrm>
+          <a:prstGeom prst="rect">
+            <a:avLst/>
+          </a:prstGeom>
+          <a:noFill/>
+        </p:spPr>
+        <p:txBody>
+          <a:bodyPr wrap="none" rtlCol="0">
+            <a:spAutoFit/>
+          </a:bodyPr>
+          <a:lstStyle/>
+          <a:p>
+            <a:pPr algn="ctr"/>
+            <a:r>
+              <a:rPr lang="ko-KR" altLang="en-US">
+                <a:latin typeface="나눔스퀘어OTF Light" panose="020B0600000101010101" pitchFamily="34" charset="-127"/>
+                <a:ea typeface="나눔스퀘어OTF Light" panose="020B0600000101010101" pitchFamily="34" charset="-127"/>
+              </a:rPr>
+              <a:t>배경 색상과 알베도 색상</a:t>
+            </a:r>
+            <a:r>
+              <a:rPr lang="en-US" altLang="ko-KR">
+                <a:latin typeface="나눔스퀘어OTF Light" panose="020B0600000101010101" pitchFamily="34" charset="-127"/>
+                <a:ea typeface="나눔스퀘어OTF Light" panose="020B0600000101010101" pitchFamily="34" charset="-127"/>
+              </a:rPr>
+              <a:t>, </a:t>
+            </a:r>
+            <a:r>
+              <a:rPr lang="ko-KR" altLang="en-US">
+                <a:latin typeface="나눔스퀘어OTF Light" panose="020B0600000101010101" pitchFamily="34" charset="-127"/>
+                <a:ea typeface="나눔스퀘어OTF Light" panose="020B0600000101010101" pitchFamily="34" charset="-127"/>
+              </a:rPr>
+              <a:t>파티클 색상의 혼합 방식을 결정합니다</a:t>
+            </a:r>
+            <a:endParaRPr lang="en-US" altLang="ko-KR">
+              <a:latin typeface="나눔스퀘어OTF Light" panose="020B0600000101010101" pitchFamily="34" charset="-127"/>
+              <a:ea typeface="나눔스퀘어OTF Light" panose="020B0600000101010101" pitchFamily="34" charset="-127"/>
+            </a:endParaRPr>
+          </a:p>
+        </p:txBody>
+      </p:sp>
+    </p:spTree>
+    <p:extLst>
+      <p:ext uri="{BB962C8B-B14F-4D97-AF65-F5344CB8AC3E}">
+        <p14:creationId xmlns:p14="http://schemas.microsoft.com/office/powerpoint/2010/main" val="3983917625"/>
+      </p:ext>
+    </p:extLst>
+  </p:cSld>
+  <p:clrMapOvr>
+    <a:masterClrMapping/>
+  </p:clrMapOvr>
+</p:sld>
+</file>
+
+<file path=ppt/slides/slide57.xml><?xml version="1.0" encoding="utf-8"?>
+<p:sld xmlns:a="http://schemas.openxmlformats.org/drawingml/2006/main" xmlns:r="http://schemas.openxmlformats.org/officeDocument/2006/relationships" xmlns:p="http://schemas.openxmlformats.org/presentationml/2006/main">
+  <p:cSld>
+    <p:spTree>
+      <p:nvGrpSpPr>
+        <p:cNvPr id="1" name=""/>
+        <p:cNvGrpSpPr/>
+        <p:nvPr/>
+      </p:nvGrpSpPr>
+      <p:grpSpPr>
+        <a:xfrm>
+          <a:off x="0" y="0"/>
+          <a:ext cx="0" cy="0"/>
+          <a:chOff x="0" y="0"/>
+          <a:chExt cx="0" cy="0"/>
+        </a:xfrm>
+      </p:grpSpPr>
+      <p:sp>
+        <p:nvSpPr>
+          <p:cNvPr id="6" name="TextBox 5">
+            <a:extLst>
+              <a:ext uri="{FF2B5EF4-FFF2-40B4-BE49-F238E27FC236}">
+                <a16:creationId xmlns:a16="http://schemas.microsoft.com/office/drawing/2014/main" id="{F453C929-8CA3-4E79-AF5D-99EC8407C6CF}"/>
+              </a:ext>
+            </a:extLst>
+          </p:cNvPr>
+          <p:cNvSpPr txBox="1"/>
+          <p:nvPr/>
+        </p:nvSpPr>
+        <p:spPr>
+          <a:xfrm>
+            <a:off x="171888" y="194702"/>
+            <a:ext cx="2608406" cy="523220"/>
+          </a:xfrm>
+          <a:prstGeom prst="rect">
+            <a:avLst/>
+          </a:prstGeom>
+          <a:noFill/>
+        </p:spPr>
+        <p:txBody>
+          <a:bodyPr wrap="none" rtlCol="0">
+            <a:spAutoFit/>
+          </a:bodyPr>
+          <a:lstStyle/>
+          <a:p>
+            <a:r>
+              <a:rPr lang="en-US" altLang="ko-KR" sz="2800">
+                <a:latin typeface="나눔스퀘어OTF Light" panose="020B0600000101010101" pitchFamily="34" charset="-127"/>
+                <a:ea typeface="나눔스퀘어OTF Light" panose="020B0600000101010101" pitchFamily="34" charset="-127"/>
+              </a:rPr>
+              <a:t>3. </a:t>
+            </a:r>
+            <a:r>
+              <a:rPr lang="ko-KR" altLang="en-US" sz="2800">
+                <a:latin typeface="나눔스퀘어OTF Light" panose="020B0600000101010101" pitchFamily="34" charset="-127"/>
+                <a:ea typeface="나눔스퀘어OTF Light" panose="020B0600000101010101" pitchFamily="34" charset="-127"/>
+              </a:rPr>
+              <a:t>파티클 쉐이더</a:t>
+            </a:r>
+          </a:p>
+        </p:txBody>
+      </p:sp>
+      <p:cxnSp>
+        <p:nvCxnSpPr>
+          <p:cNvPr id="4" name="직선 연결선 3">
+            <a:extLst>
+              <a:ext uri="{FF2B5EF4-FFF2-40B4-BE49-F238E27FC236}">
+                <a16:creationId xmlns:a16="http://schemas.microsoft.com/office/drawing/2014/main" id="{7442459B-3DED-44F0-9E4C-B50601FEB425}"/>
+              </a:ext>
+            </a:extLst>
+          </p:cNvPr>
+          <p:cNvCxnSpPr>
+            <a:cxnSpLocks/>
+          </p:cNvCxnSpPr>
+          <p:nvPr/>
+        </p:nvCxnSpPr>
+        <p:spPr>
+          <a:xfrm>
+            <a:off x="132133" y="780690"/>
+            <a:ext cx="819295" cy="0"/>
+          </a:xfrm>
+          <a:prstGeom prst="line">
+            <a:avLst/>
+          </a:prstGeom>
+          <a:ln>
+            <a:solidFill>
+              <a:schemeClr val="tx1"/>
+            </a:solidFill>
+          </a:ln>
+        </p:spPr>
+        <p:style>
+          <a:lnRef idx="1">
+            <a:schemeClr val="accent1"/>
+          </a:lnRef>
+          <a:fillRef idx="0">
+            <a:schemeClr val="accent1"/>
+          </a:fillRef>
+          <a:effectRef idx="0">
+            <a:schemeClr val="accent1"/>
+          </a:effectRef>
+          <a:fontRef idx="minor">
+            <a:schemeClr val="tx1"/>
+          </a:fontRef>
+        </p:style>
+      </p:cxnSp>
+      <p:sp>
+        <p:nvSpPr>
+          <p:cNvPr id="8" name="TextBox 7">
+            <a:extLst>
+              <a:ext uri="{FF2B5EF4-FFF2-40B4-BE49-F238E27FC236}">
+                <a16:creationId xmlns:a16="http://schemas.microsoft.com/office/drawing/2014/main" id="{4091B53E-1798-416A-8F6A-408D9711E2D2}"/>
+              </a:ext>
+            </a:extLst>
+          </p:cNvPr>
+          <p:cNvSpPr txBox="1"/>
+          <p:nvPr/>
+        </p:nvSpPr>
+        <p:spPr>
+          <a:xfrm>
+            <a:off x="4693215" y="1110231"/>
+            <a:ext cx="2805576" cy="523220"/>
+          </a:xfrm>
+          <a:prstGeom prst="rect">
+            <a:avLst/>
+          </a:prstGeom>
+          <a:noFill/>
+        </p:spPr>
+        <p:txBody>
+          <a:bodyPr wrap="none" rtlCol="0">
+            <a:spAutoFit/>
+          </a:bodyPr>
+          <a:lstStyle/>
+          <a:p>
+            <a:pPr algn="ctr"/>
+            <a:r>
+              <a:rPr lang="en-US" altLang="ko-KR" sz="2800">
+                <a:latin typeface="나눔스퀘어OTF Light" panose="020B0600000101010101" pitchFamily="34" charset="-127"/>
+                <a:ea typeface="나눔스퀘어OTF Light" panose="020B0600000101010101" pitchFamily="34" charset="-127"/>
+              </a:rPr>
+              <a:t>Rendering Mode</a:t>
+            </a:r>
+          </a:p>
+        </p:txBody>
+      </p:sp>
+      <p:pic>
+        <p:nvPicPr>
+          <p:cNvPr id="11" name="그림 10">
+            <a:extLst>
+              <a:ext uri="{FF2B5EF4-FFF2-40B4-BE49-F238E27FC236}">
+                <a16:creationId xmlns:a16="http://schemas.microsoft.com/office/drawing/2014/main" id="{22947B69-0CE7-47B6-B16A-3FC75F28043D}"/>
+              </a:ext>
+            </a:extLst>
+          </p:cNvPr>
+          <p:cNvPicPr>
+            <a:picLocks noChangeAspect="1"/>
+          </p:cNvPicPr>
+          <p:nvPr/>
+        </p:nvPicPr>
+        <p:blipFill>
+          <a:blip r:embed="rId2"/>
+          <a:stretch>
+            <a:fillRect/>
+          </a:stretch>
+        </p:blipFill>
+        <p:spPr>
+          <a:xfrm>
+            <a:off x="1351053" y="2247343"/>
+            <a:ext cx="1923060" cy="3455831"/>
+          </a:xfrm>
+          <a:prstGeom prst="rect">
+            <a:avLst/>
+          </a:prstGeom>
+        </p:spPr>
+      </p:pic>
+      <p:pic>
+        <p:nvPicPr>
+          <p:cNvPr id="13" name="그림 12">
+            <a:extLst>
+              <a:ext uri="{FF2B5EF4-FFF2-40B4-BE49-F238E27FC236}">
+                <a16:creationId xmlns:a16="http://schemas.microsoft.com/office/drawing/2014/main" id="{5923291A-11EB-45AD-AF15-900164B13588}"/>
+              </a:ext>
+            </a:extLst>
+          </p:cNvPr>
+          <p:cNvPicPr>
+            <a:picLocks noChangeAspect="1"/>
+          </p:cNvPicPr>
+          <p:nvPr/>
+        </p:nvPicPr>
+        <p:blipFill>
+          <a:blip r:embed="rId3"/>
+          <a:stretch>
+            <a:fillRect/>
+          </a:stretch>
+        </p:blipFill>
+        <p:spPr>
+          <a:xfrm>
+            <a:off x="3941082" y="2247342"/>
+            <a:ext cx="2008518" cy="3455832"/>
+          </a:xfrm>
+          <a:prstGeom prst="rect">
+            <a:avLst/>
+          </a:prstGeom>
+        </p:spPr>
+      </p:pic>
+      <p:pic>
+        <p:nvPicPr>
+          <p:cNvPr id="15" name="그림 14">
+            <a:extLst>
+              <a:ext uri="{FF2B5EF4-FFF2-40B4-BE49-F238E27FC236}">
+                <a16:creationId xmlns:a16="http://schemas.microsoft.com/office/drawing/2014/main" id="{EB55BA3D-6B24-4895-AA8C-00AC2E281A6D}"/>
+              </a:ext>
+            </a:extLst>
+          </p:cNvPr>
+          <p:cNvPicPr>
+            <a:picLocks noChangeAspect="1"/>
+          </p:cNvPicPr>
+          <p:nvPr/>
+        </p:nvPicPr>
+        <p:blipFill>
+          <a:blip r:embed="rId4"/>
+          <a:stretch>
+            <a:fillRect/>
+          </a:stretch>
+        </p:blipFill>
+        <p:spPr>
+          <a:xfrm>
+            <a:off x="6616569" y="2247342"/>
+            <a:ext cx="1878692" cy="3386015"/>
+          </a:xfrm>
+          <a:prstGeom prst="rect">
+            <a:avLst/>
+          </a:prstGeom>
+        </p:spPr>
+      </p:pic>
+      <p:pic>
+        <p:nvPicPr>
+          <p:cNvPr id="17" name="그림 16">
+            <a:extLst>
+              <a:ext uri="{FF2B5EF4-FFF2-40B4-BE49-F238E27FC236}">
+                <a16:creationId xmlns:a16="http://schemas.microsoft.com/office/drawing/2014/main" id="{E8F0DFF7-09C7-48D9-8C96-446D843EBE99}"/>
+              </a:ext>
+            </a:extLst>
+          </p:cNvPr>
+          <p:cNvPicPr>
+            <a:picLocks noChangeAspect="1"/>
+          </p:cNvPicPr>
+          <p:nvPr/>
+        </p:nvPicPr>
+        <p:blipFill>
+          <a:blip r:embed="rId5"/>
+          <a:stretch>
+            <a:fillRect/>
+          </a:stretch>
+        </p:blipFill>
+        <p:spPr>
+          <a:xfrm>
+            <a:off x="9162230" y="2247342"/>
+            <a:ext cx="1836720" cy="3386015"/>
+          </a:xfrm>
+          <a:prstGeom prst="rect">
+            <a:avLst/>
+          </a:prstGeom>
+        </p:spPr>
+      </p:pic>
+      <p:sp>
+        <p:nvSpPr>
+          <p:cNvPr id="18" name="TextBox 17">
+            <a:extLst>
+              <a:ext uri="{FF2B5EF4-FFF2-40B4-BE49-F238E27FC236}">
+                <a16:creationId xmlns:a16="http://schemas.microsoft.com/office/drawing/2014/main" id="{059E3CAB-3E65-4B59-9F63-1306EB61876E}"/>
+              </a:ext>
+            </a:extLst>
+          </p:cNvPr>
+          <p:cNvSpPr txBox="1"/>
+          <p:nvPr/>
+        </p:nvSpPr>
+        <p:spPr>
+          <a:xfrm>
+            <a:off x="1780706" y="5703174"/>
+            <a:ext cx="1063753" cy="707886"/>
+          </a:xfrm>
+          <a:prstGeom prst="rect">
+            <a:avLst/>
+          </a:prstGeom>
+          <a:noFill/>
+        </p:spPr>
+        <p:txBody>
+          <a:bodyPr wrap="none" rtlCol="0">
+            <a:spAutoFit/>
+          </a:bodyPr>
+          <a:lstStyle/>
+          <a:p>
+            <a:pPr algn="ctr"/>
+            <a:r>
+              <a:rPr lang="en-US" altLang="ko-KR" sz="2000">
+                <a:latin typeface="나눔스퀘어OTF Light" panose="020B0600000101010101" pitchFamily="34" charset="-127"/>
+                <a:ea typeface="나눔스퀘어OTF Light" panose="020B0600000101010101" pitchFamily="34" charset="-127"/>
+              </a:rPr>
+              <a:t>Opaque</a:t>
+            </a:r>
+          </a:p>
+          <a:p>
+            <a:pPr algn="ctr"/>
+            <a:r>
+              <a:rPr lang="ko-KR" altLang="en-US" sz="2000">
+                <a:latin typeface="나눔스퀘어OTF Light" panose="020B0600000101010101" pitchFamily="34" charset="-127"/>
+                <a:ea typeface="나눔스퀘어OTF Light" panose="020B0600000101010101" pitchFamily="34" charset="-127"/>
+              </a:rPr>
+              <a:t>불투명</a:t>
+            </a:r>
+            <a:endParaRPr lang="en-US" altLang="ko-KR" sz="2000">
+              <a:latin typeface="나눔스퀘어OTF Light" panose="020B0600000101010101" pitchFamily="34" charset="-127"/>
+              <a:ea typeface="나눔스퀘어OTF Light" panose="020B0600000101010101" pitchFamily="34" charset="-127"/>
+            </a:endParaRPr>
+          </a:p>
+        </p:txBody>
+      </p:sp>
+      <p:sp>
+        <p:nvSpPr>
+          <p:cNvPr id="19" name="TextBox 18">
+            <a:extLst>
+              <a:ext uri="{FF2B5EF4-FFF2-40B4-BE49-F238E27FC236}">
+                <a16:creationId xmlns:a16="http://schemas.microsoft.com/office/drawing/2014/main" id="{112CFA51-DB31-4268-ADC7-C04C1FB41AC0}"/>
+              </a:ext>
+            </a:extLst>
+          </p:cNvPr>
+          <p:cNvSpPr txBox="1"/>
+          <p:nvPr/>
+        </p:nvSpPr>
+        <p:spPr>
+          <a:xfrm>
+            <a:off x="4086773" y="5703174"/>
+            <a:ext cx="1717138" cy="707886"/>
+          </a:xfrm>
+          <a:prstGeom prst="rect">
+            <a:avLst/>
+          </a:prstGeom>
+          <a:noFill/>
+        </p:spPr>
+        <p:txBody>
+          <a:bodyPr wrap="none" rtlCol="0">
+            <a:spAutoFit/>
+          </a:bodyPr>
+          <a:lstStyle/>
+          <a:p>
+            <a:pPr algn="ctr"/>
+            <a:r>
+              <a:rPr lang="en-US" altLang="ko-KR" sz="2000">
+                <a:latin typeface="나눔스퀘어OTF Light" panose="020B0600000101010101" pitchFamily="34" charset="-127"/>
+                <a:ea typeface="나눔스퀘어OTF Light" panose="020B0600000101010101" pitchFamily="34" charset="-127"/>
+              </a:rPr>
+              <a:t>Cutout</a:t>
+            </a:r>
+          </a:p>
+          <a:p>
+            <a:pPr algn="ctr"/>
+            <a:r>
+              <a:rPr lang="ko-KR" altLang="en-US" sz="2000">
+                <a:latin typeface="나눔스퀘어OTF Light" panose="020B0600000101010101" pitchFamily="34" charset="-127"/>
+                <a:ea typeface="나눔스퀘어OTF Light" panose="020B0600000101010101" pitchFamily="34" charset="-127"/>
+              </a:rPr>
+              <a:t>불투명과 투명</a:t>
+            </a:r>
+            <a:endParaRPr lang="en-US" altLang="ko-KR" sz="2000">
+              <a:latin typeface="나눔스퀘어OTF Light" panose="020B0600000101010101" pitchFamily="34" charset="-127"/>
+              <a:ea typeface="나눔스퀘어OTF Light" panose="020B0600000101010101" pitchFamily="34" charset="-127"/>
+            </a:endParaRPr>
+          </a:p>
+        </p:txBody>
+      </p:sp>
+      <p:sp>
+        <p:nvSpPr>
+          <p:cNvPr id="20" name="TextBox 19">
+            <a:extLst>
+              <a:ext uri="{FF2B5EF4-FFF2-40B4-BE49-F238E27FC236}">
+                <a16:creationId xmlns:a16="http://schemas.microsoft.com/office/drawing/2014/main" id="{590DD137-CC5E-45F6-B4C2-835D9512319A}"/>
+              </a:ext>
+            </a:extLst>
+          </p:cNvPr>
+          <p:cNvSpPr txBox="1"/>
+          <p:nvPr/>
+        </p:nvSpPr>
+        <p:spPr>
+          <a:xfrm>
+            <a:off x="6609185" y="5651781"/>
+            <a:ext cx="1893467" cy="923330"/>
+          </a:xfrm>
+          <a:prstGeom prst="rect">
+            <a:avLst/>
+          </a:prstGeom>
+          <a:noFill/>
+        </p:spPr>
+        <p:txBody>
+          <a:bodyPr wrap="none" rtlCol="0">
+            <a:spAutoFit/>
+          </a:bodyPr>
+          <a:lstStyle/>
+          <a:p>
+            <a:pPr algn="ctr"/>
+            <a:r>
+              <a:rPr lang="en-US" altLang="ko-KR" sz="2000">
+                <a:latin typeface="나눔스퀘어OTF Light" panose="020B0600000101010101" pitchFamily="34" charset="-127"/>
+                <a:ea typeface="나눔스퀘어OTF Light" panose="020B0600000101010101" pitchFamily="34" charset="-127"/>
+              </a:rPr>
+              <a:t>Fade</a:t>
+            </a:r>
+          </a:p>
+          <a:p>
+            <a:pPr algn="ctr"/>
+            <a:r>
+              <a:rPr lang="ko-KR" altLang="en-US" sz="2000">
+                <a:latin typeface="나눔스퀘어OTF Light" panose="020B0600000101010101" pitchFamily="34" charset="-127"/>
+                <a:ea typeface="나눔스퀘어OTF Light" panose="020B0600000101010101" pitchFamily="34" charset="-127"/>
+              </a:rPr>
+              <a:t>반투명</a:t>
+            </a:r>
+            <a:endParaRPr lang="en-US" altLang="ko-KR" sz="2000">
+              <a:latin typeface="나눔스퀘어OTF Light" panose="020B0600000101010101" pitchFamily="34" charset="-127"/>
+              <a:ea typeface="나눔스퀘어OTF Light" panose="020B0600000101010101" pitchFamily="34" charset="-127"/>
+            </a:endParaRPr>
+          </a:p>
+          <a:p>
+            <a:pPr algn="ctr"/>
+            <a:r>
+              <a:rPr lang="en-US" altLang="ko-KR" sz="1400">
+                <a:latin typeface="나눔스퀘어OTF Light" panose="020B0600000101010101" pitchFamily="34" charset="-127"/>
+                <a:ea typeface="나눔스퀘어OTF Light" panose="020B0600000101010101" pitchFamily="34" charset="-127"/>
+              </a:rPr>
+              <a:t>(</a:t>
+            </a:r>
+            <a:r>
+              <a:rPr lang="ko-KR" altLang="en-US" sz="1400">
+                <a:latin typeface="나눔스퀘어OTF Light" panose="020B0600000101010101" pitchFamily="34" charset="-127"/>
+                <a:ea typeface="나눔스퀘어OTF Light" panose="020B0600000101010101" pitchFamily="34" charset="-127"/>
+              </a:rPr>
+              <a:t>완전히 사라질 수 있음</a:t>
+            </a:r>
+            <a:r>
+              <a:rPr lang="en-US" altLang="ko-KR" sz="1400">
+                <a:latin typeface="나눔스퀘어OTF Light" panose="020B0600000101010101" pitchFamily="34" charset="-127"/>
+                <a:ea typeface="나눔스퀘어OTF Light" panose="020B0600000101010101" pitchFamily="34" charset="-127"/>
+              </a:rPr>
+              <a:t>)</a:t>
+            </a:r>
+            <a:endParaRPr lang="en-US" altLang="ko-KR" sz="2000">
+              <a:latin typeface="나눔스퀘어OTF Light" panose="020B0600000101010101" pitchFamily="34" charset="-127"/>
+              <a:ea typeface="나눔스퀘어OTF Light" panose="020B0600000101010101" pitchFamily="34" charset="-127"/>
+            </a:endParaRPr>
+          </a:p>
+        </p:txBody>
+      </p:sp>
+      <p:sp>
+        <p:nvSpPr>
+          <p:cNvPr id="21" name="TextBox 20">
+            <a:extLst>
+              <a:ext uri="{FF2B5EF4-FFF2-40B4-BE49-F238E27FC236}">
+                <a16:creationId xmlns:a16="http://schemas.microsoft.com/office/drawing/2014/main" id="{2F9DF7A4-DFEC-4C43-BDCA-067214895B37}"/>
+              </a:ext>
+            </a:extLst>
+          </p:cNvPr>
+          <p:cNvSpPr txBox="1"/>
+          <p:nvPr/>
+        </p:nvSpPr>
+        <p:spPr>
+          <a:xfrm>
+            <a:off x="9327918" y="5633357"/>
+            <a:ext cx="1562094" cy="923330"/>
+          </a:xfrm>
+          <a:prstGeom prst="rect">
+            <a:avLst/>
+          </a:prstGeom>
+          <a:noFill/>
+        </p:spPr>
+        <p:txBody>
+          <a:bodyPr wrap="none" rtlCol="0">
+            <a:spAutoFit/>
+          </a:bodyPr>
+          <a:lstStyle/>
+          <a:p>
+            <a:pPr algn="ctr"/>
+            <a:r>
+              <a:rPr lang="en-US" altLang="ko-KR" sz="2000">
+                <a:latin typeface="나눔스퀘어OTF Light" panose="020B0600000101010101" pitchFamily="34" charset="-127"/>
+                <a:ea typeface="나눔스퀘어OTF Light" panose="020B0600000101010101" pitchFamily="34" charset="-127"/>
+              </a:rPr>
+              <a:t>Transparent</a:t>
+            </a:r>
+          </a:p>
+          <a:p>
+            <a:pPr algn="ctr"/>
+            <a:r>
+              <a:rPr lang="ko-KR" altLang="en-US" sz="2000">
+                <a:latin typeface="나눔스퀘어OTF Light" panose="020B0600000101010101" pitchFamily="34" charset="-127"/>
+                <a:ea typeface="나눔스퀘어OTF Light" panose="020B0600000101010101" pitchFamily="34" charset="-127"/>
+              </a:rPr>
+              <a:t>반투명</a:t>
+            </a:r>
+            <a:endParaRPr lang="en-US" altLang="ko-KR" sz="2000">
+              <a:latin typeface="나눔스퀘어OTF Light" panose="020B0600000101010101" pitchFamily="34" charset="-127"/>
+              <a:ea typeface="나눔스퀘어OTF Light" panose="020B0600000101010101" pitchFamily="34" charset="-127"/>
+            </a:endParaRPr>
+          </a:p>
+          <a:p>
+            <a:pPr algn="ctr"/>
+            <a:r>
+              <a:rPr lang="en-US" altLang="ko-KR" sz="1400">
+                <a:latin typeface="나눔스퀘어OTF Light" panose="020B0600000101010101" pitchFamily="34" charset="-127"/>
+                <a:ea typeface="나눔스퀘어OTF Light" panose="020B0600000101010101" pitchFamily="34" charset="-127"/>
+              </a:rPr>
+              <a:t>(</a:t>
+            </a:r>
+            <a:r>
+              <a:rPr lang="ko-KR" altLang="en-US" sz="1400">
+                <a:latin typeface="나눔스퀘어OTF Light" panose="020B0600000101010101" pitchFamily="34" charset="-127"/>
+                <a:ea typeface="나눔스퀘어OTF Light" panose="020B0600000101010101" pitchFamily="34" charset="-127"/>
+              </a:rPr>
+              <a:t>조명 등은 투명함</a:t>
+            </a:r>
+            <a:r>
+              <a:rPr lang="en-US" altLang="ko-KR" sz="1400">
+                <a:latin typeface="나눔스퀘어OTF Light" panose="020B0600000101010101" pitchFamily="34" charset="-127"/>
+                <a:ea typeface="나눔스퀘어OTF Light" panose="020B0600000101010101" pitchFamily="34" charset="-127"/>
+              </a:rPr>
+              <a:t>)</a:t>
+            </a:r>
+            <a:endParaRPr lang="en-US" altLang="ko-KR">
+              <a:latin typeface="나눔스퀘어OTF Light" panose="020B0600000101010101" pitchFamily="34" charset="-127"/>
+              <a:ea typeface="나눔스퀘어OTF Light" panose="020B0600000101010101" pitchFamily="34" charset="-127"/>
+            </a:endParaRPr>
+          </a:p>
+        </p:txBody>
+      </p:sp>
+    </p:spTree>
+    <p:extLst>
+      <p:ext uri="{BB962C8B-B14F-4D97-AF65-F5344CB8AC3E}">
+        <p14:creationId xmlns:p14="http://schemas.microsoft.com/office/powerpoint/2010/main" val="553230936"/>
+      </p:ext>
+    </p:extLst>
+  </p:cSld>
+  <p:clrMapOvr>
+    <a:masterClrMapping/>
+  </p:clrMapOvr>
+</p:sld>
+</file>
+
+<file path=ppt/slides/slide58.xml><?xml version="1.0" encoding="utf-8"?>
+<p:sld xmlns:a="http://schemas.openxmlformats.org/drawingml/2006/main" xmlns:r="http://schemas.openxmlformats.org/officeDocument/2006/relationships" xmlns:p="http://schemas.openxmlformats.org/presentationml/2006/main">
+  <p:cSld>
+    <p:spTree>
+      <p:nvGrpSpPr>
+        <p:cNvPr id="1" name=""/>
+        <p:cNvGrpSpPr/>
+        <p:nvPr/>
+      </p:nvGrpSpPr>
+      <p:grpSpPr>
+        <a:xfrm>
+          <a:off x="0" y="0"/>
+          <a:ext cx="0" cy="0"/>
+          <a:chOff x="0" y="0"/>
+          <a:chExt cx="0" cy="0"/>
+        </a:xfrm>
+      </p:grpSpPr>
+      <p:sp>
+        <p:nvSpPr>
+          <p:cNvPr id="6" name="TextBox 5">
+            <a:extLst>
+              <a:ext uri="{FF2B5EF4-FFF2-40B4-BE49-F238E27FC236}">
+                <a16:creationId xmlns:a16="http://schemas.microsoft.com/office/drawing/2014/main" id="{F453C929-8CA3-4E79-AF5D-99EC8407C6CF}"/>
+              </a:ext>
+            </a:extLst>
+          </p:cNvPr>
+          <p:cNvSpPr txBox="1"/>
+          <p:nvPr/>
+        </p:nvSpPr>
+        <p:spPr>
+          <a:xfrm>
+            <a:off x="171888" y="194702"/>
+            <a:ext cx="2608406" cy="523220"/>
+          </a:xfrm>
+          <a:prstGeom prst="rect">
+            <a:avLst/>
+          </a:prstGeom>
+          <a:noFill/>
+        </p:spPr>
+        <p:txBody>
+          <a:bodyPr wrap="none" rtlCol="0">
+            <a:spAutoFit/>
+          </a:bodyPr>
+          <a:lstStyle/>
+          <a:p>
+            <a:r>
+              <a:rPr lang="en-US" altLang="ko-KR" sz="2800">
+                <a:latin typeface="나눔스퀘어OTF Light" panose="020B0600000101010101" pitchFamily="34" charset="-127"/>
+                <a:ea typeface="나눔스퀘어OTF Light" panose="020B0600000101010101" pitchFamily="34" charset="-127"/>
+              </a:rPr>
+              <a:t>3. </a:t>
+            </a:r>
+            <a:r>
+              <a:rPr lang="ko-KR" altLang="en-US" sz="2800">
+                <a:latin typeface="나눔스퀘어OTF Light" panose="020B0600000101010101" pitchFamily="34" charset="-127"/>
+                <a:ea typeface="나눔스퀘어OTF Light" panose="020B0600000101010101" pitchFamily="34" charset="-127"/>
+              </a:rPr>
+              <a:t>파티클 쉐이더</a:t>
+            </a:r>
+          </a:p>
+        </p:txBody>
+      </p:sp>
+      <p:cxnSp>
+        <p:nvCxnSpPr>
+          <p:cNvPr id="4" name="직선 연결선 3">
+            <a:extLst>
+              <a:ext uri="{FF2B5EF4-FFF2-40B4-BE49-F238E27FC236}">
+                <a16:creationId xmlns:a16="http://schemas.microsoft.com/office/drawing/2014/main" id="{7442459B-3DED-44F0-9E4C-B50601FEB425}"/>
+              </a:ext>
+            </a:extLst>
+          </p:cNvPr>
+          <p:cNvCxnSpPr>
+            <a:cxnSpLocks/>
+          </p:cNvCxnSpPr>
+          <p:nvPr/>
+        </p:nvCxnSpPr>
+        <p:spPr>
+          <a:xfrm>
+            <a:off x="132133" y="780690"/>
+            <a:ext cx="819295" cy="0"/>
+          </a:xfrm>
+          <a:prstGeom prst="line">
+            <a:avLst/>
+          </a:prstGeom>
+          <a:ln>
+            <a:solidFill>
+              <a:schemeClr val="tx1"/>
+            </a:solidFill>
+          </a:ln>
+        </p:spPr>
+        <p:style>
+          <a:lnRef idx="1">
+            <a:schemeClr val="accent1"/>
+          </a:lnRef>
+          <a:fillRef idx="0">
+            <a:schemeClr val="accent1"/>
+          </a:fillRef>
+          <a:effectRef idx="0">
+            <a:schemeClr val="accent1"/>
+          </a:effectRef>
+          <a:fontRef idx="minor">
+            <a:schemeClr val="tx1"/>
+          </a:fontRef>
+        </p:style>
+      </p:cxnSp>
+      <p:sp>
+        <p:nvSpPr>
+          <p:cNvPr id="5" name="TextBox 4">
+            <a:extLst>
+              <a:ext uri="{FF2B5EF4-FFF2-40B4-BE49-F238E27FC236}">
+                <a16:creationId xmlns:a16="http://schemas.microsoft.com/office/drawing/2014/main" id="{58D8D1FB-CBEA-4C02-A517-A0B814BC5998}"/>
+              </a:ext>
+            </a:extLst>
+          </p:cNvPr>
+          <p:cNvSpPr txBox="1"/>
+          <p:nvPr/>
+        </p:nvSpPr>
+        <p:spPr>
+          <a:xfrm>
+            <a:off x="4693215" y="1110231"/>
+            <a:ext cx="2805576" cy="523220"/>
+          </a:xfrm>
+          <a:prstGeom prst="rect">
+            <a:avLst/>
+          </a:prstGeom>
+          <a:noFill/>
+        </p:spPr>
+        <p:txBody>
+          <a:bodyPr wrap="none" rtlCol="0">
+            <a:spAutoFit/>
+          </a:bodyPr>
+          <a:lstStyle/>
+          <a:p>
+            <a:pPr algn="ctr"/>
+            <a:r>
+              <a:rPr lang="en-US" altLang="ko-KR" sz="2800">
+                <a:latin typeface="나눔스퀘어OTF Light" panose="020B0600000101010101" pitchFamily="34" charset="-127"/>
+                <a:ea typeface="나눔스퀘어OTF Light" panose="020B0600000101010101" pitchFamily="34" charset="-127"/>
+              </a:rPr>
+              <a:t>Rendering Mode</a:t>
+            </a:r>
+          </a:p>
+        </p:txBody>
+      </p:sp>
+      <p:pic>
+        <p:nvPicPr>
+          <p:cNvPr id="8" name="그림 7">
+            <a:extLst>
+              <a:ext uri="{FF2B5EF4-FFF2-40B4-BE49-F238E27FC236}">
+                <a16:creationId xmlns:a16="http://schemas.microsoft.com/office/drawing/2014/main" id="{7C9D1139-2BE3-4186-913A-44059F2D20BD}"/>
+              </a:ext>
+            </a:extLst>
+          </p:cNvPr>
+          <p:cNvPicPr>
+            <a:picLocks noChangeAspect="1"/>
+          </p:cNvPicPr>
+          <p:nvPr/>
+        </p:nvPicPr>
+        <p:blipFill>
+          <a:blip r:embed="rId2"/>
+          <a:stretch>
+            <a:fillRect/>
+          </a:stretch>
+        </p:blipFill>
+        <p:spPr>
+          <a:xfrm>
+            <a:off x="2024669" y="2106760"/>
+            <a:ext cx="1927880" cy="3663683"/>
+          </a:xfrm>
+          <a:prstGeom prst="rect">
+            <a:avLst/>
+          </a:prstGeom>
+        </p:spPr>
+      </p:pic>
+      <p:pic>
+        <p:nvPicPr>
+          <p:cNvPr id="10" name="그림 9">
+            <a:extLst>
+              <a:ext uri="{FF2B5EF4-FFF2-40B4-BE49-F238E27FC236}">
+                <a16:creationId xmlns:a16="http://schemas.microsoft.com/office/drawing/2014/main" id="{F196927D-4C3E-4D6A-9F1A-5BD8FFCE9880}"/>
+              </a:ext>
+            </a:extLst>
+          </p:cNvPr>
+          <p:cNvPicPr>
+            <a:picLocks noChangeAspect="1"/>
+          </p:cNvPicPr>
+          <p:nvPr/>
+        </p:nvPicPr>
+        <p:blipFill>
+          <a:blip r:embed="rId3"/>
+          <a:stretch>
+            <a:fillRect/>
+          </a:stretch>
+        </p:blipFill>
+        <p:spPr>
+          <a:xfrm>
+            <a:off x="5159261" y="2106760"/>
+            <a:ext cx="1860689" cy="3663683"/>
+          </a:xfrm>
+          <a:prstGeom prst="rect">
+            <a:avLst/>
+          </a:prstGeom>
+        </p:spPr>
+      </p:pic>
+      <p:pic>
+        <p:nvPicPr>
+          <p:cNvPr id="12" name="그림 11">
+            <a:extLst>
+              <a:ext uri="{FF2B5EF4-FFF2-40B4-BE49-F238E27FC236}">
+                <a16:creationId xmlns:a16="http://schemas.microsoft.com/office/drawing/2014/main" id="{B411E6E6-CFD1-4AA7-966C-DF39F616F0A3}"/>
+              </a:ext>
+            </a:extLst>
+          </p:cNvPr>
+          <p:cNvPicPr>
+            <a:picLocks noChangeAspect="1"/>
+          </p:cNvPicPr>
+          <p:nvPr/>
+        </p:nvPicPr>
+        <p:blipFill>
+          <a:blip r:embed="rId4"/>
+          <a:stretch>
+            <a:fillRect/>
+          </a:stretch>
+        </p:blipFill>
+        <p:spPr>
+          <a:xfrm>
+            <a:off x="8220330" y="2091521"/>
+            <a:ext cx="1860850" cy="3678922"/>
+          </a:xfrm>
+          <a:prstGeom prst="rect">
+            <a:avLst/>
+          </a:prstGeom>
+        </p:spPr>
+      </p:pic>
+      <p:sp>
+        <p:nvSpPr>
+          <p:cNvPr id="13" name="TextBox 12">
+            <a:extLst>
+              <a:ext uri="{FF2B5EF4-FFF2-40B4-BE49-F238E27FC236}">
+                <a16:creationId xmlns:a16="http://schemas.microsoft.com/office/drawing/2014/main" id="{698240C1-8EFA-457D-99F1-1B6A7D87B2AE}"/>
+              </a:ext>
+            </a:extLst>
+          </p:cNvPr>
+          <p:cNvSpPr txBox="1"/>
+          <p:nvPr/>
+        </p:nvSpPr>
+        <p:spPr>
+          <a:xfrm>
+            <a:off x="2130043" y="5770443"/>
+            <a:ext cx="1717137" cy="707886"/>
+          </a:xfrm>
+          <a:prstGeom prst="rect">
+            <a:avLst/>
+          </a:prstGeom>
+          <a:noFill/>
+        </p:spPr>
+        <p:txBody>
+          <a:bodyPr wrap="none" rtlCol="0">
+            <a:spAutoFit/>
+          </a:bodyPr>
+          <a:lstStyle/>
+          <a:p>
+            <a:pPr algn="ctr"/>
+            <a:r>
+              <a:rPr lang="en-US" altLang="ko-KR" sz="2000">
+                <a:latin typeface="나눔스퀘어OTF Light" panose="020B0600000101010101" pitchFamily="34" charset="-127"/>
+                <a:ea typeface="나눔스퀘어OTF Light" panose="020B0600000101010101" pitchFamily="34" charset="-127"/>
+              </a:rPr>
+              <a:t>Additive</a:t>
+            </a:r>
+          </a:p>
+          <a:p>
+            <a:pPr algn="ctr"/>
+            <a:r>
+              <a:rPr lang="ko-KR" altLang="en-US" sz="2000">
+                <a:latin typeface="나눔스퀘어OTF Light" panose="020B0600000101010101" pitchFamily="34" charset="-127"/>
+                <a:ea typeface="나눔스퀘어OTF Light" panose="020B0600000101010101" pitchFamily="34" charset="-127"/>
+              </a:rPr>
+              <a:t>배경 색과 더함</a:t>
+            </a:r>
+            <a:endParaRPr lang="en-US" altLang="ko-KR" sz="2000">
+              <a:latin typeface="나눔스퀘어OTF Light" panose="020B0600000101010101" pitchFamily="34" charset="-127"/>
+              <a:ea typeface="나눔스퀘어OTF Light" panose="020B0600000101010101" pitchFamily="34" charset="-127"/>
+            </a:endParaRPr>
+          </a:p>
+        </p:txBody>
+      </p:sp>
+      <p:sp>
+        <p:nvSpPr>
+          <p:cNvPr id="14" name="TextBox 13">
+            <a:extLst>
+              <a:ext uri="{FF2B5EF4-FFF2-40B4-BE49-F238E27FC236}">
+                <a16:creationId xmlns:a16="http://schemas.microsoft.com/office/drawing/2014/main" id="{ACA49D3A-B873-4D56-860A-B75D1CF665DC}"/>
+              </a:ext>
+            </a:extLst>
+          </p:cNvPr>
+          <p:cNvSpPr txBox="1"/>
+          <p:nvPr/>
+        </p:nvSpPr>
+        <p:spPr>
+          <a:xfrm>
+            <a:off x="5198980" y="5770443"/>
+            <a:ext cx="1781258" cy="707886"/>
+          </a:xfrm>
+          <a:prstGeom prst="rect">
+            <a:avLst/>
+          </a:prstGeom>
+          <a:noFill/>
+        </p:spPr>
+        <p:txBody>
+          <a:bodyPr wrap="none" rtlCol="0">
+            <a:spAutoFit/>
+          </a:bodyPr>
+          <a:lstStyle/>
+          <a:p>
+            <a:pPr algn="ctr"/>
+            <a:r>
+              <a:rPr lang="en-US" altLang="ko-KR" sz="2000">
+                <a:latin typeface="나눔스퀘어OTF Light" panose="020B0600000101010101" pitchFamily="34" charset="-127"/>
+                <a:ea typeface="나눔스퀘어OTF Light" panose="020B0600000101010101" pitchFamily="34" charset="-127"/>
+              </a:rPr>
+              <a:t>Subtract</a:t>
+            </a:r>
+          </a:p>
+          <a:p>
+            <a:pPr algn="ctr"/>
+            <a:r>
+              <a:rPr lang="ko-KR" altLang="en-US" sz="2000">
+                <a:latin typeface="나눔스퀘어OTF Light" panose="020B0600000101010101" pitchFamily="34" charset="-127"/>
+                <a:ea typeface="나눔스퀘어OTF Light" panose="020B0600000101010101" pitchFamily="34" charset="-127"/>
+              </a:rPr>
+              <a:t>배경 색에서 뺌</a:t>
+            </a:r>
+            <a:endParaRPr lang="en-US" altLang="ko-KR" sz="2000">
+              <a:latin typeface="나눔스퀘어OTF Light" panose="020B0600000101010101" pitchFamily="34" charset="-127"/>
+              <a:ea typeface="나눔스퀘어OTF Light" panose="020B0600000101010101" pitchFamily="34" charset="-127"/>
+            </a:endParaRPr>
+          </a:p>
+        </p:txBody>
+      </p:sp>
+      <p:sp>
+        <p:nvSpPr>
+          <p:cNvPr id="15" name="TextBox 14">
+            <a:extLst>
+              <a:ext uri="{FF2B5EF4-FFF2-40B4-BE49-F238E27FC236}">
+                <a16:creationId xmlns:a16="http://schemas.microsoft.com/office/drawing/2014/main" id="{BDB00F46-9C6A-4394-8903-C4AF4C1C2DE9}"/>
+              </a:ext>
+            </a:extLst>
+          </p:cNvPr>
+          <p:cNvSpPr txBox="1"/>
+          <p:nvPr/>
+        </p:nvSpPr>
+        <p:spPr>
+          <a:xfrm>
+            <a:off x="8266383" y="5770443"/>
+            <a:ext cx="1781258" cy="707886"/>
+          </a:xfrm>
+          <a:prstGeom prst="rect">
+            <a:avLst/>
+          </a:prstGeom>
+          <a:noFill/>
+        </p:spPr>
+        <p:txBody>
+          <a:bodyPr wrap="none" rtlCol="0">
+            <a:spAutoFit/>
+          </a:bodyPr>
+          <a:lstStyle/>
+          <a:p>
+            <a:pPr algn="ctr"/>
+            <a:r>
+              <a:rPr lang="en-US" altLang="ko-KR" sz="2000">
+                <a:latin typeface="나눔스퀘어OTF Light" panose="020B0600000101010101" pitchFamily="34" charset="-127"/>
+                <a:ea typeface="나눔스퀘어OTF Light" panose="020B0600000101010101" pitchFamily="34" charset="-127"/>
+              </a:rPr>
+              <a:t>Modulate</a:t>
+            </a:r>
+          </a:p>
+          <a:p>
+            <a:pPr algn="ctr"/>
+            <a:r>
+              <a:rPr lang="ko-KR" altLang="en-US" sz="2000">
+                <a:latin typeface="나눔스퀘어OTF Light" panose="020B0600000101010101" pitchFamily="34" charset="-127"/>
+                <a:ea typeface="나눔스퀘어OTF Light" panose="020B0600000101010101" pitchFamily="34" charset="-127"/>
+              </a:rPr>
+              <a:t>배경 색과 곱함</a:t>
+            </a:r>
+            <a:endParaRPr lang="en-US" altLang="ko-KR" sz="2000">
+              <a:latin typeface="나눔스퀘어OTF Light" panose="020B0600000101010101" pitchFamily="34" charset="-127"/>
+              <a:ea typeface="나눔스퀘어OTF Light" panose="020B0600000101010101" pitchFamily="34" charset="-127"/>
+            </a:endParaRPr>
+          </a:p>
+        </p:txBody>
+      </p:sp>
+    </p:spTree>
+    <p:extLst>
+      <p:ext uri="{BB962C8B-B14F-4D97-AF65-F5344CB8AC3E}">
+        <p14:creationId xmlns:p14="http://schemas.microsoft.com/office/powerpoint/2010/main" val="2118420544"/>
+      </p:ext>
+    </p:extLst>
+  </p:cSld>
+  <p:clrMapOvr>
+    <a:masterClrMapping/>
+  </p:clrMapOvr>
+</p:sld>
+</file>
+
+<file path=ppt/slides/slide59.xml><?xml version="1.0" encoding="utf-8"?>
+<p:sld xmlns:a="http://schemas.openxmlformats.org/drawingml/2006/main" xmlns:r="http://schemas.openxmlformats.org/officeDocument/2006/relationships" xmlns:p="http://schemas.openxmlformats.org/presentationml/2006/main">
+  <p:cSld>
+    <p:spTree>
+      <p:nvGrpSpPr>
+        <p:cNvPr id="1" name=""/>
+        <p:cNvGrpSpPr/>
+        <p:nvPr/>
+      </p:nvGrpSpPr>
+      <p:grpSpPr>
+        <a:xfrm>
+          <a:off x="0" y="0"/>
+          <a:ext cx="0" cy="0"/>
+          <a:chOff x="0" y="0"/>
+          <a:chExt cx="0" cy="0"/>
+        </a:xfrm>
+      </p:grpSpPr>
+      <p:sp>
+        <p:nvSpPr>
+          <p:cNvPr id="6" name="TextBox 5">
+            <a:extLst>
+              <a:ext uri="{FF2B5EF4-FFF2-40B4-BE49-F238E27FC236}">
+                <a16:creationId xmlns:a16="http://schemas.microsoft.com/office/drawing/2014/main" id="{F453C929-8CA3-4E79-AF5D-99EC8407C6CF}"/>
+              </a:ext>
+            </a:extLst>
+          </p:cNvPr>
+          <p:cNvSpPr txBox="1"/>
+          <p:nvPr/>
+        </p:nvSpPr>
+        <p:spPr>
+          <a:xfrm>
+            <a:off x="171888" y="194702"/>
+            <a:ext cx="2608406" cy="523220"/>
+          </a:xfrm>
+          <a:prstGeom prst="rect">
+            <a:avLst/>
+          </a:prstGeom>
+          <a:noFill/>
+        </p:spPr>
+        <p:txBody>
+          <a:bodyPr wrap="none" rtlCol="0">
+            <a:spAutoFit/>
+          </a:bodyPr>
+          <a:lstStyle/>
+          <a:p>
+            <a:r>
+              <a:rPr lang="en-US" altLang="ko-KR" sz="2800">
+                <a:latin typeface="나눔스퀘어OTF Light" panose="020B0600000101010101" pitchFamily="34" charset="-127"/>
+                <a:ea typeface="나눔스퀘어OTF Light" panose="020B0600000101010101" pitchFamily="34" charset="-127"/>
+              </a:rPr>
+              <a:t>3. </a:t>
+            </a:r>
+            <a:r>
+              <a:rPr lang="ko-KR" altLang="en-US" sz="2800">
+                <a:latin typeface="나눔스퀘어OTF Light" panose="020B0600000101010101" pitchFamily="34" charset="-127"/>
+                <a:ea typeface="나눔스퀘어OTF Light" panose="020B0600000101010101" pitchFamily="34" charset="-127"/>
+              </a:rPr>
+              <a:t>파티클 쉐이더</a:t>
+            </a:r>
+          </a:p>
+        </p:txBody>
+      </p:sp>
+      <p:cxnSp>
+        <p:nvCxnSpPr>
+          <p:cNvPr id="4" name="직선 연결선 3">
+            <a:extLst>
+              <a:ext uri="{FF2B5EF4-FFF2-40B4-BE49-F238E27FC236}">
+                <a16:creationId xmlns:a16="http://schemas.microsoft.com/office/drawing/2014/main" id="{7442459B-3DED-44F0-9E4C-B50601FEB425}"/>
+              </a:ext>
+            </a:extLst>
+          </p:cNvPr>
+          <p:cNvCxnSpPr>
+            <a:cxnSpLocks/>
+          </p:cNvCxnSpPr>
+          <p:nvPr/>
+        </p:nvCxnSpPr>
+        <p:spPr>
+          <a:xfrm>
+            <a:off x="132133" y="780690"/>
+            <a:ext cx="819295" cy="0"/>
+          </a:xfrm>
+          <a:prstGeom prst="line">
+            <a:avLst/>
+          </a:prstGeom>
+          <a:ln>
+            <a:solidFill>
+              <a:schemeClr val="tx1"/>
+            </a:solidFill>
+          </a:ln>
+        </p:spPr>
+        <p:style>
+          <a:lnRef idx="1">
+            <a:schemeClr val="accent1"/>
+          </a:lnRef>
+          <a:fillRef idx="0">
+            <a:schemeClr val="accent1"/>
+          </a:fillRef>
+          <a:effectRef idx="0">
+            <a:schemeClr val="accent1"/>
+          </a:effectRef>
+          <a:fontRef idx="minor">
+            <a:schemeClr val="tx1"/>
+          </a:fontRef>
+        </p:style>
+      </p:cxnSp>
+      <p:sp>
+        <p:nvSpPr>
+          <p:cNvPr id="5" name="TextBox 4">
+            <a:extLst>
+              <a:ext uri="{FF2B5EF4-FFF2-40B4-BE49-F238E27FC236}">
+                <a16:creationId xmlns:a16="http://schemas.microsoft.com/office/drawing/2014/main" id="{58D8D1FB-CBEA-4C02-A517-A0B814BC5998}"/>
+              </a:ext>
+            </a:extLst>
+          </p:cNvPr>
+          <p:cNvSpPr txBox="1"/>
+          <p:nvPr/>
+        </p:nvSpPr>
+        <p:spPr>
+          <a:xfrm>
+            <a:off x="5098166" y="1110231"/>
+            <a:ext cx="1995675" cy="523220"/>
+          </a:xfrm>
+          <a:prstGeom prst="rect">
+            <a:avLst/>
+          </a:prstGeom>
+          <a:noFill/>
+        </p:spPr>
+        <p:txBody>
+          <a:bodyPr wrap="none" rtlCol="0">
+            <a:spAutoFit/>
+          </a:bodyPr>
+          <a:lstStyle/>
+          <a:p>
+            <a:pPr algn="ctr"/>
+            <a:r>
+              <a:rPr lang="en-US" altLang="ko-KR" sz="2800">
+                <a:latin typeface="나눔스퀘어OTF Light" panose="020B0600000101010101" pitchFamily="34" charset="-127"/>
+                <a:ea typeface="나눔스퀘어OTF Light" panose="020B0600000101010101" pitchFamily="34" charset="-127"/>
+              </a:rPr>
+              <a:t>Color Mode</a:t>
+            </a:r>
+          </a:p>
+        </p:txBody>
+      </p:sp>
+      <p:pic>
+        <p:nvPicPr>
+          <p:cNvPr id="3" name="그림 2">
+            <a:extLst>
+              <a:ext uri="{FF2B5EF4-FFF2-40B4-BE49-F238E27FC236}">
+                <a16:creationId xmlns:a16="http://schemas.microsoft.com/office/drawing/2014/main" id="{7BC536CB-3091-4967-8A1F-E79163AE7551}"/>
+              </a:ext>
+            </a:extLst>
+          </p:cNvPr>
+          <p:cNvPicPr>
+            <a:picLocks noChangeAspect="1"/>
+          </p:cNvPicPr>
+          <p:nvPr/>
+        </p:nvPicPr>
+        <p:blipFill>
+          <a:blip r:embed="rId2"/>
+          <a:stretch>
+            <a:fillRect/>
+          </a:stretch>
+        </p:blipFill>
+        <p:spPr>
+          <a:xfrm>
+            <a:off x="1608569" y="1989914"/>
+            <a:ext cx="2155255" cy="3780530"/>
+          </a:xfrm>
+          <a:prstGeom prst="rect">
+            <a:avLst/>
+          </a:prstGeom>
+        </p:spPr>
+      </p:pic>
+      <p:pic>
+        <p:nvPicPr>
+          <p:cNvPr id="9" name="그림 8">
+            <a:extLst>
+              <a:ext uri="{FF2B5EF4-FFF2-40B4-BE49-F238E27FC236}">
+                <a16:creationId xmlns:a16="http://schemas.microsoft.com/office/drawing/2014/main" id="{AE6A841B-0D34-4179-8CA4-68589C258502}"/>
+              </a:ext>
+            </a:extLst>
+          </p:cNvPr>
+          <p:cNvPicPr>
+            <a:picLocks noChangeAspect="1"/>
+          </p:cNvPicPr>
+          <p:nvPr/>
+        </p:nvPicPr>
+        <p:blipFill>
+          <a:blip r:embed="rId3"/>
+          <a:stretch>
+            <a:fillRect/>
+          </a:stretch>
+        </p:blipFill>
+        <p:spPr>
+          <a:xfrm>
+            <a:off x="4897096" y="1989914"/>
+            <a:ext cx="2223415" cy="3780530"/>
+          </a:xfrm>
+          <a:prstGeom prst="rect">
+            <a:avLst/>
+          </a:prstGeom>
+        </p:spPr>
+      </p:pic>
+      <p:pic>
+        <p:nvPicPr>
+          <p:cNvPr id="16" name="그림 15">
+            <a:extLst>
+              <a:ext uri="{FF2B5EF4-FFF2-40B4-BE49-F238E27FC236}">
+                <a16:creationId xmlns:a16="http://schemas.microsoft.com/office/drawing/2014/main" id="{E91AB446-9216-4173-B659-43681A3C66FA}"/>
+              </a:ext>
+            </a:extLst>
+          </p:cNvPr>
+          <p:cNvPicPr>
+            <a:picLocks noChangeAspect="1"/>
+          </p:cNvPicPr>
+          <p:nvPr/>
+        </p:nvPicPr>
+        <p:blipFill>
+          <a:blip r:embed="rId4"/>
+          <a:stretch>
+            <a:fillRect/>
+          </a:stretch>
+        </p:blipFill>
+        <p:spPr>
+          <a:xfrm>
+            <a:off x="8091049" y="1989914"/>
+            <a:ext cx="2456980" cy="3780530"/>
+          </a:xfrm>
+          <a:prstGeom prst="rect">
+            <a:avLst/>
+          </a:prstGeom>
+        </p:spPr>
+      </p:pic>
+      <p:sp>
+        <p:nvSpPr>
+          <p:cNvPr id="17" name="TextBox 16">
+            <a:extLst>
+              <a:ext uri="{FF2B5EF4-FFF2-40B4-BE49-F238E27FC236}">
+                <a16:creationId xmlns:a16="http://schemas.microsoft.com/office/drawing/2014/main" id="{3F460D58-F4C0-4578-83C0-9CC7ED9C754A}"/>
+              </a:ext>
+            </a:extLst>
+          </p:cNvPr>
+          <p:cNvSpPr txBox="1"/>
+          <p:nvPr/>
+        </p:nvSpPr>
+        <p:spPr>
+          <a:xfrm>
+            <a:off x="1827629" y="5770444"/>
+            <a:ext cx="1717138" cy="707886"/>
+          </a:xfrm>
+          <a:prstGeom prst="rect">
+            <a:avLst/>
+          </a:prstGeom>
+          <a:noFill/>
+        </p:spPr>
+        <p:txBody>
+          <a:bodyPr wrap="none" rtlCol="0">
+            <a:spAutoFit/>
+          </a:bodyPr>
+          <a:lstStyle/>
+          <a:p>
+            <a:pPr algn="ctr"/>
+            <a:r>
+              <a:rPr lang="en-US" altLang="ko-KR" sz="2000">
+                <a:latin typeface="나눔스퀘어OTF Light" panose="020B0600000101010101" pitchFamily="34" charset="-127"/>
+                <a:ea typeface="나눔스퀘어OTF Light" panose="020B0600000101010101" pitchFamily="34" charset="-127"/>
+              </a:rPr>
+              <a:t>Multiply</a:t>
+            </a:r>
+          </a:p>
+          <a:p>
+            <a:pPr algn="ctr"/>
+            <a:r>
+              <a:rPr lang="ko-KR" altLang="en-US" sz="2000">
+                <a:latin typeface="나눔스퀘어OTF Light" panose="020B0600000101010101" pitchFamily="34" charset="-127"/>
+                <a:ea typeface="나눔스퀘어OTF Light" panose="020B0600000101010101" pitchFamily="34" charset="-127"/>
+              </a:rPr>
+              <a:t>알베도와 곱함</a:t>
+            </a:r>
+            <a:endParaRPr lang="en-US" altLang="ko-KR" sz="2000">
+              <a:latin typeface="나눔스퀘어OTF Light" panose="020B0600000101010101" pitchFamily="34" charset="-127"/>
+              <a:ea typeface="나눔스퀘어OTF Light" panose="020B0600000101010101" pitchFamily="34" charset="-127"/>
+            </a:endParaRPr>
+          </a:p>
+        </p:txBody>
+      </p:sp>
+      <p:sp>
+        <p:nvSpPr>
+          <p:cNvPr id="18" name="TextBox 17">
+            <a:extLst>
+              <a:ext uri="{FF2B5EF4-FFF2-40B4-BE49-F238E27FC236}">
+                <a16:creationId xmlns:a16="http://schemas.microsoft.com/office/drawing/2014/main" id="{7A6EDB5A-2D07-40EB-BFF9-F9E1A2AFC029}"/>
+              </a:ext>
+            </a:extLst>
+          </p:cNvPr>
+          <p:cNvSpPr txBox="1"/>
+          <p:nvPr/>
+        </p:nvSpPr>
+        <p:spPr>
+          <a:xfrm>
+            <a:off x="5237431" y="5770444"/>
+            <a:ext cx="1717138" cy="707886"/>
+          </a:xfrm>
+          <a:prstGeom prst="rect">
+            <a:avLst/>
+          </a:prstGeom>
+          <a:noFill/>
+        </p:spPr>
+        <p:txBody>
+          <a:bodyPr wrap="none" rtlCol="0">
+            <a:spAutoFit/>
+          </a:bodyPr>
+          <a:lstStyle/>
+          <a:p>
+            <a:pPr algn="ctr"/>
+            <a:r>
+              <a:rPr lang="en-US" altLang="ko-KR" sz="2000">
+                <a:latin typeface="나눔스퀘어OTF Light" panose="020B0600000101010101" pitchFamily="34" charset="-127"/>
+                <a:ea typeface="나눔스퀘어OTF Light" panose="020B0600000101010101" pitchFamily="34" charset="-127"/>
+              </a:rPr>
+              <a:t>Additive</a:t>
+            </a:r>
+          </a:p>
+          <a:p>
+            <a:pPr algn="ctr"/>
+            <a:r>
+              <a:rPr lang="ko-KR" altLang="en-US" sz="2000">
+                <a:latin typeface="나눔스퀘어OTF Light" panose="020B0600000101010101" pitchFamily="34" charset="-127"/>
+                <a:ea typeface="나눔스퀘어OTF Light" panose="020B0600000101010101" pitchFamily="34" charset="-127"/>
+              </a:rPr>
+              <a:t>알베도와 더함</a:t>
+            </a:r>
+            <a:endParaRPr lang="en-US" altLang="ko-KR" sz="2000">
+              <a:latin typeface="나눔스퀘어OTF Light" panose="020B0600000101010101" pitchFamily="34" charset="-127"/>
+              <a:ea typeface="나눔스퀘어OTF Light" panose="020B0600000101010101" pitchFamily="34" charset="-127"/>
+            </a:endParaRPr>
+          </a:p>
+        </p:txBody>
+      </p:sp>
+      <p:sp>
+        <p:nvSpPr>
+          <p:cNvPr id="19" name="TextBox 18">
+            <a:extLst>
+              <a:ext uri="{FF2B5EF4-FFF2-40B4-BE49-F238E27FC236}">
+                <a16:creationId xmlns:a16="http://schemas.microsoft.com/office/drawing/2014/main" id="{25E3B4AB-4AF0-4EF0-A107-76838F74734C}"/>
+              </a:ext>
+            </a:extLst>
+          </p:cNvPr>
+          <p:cNvSpPr txBox="1"/>
+          <p:nvPr/>
+        </p:nvSpPr>
+        <p:spPr>
+          <a:xfrm>
+            <a:off x="8460973" y="5770444"/>
+            <a:ext cx="1717138" cy="707886"/>
+          </a:xfrm>
+          <a:prstGeom prst="rect">
+            <a:avLst/>
+          </a:prstGeom>
+          <a:noFill/>
+        </p:spPr>
+        <p:txBody>
+          <a:bodyPr wrap="none" rtlCol="0">
+            <a:spAutoFit/>
+          </a:bodyPr>
+          <a:lstStyle/>
+          <a:p>
+            <a:pPr algn="ctr"/>
+            <a:r>
+              <a:rPr lang="en-US" altLang="ko-KR" sz="2000">
+                <a:latin typeface="나눔스퀘어OTF Light" panose="020B0600000101010101" pitchFamily="34" charset="-127"/>
+                <a:ea typeface="나눔스퀘어OTF Light" panose="020B0600000101010101" pitchFamily="34" charset="-127"/>
+              </a:rPr>
+              <a:t>Subtractive</a:t>
+            </a:r>
+          </a:p>
+          <a:p>
+            <a:pPr algn="ctr"/>
+            <a:r>
+              <a:rPr lang="ko-KR" altLang="en-US" sz="2000">
+                <a:latin typeface="나눔스퀘어OTF Light" panose="020B0600000101010101" pitchFamily="34" charset="-127"/>
+                <a:ea typeface="나눔스퀘어OTF Light" panose="020B0600000101010101" pitchFamily="34" charset="-127"/>
+              </a:rPr>
+              <a:t>알베도에서 뺌</a:t>
+            </a:r>
+            <a:endParaRPr lang="en-US" altLang="ko-KR" sz="2000">
+              <a:latin typeface="나눔스퀘어OTF Light" panose="020B0600000101010101" pitchFamily="34" charset="-127"/>
+              <a:ea typeface="나눔스퀘어OTF Light" panose="020B0600000101010101" pitchFamily="34" charset="-127"/>
+            </a:endParaRPr>
+          </a:p>
+        </p:txBody>
+      </p:sp>
+    </p:spTree>
+    <p:extLst>
+      <p:ext uri="{BB962C8B-B14F-4D97-AF65-F5344CB8AC3E}">
+        <p14:creationId xmlns:p14="http://schemas.microsoft.com/office/powerpoint/2010/main" val="3165226235"/>
+      </p:ext>
+    </p:extLst>
+  </p:cSld>
+  <p:clrMapOvr>
+    <a:masterClrMapping/>
+  </p:clrMapOvr>
+</p:sld>
+</file>
+
+<file path=ppt/slides/slide6.xml><?xml version="1.0" encoding="utf-8"?>
+<p:sld xmlns:a="http://schemas.openxmlformats.org/drawingml/2006/main" xmlns:r="http://schemas.openxmlformats.org/officeDocument/2006/relationships" xmlns:p="http://schemas.openxmlformats.org/presentationml/2006/main">
+  <p:cSld>
+    <p:spTree>
+      <p:nvGrpSpPr>
+        <p:cNvPr id="1" name=""/>
+        <p:cNvGrpSpPr/>
+        <p:nvPr/>
+      </p:nvGrpSpPr>
+      <p:grpSpPr>
+        <a:xfrm>
+          <a:off x="0" y="0"/>
+          <a:ext cx="0" cy="0"/>
+          <a:chOff x="0" y="0"/>
+          <a:chExt cx="0" cy="0"/>
+        </a:xfrm>
+      </p:grpSpPr>
+      <p:sp>
+        <p:nvSpPr>
+          <p:cNvPr id="6" name="TextBox 5">
+            <a:extLst>
+              <a:ext uri="{FF2B5EF4-FFF2-40B4-BE49-F238E27FC236}">
+                <a16:creationId xmlns:a16="http://schemas.microsoft.com/office/drawing/2014/main" id="{F453C929-8CA3-4E79-AF5D-99EC8407C6CF}"/>
+              </a:ext>
+            </a:extLst>
+          </p:cNvPr>
+          <p:cNvSpPr txBox="1"/>
+          <p:nvPr/>
+        </p:nvSpPr>
+        <p:spPr>
+          <a:xfrm>
+            <a:off x="171888" y="194702"/>
+            <a:ext cx="2281394" cy="523220"/>
+          </a:xfrm>
+          <a:prstGeom prst="rect">
+            <a:avLst/>
+          </a:prstGeom>
+          <a:noFill/>
+        </p:spPr>
+        <p:txBody>
+          <a:bodyPr wrap="none" rtlCol="0">
+            <a:spAutoFit/>
+          </a:bodyPr>
+          <a:lstStyle/>
+          <a:p>
+            <a:r>
+              <a:rPr lang="en-US" altLang="ko-KR" sz="2800">
+                <a:latin typeface="나눔스퀘어OTF Light" panose="020B0600000101010101" pitchFamily="34" charset="-127"/>
+                <a:ea typeface="나눔스퀘어OTF Light" panose="020B0600000101010101" pitchFamily="34" charset="-127"/>
+              </a:rPr>
+              <a:t>1. </a:t>
+            </a:r>
+            <a:r>
+              <a:rPr lang="ko-KR" altLang="en-US" sz="2800">
+                <a:latin typeface="나눔스퀘어OTF Light" panose="020B0600000101010101" pitchFamily="34" charset="-127"/>
+                <a:ea typeface="나눔스퀘어OTF Light" panose="020B0600000101010101" pitchFamily="34" charset="-127"/>
+              </a:rPr>
+              <a:t>파티클 모듈</a:t>
+            </a:r>
+          </a:p>
+        </p:txBody>
+      </p:sp>
+      <p:cxnSp>
+        <p:nvCxnSpPr>
+          <p:cNvPr id="4" name="직선 연결선 3">
+            <a:extLst>
+              <a:ext uri="{FF2B5EF4-FFF2-40B4-BE49-F238E27FC236}">
+                <a16:creationId xmlns:a16="http://schemas.microsoft.com/office/drawing/2014/main" id="{7442459B-3DED-44F0-9E4C-B50601FEB425}"/>
+              </a:ext>
+            </a:extLst>
+          </p:cNvPr>
+          <p:cNvCxnSpPr>
+            <a:cxnSpLocks/>
+          </p:cNvCxnSpPr>
+          <p:nvPr/>
+        </p:nvCxnSpPr>
+        <p:spPr>
+          <a:xfrm>
+            <a:off x="132133" y="780690"/>
+            <a:ext cx="819295" cy="0"/>
+          </a:xfrm>
+          <a:prstGeom prst="line">
+            <a:avLst/>
+          </a:prstGeom>
+          <a:ln>
+            <a:solidFill>
+              <a:schemeClr val="tx1"/>
+            </a:solidFill>
+          </a:ln>
+        </p:spPr>
+        <p:style>
+          <a:lnRef idx="1">
+            <a:schemeClr val="accent1"/>
+          </a:lnRef>
+          <a:fillRef idx="0">
+            <a:schemeClr val="accent1"/>
+          </a:fillRef>
+          <a:effectRef idx="0">
+            <a:schemeClr val="accent1"/>
+          </a:effectRef>
+          <a:fontRef idx="minor">
+            <a:schemeClr val="tx1"/>
+          </a:fontRef>
+        </p:style>
+      </p:cxnSp>
+      <p:pic>
+        <p:nvPicPr>
+          <p:cNvPr id="5" name="그림 4">
+            <a:extLst>
+              <a:ext uri="{FF2B5EF4-FFF2-40B4-BE49-F238E27FC236}">
+                <a16:creationId xmlns:a16="http://schemas.microsoft.com/office/drawing/2014/main" id="{EA9B3D42-DEA6-44C0-813B-AFACB895E8DF}"/>
+              </a:ext>
+            </a:extLst>
+          </p:cNvPr>
+          <p:cNvPicPr>
+            <a:picLocks noChangeAspect="1"/>
+          </p:cNvPicPr>
+          <p:nvPr/>
+        </p:nvPicPr>
+        <p:blipFill>
+          <a:blip r:embed="rId2"/>
+          <a:stretch>
+            <a:fillRect/>
+          </a:stretch>
+        </p:blipFill>
+        <p:spPr>
+          <a:xfrm>
+            <a:off x="3364776" y="1938214"/>
+            <a:ext cx="5462448" cy="1403198"/>
+          </a:xfrm>
+          <a:prstGeom prst="rect">
+            <a:avLst/>
+          </a:prstGeom>
+        </p:spPr>
+      </p:pic>
+      <p:sp>
+        <p:nvSpPr>
+          <p:cNvPr id="9" name="TextBox 8">
+            <a:extLst>
+              <a:ext uri="{FF2B5EF4-FFF2-40B4-BE49-F238E27FC236}">
+                <a16:creationId xmlns:a16="http://schemas.microsoft.com/office/drawing/2014/main" id="{914D3F27-1F89-4729-9ABE-7BA7764BD359}"/>
+              </a:ext>
+            </a:extLst>
+          </p:cNvPr>
+          <p:cNvSpPr txBox="1"/>
+          <p:nvPr/>
+        </p:nvSpPr>
+        <p:spPr>
+          <a:xfrm>
+            <a:off x="4252645" y="3341412"/>
+            <a:ext cx="3686715" cy="523220"/>
+          </a:xfrm>
+          <a:prstGeom prst="rect">
+            <a:avLst/>
+          </a:prstGeom>
+          <a:noFill/>
+        </p:spPr>
+        <p:txBody>
+          <a:bodyPr wrap="none" rtlCol="0">
+            <a:spAutoFit/>
+          </a:bodyPr>
+          <a:lstStyle/>
+          <a:p>
+            <a:pPr algn="ctr"/>
+            <a:r>
+              <a:rPr lang="en-US" altLang="ko-KR" sz="2800">
+                <a:latin typeface="나눔스퀘어OTF Light" panose="020B0600000101010101" pitchFamily="34" charset="-127"/>
+                <a:ea typeface="나눔스퀘어OTF Light" panose="020B0600000101010101" pitchFamily="34" charset="-127"/>
+              </a:rPr>
+              <a:t>Velocity over Lifetime</a:t>
+            </a:r>
+          </a:p>
+        </p:txBody>
+      </p:sp>
+      <p:sp>
+        <p:nvSpPr>
+          <p:cNvPr id="11" name="TextBox 10">
+            <a:extLst>
+              <a:ext uri="{FF2B5EF4-FFF2-40B4-BE49-F238E27FC236}">
+                <a16:creationId xmlns:a16="http://schemas.microsoft.com/office/drawing/2014/main" id="{1305389C-E4A2-4A27-A0C6-4907057A625A}"/>
+              </a:ext>
+            </a:extLst>
+          </p:cNvPr>
+          <p:cNvSpPr txBox="1"/>
+          <p:nvPr/>
+        </p:nvSpPr>
+        <p:spPr>
+          <a:xfrm>
+            <a:off x="3821986" y="4559944"/>
+            <a:ext cx="4548040" cy="400110"/>
+          </a:xfrm>
+          <a:prstGeom prst="rect">
+            <a:avLst/>
+          </a:prstGeom>
+          <a:noFill/>
+        </p:spPr>
+        <p:txBody>
+          <a:bodyPr wrap="none" rtlCol="0">
+            <a:spAutoFit/>
+          </a:bodyPr>
+          <a:lstStyle/>
+          <a:p>
+            <a:pPr algn="ctr"/>
+            <a:r>
+              <a:rPr lang="ko-KR" altLang="en-US" sz="2000">
+                <a:latin typeface="나눔스퀘어OTF Light" panose="020B0600000101010101" pitchFamily="34" charset="-127"/>
+                <a:ea typeface="나눔스퀘어OTF Light" panose="020B0600000101010101" pitchFamily="34" charset="-127"/>
+              </a:rPr>
+              <a:t>시간 경과에 따른 파티클의 속도를 제어함</a:t>
+            </a:r>
+            <a:endParaRPr lang="en-US" altLang="ko-KR" sz="2000">
+              <a:latin typeface="나눔스퀘어OTF Light" panose="020B0600000101010101" pitchFamily="34" charset="-127"/>
+              <a:ea typeface="나눔스퀘어OTF Light" panose="020B0600000101010101" pitchFamily="34" charset="-127"/>
+            </a:endParaRPr>
+          </a:p>
+        </p:txBody>
+      </p:sp>
     </p:spTree>
     <p:extLst>
       <p:ext uri="{BB962C8B-B14F-4D97-AF65-F5344CB8AC3E}">
         <p14:creationId xmlns:p14="http://schemas.microsoft.com/office/powerpoint/2010/main" val="543736906"/>
+      </p:ext>
+    </p:extLst>
+  </p:cSld>
+  <p:clrMapOvr>
+    <a:masterClrMapping/>
+  </p:clrMapOvr>
+</p:sld>
+</file>
+
+<file path=ppt/slides/slide60.xml><?xml version="1.0" encoding="utf-8"?>
+<p:sld xmlns:a="http://schemas.openxmlformats.org/drawingml/2006/main" xmlns:r="http://schemas.openxmlformats.org/officeDocument/2006/relationships" xmlns:p="http://schemas.openxmlformats.org/presentationml/2006/main">
+  <p:cSld>
+    <p:spTree>
+      <p:nvGrpSpPr>
+        <p:cNvPr id="1" name=""/>
+        <p:cNvGrpSpPr/>
+        <p:nvPr/>
+      </p:nvGrpSpPr>
+      <p:grpSpPr>
+        <a:xfrm>
+          <a:off x="0" y="0"/>
+          <a:ext cx="0" cy="0"/>
+          <a:chOff x="0" y="0"/>
+          <a:chExt cx="0" cy="0"/>
+        </a:xfrm>
+      </p:grpSpPr>
+      <p:sp>
+        <p:nvSpPr>
+          <p:cNvPr id="6" name="TextBox 5">
+            <a:extLst>
+              <a:ext uri="{FF2B5EF4-FFF2-40B4-BE49-F238E27FC236}">
+                <a16:creationId xmlns:a16="http://schemas.microsoft.com/office/drawing/2014/main" id="{F453C929-8CA3-4E79-AF5D-99EC8407C6CF}"/>
+              </a:ext>
+            </a:extLst>
+          </p:cNvPr>
+          <p:cNvSpPr txBox="1"/>
+          <p:nvPr/>
+        </p:nvSpPr>
+        <p:spPr>
+          <a:xfrm>
+            <a:off x="171888" y="194702"/>
+            <a:ext cx="2608406" cy="523220"/>
+          </a:xfrm>
+          <a:prstGeom prst="rect">
+            <a:avLst/>
+          </a:prstGeom>
+          <a:noFill/>
+        </p:spPr>
+        <p:txBody>
+          <a:bodyPr wrap="none" rtlCol="0">
+            <a:spAutoFit/>
+          </a:bodyPr>
+          <a:lstStyle/>
+          <a:p>
+            <a:r>
+              <a:rPr lang="en-US" altLang="ko-KR" sz="2800">
+                <a:latin typeface="나눔스퀘어OTF Light" panose="020B0600000101010101" pitchFamily="34" charset="-127"/>
+                <a:ea typeface="나눔스퀘어OTF Light" panose="020B0600000101010101" pitchFamily="34" charset="-127"/>
+              </a:rPr>
+              <a:t>3. </a:t>
+            </a:r>
+            <a:r>
+              <a:rPr lang="ko-KR" altLang="en-US" sz="2800">
+                <a:latin typeface="나눔스퀘어OTF Light" panose="020B0600000101010101" pitchFamily="34" charset="-127"/>
+                <a:ea typeface="나눔스퀘어OTF Light" panose="020B0600000101010101" pitchFamily="34" charset="-127"/>
+              </a:rPr>
+              <a:t>파티클 쉐이더</a:t>
+            </a:r>
+          </a:p>
+        </p:txBody>
+      </p:sp>
+      <p:cxnSp>
+        <p:nvCxnSpPr>
+          <p:cNvPr id="4" name="직선 연결선 3">
+            <a:extLst>
+              <a:ext uri="{FF2B5EF4-FFF2-40B4-BE49-F238E27FC236}">
+                <a16:creationId xmlns:a16="http://schemas.microsoft.com/office/drawing/2014/main" id="{7442459B-3DED-44F0-9E4C-B50601FEB425}"/>
+              </a:ext>
+            </a:extLst>
+          </p:cNvPr>
+          <p:cNvCxnSpPr>
+            <a:cxnSpLocks/>
+          </p:cNvCxnSpPr>
+          <p:nvPr/>
+        </p:nvCxnSpPr>
+        <p:spPr>
+          <a:xfrm>
+            <a:off x="132133" y="780690"/>
+            <a:ext cx="819295" cy="0"/>
+          </a:xfrm>
+          <a:prstGeom prst="line">
+            <a:avLst/>
+          </a:prstGeom>
+          <a:ln>
+            <a:solidFill>
+              <a:schemeClr val="tx1"/>
+            </a:solidFill>
+          </a:ln>
+        </p:spPr>
+        <p:style>
+          <a:lnRef idx="1">
+            <a:schemeClr val="accent1"/>
+          </a:lnRef>
+          <a:fillRef idx="0">
+            <a:schemeClr val="accent1"/>
+          </a:fillRef>
+          <a:effectRef idx="0">
+            <a:schemeClr val="accent1"/>
+          </a:effectRef>
+          <a:fontRef idx="minor">
+            <a:schemeClr val="tx1"/>
+          </a:fontRef>
+        </p:style>
+      </p:cxnSp>
+      <p:sp>
+        <p:nvSpPr>
+          <p:cNvPr id="5" name="TextBox 4">
+            <a:extLst>
+              <a:ext uri="{FF2B5EF4-FFF2-40B4-BE49-F238E27FC236}">
+                <a16:creationId xmlns:a16="http://schemas.microsoft.com/office/drawing/2014/main" id="{58D8D1FB-CBEA-4C02-A517-A0B814BC5998}"/>
+              </a:ext>
+            </a:extLst>
+          </p:cNvPr>
+          <p:cNvSpPr txBox="1"/>
+          <p:nvPr/>
+        </p:nvSpPr>
+        <p:spPr>
+          <a:xfrm>
+            <a:off x="5098166" y="1110231"/>
+            <a:ext cx="1995675" cy="523220"/>
+          </a:xfrm>
+          <a:prstGeom prst="rect">
+            <a:avLst/>
+          </a:prstGeom>
+          <a:noFill/>
+        </p:spPr>
+        <p:txBody>
+          <a:bodyPr wrap="none" rtlCol="0">
+            <a:spAutoFit/>
+          </a:bodyPr>
+          <a:lstStyle/>
+          <a:p>
+            <a:pPr algn="ctr"/>
+            <a:r>
+              <a:rPr lang="en-US" altLang="ko-KR" sz="2800">
+                <a:latin typeface="나눔스퀘어OTF Light" panose="020B0600000101010101" pitchFamily="34" charset="-127"/>
+                <a:ea typeface="나눔스퀘어OTF Light" panose="020B0600000101010101" pitchFamily="34" charset="-127"/>
+              </a:rPr>
+              <a:t>Color Mode</a:t>
+            </a:r>
+          </a:p>
+        </p:txBody>
+      </p:sp>
+      <p:sp>
+        <p:nvSpPr>
+          <p:cNvPr id="17" name="TextBox 16">
+            <a:extLst>
+              <a:ext uri="{FF2B5EF4-FFF2-40B4-BE49-F238E27FC236}">
+                <a16:creationId xmlns:a16="http://schemas.microsoft.com/office/drawing/2014/main" id="{3F460D58-F4C0-4578-83C0-9CC7ED9C754A}"/>
+              </a:ext>
+            </a:extLst>
+          </p:cNvPr>
+          <p:cNvSpPr txBox="1"/>
+          <p:nvPr/>
+        </p:nvSpPr>
+        <p:spPr>
+          <a:xfrm>
+            <a:off x="944378" y="5770444"/>
+            <a:ext cx="3483646" cy="1015663"/>
+          </a:xfrm>
+          <a:prstGeom prst="rect">
+            <a:avLst/>
+          </a:prstGeom>
+          <a:noFill/>
+        </p:spPr>
+        <p:txBody>
+          <a:bodyPr wrap="none" rtlCol="0">
+            <a:spAutoFit/>
+          </a:bodyPr>
+          <a:lstStyle/>
+          <a:p>
+            <a:pPr algn="ctr"/>
+            <a:r>
+              <a:rPr lang="en-US" altLang="ko-KR" sz="2000">
+                <a:latin typeface="나눔스퀘어OTF Light" panose="020B0600000101010101" pitchFamily="34" charset="-127"/>
+                <a:ea typeface="나눔스퀘어OTF Light" panose="020B0600000101010101" pitchFamily="34" charset="-127"/>
+              </a:rPr>
+              <a:t>Overlay</a:t>
+            </a:r>
+          </a:p>
+          <a:p>
+            <a:pPr algn="ctr"/>
+            <a:r>
+              <a:rPr lang="ko-KR" altLang="en-US" sz="2000">
+                <a:latin typeface="나눔스퀘어OTF Light" panose="020B0600000101010101" pitchFamily="34" charset="-127"/>
+                <a:ea typeface="나눔스퀘어OTF Light" panose="020B0600000101010101" pitchFamily="34" charset="-127"/>
+              </a:rPr>
+              <a:t>더 많은 콘트라스트를 적용</a:t>
+            </a:r>
+            <a:endParaRPr lang="en-US" altLang="ko-KR" sz="2000">
+              <a:latin typeface="나눔스퀘어OTF Light" panose="020B0600000101010101" pitchFamily="34" charset="-127"/>
+              <a:ea typeface="나눔스퀘어OTF Light" panose="020B0600000101010101" pitchFamily="34" charset="-127"/>
+            </a:endParaRPr>
+          </a:p>
+          <a:p>
+            <a:pPr algn="ctr"/>
+            <a:r>
+              <a:rPr lang="ko-KR" altLang="en-US" sz="2000">
+                <a:latin typeface="나눔스퀘어OTF Light" panose="020B0600000101010101" pitchFamily="34" charset="-127"/>
+                <a:ea typeface="나눔스퀘어OTF Light" panose="020B0600000101010101" pitchFamily="34" charset="-127"/>
+              </a:rPr>
+              <a:t>알베도 컬러를 그레이 스케일로</a:t>
+            </a:r>
+            <a:endParaRPr lang="en-US" altLang="ko-KR" sz="2000">
+              <a:latin typeface="나눔스퀘어OTF Light" panose="020B0600000101010101" pitchFamily="34" charset="-127"/>
+              <a:ea typeface="나눔스퀘어OTF Light" panose="020B0600000101010101" pitchFamily="34" charset="-127"/>
+            </a:endParaRPr>
+          </a:p>
+        </p:txBody>
+      </p:sp>
+      <p:sp>
+        <p:nvSpPr>
+          <p:cNvPr id="18" name="TextBox 17">
+            <a:extLst>
+              <a:ext uri="{FF2B5EF4-FFF2-40B4-BE49-F238E27FC236}">
+                <a16:creationId xmlns:a16="http://schemas.microsoft.com/office/drawing/2014/main" id="{7A6EDB5A-2D07-40EB-BFF9-F9E1A2AFC029}"/>
+              </a:ext>
+            </a:extLst>
+          </p:cNvPr>
+          <p:cNvSpPr txBox="1"/>
+          <p:nvPr/>
+        </p:nvSpPr>
+        <p:spPr>
+          <a:xfrm>
+            <a:off x="4737298" y="5770444"/>
+            <a:ext cx="2717411" cy="1015663"/>
+          </a:xfrm>
+          <a:prstGeom prst="rect">
+            <a:avLst/>
+          </a:prstGeom>
+          <a:noFill/>
+        </p:spPr>
+        <p:txBody>
+          <a:bodyPr wrap="none" rtlCol="0">
+            <a:spAutoFit/>
+          </a:bodyPr>
+          <a:lstStyle/>
+          <a:p>
+            <a:pPr algn="ctr"/>
+            <a:r>
+              <a:rPr lang="en-US" altLang="ko-KR" sz="2000">
+                <a:latin typeface="나눔스퀘어OTF Light" panose="020B0600000101010101" pitchFamily="34" charset="-127"/>
+                <a:ea typeface="나눔스퀘어OTF Light" panose="020B0600000101010101" pitchFamily="34" charset="-127"/>
+              </a:rPr>
+              <a:t>Color</a:t>
+            </a:r>
+          </a:p>
+          <a:p>
+            <a:pPr algn="ctr"/>
+            <a:r>
+              <a:rPr lang="ko-KR" altLang="en-US" sz="2000">
+                <a:latin typeface="나눔스퀘어OTF Light" panose="020B0600000101010101" pitchFamily="34" charset="-127"/>
+                <a:ea typeface="나눔스퀘어OTF Light" panose="020B0600000101010101" pitchFamily="34" charset="-127"/>
+              </a:rPr>
+              <a:t>파티클의 색과</a:t>
+            </a:r>
+            <a:endParaRPr lang="en-US" altLang="ko-KR" sz="2000">
+              <a:latin typeface="나눔스퀘어OTF Light" panose="020B0600000101010101" pitchFamily="34" charset="-127"/>
+              <a:ea typeface="나눔스퀘어OTF Light" panose="020B0600000101010101" pitchFamily="34" charset="-127"/>
+            </a:endParaRPr>
+          </a:p>
+          <a:p>
+            <a:pPr algn="ctr"/>
+            <a:r>
+              <a:rPr lang="ko-KR" altLang="en-US" sz="2000">
+                <a:latin typeface="나눔스퀘어OTF Light" panose="020B0600000101010101" pitchFamily="34" charset="-127"/>
+                <a:ea typeface="나눔스퀘어OTF Light" panose="020B0600000101010101" pitchFamily="34" charset="-127"/>
+              </a:rPr>
+              <a:t>알베도의 그레이 스케일</a:t>
+            </a:r>
+            <a:endParaRPr lang="en-US" altLang="ko-KR" sz="2000">
+              <a:latin typeface="나눔스퀘어OTF Light" panose="020B0600000101010101" pitchFamily="34" charset="-127"/>
+              <a:ea typeface="나눔스퀘어OTF Light" panose="020B0600000101010101" pitchFamily="34" charset="-127"/>
+            </a:endParaRPr>
+          </a:p>
+        </p:txBody>
+      </p:sp>
+      <p:sp>
+        <p:nvSpPr>
+          <p:cNvPr id="19" name="TextBox 18">
+            <a:extLst>
+              <a:ext uri="{FF2B5EF4-FFF2-40B4-BE49-F238E27FC236}">
+                <a16:creationId xmlns:a16="http://schemas.microsoft.com/office/drawing/2014/main" id="{25E3B4AB-4AF0-4EF0-A107-76838F74734C}"/>
+              </a:ext>
+            </a:extLst>
+          </p:cNvPr>
+          <p:cNvSpPr txBox="1"/>
+          <p:nvPr/>
+        </p:nvSpPr>
+        <p:spPr>
+          <a:xfrm>
+            <a:off x="7492765" y="5770444"/>
+            <a:ext cx="3653564" cy="1015663"/>
+          </a:xfrm>
+          <a:prstGeom prst="rect">
+            <a:avLst/>
+          </a:prstGeom>
+          <a:noFill/>
+        </p:spPr>
+        <p:txBody>
+          <a:bodyPr wrap="none" rtlCol="0">
+            <a:spAutoFit/>
+          </a:bodyPr>
+          <a:lstStyle/>
+          <a:p>
+            <a:pPr algn="ctr"/>
+            <a:r>
+              <a:rPr lang="en-US" altLang="ko-KR" sz="2000">
+                <a:latin typeface="나눔스퀘어OTF Light" panose="020B0600000101010101" pitchFamily="34" charset="-127"/>
+                <a:ea typeface="나눔스퀘어OTF Light" panose="020B0600000101010101" pitchFamily="34" charset="-127"/>
+              </a:rPr>
+              <a:t>Difference</a:t>
+            </a:r>
+          </a:p>
+          <a:p>
+            <a:pPr algn="ctr"/>
+            <a:r>
+              <a:rPr lang="ko-KR" altLang="en-US" sz="2000">
+                <a:latin typeface="나눔스퀘어OTF Light" panose="020B0600000101010101" pitchFamily="34" charset="-127"/>
+                <a:ea typeface="나눔스퀘어OTF Light" panose="020B0600000101010101" pitchFamily="34" charset="-127"/>
+              </a:rPr>
+              <a:t>파티클 색에서 알베도를 제거하여</a:t>
+            </a:r>
+            <a:endParaRPr lang="en-US" altLang="ko-KR" sz="2000">
+              <a:latin typeface="나눔스퀘어OTF Light" panose="020B0600000101010101" pitchFamily="34" charset="-127"/>
+              <a:ea typeface="나눔스퀘어OTF Light" panose="020B0600000101010101" pitchFamily="34" charset="-127"/>
+            </a:endParaRPr>
+          </a:p>
+          <a:p>
+            <a:pPr algn="ctr"/>
+            <a:r>
+              <a:rPr lang="ko-KR" altLang="en-US" sz="2000">
+                <a:latin typeface="나눔스퀘어OTF Light" panose="020B0600000101010101" pitchFamily="34" charset="-127"/>
+                <a:ea typeface="나눔스퀘어OTF Light" panose="020B0600000101010101" pitchFamily="34" charset="-127"/>
+              </a:rPr>
+              <a:t>양수값으로 사용</a:t>
+            </a:r>
+            <a:endParaRPr lang="en-US" altLang="ko-KR" sz="2000">
+              <a:latin typeface="나눔스퀘어OTF Light" panose="020B0600000101010101" pitchFamily="34" charset="-127"/>
+              <a:ea typeface="나눔스퀘어OTF Light" panose="020B0600000101010101" pitchFamily="34" charset="-127"/>
+            </a:endParaRPr>
+          </a:p>
+        </p:txBody>
+      </p:sp>
+      <p:pic>
+        <p:nvPicPr>
+          <p:cNvPr id="11" name="그림 10">
+            <a:extLst>
+              <a:ext uri="{FF2B5EF4-FFF2-40B4-BE49-F238E27FC236}">
+                <a16:creationId xmlns:a16="http://schemas.microsoft.com/office/drawing/2014/main" id="{A9CF6243-9A6F-4C89-8A63-872F383FBFDB}"/>
+              </a:ext>
+            </a:extLst>
+          </p:cNvPr>
+          <p:cNvPicPr>
+            <a:picLocks noChangeAspect="1"/>
+          </p:cNvPicPr>
+          <p:nvPr/>
+        </p:nvPicPr>
+        <p:blipFill>
+          <a:blip r:embed="rId2"/>
+          <a:stretch>
+            <a:fillRect/>
+          </a:stretch>
+        </p:blipFill>
+        <p:spPr>
+          <a:xfrm>
+            <a:off x="1668586" y="1989914"/>
+            <a:ext cx="2223415" cy="3780530"/>
+          </a:xfrm>
+          <a:prstGeom prst="rect">
+            <a:avLst/>
+          </a:prstGeom>
+        </p:spPr>
+      </p:pic>
+      <p:pic>
+        <p:nvPicPr>
+          <p:cNvPr id="7" name="그림 6">
+            <a:extLst>
+              <a:ext uri="{FF2B5EF4-FFF2-40B4-BE49-F238E27FC236}">
+                <a16:creationId xmlns:a16="http://schemas.microsoft.com/office/drawing/2014/main" id="{E77CD7DD-E4E5-4ADE-9739-26348D27A318}"/>
+              </a:ext>
+            </a:extLst>
+          </p:cNvPr>
+          <p:cNvPicPr>
+            <a:picLocks noChangeAspect="1"/>
+          </p:cNvPicPr>
+          <p:nvPr/>
+        </p:nvPicPr>
+        <p:blipFill>
+          <a:blip r:embed="rId3"/>
+          <a:stretch>
+            <a:fillRect/>
+          </a:stretch>
+        </p:blipFill>
+        <p:spPr>
+          <a:xfrm>
+            <a:off x="5068283" y="1989914"/>
+            <a:ext cx="2055434" cy="3780530"/>
+          </a:xfrm>
+          <a:prstGeom prst="rect">
+            <a:avLst/>
+          </a:prstGeom>
+        </p:spPr>
+      </p:pic>
+      <p:pic>
+        <p:nvPicPr>
+          <p:cNvPr id="10" name="그림 9">
+            <a:extLst>
+              <a:ext uri="{FF2B5EF4-FFF2-40B4-BE49-F238E27FC236}">
+                <a16:creationId xmlns:a16="http://schemas.microsoft.com/office/drawing/2014/main" id="{68248B52-9969-4A9B-A933-52EA869718D4}"/>
+              </a:ext>
+            </a:extLst>
+          </p:cNvPr>
+          <p:cNvPicPr>
+            <a:picLocks noChangeAspect="1"/>
+          </p:cNvPicPr>
+          <p:nvPr/>
+        </p:nvPicPr>
+        <p:blipFill>
+          <a:blip r:embed="rId4"/>
+          <a:stretch>
+            <a:fillRect/>
+          </a:stretch>
+        </p:blipFill>
+        <p:spPr>
+          <a:xfrm>
+            <a:off x="8299999" y="1948341"/>
+            <a:ext cx="2110923" cy="3863675"/>
+          </a:xfrm>
+          <a:prstGeom prst="rect">
+            <a:avLst/>
+          </a:prstGeom>
+        </p:spPr>
+      </p:pic>
+    </p:spTree>
+    <p:extLst>
+      <p:ext uri="{BB962C8B-B14F-4D97-AF65-F5344CB8AC3E}">
+        <p14:creationId xmlns:p14="http://schemas.microsoft.com/office/powerpoint/2010/main" val="3534306359"/>
+      </p:ext>
+    </p:extLst>
+  </p:cSld>
+  <p:clrMapOvr>
+    <a:masterClrMapping/>
+  </p:clrMapOvr>
+</p:sld>
+</file>
+
+<file path=ppt/slides/slide61.xml><?xml version="1.0" encoding="utf-8"?>
+<p:sld xmlns:a="http://schemas.openxmlformats.org/drawingml/2006/main" xmlns:r="http://schemas.openxmlformats.org/officeDocument/2006/relationships" xmlns:p="http://schemas.openxmlformats.org/presentationml/2006/main">
+  <p:cSld>
+    <p:spTree>
+      <p:nvGrpSpPr>
+        <p:cNvPr id="1" name=""/>
+        <p:cNvGrpSpPr/>
+        <p:nvPr/>
+      </p:nvGrpSpPr>
+      <p:grpSpPr>
+        <a:xfrm>
+          <a:off x="0" y="0"/>
+          <a:ext cx="0" cy="0"/>
+          <a:chOff x="0" y="0"/>
+          <a:chExt cx="0" cy="0"/>
+        </a:xfrm>
+      </p:grpSpPr>
+      <p:sp>
+        <p:nvSpPr>
+          <p:cNvPr id="6" name="TextBox 5">
+            <a:extLst>
+              <a:ext uri="{FF2B5EF4-FFF2-40B4-BE49-F238E27FC236}">
+                <a16:creationId xmlns:a16="http://schemas.microsoft.com/office/drawing/2014/main" id="{F453C929-8CA3-4E79-AF5D-99EC8407C6CF}"/>
+              </a:ext>
+            </a:extLst>
+          </p:cNvPr>
+          <p:cNvSpPr txBox="1"/>
+          <p:nvPr/>
+        </p:nvSpPr>
+        <p:spPr>
+          <a:xfrm>
+            <a:off x="171888" y="194702"/>
+            <a:ext cx="2608406" cy="523220"/>
+          </a:xfrm>
+          <a:prstGeom prst="rect">
+            <a:avLst/>
+          </a:prstGeom>
+          <a:noFill/>
+        </p:spPr>
+        <p:txBody>
+          <a:bodyPr wrap="none" rtlCol="0">
+            <a:spAutoFit/>
+          </a:bodyPr>
+          <a:lstStyle/>
+          <a:p>
+            <a:r>
+              <a:rPr lang="en-US" altLang="ko-KR" sz="2800">
+                <a:latin typeface="나눔스퀘어OTF Light" panose="020B0600000101010101" pitchFamily="34" charset="-127"/>
+                <a:ea typeface="나눔스퀘어OTF Light" panose="020B0600000101010101" pitchFamily="34" charset="-127"/>
+              </a:rPr>
+              <a:t>3. </a:t>
+            </a:r>
+            <a:r>
+              <a:rPr lang="ko-KR" altLang="en-US" sz="2800">
+                <a:latin typeface="나눔스퀘어OTF Light" panose="020B0600000101010101" pitchFamily="34" charset="-127"/>
+                <a:ea typeface="나눔스퀘어OTF Light" panose="020B0600000101010101" pitchFamily="34" charset="-127"/>
+              </a:rPr>
+              <a:t>파티클 쉐이더</a:t>
+            </a:r>
+          </a:p>
+        </p:txBody>
+      </p:sp>
+      <p:cxnSp>
+        <p:nvCxnSpPr>
+          <p:cNvPr id="4" name="직선 연결선 3">
+            <a:extLst>
+              <a:ext uri="{FF2B5EF4-FFF2-40B4-BE49-F238E27FC236}">
+                <a16:creationId xmlns:a16="http://schemas.microsoft.com/office/drawing/2014/main" id="{7442459B-3DED-44F0-9E4C-B50601FEB425}"/>
+              </a:ext>
+            </a:extLst>
+          </p:cNvPr>
+          <p:cNvCxnSpPr>
+            <a:cxnSpLocks/>
+          </p:cNvCxnSpPr>
+          <p:nvPr/>
+        </p:nvCxnSpPr>
+        <p:spPr>
+          <a:xfrm>
+            <a:off x="132133" y="780690"/>
+            <a:ext cx="819295" cy="0"/>
+          </a:xfrm>
+          <a:prstGeom prst="line">
+            <a:avLst/>
+          </a:prstGeom>
+          <a:ln>
+            <a:solidFill>
+              <a:schemeClr val="tx1"/>
+            </a:solidFill>
+          </a:ln>
+        </p:spPr>
+        <p:style>
+          <a:lnRef idx="1">
+            <a:schemeClr val="accent1"/>
+          </a:lnRef>
+          <a:fillRef idx="0">
+            <a:schemeClr val="accent1"/>
+          </a:fillRef>
+          <a:effectRef idx="0">
+            <a:schemeClr val="accent1"/>
+          </a:effectRef>
+          <a:fontRef idx="minor">
+            <a:schemeClr val="tx1"/>
+          </a:fontRef>
+        </p:style>
+      </p:cxnSp>
+      <p:pic>
+        <p:nvPicPr>
+          <p:cNvPr id="3" name="그림 2">
+            <a:extLst>
+              <a:ext uri="{FF2B5EF4-FFF2-40B4-BE49-F238E27FC236}">
+                <a16:creationId xmlns:a16="http://schemas.microsoft.com/office/drawing/2014/main" id="{5335D9CB-5A6C-4DF8-B45E-3ED38AA580DF}"/>
+              </a:ext>
+            </a:extLst>
+          </p:cNvPr>
+          <p:cNvPicPr>
+            <a:picLocks noChangeAspect="1"/>
+          </p:cNvPicPr>
+          <p:nvPr/>
+        </p:nvPicPr>
+        <p:blipFill>
+          <a:blip r:embed="rId2"/>
+          <a:stretch>
+            <a:fillRect/>
+          </a:stretch>
+        </p:blipFill>
+        <p:spPr>
+          <a:xfrm>
+            <a:off x="4586944" y="1683986"/>
+            <a:ext cx="3018111" cy="1701843"/>
+          </a:xfrm>
+          <a:prstGeom prst="rect">
+            <a:avLst/>
+          </a:prstGeom>
+        </p:spPr>
+      </p:pic>
+      <p:sp>
+        <p:nvSpPr>
+          <p:cNvPr id="13" name="TextBox 12">
+            <a:extLst>
+              <a:ext uri="{FF2B5EF4-FFF2-40B4-BE49-F238E27FC236}">
+                <a16:creationId xmlns:a16="http://schemas.microsoft.com/office/drawing/2014/main" id="{227BA11C-41CC-4DCC-A1AB-1C3DCCD47841}"/>
+              </a:ext>
+            </a:extLst>
+          </p:cNvPr>
+          <p:cNvSpPr txBox="1"/>
+          <p:nvPr/>
+        </p:nvSpPr>
+        <p:spPr>
+          <a:xfrm>
+            <a:off x="2444935" y="4046211"/>
+            <a:ext cx="7302127" cy="1323439"/>
+          </a:xfrm>
+          <a:prstGeom prst="rect">
+            <a:avLst/>
+          </a:prstGeom>
+          <a:noFill/>
+        </p:spPr>
+        <p:txBody>
+          <a:bodyPr wrap="none" rtlCol="0">
+            <a:spAutoFit/>
+          </a:bodyPr>
+          <a:lstStyle/>
+          <a:p>
+            <a:r>
+              <a:rPr lang="en-US" altLang="ko-KR" sz="2000">
+                <a:latin typeface="나눔스퀘어OTF Light" panose="020B0600000101010101" pitchFamily="34" charset="-127"/>
+                <a:ea typeface="나눔스퀘어OTF Light" panose="020B0600000101010101" pitchFamily="34" charset="-127"/>
+              </a:rPr>
+              <a:t>Flip-Book Frame Blending : </a:t>
+            </a:r>
+            <a:r>
+              <a:rPr lang="ko-KR" altLang="en-US" sz="2000">
+                <a:latin typeface="나눔스퀘어OTF Light" panose="020B0600000101010101" pitchFamily="34" charset="-127"/>
+                <a:ea typeface="나눔스퀘어OTF Light" panose="020B0600000101010101" pitchFamily="34" charset="-127"/>
+              </a:rPr>
+              <a:t>플립북 애니메이션의 두 프레임을 섞음</a:t>
+            </a:r>
+            <a:endParaRPr lang="en-US" altLang="ko-KR" sz="2000">
+              <a:latin typeface="나눔스퀘어OTF Light" panose="020B0600000101010101" pitchFamily="34" charset="-127"/>
+              <a:ea typeface="나눔스퀘어OTF Light" panose="020B0600000101010101" pitchFamily="34" charset="-127"/>
+            </a:endParaRPr>
+          </a:p>
+          <a:p>
+            <a:r>
+              <a:rPr lang="en-US" altLang="ko-KR" sz="2000">
+                <a:latin typeface="나눔스퀘어OTF Light" panose="020B0600000101010101" pitchFamily="34" charset="-127"/>
+                <a:ea typeface="나눔스퀘어OTF Light" panose="020B0600000101010101" pitchFamily="34" charset="-127"/>
+              </a:rPr>
+              <a:t>Two Sided : </a:t>
+            </a:r>
+            <a:r>
+              <a:rPr lang="ko-KR" altLang="en-US" sz="2000">
+                <a:latin typeface="나눔스퀘어OTF Light" panose="020B0600000101010101" pitchFamily="34" charset="-127"/>
+                <a:ea typeface="나눔스퀘어OTF Light" panose="020B0600000101010101" pitchFamily="34" charset="-127"/>
+              </a:rPr>
+              <a:t>전면과 후면을 모두 렌더링함</a:t>
+            </a:r>
+            <a:endParaRPr lang="en-US" altLang="ko-KR" sz="2000">
+              <a:latin typeface="나눔스퀘어OTF Light" panose="020B0600000101010101" pitchFamily="34" charset="-127"/>
+              <a:ea typeface="나눔스퀘어OTF Light" panose="020B0600000101010101" pitchFamily="34" charset="-127"/>
+            </a:endParaRPr>
+          </a:p>
+          <a:p>
+            <a:r>
+              <a:rPr lang="en-US" altLang="ko-KR" sz="2000">
+                <a:latin typeface="나눔스퀘어OTF Light" panose="020B0600000101010101" pitchFamily="34" charset="-127"/>
+                <a:ea typeface="나눔스퀘어OTF Light" panose="020B0600000101010101" pitchFamily="34" charset="-127"/>
+              </a:rPr>
+              <a:t>Albedo : </a:t>
+            </a:r>
+            <a:r>
+              <a:rPr lang="ko-KR" altLang="en-US" sz="2000">
+                <a:latin typeface="나눔스퀘어OTF Light" panose="020B0600000101010101" pitchFamily="34" charset="-127"/>
+                <a:ea typeface="나눔스퀘어OTF Light" panose="020B0600000101010101" pitchFamily="34" charset="-127"/>
+              </a:rPr>
+              <a:t>알베도 색상</a:t>
+            </a:r>
+            <a:endParaRPr lang="en-US" altLang="ko-KR" sz="2000">
+              <a:latin typeface="나눔스퀘어OTF Light" panose="020B0600000101010101" pitchFamily="34" charset="-127"/>
+              <a:ea typeface="나눔스퀘어OTF Light" panose="020B0600000101010101" pitchFamily="34" charset="-127"/>
+            </a:endParaRPr>
+          </a:p>
+          <a:p>
+            <a:r>
+              <a:rPr lang="en-US" altLang="ko-KR" sz="2000">
+                <a:latin typeface="나눔스퀘어OTF Light" panose="020B0600000101010101" pitchFamily="34" charset="-127"/>
+                <a:ea typeface="나눔스퀘어OTF Light" panose="020B0600000101010101" pitchFamily="34" charset="-127"/>
+              </a:rPr>
+              <a:t>Emission : </a:t>
+            </a:r>
+            <a:r>
+              <a:rPr lang="ko-KR" altLang="en-US" sz="2000">
+                <a:latin typeface="나눔스퀘어OTF Light" panose="020B0600000101010101" pitchFamily="34" charset="-127"/>
+                <a:ea typeface="나눔스퀘어OTF Light" panose="020B0600000101010101" pitchFamily="34" charset="-127"/>
+              </a:rPr>
+              <a:t>에미션 색상 </a:t>
+            </a:r>
+            <a:r>
+              <a:rPr lang="en-US" altLang="ko-KR" sz="2000">
+                <a:latin typeface="나눔스퀘어OTF Light" panose="020B0600000101010101" pitchFamily="34" charset="-127"/>
+                <a:ea typeface="나눔스퀘어OTF Light" panose="020B0600000101010101" pitchFamily="34" charset="-127"/>
+              </a:rPr>
+              <a:t>(</a:t>
+            </a:r>
+            <a:r>
+              <a:rPr lang="ko-KR" altLang="en-US" sz="2000">
+                <a:latin typeface="나눔스퀘어OTF Light" panose="020B0600000101010101" pitchFamily="34" charset="-127"/>
+                <a:ea typeface="나눔스퀘어OTF Light" panose="020B0600000101010101" pitchFamily="34" charset="-127"/>
+              </a:rPr>
+              <a:t>자체</a:t>
+            </a:r>
+            <a:r>
+              <a:rPr lang="en-US" altLang="ko-KR" sz="2000">
+                <a:latin typeface="나눔스퀘어OTF Light" panose="020B0600000101010101" pitchFamily="34" charset="-127"/>
+                <a:ea typeface="나눔스퀘어OTF Light" panose="020B0600000101010101" pitchFamily="34" charset="-127"/>
+              </a:rPr>
+              <a:t> </a:t>
+            </a:r>
+            <a:r>
+              <a:rPr lang="ko-KR" altLang="en-US" sz="2000">
+                <a:latin typeface="나눔스퀘어OTF Light" panose="020B0600000101010101" pitchFamily="34" charset="-127"/>
+                <a:ea typeface="나눔스퀘어OTF Light" panose="020B0600000101010101" pitchFamily="34" charset="-127"/>
+              </a:rPr>
+              <a:t>발광 효과</a:t>
+            </a:r>
+            <a:r>
+              <a:rPr lang="en-US" altLang="ko-KR" sz="2000">
+                <a:latin typeface="나눔스퀘어OTF Light" panose="020B0600000101010101" pitchFamily="34" charset="-127"/>
+                <a:ea typeface="나눔스퀘어OTF Light" panose="020B0600000101010101" pitchFamily="34" charset="-127"/>
+              </a:rPr>
+              <a:t>)</a:t>
+            </a:r>
+          </a:p>
+        </p:txBody>
+      </p:sp>
+    </p:spTree>
+    <p:extLst>
+      <p:ext uri="{BB962C8B-B14F-4D97-AF65-F5344CB8AC3E}">
+        <p14:creationId xmlns:p14="http://schemas.microsoft.com/office/powerpoint/2010/main" val="2941227085"/>
+      </p:ext>
+    </p:extLst>
+  </p:cSld>
+  <p:clrMapOvr>
+    <a:masterClrMapping/>
+  </p:clrMapOvr>
+</p:sld>
+</file>
+
+<file path=ppt/slides/slide62.xml><?xml version="1.0" encoding="utf-8"?>
+<p:sld xmlns:a="http://schemas.openxmlformats.org/drawingml/2006/main" xmlns:r="http://schemas.openxmlformats.org/officeDocument/2006/relationships" xmlns:p="http://schemas.openxmlformats.org/presentationml/2006/main">
+  <p:cSld>
+    <p:spTree>
+      <p:nvGrpSpPr>
+        <p:cNvPr id="1" name=""/>
+        <p:cNvGrpSpPr/>
+        <p:nvPr/>
+      </p:nvGrpSpPr>
+      <p:grpSpPr>
+        <a:xfrm>
+          <a:off x="0" y="0"/>
+          <a:ext cx="0" cy="0"/>
+          <a:chOff x="0" y="0"/>
+          <a:chExt cx="0" cy="0"/>
+        </a:xfrm>
+      </p:grpSpPr>
+      <p:sp>
+        <p:nvSpPr>
+          <p:cNvPr id="6" name="TextBox 5">
+            <a:extLst>
+              <a:ext uri="{FF2B5EF4-FFF2-40B4-BE49-F238E27FC236}">
+                <a16:creationId xmlns:a16="http://schemas.microsoft.com/office/drawing/2014/main" id="{F453C929-8CA3-4E79-AF5D-99EC8407C6CF}"/>
+              </a:ext>
+            </a:extLst>
+          </p:cNvPr>
+          <p:cNvSpPr txBox="1"/>
+          <p:nvPr/>
+        </p:nvSpPr>
+        <p:spPr>
+          <a:xfrm>
+            <a:off x="171888" y="194702"/>
+            <a:ext cx="2608406" cy="523220"/>
+          </a:xfrm>
+          <a:prstGeom prst="rect">
+            <a:avLst/>
+          </a:prstGeom>
+          <a:noFill/>
+        </p:spPr>
+        <p:txBody>
+          <a:bodyPr wrap="none" rtlCol="0">
+            <a:spAutoFit/>
+          </a:bodyPr>
+          <a:lstStyle/>
+          <a:p>
+            <a:r>
+              <a:rPr lang="en-US" altLang="ko-KR" sz="2800">
+                <a:latin typeface="나눔스퀘어OTF Light" panose="020B0600000101010101" pitchFamily="34" charset="-127"/>
+                <a:ea typeface="나눔스퀘어OTF Light" panose="020B0600000101010101" pitchFamily="34" charset="-127"/>
+              </a:rPr>
+              <a:t>3. </a:t>
+            </a:r>
+            <a:r>
+              <a:rPr lang="ko-KR" altLang="en-US" sz="2800">
+                <a:latin typeface="나눔스퀘어OTF Light" panose="020B0600000101010101" pitchFamily="34" charset="-127"/>
+                <a:ea typeface="나눔스퀘어OTF Light" panose="020B0600000101010101" pitchFamily="34" charset="-127"/>
+              </a:rPr>
+              <a:t>파티클 쉐이더</a:t>
+            </a:r>
+          </a:p>
+        </p:txBody>
+      </p:sp>
+      <p:cxnSp>
+        <p:nvCxnSpPr>
+          <p:cNvPr id="4" name="직선 연결선 3">
+            <a:extLst>
+              <a:ext uri="{FF2B5EF4-FFF2-40B4-BE49-F238E27FC236}">
+                <a16:creationId xmlns:a16="http://schemas.microsoft.com/office/drawing/2014/main" id="{7442459B-3DED-44F0-9E4C-B50601FEB425}"/>
+              </a:ext>
+            </a:extLst>
+          </p:cNvPr>
+          <p:cNvCxnSpPr>
+            <a:cxnSpLocks/>
+          </p:cNvCxnSpPr>
+          <p:nvPr/>
+        </p:nvCxnSpPr>
+        <p:spPr>
+          <a:xfrm>
+            <a:off x="132133" y="780690"/>
+            <a:ext cx="819295" cy="0"/>
+          </a:xfrm>
+          <a:prstGeom prst="line">
+            <a:avLst/>
+          </a:prstGeom>
+          <a:ln>
+            <a:solidFill>
+              <a:schemeClr val="tx1"/>
+            </a:solidFill>
+          </a:ln>
+        </p:spPr>
+        <p:style>
+          <a:lnRef idx="1">
+            <a:schemeClr val="accent1"/>
+          </a:lnRef>
+          <a:fillRef idx="0">
+            <a:schemeClr val="accent1"/>
+          </a:fillRef>
+          <a:effectRef idx="0">
+            <a:schemeClr val="accent1"/>
+          </a:effectRef>
+          <a:fontRef idx="minor">
+            <a:schemeClr val="tx1"/>
+          </a:fontRef>
+        </p:style>
+      </p:cxnSp>
+      <p:pic>
+        <p:nvPicPr>
+          <p:cNvPr id="5" name="그림 4">
+            <a:extLst>
+              <a:ext uri="{FF2B5EF4-FFF2-40B4-BE49-F238E27FC236}">
+                <a16:creationId xmlns:a16="http://schemas.microsoft.com/office/drawing/2014/main" id="{23A2CC48-86D9-46CC-83F8-C416DE006904}"/>
+              </a:ext>
+            </a:extLst>
+          </p:cNvPr>
+          <p:cNvPicPr>
+            <a:picLocks noChangeAspect="1"/>
+          </p:cNvPicPr>
+          <p:nvPr/>
+        </p:nvPicPr>
+        <p:blipFill>
+          <a:blip r:embed="rId2"/>
+          <a:stretch>
+            <a:fillRect/>
+          </a:stretch>
+        </p:blipFill>
+        <p:spPr>
+          <a:xfrm>
+            <a:off x="3308070" y="2873996"/>
+            <a:ext cx="5575860" cy="555004"/>
+          </a:xfrm>
+          <a:prstGeom prst="rect">
+            <a:avLst/>
+          </a:prstGeom>
+        </p:spPr>
+      </p:pic>
+      <p:sp>
+        <p:nvSpPr>
+          <p:cNvPr id="8" name="TextBox 7">
+            <a:extLst>
+              <a:ext uri="{FF2B5EF4-FFF2-40B4-BE49-F238E27FC236}">
+                <a16:creationId xmlns:a16="http://schemas.microsoft.com/office/drawing/2014/main" id="{840CDE6F-F814-41A0-883D-2860C83ED0B7}"/>
+              </a:ext>
+            </a:extLst>
+          </p:cNvPr>
+          <p:cNvSpPr txBox="1"/>
+          <p:nvPr/>
+        </p:nvSpPr>
+        <p:spPr>
+          <a:xfrm>
+            <a:off x="4854314" y="3680451"/>
+            <a:ext cx="2483372" cy="400110"/>
+          </a:xfrm>
+          <a:prstGeom prst="rect">
+            <a:avLst/>
+          </a:prstGeom>
+          <a:noFill/>
+        </p:spPr>
+        <p:txBody>
+          <a:bodyPr wrap="none" rtlCol="0">
+            <a:spAutoFit/>
+          </a:bodyPr>
+          <a:lstStyle/>
+          <a:p>
+            <a:pPr algn="ctr"/>
+            <a:r>
+              <a:rPr lang="ko-KR" altLang="en-US" sz="2000">
+                <a:latin typeface="나눔스퀘어OTF Light" panose="020B0600000101010101" pitchFamily="34" charset="-127"/>
+                <a:ea typeface="나눔스퀘어OTF Light" panose="020B0600000101010101" pitchFamily="34" charset="-127"/>
+              </a:rPr>
+              <a:t>텍스쳐 그리드 타일링</a:t>
+            </a:r>
+            <a:endParaRPr lang="en-US" altLang="ko-KR" sz="2000">
+              <a:latin typeface="나눔스퀘어OTF Light" panose="020B0600000101010101" pitchFamily="34" charset="-127"/>
+              <a:ea typeface="나눔스퀘어OTF Light" panose="020B0600000101010101" pitchFamily="34" charset="-127"/>
+            </a:endParaRPr>
+          </a:p>
+        </p:txBody>
+      </p:sp>
+    </p:spTree>
+    <p:extLst>
+      <p:ext uri="{BB962C8B-B14F-4D97-AF65-F5344CB8AC3E}">
+        <p14:creationId xmlns:p14="http://schemas.microsoft.com/office/powerpoint/2010/main" val="2764553103"/>
+      </p:ext>
+    </p:extLst>
+  </p:cSld>
+  <p:clrMapOvr>
+    <a:masterClrMapping/>
+  </p:clrMapOvr>
+</p:sld>
+</file>
+
+<file path=ppt/slides/slide63.xml><?xml version="1.0" encoding="utf-8"?>
+<p:sld xmlns:a="http://schemas.openxmlformats.org/drawingml/2006/main" xmlns:r="http://schemas.openxmlformats.org/officeDocument/2006/relationships" xmlns:p="http://schemas.openxmlformats.org/presentationml/2006/main">
+  <p:cSld>
+    <p:spTree>
+      <p:nvGrpSpPr>
+        <p:cNvPr id="1" name=""/>
+        <p:cNvGrpSpPr/>
+        <p:nvPr/>
+      </p:nvGrpSpPr>
+      <p:grpSpPr>
+        <a:xfrm>
+          <a:off x="0" y="0"/>
+          <a:ext cx="0" cy="0"/>
+          <a:chOff x="0" y="0"/>
+          <a:chExt cx="0" cy="0"/>
+        </a:xfrm>
+      </p:grpSpPr>
+      <p:sp>
+        <p:nvSpPr>
+          <p:cNvPr id="6" name="TextBox 5">
+            <a:extLst>
+              <a:ext uri="{FF2B5EF4-FFF2-40B4-BE49-F238E27FC236}">
+                <a16:creationId xmlns:a16="http://schemas.microsoft.com/office/drawing/2014/main" id="{F453C929-8CA3-4E79-AF5D-99EC8407C6CF}"/>
+              </a:ext>
+            </a:extLst>
+          </p:cNvPr>
+          <p:cNvSpPr txBox="1"/>
+          <p:nvPr/>
+        </p:nvSpPr>
+        <p:spPr>
+          <a:xfrm>
+            <a:off x="171888" y="194702"/>
+            <a:ext cx="2608406" cy="523220"/>
+          </a:xfrm>
+          <a:prstGeom prst="rect">
+            <a:avLst/>
+          </a:prstGeom>
+          <a:noFill/>
+        </p:spPr>
+        <p:txBody>
+          <a:bodyPr wrap="none" rtlCol="0">
+            <a:spAutoFit/>
+          </a:bodyPr>
+          <a:lstStyle/>
+          <a:p>
+            <a:r>
+              <a:rPr lang="en-US" altLang="ko-KR" sz="2800">
+                <a:latin typeface="나눔스퀘어OTF Light" panose="020B0600000101010101" pitchFamily="34" charset="-127"/>
+                <a:ea typeface="나눔스퀘어OTF Light" panose="020B0600000101010101" pitchFamily="34" charset="-127"/>
+              </a:rPr>
+              <a:t>3. </a:t>
+            </a:r>
+            <a:r>
+              <a:rPr lang="ko-KR" altLang="en-US" sz="2800">
+                <a:latin typeface="나눔스퀘어OTF Light" panose="020B0600000101010101" pitchFamily="34" charset="-127"/>
+                <a:ea typeface="나눔스퀘어OTF Light" panose="020B0600000101010101" pitchFamily="34" charset="-127"/>
+              </a:rPr>
+              <a:t>파티클 쉐이더</a:t>
+            </a:r>
+          </a:p>
+        </p:txBody>
+      </p:sp>
+      <p:cxnSp>
+        <p:nvCxnSpPr>
+          <p:cNvPr id="4" name="직선 연결선 3">
+            <a:extLst>
+              <a:ext uri="{FF2B5EF4-FFF2-40B4-BE49-F238E27FC236}">
+                <a16:creationId xmlns:a16="http://schemas.microsoft.com/office/drawing/2014/main" id="{7442459B-3DED-44F0-9E4C-B50601FEB425}"/>
+              </a:ext>
+            </a:extLst>
+          </p:cNvPr>
+          <p:cNvCxnSpPr>
+            <a:cxnSpLocks/>
+          </p:cNvCxnSpPr>
+          <p:nvPr/>
+        </p:nvCxnSpPr>
+        <p:spPr>
+          <a:xfrm>
+            <a:off x="132133" y="780690"/>
+            <a:ext cx="819295" cy="0"/>
+          </a:xfrm>
+          <a:prstGeom prst="line">
+            <a:avLst/>
+          </a:prstGeom>
+          <a:ln>
+            <a:solidFill>
+              <a:schemeClr val="tx1"/>
+            </a:solidFill>
+          </a:ln>
+        </p:spPr>
+        <p:style>
+          <a:lnRef idx="1">
+            <a:schemeClr val="accent1"/>
+          </a:lnRef>
+          <a:fillRef idx="0">
+            <a:schemeClr val="accent1"/>
+          </a:fillRef>
+          <a:effectRef idx="0">
+            <a:schemeClr val="accent1"/>
+          </a:effectRef>
+          <a:fontRef idx="minor">
+            <a:schemeClr val="tx1"/>
+          </a:fontRef>
+        </p:style>
+      </p:cxnSp>
+      <p:pic>
+        <p:nvPicPr>
+          <p:cNvPr id="3" name="그림 2">
+            <a:extLst>
+              <a:ext uri="{FF2B5EF4-FFF2-40B4-BE49-F238E27FC236}">
+                <a16:creationId xmlns:a16="http://schemas.microsoft.com/office/drawing/2014/main" id="{13FE0F06-E2DE-46B7-BAC6-F02B1E66B285}"/>
+              </a:ext>
+            </a:extLst>
+          </p:cNvPr>
+          <p:cNvPicPr>
+            <a:picLocks noChangeAspect="1"/>
+          </p:cNvPicPr>
+          <p:nvPr/>
+        </p:nvPicPr>
+        <p:blipFill>
+          <a:blip r:embed="rId2"/>
+          <a:stretch>
+            <a:fillRect/>
+          </a:stretch>
+        </p:blipFill>
+        <p:spPr>
+          <a:xfrm>
+            <a:off x="3350046" y="1578980"/>
+            <a:ext cx="5491907" cy="1319565"/>
+          </a:xfrm>
+          <a:prstGeom prst="rect">
+            <a:avLst/>
+          </a:prstGeom>
+        </p:spPr>
+      </p:pic>
+      <p:sp>
+        <p:nvSpPr>
+          <p:cNvPr id="9" name="TextBox 8">
+            <a:extLst>
+              <a:ext uri="{FF2B5EF4-FFF2-40B4-BE49-F238E27FC236}">
+                <a16:creationId xmlns:a16="http://schemas.microsoft.com/office/drawing/2014/main" id="{2F259FAD-9008-4857-A542-E781EACA354E}"/>
+              </a:ext>
+            </a:extLst>
+          </p:cNvPr>
+          <p:cNvSpPr txBox="1"/>
+          <p:nvPr/>
+        </p:nvSpPr>
+        <p:spPr>
+          <a:xfrm>
+            <a:off x="4124787" y="3028890"/>
+            <a:ext cx="3942426" cy="400110"/>
+          </a:xfrm>
+          <a:prstGeom prst="rect">
+            <a:avLst/>
+          </a:prstGeom>
+          <a:noFill/>
+        </p:spPr>
+        <p:txBody>
+          <a:bodyPr wrap="none" rtlCol="0">
+            <a:spAutoFit/>
+          </a:bodyPr>
+          <a:lstStyle/>
+          <a:p>
+            <a:pPr algn="ctr"/>
+            <a:r>
+              <a:rPr lang="en-US" altLang="ko-KR" sz="2000">
+                <a:latin typeface="나눔스퀘어OTF Light" panose="020B0600000101010101" pitchFamily="34" charset="-127"/>
+                <a:ea typeface="나눔스퀘어OTF Light" panose="020B0600000101010101" pitchFamily="34" charset="-127"/>
+              </a:rPr>
+              <a:t>Standard Surface Particle Shader</a:t>
+            </a:r>
+          </a:p>
+        </p:txBody>
+      </p:sp>
+      <p:sp>
+        <p:nvSpPr>
+          <p:cNvPr id="10" name="TextBox 9">
+            <a:extLst>
+              <a:ext uri="{FF2B5EF4-FFF2-40B4-BE49-F238E27FC236}">
+                <a16:creationId xmlns:a16="http://schemas.microsoft.com/office/drawing/2014/main" id="{E1A515F1-3927-4247-9396-A44D3192D88A}"/>
+              </a:ext>
+            </a:extLst>
+          </p:cNvPr>
+          <p:cNvSpPr txBox="1"/>
+          <p:nvPr/>
+        </p:nvSpPr>
+        <p:spPr>
+          <a:xfrm>
+            <a:off x="3061354" y="3959456"/>
+            <a:ext cx="6069290" cy="1631216"/>
+          </a:xfrm>
+          <a:prstGeom prst="rect">
+            <a:avLst/>
+          </a:prstGeom>
+          <a:noFill/>
+        </p:spPr>
+        <p:txBody>
+          <a:bodyPr wrap="none" rtlCol="0">
+            <a:spAutoFit/>
+          </a:bodyPr>
+          <a:lstStyle/>
+          <a:p>
+            <a:r>
+              <a:rPr lang="ko-KR" altLang="en-US" sz="2000">
+                <a:latin typeface="나눔스퀘어OTF Light" panose="020B0600000101010101" pitchFamily="34" charset="-127"/>
+                <a:ea typeface="나눔스퀘어OTF Light" panose="020B0600000101010101" pitchFamily="34" charset="-127"/>
+              </a:rPr>
+              <a:t>표면 파티클 쉐이더에는 </a:t>
+            </a:r>
+            <a:r>
+              <a:rPr lang="en-US" altLang="ko-KR" sz="2000">
+                <a:latin typeface="나눔스퀘어OTF Light" panose="020B0600000101010101" pitchFamily="34" charset="-127"/>
+                <a:ea typeface="나눔스퀘어OTF Light" panose="020B0600000101010101" pitchFamily="34" charset="-127"/>
+              </a:rPr>
+              <a:t>Unlit </a:t>
+            </a:r>
+            <a:r>
+              <a:rPr lang="ko-KR" altLang="en-US" sz="2000">
+                <a:latin typeface="나눔스퀘어OTF Light" panose="020B0600000101010101" pitchFamily="34" charset="-127"/>
+                <a:ea typeface="나눔스퀘어OTF Light" panose="020B0600000101010101" pitchFamily="34" charset="-127"/>
+              </a:rPr>
+              <a:t>속성에 표면 속성이 추가됨</a:t>
+            </a:r>
+            <a:endParaRPr lang="en-US" altLang="ko-KR" sz="2000">
+              <a:latin typeface="나눔스퀘어OTF Light" panose="020B0600000101010101" pitchFamily="34" charset="-127"/>
+              <a:ea typeface="나눔스퀘어OTF Light" panose="020B0600000101010101" pitchFamily="34" charset="-127"/>
+            </a:endParaRPr>
+          </a:p>
+          <a:p>
+            <a:endParaRPr lang="en-US" altLang="ko-KR" sz="2000">
+              <a:latin typeface="나눔스퀘어OTF Light" panose="020B0600000101010101" pitchFamily="34" charset="-127"/>
+              <a:ea typeface="나눔스퀘어OTF Light" panose="020B0600000101010101" pitchFamily="34" charset="-127"/>
+            </a:endParaRPr>
+          </a:p>
+          <a:p>
+            <a:r>
+              <a:rPr lang="en-US" altLang="ko-KR" sz="2000">
+                <a:latin typeface="나눔스퀘어OTF Light" panose="020B0600000101010101" pitchFamily="34" charset="-127"/>
+                <a:ea typeface="나눔스퀘어OTF Light" panose="020B0600000101010101" pitchFamily="34" charset="-127"/>
+              </a:rPr>
+              <a:t>Metallic : </a:t>
+            </a:r>
+            <a:r>
+              <a:rPr lang="ko-KR" altLang="en-US" sz="2000">
+                <a:latin typeface="나눔스퀘어OTF Light" panose="020B0600000101010101" pitchFamily="34" charset="-127"/>
+                <a:ea typeface="나눔스퀘어OTF Light" panose="020B0600000101010101" pitchFamily="34" charset="-127"/>
+              </a:rPr>
+              <a:t>금속질 </a:t>
+            </a:r>
+            <a:r>
+              <a:rPr lang="en-US" altLang="ko-KR" sz="2000">
+                <a:latin typeface="나눔스퀘어OTF Light" panose="020B0600000101010101" pitchFamily="34" charset="-127"/>
+                <a:ea typeface="나눔스퀘어OTF Light" panose="020B0600000101010101" pitchFamily="34" charset="-127"/>
+              </a:rPr>
+              <a:t>(</a:t>
+            </a:r>
+            <a:r>
+              <a:rPr lang="ko-KR" altLang="en-US" sz="2000">
+                <a:latin typeface="나눔스퀘어OTF Light" panose="020B0600000101010101" pitchFamily="34" charset="-127"/>
+                <a:ea typeface="나눔스퀘어OTF Light" panose="020B0600000101010101" pitchFamily="34" charset="-127"/>
+              </a:rPr>
+              <a:t>빛을 반사하는 정도</a:t>
+            </a:r>
+            <a:r>
+              <a:rPr lang="en-US" altLang="ko-KR" sz="2000">
+                <a:latin typeface="나눔스퀘어OTF Light" panose="020B0600000101010101" pitchFamily="34" charset="-127"/>
+                <a:ea typeface="나눔스퀘어OTF Light" panose="020B0600000101010101" pitchFamily="34" charset="-127"/>
+              </a:rPr>
+              <a:t>)</a:t>
+            </a:r>
+          </a:p>
+          <a:p>
+            <a:r>
+              <a:rPr lang="en-US" altLang="ko-KR" sz="2000">
+                <a:latin typeface="나눔스퀘어OTF Light" panose="020B0600000101010101" pitchFamily="34" charset="-127"/>
+                <a:ea typeface="나눔스퀘어OTF Light" panose="020B0600000101010101" pitchFamily="34" charset="-127"/>
+              </a:rPr>
+              <a:t>Smoothness : </a:t>
+            </a:r>
+            <a:r>
+              <a:rPr lang="ko-KR" altLang="en-US" sz="2000">
+                <a:latin typeface="나눔스퀘어OTF Light" panose="020B0600000101010101" pitchFamily="34" charset="-127"/>
+                <a:ea typeface="나눔스퀘어OTF Light" panose="020B0600000101010101" pitchFamily="34" charset="-127"/>
+              </a:rPr>
+              <a:t>표면의 부드러움 </a:t>
+            </a:r>
+            <a:r>
+              <a:rPr lang="en-US" altLang="ko-KR" sz="2000">
+                <a:latin typeface="나눔스퀘어OTF Light" panose="020B0600000101010101" pitchFamily="34" charset="-127"/>
+                <a:ea typeface="나눔스퀘어OTF Light" panose="020B0600000101010101" pitchFamily="34" charset="-127"/>
+              </a:rPr>
+              <a:t>(1</a:t>
+            </a:r>
+            <a:r>
+              <a:rPr lang="ko-KR" altLang="en-US" sz="2000">
+                <a:latin typeface="나눔스퀘어OTF Light" panose="020B0600000101010101" pitchFamily="34" charset="-127"/>
+                <a:ea typeface="나눔스퀘어OTF Light" panose="020B0600000101010101" pitchFamily="34" charset="-127"/>
+              </a:rPr>
+              <a:t>은 거울</a:t>
+            </a:r>
+            <a:r>
+              <a:rPr lang="en-US" altLang="ko-KR" sz="2000">
+                <a:latin typeface="나눔스퀘어OTF Light" panose="020B0600000101010101" pitchFamily="34" charset="-127"/>
+                <a:ea typeface="나눔스퀘어OTF Light" panose="020B0600000101010101" pitchFamily="34" charset="-127"/>
+              </a:rPr>
+              <a:t>)</a:t>
+            </a:r>
+          </a:p>
+          <a:p>
+            <a:r>
+              <a:rPr lang="en-US" altLang="ko-KR" sz="2000">
+                <a:latin typeface="나눔스퀘어OTF Light" panose="020B0600000101010101" pitchFamily="34" charset="-127"/>
+                <a:ea typeface="나눔스퀘어OTF Light" panose="020B0600000101010101" pitchFamily="34" charset="-127"/>
+              </a:rPr>
+              <a:t>Normal Map : </a:t>
+            </a:r>
+            <a:r>
+              <a:rPr lang="ko-KR" altLang="en-US" sz="2000">
+                <a:latin typeface="나눔스퀘어OTF Light" panose="020B0600000101010101" pitchFamily="34" charset="-127"/>
+                <a:ea typeface="나눔스퀘어OTF Light" panose="020B0600000101010101" pitchFamily="34" charset="-127"/>
+              </a:rPr>
+              <a:t>노멀 맵</a:t>
+            </a:r>
+            <a:endParaRPr lang="en-US" altLang="ko-KR" sz="2000">
+              <a:latin typeface="나눔스퀘어OTF Light" panose="020B0600000101010101" pitchFamily="34" charset="-127"/>
+              <a:ea typeface="나눔스퀘어OTF Light" panose="020B0600000101010101" pitchFamily="34" charset="-127"/>
+            </a:endParaRPr>
+          </a:p>
+        </p:txBody>
+      </p:sp>
+    </p:spTree>
+    <p:extLst>
+      <p:ext uri="{BB962C8B-B14F-4D97-AF65-F5344CB8AC3E}">
+        <p14:creationId xmlns:p14="http://schemas.microsoft.com/office/powerpoint/2010/main" val="3008798642"/>
+      </p:ext>
+    </p:extLst>
+  </p:cSld>
+  <p:clrMapOvr>
+    <a:masterClrMapping/>
+  </p:clrMapOvr>
+</p:sld>
+</file>
+
+<file path=ppt/slides/slide64.xml><?xml version="1.0" encoding="utf-8"?>
+<p:sld xmlns:a="http://schemas.openxmlformats.org/drawingml/2006/main" xmlns:r="http://schemas.openxmlformats.org/officeDocument/2006/relationships" xmlns:p="http://schemas.openxmlformats.org/presentationml/2006/main">
+  <p:cSld>
+    <p:spTree>
+      <p:nvGrpSpPr>
+        <p:cNvPr id="1" name=""/>
+        <p:cNvGrpSpPr/>
+        <p:nvPr/>
+      </p:nvGrpSpPr>
+      <p:grpSpPr>
+        <a:xfrm>
+          <a:off x="0" y="0"/>
+          <a:ext cx="0" cy="0"/>
+          <a:chOff x="0" y="0"/>
+          <a:chExt cx="0" cy="0"/>
+        </a:xfrm>
+      </p:grpSpPr>
+      <p:sp>
+        <p:nvSpPr>
+          <p:cNvPr id="6" name="TextBox 5">
+            <a:extLst>
+              <a:ext uri="{FF2B5EF4-FFF2-40B4-BE49-F238E27FC236}">
+                <a16:creationId xmlns:a16="http://schemas.microsoft.com/office/drawing/2014/main" id="{F453C929-8CA3-4E79-AF5D-99EC8407C6CF}"/>
+              </a:ext>
+            </a:extLst>
+          </p:cNvPr>
+          <p:cNvSpPr txBox="1"/>
+          <p:nvPr/>
+        </p:nvSpPr>
+        <p:spPr>
+          <a:xfrm>
+            <a:off x="171888" y="194702"/>
+            <a:ext cx="1954381" cy="523220"/>
+          </a:xfrm>
+          <a:prstGeom prst="rect">
+            <a:avLst/>
+          </a:prstGeom>
+          <a:noFill/>
+        </p:spPr>
+        <p:txBody>
+          <a:bodyPr wrap="none" rtlCol="0">
+            <a:spAutoFit/>
+          </a:bodyPr>
+          <a:lstStyle/>
+          <a:p>
+            <a:r>
+              <a:rPr lang="en-US" altLang="ko-KR" sz="2800">
+                <a:latin typeface="나눔스퀘어OTF Light" panose="020B0600000101010101" pitchFamily="34" charset="-127"/>
+                <a:ea typeface="나눔스퀘어OTF Light" panose="020B0600000101010101" pitchFamily="34" charset="-127"/>
+              </a:rPr>
+              <a:t>4. </a:t>
+            </a:r>
+            <a:r>
+              <a:rPr lang="ko-KR" altLang="en-US" sz="2800">
+                <a:latin typeface="나눔스퀘어OTF Light" panose="020B0600000101010101" pitchFamily="34" charset="-127"/>
+                <a:ea typeface="나눔스퀘어OTF Light" panose="020B0600000101010101" pitchFamily="34" charset="-127"/>
+              </a:rPr>
+              <a:t>비 파티클</a:t>
+            </a:r>
+          </a:p>
+        </p:txBody>
+      </p:sp>
+      <p:cxnSp>
+        <p:nvCxnSpPr>
+          <p:cNvPr id="4" name="직선 연결선 3">
+            <a:extLst>
+              <a:ext uri="{FF2B5EF4-FFF2-40B4-BE49-F238E27FC236}">
+                <a16:creationId xmlns:a16="http://schemas.microsoft.com/office/drawing/2014/main" id="{7442459B-3DED-44F0-9E4C-B50601FEB425}"/>
+              </a:ext>
+            </a:extLst>
+          </p:cNvPr>
+          <p:cNvCxnSpPr>
+            <a:cxnSpLocks/>
+          </p:cNvCxnSpPr>
+          <p:nvPr/>
+        </p:nvCxnSpPr>
+        <p:spPr>
+          <a:xfrm>
+            <a:off x="132133" y="780690"/>
+            <a:ext cx="819295" cy="0"/>
+          </a:xfrm>
+          <a:prstGeom prst="line">
+            <a:avLst/>
+          </a:prstGeom>
+          <a:ln>
+            <a:solidFill>
+              <a:schemeClr val="tx1"/>
+            </a:solidFill>
+          </a:ln>
+        </p:spPr>
+        <p:style>
+          <a:lnRef idx="1">
+            <a:schemeClr val="accent1"/>
+          </a:lnRef>
+          <a:fillRef idx="0">
+            <a:schemeClr val="accent1"/>
+          </a:fillRef>
+          <a:effectRef idx="0">
+            <a:schemeClr val="accent1"/>
+          </a:effectRef>
+          <a:fontRef idx="minor">
+            <a:schemeClr val="tx1"/>
+          </a:fontRef>
+        </p:style>
+      </p:cxnSp>
+      <p:pic>
+        <p:nvPicPr>
+          <p:cNvPr id="11" name="그림 10">
+            <a:extLst>
+              <a:ext uri="{FF2B5EF4-FFF2-40B4-BE49-F238E27FC236}">
+                <a16:creationId xmlns:a16="http://schemas.microsoft.com/office/drawing/2014/main" id="{C22EB77F-D2DC-4076-96F5-2AB39915BAA7}"/>
+              </a:ext>
+            </a:extLst>
+          </p:cNvPr>
+          <p:cNvPicPr>
+            <a:picLocks noChangeAspect="1"/>
+          </p:cNvPicPr>
+          <p:nvPr/>
+        </p:nvPicPr>
+        <p:blipFill>
+          <a:blip r:embed="rId2"/>
+          <a:stretch>
+            <a:fillRect/>
+          </a:stretch>
+        </p:blipFill>
+        <p:spPr>
+          <a:xfrm>
+            <a:off x="2775833" y="1516211"/>
+            <a:ext cx="6640334" cy="4386749"/>
+          </a:xfrm>
+          <a:prstGeom prst="rect">
+            <a:avLst/>
+          </a:prstGeom>
+        </p:spPr>
+      </p:pic>
+    </p:spTree>
+    <p:extLst>
+      <p:ext uri="{BB962C8B-B14F-4D97-AF65-F5344CB8AC3E}">
+        <p14:creationId xmlns:p14="http://schemas.microsoft.com/office/powerpoint/2010/main" val="1184780387"/>
+      </p:ext>
+    </p:extLst>
+  </p:cSld>
+  <p:clrMapOvr>
+    <a:masterClrMapping/>
+  </p:clrMapOvr>
+</p:sld>
+</file>
+
+<file path=ppt/slides/slide65.xml><?xml version="1.0" encoding="utf-8"?>
+<p:sld xmlns:a="http://schemas.openxmlformats.org/drawingml/2006/main" xmlns:r="http://schemas.openxmlformats.org/officeDocument/2006/relationships" xmlns:p="http://schemas.openxmlformats.org/presentationml/2006/main">
+  <p:cSld>
+    <p:spTree>
+      <p:nvGrpSpPr>
+        <p:cNvPr id="1" name=""/>
+        <p:cNvGrpSpPr/>
+        <p:nvPr/>
+      </p:nvGrpSpPr>
+      <p:grpSpPr>
+        <a:xfrm>
+          <a:off x="0" y="0"/>
+          <a:ext cx="0" cy="0"/>
+          <a:chOff x="0" y="0"/>
+          <a:chExt cx="0" cy="0"/>
+        </a:xfrm>
+      </p:grpSpPr>
+      <p:sp>
+        <p:nvSpPr>
+          <p:cNvPr id="6" name="TextBox 5">
+            <a:extLst>
+              <a:ext uri="{FF2B5EF4-FFF2-40B4-BE49-F238E27FC236}">
+                <a16:creationId xmlns:a16="http://schemas.microsoft.com/office/drawing/2014/main" id="{F453C929-8CA3-4E79-AF5D-99EC8407C6CF}"/>
+              </a:ext>
+            </a:extLst>
+          </p:cNvPr>
+          <p:cNvSpPr txBox="1"/>
+          <p:nvPr/>
+        </p:nvSpPr>
+        <p:spPr>
+          <a:xfrm>
+            <a:off x="171888" y="194702"/>
+            <a:ext cx="1954381" cy="523220"/>
+          </a:xfrm>
+          <a:prstGeom prst="rect">
+            <a:avLst/>
+          </a:prstGeom>
+          <a:noFill/>
+        </p:spPr>
+        <p:txBody>
+          <a:bodyPr wrap="none" rtlCol="0">
+            <a:spAutoFit/>
+          </a:bodyPr>
+          <a:lstStyle/>
+          <a:p>
+            <a:r>
+              <a:rPr lang="en-US" altLang="ko-KR" sz="2800">
+                <a:latin typeface="나눔스퀘어OTF Light" panose="020B0600000101010101" pitchFamily="34" charset="-127"/>
+                <a:ea typeface="나눔스퀘어OTF Light" panose="020B0600000101010101" pitchFamily="34" charset="-127"/>
+              </a:rPr>
+              <a:t>4. </a:t>
+            </a:r>
+            <a:r>
+              <a:rPr lang="ko-KR" altLang="en-US" sz="2800">
+                <a:latin typeface="나눔스퀘어OTF Light" panose="020B0600000101010101" pitchFamily="34" charset="-127"/>
+                <a:ea typeface="나눔스퀘어OTF Light" panose="020B0600000101010101" pitchFamily="34" charset="-127"/>
+              </a:rPr>
+              <a:t>비 파티클</a:t>
+            </a:r>
+          </a:p>
+        </p:txBody>
+      </p:sp>
+      <p:cxnSp>
+        <p:nvCxnSpPr>
+          <p:cNvPr id="4" name="직선 연결선 3">
+            <a:extLst>
+              <a:ext uri="{FF2B5EF4-FFF2-40B4-BE49-F238E27FC236}">
+                <a16:creationId xmlns:a16="http://schemas.microsoft.com/office/drawing/2014/main" id="{7442459B-3DED-44F0-9E4C-B50601FEB425}"/>
+              </a:ext>
+            </a:extLst>
+          </p:cNvPr>
+          <p:cNvCxnSpPr>
+            <a:cxnSpLocks/>
+          </p:cNvCxnSpPr>
+          <p:nvPr/>
+        </p:nvCxnSpPr>
+        <p:spPr>
+          <a:xfrm>
+            <a:off x="132133" y="780690"/>
+            <a:ext cx="819295" cy="0"/>
+          </a:xfrm>
+          <a:prstGeom prst="line">
+            <a:avLst/>
+          </a:prstGeom>
+          <a:ln>
+            <a:solidFill>
+              <a:schemeClr val="tx1"/>
+            </a:solidFill>
+          </a:ln>
+        </p:spPr>
+        <p:style>
+          <a:lnRef idx="1">
+            <a:schemeClr val="accent1"/>
+          </a:lnRef>
+          <a:fillRef idx="0">
+            <a:schemeClr val="accent1"/>
+          </a:fillRef>
+          <a:effectRef idx="0">
+            <a:schemeClr val="accent1"/>
+          </a:effectRef>
+          <a:fontRef idx="minor">
+            <a:schemeClr val="tx1"/>
+          </a:fontRef>
+        </p:style>
+      </p:cxnSp>
+      <p:pic>
+        <p:nvPicPr>
+          <p:cNvPr id="7" name="그림 6">
+            <a:extLst>
+              <a:ext uri="{FF2B5EF4-FFF2-40B4-BE49-F238E27FC236}">
+                <a16:creationId xmlns:a16="http://schemas.microsoft.com/office/drawing/2014/main" id="{1789734D-14D8-42E1-AD22-B9EE2E489FB4}"/>
+              </a:ext>
+            </a:extLst>
+          </p:cNvPr>
+          <p:cNvPicPr>
+            <a:picLocks noChangeAspect="1"/>
+          </p:cNvPicPr>
+          <p:nvPr/>
+        </p:nvPicPr>
+        <p:blipFill>
+          <a:blip r:embed="rId2"/>
+          <a:stretch>
+            <a:fillRect/>
+          </a:stretch>
+        </p:blipFill>
+        <p:spPr>
+          <a:xfrm>
+            <a:off x="4068904" y="1177110"/>
+            <a:ext cx="4054191" cy="4138019"/>
+          </a:xfrm>
+          <a:prstGeom prst="rect">
+            <a:avLst/>
+          </a:prstGeom>
+        </p:spPr>
+      </p:pic>
+      <p:sp>
+        <p:nvSpPr>
+          <p:cNvPr id="8" name="TextBox 7">
+            <a:extLst>
+              <a:ext uri="{FF2B5EF4-FFF2-40B4-BE49-F238E27FC236}">
+                <a16:creationId xmlns:a16="http://schemas.microsoft.com/office/drawing/2014/main" id="{F6643EC6-8FB2-4D68-84CA-1828A28C4B06}"/>
+              </a:ext>
+            </a:extLst>
+          </p:cNvPr>
+          <p:cNvSpPr txBox="1"/>
+          <p:nvPr/>
+        </p:nvSpPr>
+        <p:spPr>
+          <a:xfrm>
+            <a:off x="3854046" y="5480835"/>
+            <a:ext cx="4483921" cy="400110"/>
+          </a:xfrm>
+          <a:prstGeom prst="rect">
+            <a:avLst/>
+          </a:prstGeom>
+          <a:noFill/>
+        </p:spPr>
+        <p:txBody>
+          <a:bodyPr wrap="none" rtlCol="0">
+            <a:spAutoFit/>
+          </a:bodyPr>
+          <a:lstStyle/>
+          <a:p>
+            <a:pPr algn="ctr"/>
+            <a:r>
+              <a:rPr lang="ko-KR" altLang="en-US" sz="2000">
+                <a:latin typeface="나눔스퀘어OTF Light" panose="020B0600000101010101" pitchFamily="34" charset="-127"/>
+                <a:ea typeface="나눔스퀘어OTF Light" panose="020B0600000101010101" pitchFamily="34" charset="-127"/>
+              </a:rPr>
+              <a:t>비 파티클로 사용할 오브젝트를 만듭니다</a:t>
+            </a:r>
+            <a:endParaRPr lang="en-US" altLang="ko-KR" sz="2000">
+              <a:latin typeface="나눔스퀘어OTF Light" panose="020B0600000101010101" pitchFamily="34" charset="-127"/>
+              <a:ea typeface="나눔스퀘어OTF Light" panose="020B0600000101010101" pitchFamily="34" charset="-127"/>
+            </a:endParaRPr>
+          </a:p>
+        </p:txBody>
+      </p:sp>
+    </p:spTree>
+    <p:extLst>
+      <p:ext uri="{BB962C8B-B14F-4D97-AF65-F5344CB8AC3E}">
+        <p14:creationId xmlns:p14="http://schemas.microsoft.com/office/powerpoint/2010/main" val="2274073783"/>
+      </p:ext>
+    </p:extLst>
+  </p:cSld>
+  <p:clrMapOvr>
+    <a:masterClrMapping/>
+  </p:clrMapOvr>
+</p:sld>
+</file>
+
+<file path=ppt/slides/slide66.xml><?xml version="1.0" encoding="utf-8"?>
+<p:sld xmlns:a="http://schemas.openxmlformats.org/drawingml/2006/main" xmlns:r="http://schemas.openxmlformats.org/officeDocument/2006/relationships" xmlns:p="http://schemas.openxmlformats.org/presentationml/2006/main">
+  <p:cSld>
+    <p:spTree>
+      <p:nvGrpSpPr>
+        <p:cNvPr id="1" name=""/>
+        <p:cNvGrpSpPr/>
+        <p:nvPr/>
+      </p:nvGrpSpPr>
+      <p:grpSpPr>
+        <a:xfrm>
+          <a:off x="0" y="0"/>
+          <a:ext cx="0" cy="0"/>
+          <a:chOff x="0" y="0"/>
+          <a:chExt cx="0" cy="0"/>
+        </a:xfrm>
+      </p:grpSpPr>
+      <p:sp>
+        <p:nvSpPr>
+          <p:cNvPr id="6" name="TextBox 5">
+            <a:extLst>
+              <a:ext uri="{FF2B5EF4-FFF2-40B4-BE49-F238E27FC236}">
+                <a16:creationId xmlns:a16="http://schemas.microsoft.com/office/drawing/2014/main" id="{F453C929-8CA3-4E79-AF5D-99EC8407C6CF}"/>
+              </a:ext>
+            </a:extLst>
+          </p:cNvPr>
+          <p:cNvSpPr txBox="1"/>
+          <p:nvPr/>
+        </p:nvSpPr>
+        <p:spPr>
+          <a:xfrm>
+            <a:off x="171888" y="194702"/>
+            <a:ext cx="1954381" cy="523220"/>
+          </a:xfrm>
+          <a:prstGeom prst="rect">
+            <a:avLst/>
+          </a:prstGeom>
+          <a:noFill/>
+        </p:spPr>
+        <p:txBody>
+          <a:bodyPr wrap="none" rtlCol="0">
+            <a:spAutoFit/>
+          </a:bodyPr>
+          <a:lstStyle/>
+          <a:p>
+            <a:r>
+              <a:rPr lang="en-US" altLang="ko-KR" sz="2800">
+                <a:latin typeface="나눔스퀘어OTF Light" panose="020B0600000101010101" pitchFamily="34" charset="-127"/>
+                <a:ea typeface="나눔스퀘어OTF Light" panose="020B0600000101010101" pitchFamily="34" charset="-127"/>
+              </a:rPr>
+              <a:t>4. </a:t>
+            </a:r>
+            <a:r>
+              <a:rPr lang="ko-KR" altLang="en-US" sz="2800">
+                <a:latin typeface="나눔스퀘어OTF Light" panose="020B0600000101010101" pitchFamily="34" charset="-127"/>
+                <a:ea typeface="나눔스퀘어OTF Light" panose="020B0600000101010101" pitchFamily="34" charset="-127"/>
+              </a:rPr>
+              <a:t>비 파티클</a:t>
+            </a:r>
+          </a:p>
+        </p:txBody>
+      </p:sp>
+      <p:cxnSp>
+        <p:nvCxnSpPr>
+          <p:cNvPr id="4" name="직선 연결선 3">
+            <a:extLst>
+              <a:ext uri="{FF2B5EF4-FFF2-40B4-BE49-F238E27FC236}">
+                <a16:creationId xmlns:a16="http://schemas.microsoft.com/office/drawing/2014/main" id="{7442459B-3DED-44F0-9E4C-B50601FEB425}"/>
+              </a:ext>
+            </a:extLst>
+          </p:cNvPr>
+          <p:cNvCxnSpPr>
+            <a:cxnSpLocks/>
+          </p:cNvCxnSpPr>
+          <p:nvPr/>
+        </p:nvCxnSpPr>
+        <p:spPr>
+          <a:xfrm>
+            <a:off x="132133" y="780690"/>
+            <a:ext cx="819295" cy="0"/>
+          </a:xfrm>
+          <a:prstGeom prst="line">
+            <a:avLst/>
+          </a:prstGeom>
+          <a:ln>
+            <a:solidFill>
+              <a:schemeClr val="tx1"/>
+            </a:solidFill>
+          </a:ln>
+        </p:spPr>
+        <p:style>
+          <a:lnRef idx="1">
+            <a:schemeClr val="accent1"/>
+          </a:lnRef>
+          <a:fillRef idx="0">
+            <a:schemeClr val="accent1"/>
+          </a:fillRef>
+          <a:effectRef idx="0">
+            <a:schemeClr val="accent1"/>
+          </a:effectRef>
+          <a:fontRef idx="minor">
+            <a:schemeClr val="tx1"/>
+          </a:fontRef>
+        </p:style>
+      </p:cxnSp>
+      <p:pic>
+        <p:nvPicPr>
+          <p:cNvPr id="3" name="그림 2">
+            <a:extLst>
+              <a:ext uri="{FF2B5EF4-FFF2-40B4-BE49-F238E27FC236}">
+                <a16:creationId xmlns:a16="http://schemas.microsoft.com/office/drawing/2014/main" id="{B663C22C-C8B3-4488-8127-4DFD15E7F099}"/>
+              </a:ext>
+            </a:extLst>
+          </p:cNvPr>
+          <p:cNvPicPr>
+            <a:picLocks noChangeAspect="1"/>
+          </p:cNvPicPr>
+          <p:nvPr/>
+        </p:nvPicPr>
+        <p:blipFill>
+          <a:blip r:embed="rId2"/>
+          <a:stretch>
+            <a:fillRect/>
+          </a:stretch>
+        </p:blipFill>
+        <p:spPr>
+          <a:xfrm>
+            <a:off x="2272788" y="1402005"/>
+            <a:ext cx="4009144" cy="4053989"/>
+          </a:xfrm>
+          <a:prstGeom prst="rect">
+            <a:avLst/>
+          </a:prstGeom>
+        </p:spPr>
+      </p:pic>
+      <p:pic>
+        <p:nvPicPr>
+          <p:cNvPr id="7" name="그림 6">
+            <a:extLst>
+              <a:ext uri="{FF2B5EF4-FFF2-40B4-BE49-F238E27FC236}">
+                <a16:creationId xmlns:a16="http://schemas.microsoft.com/office/drawing/2014/main" id="{BD5928F3-2AFB-4688-8768-9E64E8D87C0E}"/>
+              </a:ext>
+            </a:extLst>
+          </p:cNvPr>
+          <p:cNvPicPr>
+            <a:picLocks noChangeAspect="1"/>
+          </p:cNvPicPr>
+          <p:nvPr/>
+        </p:nvPicPr>
+        <p:blipFill>
+          <a:blip r:embed="rId3"/>
+          <a:stretch>
+            <a:fillRect/>
+          </a:stretch>
+        </p:blipFill>
+        <p:spPr>
+          <a:xfrm>
+            <a:off x="6898497" y="2481544"/>
+            <a:ext cx="3935583" cy="1894910"/>
+          </a:xfrm>
+          <a:prstGeom prst="rect">
+            <a:avLst/>
+          </a:prstGeom>
+        </p:spPr>
+      </p:pic>
+      <p:sp>
+        <p:nvSpPr>
+          <p:cNvPr id="8" name="TextBox 7">
+            <a:extLst>
+              <a:ext uri="{FF2B5EF4-FFF2-40B4-BE49-F238E27FC236}">
+                <a16:creationId xmlns:a16="http://schemas.microsoft.com/office/drawing/2014/main" id="{5A073B9A-52E3-49A5-A075-070919CC12F2}"/>
+              </a:ext>
+            </a:extLst>
+          </p:cNvPr>
+          <p:cNvSpPr txBox="1"/>
+          <p:nvPr/>
+        </p:nvSpPr>
+        <p:spPr>
+          <a:xfrm>
+            <a:off x="3501688" y="5877075"/>
+            <a:ext cx="5560497" cy="400110"/>
+          </a:xfrm>
+          <a:prstGeom prst="rect">
+            <a:avLst/>
+          </a:prstGeom>
+          <a:noFill/>
+        </p:spPr>
+        <p:txBody>
+          <a:bodyPr wrap="none" rtlCol="0">
+            <a:spAutoFit/>
+          </a:bodyPr>
+          <a:lstStyle/>
+          <a:p>
+            <a:pPr algn="ctr"/>
+            <a:r>
+              <a:rPr lang="en-US" altLang="ko-KR" sz="2000">
+                <a:latin typeface="나눔스퀘어OTF Light" panose="020B0600000101010101" pitchFamily="34" charset="-127"/>
+                <a:ea typeface="나눔스퀘어OTF Light" panose="020B0600000101010101" pitchFamily="34" charset="-127"/>
+              </a:rPr>
+              <a:t>Shape </a:t>
+            </a:r>
+            <a:r>
+              <a:rPr lang="ko-KR" altLang="en-US" sz="2000">
+                <a:latin typeface="나눔스퀘어OTF Light" panose="020B0600000101010101" pitchFamily="34" charset="-127"/>
+                <a:ea typeface="나눔스퀘어OTF Light" panose="020B0600000101010101" pitchFamily="34" charset="-127"/>
+              </a:rPr>
+              <a:t>모듈을 </a:t>
+            </a:r>
+            <a:r>
+              <a:rPr lang="en-US" altLang="ko-KR" sz="2000">
+                <a:latin typeface="나눔스퀘어OTF Light" panose="020B0600000101010101" pitchFamily="34" charset="-127"/>
+                <a:ea typeface="나눔스퀘어OTF Light" panose="020B0600000101010101" pitchFamily="34" charset="-127"/>
+              </a:rPr>
+              <a:t>Box</a:t>
+            </a:r>
+            <a:r>
+              <a:rPr lang="ko-KR" altLang="en-US" sz="2000">
+                <a:latin typeface="나눔스퀘어OTF Light" panose="020B0600000101010101" pitchFamily="34" charset="-127"/>
+                <a:ea typeface="나눔스퀘어OTF Light" panose="020B0600000101010101" pitchFamily="34" charset="-127"/>
+              </a:rPr>
+              <a:t>로 설정한 다음 구역을 늘립니다</a:t>
+            </a:r>
+            <a:endParaRPr lang="en-US" altLang="ko-KR" sz="2000">
+              <a:latin typeface="나눔스퀘어OTF Light" panose="020B0600000101010101" pitchFamily="34" charset="-127"/>
+              <a:ea typeface="나눔스퀘어OTF Light" panose="020B0600000101010101" pitchFamily="34" charset="-127"/>
+            </a:endParaRPr>
+          </a:p>
+        </p:txBody>
+      </p:sp>
+    </p:spTree>
+    <p:extLst>
+      <p:ext uri="{BB962C8B-B14F-4D97-AF65-F5344CB8AC3E}">
+        <p14:creationId xmlns:p14="http://schemas.microsoft.com/office/powerpoint/2010/main" val="1938869120"/>
+      </p:ext>
+    </p:extLst>
+  </p:cSld>
+  <p:clrMapOvr>
+    <a:masterClrMapping/>
+  </p:clrMapOvr>
+</p:sld>
+</file>
+
+<file path=ppt/slides/slide67.xml><?xml version="1.0" encoding="utf-8"?>
+<p:sld xmlns:a="http://schemas.openxmlformats.org/drawingml/2006/main" xmlns:r="http://schemas.openxmlformats.org/officeDocument/2006/relationships" xmlns:p="http://schemas.openxmlformats.org/presentationml/2006/main">
+  <p:cSld>
+    <p:spTree>
+      <p:nvGrpSpPr>
+        <p:cNvPr id="1" name=""/>
+        <p:cNvGrpSpPr/>
+        <p:nvPr/>
+      </p:nvGrpSpPr>
+      <p:grpSpPr>
+        <a:xfrm>
+          <a:off x="0" y="0"/>
+          <a:ext cx="0" cy="0"/>
+          <a:chOff x="0" y="0"/>
+          <a:chExt cx="0" cy="0"/>
+        </a:xfrm>
+      </p:grpSpPr>
+      <p:sp>
+        <p:nvSpPr>
+          <p:cNvPr id="6" name="TextBox 5">
+            <a:extLst>
+              <a:ext uri="{FF2B5EF4-FFF2-40B4-BE49-F238E27FC236}">
+                <a16:creationId xmlns:a16="http://schemas.microsoft.com/office/drawing/2014/main" id="{F453C929-8CA3-4E79-AF5D-99EC8407C6CF}"/>
+              </a:ext>
+            </a:extLst>
+          </p:cNvPr>
+          <p:cNvSpPr txBox="1"/>
+          <p:nvPr/>
+        </p:nvSpPr>
+        <p:spPr>
+          <a:xfrm>
+            <a:off x="171888" y="194702"/>
+            <a:ext cx="1954381" cy="523220"/>
+          </a:xfrm>
+          <a:prstGeom prst="rect">
+            <a:avLst/>
+          </a:prstGeom>
+          <a:noFill/>
+        </p:spPr>
+        <p:txBody>
+          <a:bodyPr wrap="none" rtlCol="0">
+            <a:spAutoFit/>
+          </a:bodyPr>
+          <a:lstStyle/>
+          <a:p>
+            <a:r>
+              <a:rPr lang="en-US" altLang="ko-KR" sz="2800">
+                <a:latin typeface="나눔스퀘어OTF Light" panose="020B0600000101010101" pitchFamily="34" charset="-127"/>
+                <a:ea typeface="나눔스퀘어OTF Light" panose="020B0600000101010101" pitchFamily="34" charset="-127"/>
+              </a:rPr>
+              <a:t>4. </a:t>
+            </a:r>
+            <a:r>
+              <a:rPr lang="ko-KR" altLang="en-US" sz="2800">
+                <a:latin typeface="나눔스퀘어OTF Light" panose="020B0600000101010101" pitchFamily="34" charset="-127"/>
+                <a:ea typeface="나눔스퀘어OTF Light" panose="020B0600000101010101" pitchFamily="34" charset="-127"/>
+              </a:rPr>
+              <a:t>비 파티클</a:t>
+            </a:r>
+          </a:p>
+        </p:txBody>
+      </p:sp>
+      <p:cxnSp>
+        <p:nvCxnSpPr>
+          <p:cNvPr id="4" name="직선 연결선 3">
+            <a:extLst>
+              <a:ext uri="{FF2B5EF4-FFF2-40B4-BE49-F238E27FC236}">
+                <a16:creationId xmlns:a16="http://schemas.microsoft.com/office/drawing/2014/main" id="{7442459B-3DED-44F0-9E4C-B50601FEB425}"/>
+              </a:ext>
+            </a:extLst>
+          </p:cNvPr>
+          <p:cNvCxnSpPr>
+            <a:cxnSpLocks/>
+          </p:cNvCxnSpPr>
+          <p:nvPr/>
+        </p:nvCxnSpPr>
+        <p:spPr>
+          <a:xfrm>
+            <a:off x="132133" y="780690"/>
+            <a:ext cx="819295" cy="0"/>
+          </a:xfrm>
+          <a:prstGeom prst="line">
+            <a:avLst/>
+          </a:prstGeom>
+          <a:ln>
+            <a:solidFill>
+              <a:schemeClr val="tx1"/>
+            </a:solidFill>
+          </a:ln>
+        </p:spPr>
+        <p:style>
+          <a:lnRef idx="1">
+            <a:schemeClr val="accent1"/>
+          </a:lnRef>
+          <a:fillRef idx="0">
+            <a:schemeClr val="accent1"/>
+          </a:fillRef>
+          <a:effectRef idx="0">
+            <a:schemeClr val="accent1"/>
+          </a:effectRef>
+          <a:fontRef idx="minor">
+            <a:schemeClr val="tx1"/>
+          </a:fontRef>
+        </p:style>
+      </p:cxnSp>
+      <p:pic>
+        <p:nvPicPr>
+          <p:cNvPr id="3" name="그림 2">
+            <a:extLst>
+              <a:ext uri="{FF2B5EF4-FFF2-40B4-BE49-F238E27FC236}">
+                <a16:creationId xmlns:a16="http://schemas.microsoft.com/office/drawing/2014/main" id="{727FB186-09A0-4F52-AAB0-CF1753BEA073}"/>
+              </a:ext>
+            </a:extLst>
+          </p:cNvPr>
+          <p:cNvPicPr>
+            <a:picLocks noChangeAspect="1"/>
+          </p:cNvPicPr>
+          <p:nvPr/>
+        </p:nvPicPr>
+        <p:blipFill>
+          <a:blip r:embed="rId2"/>
+          <a:stretch>
+            <a:fillRect/>
+          </a:stretch>
+        </p:blipFill>
+        <p:spPr>
+          <a:xfrm>
+            <a:off x="6788423" y="1308013"/>
+            <a:ext cx="3695153" cy="4241969"/>
+          </a:xfrm>
+          <a:prstGeom prst="rect">
+            <a:avLst/>
+          </a:prstGeom>
+        </p:spPr>
+      </p:pic>
+      <p:pic>
+        <p:nvPicPr>
+          <p:cNvPr id="7" name="그림 6">
+            <a:extLst>
+              <a:ext uri="{FF2B5EF4-FFF2-40B4-BE49-F238E27FC236}">
+                <a16:creationId xmlns:a16="http://schemas.microsoft.com/office/drawing/2014/main" id="{AC79E38F-022B-493C-9C24-7B9C3E8F05FA}"/>
+              </a:ext>
+            </a:extLst>
+          </p:cNvPr>
+          <p:cNvPicPr>
+            <a:picLocks noChangeAspect="1"/>
+          </p:cNvPicPr>
+          <p:nvPr/>
+        </p:nvPicPr>
+        <p:blipFill>
+          <a:blip r:embed="rId3"/>
+          <a:stretch>
+            <a:fillRect/>
+          </a:stretch>
+        </p:blipFill>
+        <p:spPr>
+          <a:xfrm>
+            <a:off x="1892589" y="1678231"/>
+            <a:ext cx="3646425" cy="3501534"/>
+          </a:xfrm>
+          <a:prstGeom prst="rect">
+            <a:avLst/>
+          </a:prstGeom>
+        </p:spPr>
+      </p:pic>
+      <p:sp>
+        <p:nvSpPr>
+          <p:cNvPr id="8" name="TextBox 7">
+            <a:extLst>
+              <a:ext uri="{FF2B5EF4-FFF2-40B4-BE49-F238E27FC236}">
+                <a16:creationId xmlns:a16="http://schemas.microsoft.com/office/drawing/2014/main" id="{320601E2-0429-4D2E-921B-B25E1C9B978C}"/>
+              </a:ext>
+            </a:extLst>
+          </p:cNvPr>
+          <p:cNvSpPr txBox="1"/>
+          <p:nvPr/>
+        </p:nvSpPr>
+        <p:spPr>
+          <a:xfrm>
+            <a:off x="2548169" y="5802407"/>
+            <a:ext cx="7095661" cy="707886"/>
+          </a:xfrm>
+          <a:prstGeom prst="rect">
+            <a:avLst/>
+          </a:prstGeom>
+          <a:noFill/>
+        </p:spPr>
+        <p:txBody>
+          <a:bodyPr wrap="none" rtlCol="0">
+            <a:spAutoFit/>
+          </a:bodyPr>
+          <a:lstStyle/>
+          <a:p>
+            <a:pPr algn="ctr"/>
+            <a:r>
+              <a:rPr lang="ko-KR" altLang="en-US" sz="2000">
+                <a:latin typeface="나눔스퀘어OTF Light" panose="020B0600000101010101" pitchFamily="34" charset="-127"/>
+                <a:ea typeface="나눔스퀘어OTF Light" panose="020B0600000101010101" pitchFamily="34" charset="-127"/>
+              </a:rPr>
+              <a:t>비 파티클용 머티리얼을 만든 후 적용합니다</a:t>
+            </a:r>
+            <a:endParaRPr lang="en-US" altLang="ko-KR" sz="2000">
+              <a:latin typeface="나눔스퀘어OTF Light" panose="020B0600000101010101" pitchFamily="34" charset="-127"/>
+              <a:ea typeface="나눔스퀘어OTF Light" panose="020B0600000101010101" pitchFamily="34" charset="-127"/>
+            </a:endParaRPr>
+          </a:p>
+          <a:p>
+            <a:pPr algn="ctr"/>
+            <a:r>
+              <a:rPr lang="ko-KR" altLang="en-US" sz="2000">
+                <a:latin typeface="나눔스퀘어OTF Light" panose="020B0600000101010101" pitchFamily="34" charset="-127"/>
+                <a:ea typeface="나눔스퀘어OTF Light" panose="020B0600000101010101" pitchFamily="34" charset="-127"/>
+              </a:rPr>
+              <a:t>비는 반투명하므로 </a:t>
+            </a:r>
+            <a:r>
+              <a:rPr lang="en-US" altLang="ko-KR" sz="2000">
+                <a:latin typeface="나눔스퀘어OTF Light" panose="020B0600000101010101" pitchFamily="34" charset="-127"/>
+                <a:ea typeface="나눔스퀘어OTF Light" panose="020B0600000101010101" pitchFamily="34" charset="-127"/>
+              </a:rPr>
+              <a:t>Transparent</a:t>
+            </a:r>
+            <a:r>
+              <a:rPr lang="ko-KR" altLang="en-US" sz="2000">
+                <a:latin typeface="나눔스퀘어OTF Light" panose="020B0600000101010101" pitchFamily="34" charset="-127"/>
+                <a:ea typeface="나눔스퀘어OTF Light" panose="020B0600000101010101" pitchFamily="34" charset="-127"/>
+              </a:rPr>
+              <a:t>와 살짝의 반사 효과를 추가합니다</a:t>
+            </a:r>
+            <a:endParaRPr lang="en-US" altLang="ko-KR" sz="2000">
+              <a:latin typeface="나눔스퀘어OTF Light" panose="020B0600000101010101" pitchFamily="34" charset="-127"/>
+              <a:ea typeface="나눔스퀘어OTF Light" panose="020B0600000101010101" pitchFamily="34" charset="-127"/>
+            </a:endParaRPr>
+          </a:p>
+        </p:txBody>
+      </p:sp>
+    </p:spTree>
+    <p:extLst>
+      <p:ext uri="{BB962C8B-B14F-4D97-AF65-F5344CB8AC3E}">
+        <p14:creationId xmlns:p14="http://schemas.microsoft.com/office/powerpoint/2010/main" val="14031518"/>
+      </p:ext>
+    </p:extLst>
+  </p:cSld>
+  <p:clrMapOvr>
+    <a:masterClrMapping/>
+  </p:clrMapOvr>
+</p:sld>
+</file>
+
+<file path=ppt/slides/slide68.xml><?xml version="1.0" encoding="utf-8"?>
+<p:sld xmlns:a="http://schemas.openxmlformats.org/drawingml/2006/main" xmlns:r="http://schemas.openxmlformats.org/officeDocument/2006/relationships" xmlns:p="http://schemas.openxmlformats.org/presentationml/2006/main">
+  <p:cSld>
+    <p:spTree>
+      <p:nvGrpSpPr>
+        <p:cNvPr id="1" name=""/>
+        <p:cNvGrpSpPr/>
+        <p:nvPr/>
+      </p:nvGrpSpPr>
+      <p:grpSpPr>
+        <a:xfrm>
+          <a:off x="0" y="0"/>
+          <a:ext cx="0" cy="0"/>
+          <a:chOff x="0" y="0"/>
+          <a:chExt cx="0" cy="0"/>
+        </a:xfrm>
+      </p:grpSpPr>
+      <p:sp>
+        <p:nvSpPr>
+          <p:cNvPr id="6" name="TextBox 5">
+            <a:extLst>
+              <a:ext uri="{FF2B5EF4-FFF2-40B4-BE49-F238E27FC236}">
+                <a16:creationId xmlns:a16="http://schemas.microsoft.com/office/drawing/2014/main" id="{F453C929-8CA3-4E79-AF5D-99EC8407C6CF}"/>
+              </a:ext>
+            </a:extLst>
+          </p:cNvPr>
+          <p:cNvSpPr txBox="1"/>
+          <p:nvPr/>
+        </p:nvSpPr>
+        <p:spPr>
+          <a:xfrm>
+            <a:off x="171888" y="194702"/>
+            <a:ext cx="1954381" cy="523220"/>
+          </a:xfrm>
+          <a:prstGeom prst="rect">
+            <a:avLst/>
+          </a:prstGeom>
+          <a:noFill/>
+        </p:spPr>
+        <p:txBody>
+          <a:bodyPr wrap="none" rtlCol="0">
+            <a:spAutoFit/>
+          </a:bodyPr>
+          <a:lstStyle/>
+          <a:p>
+            <a:r>
+              <a:rPr lang="en-US" altLang="ko-KR" sz="2800">
+                <a:latin typeface="나눔스퀘어OTF Light" panose="020B0600000101010101" pitchFamily="34" charset="-127"/>
+                <a:ea typeface="나눔스퀘어OTF Light" panose="020B0600000101010101" pitchFamily="34" charset="-127"/>
+              </a:rPr>
+              <a:t>4. </a:t>
+            </a:r>
+            <a:r>
+              <a:rPr lang="ko-KR" altLang="en-US" sz="2800">
+                <a:latin typeface="나눔스퀘어OTF Light" panose="020B0600000101010101" pitchFamily="34" charset="-127"/>
+                <a:ea typeface="나눔스퀘어OTF Light" panose="020B0600000101010101" pitchFamily="34" charset="-127"/>
+              </a:rPr>
+              <a:t>비 파티클</a:t>
+            </a:r>
+          </a:p>
+        </p:txBody>
+      </p:sp>
+      <p:cxnSp>
+        <p:nvCxnSpPr>
+          <p:cNvPr id="4" name="직선 연결선 3">
+            <a:extLst>
+              <a:ext uri="{FF2B5EF4-FFF2-40B4-BE49-F238E27FC236}">
+                <a16:creationId xmlns:a16="http://schemas.microsoft.com/office/drawing/2014/main" id="{7442459B-3DED-44F0-9E4C-B50601FEB425}"/>
+              </a:ext>
+            </a:extLst>
+          </p:cNvPr>
+          <p:cNvCxnSpPr>
+            <a:cxnSpLocks/>
+          </p:cNvCxnSpPr>
+          <p:nvPr/>
+        </p:nvCxnSpPr>
+        <p:spPr>
+          <a:xfrm>
+            <a:off x="132133" y="780690"/>
+            <a:ext cx="819295" cy="0"/>
+          </a:xfrm>
+          <a:prstGeom prst="line">
+            <a:avLst/>
+          </a:prstGeom>
+          <a:ln>
+            <a:solidFill>
+              <a:schemeClr val="tx1"/>
+            </a:solidFill>
+          </a:ln>
+        </p:spPr>
+        <p:style>
+          <a:lnRef idx="1">
+            <a:schemeClr val="accent1"/>
+          </a:lnRef>
+          <a:fillRef idx="0">
+            <a:schemeClr val="accent1"/>
+          </a:fillRef>
+          <a:effectRef idx="0">
+            <a:schemeClr val="accent1"/>
+          </a:effectRef>
+          <a:fontRef idx="minor">
+            <a:schemeClr val="tx1"/>
+          </a:fontRef>
+        </p:style>
+      </p:cxnSp>
+      <p:pic>
+        <p:nvPicPr>
+          <p:cNvPr id="7" name="그림 6">
+            <a:extLst>
+              <a:ext uri="{FF2B5EF4-FFF2-40B4-BE49-F238E27FC236}">
+                <a16:creationId xmlns:a16="http://schemas.microsoft.com/office/drawing/2014/main" id="{7D43A6DD-1DA2-496F-B259-92FD36944C84}"/>
+              </a:ext>
+            </a:extLst>
+          </p:cNvPr>
+          <p:cNvPicPr>
+            <a:picLocks noChangeAspect="1"/>
+          </p:cNvPicPr>
+          <p:nvPr/>
+        </p:nvPicPr>
+        <p:blipFill>
+          <a:blip r:embed="rId2"/>
+          <a:stretch>
+            <a:fillRect/>
+          </a:stretch>
+        </p:blipFill>
+        <p:spPr>
+          <a:xfrm>
+            <a:off x="6096000" y="2806681"/>
+            <a:ext cx="4800742" cy="1244637"/>
+          </a:xfrm>
+          <a:prstGeom prst="rect">
+            <a:avLst/>
+          </a:prstGeom>
+        </p:spPr>
+      </p:pic>
+      <p:pic>
+        <p:nvPicPr>
+          <p:cNvPr id="9" name="그림 8">
+            <a:extLst>
+              <a:ext uri="{FF2B5EF4-FFF2-40B4-BE49-F238E27FC236}">
+                <a16:creationId xmlns:a16="http://schemas.microsoft.com/office/drawing/2014/main" id="{E81BAF3F-CD35-4C08-8A43-77EBFFA0A037}"/>
+              </a:ext>
+            </a:extLst>
+          </p:cNvPr>
+          <p:cNvPicPr>
+            <a:picLocks noChangeAspect="1"/>
+          </p:cNvPicPr>
+          <p:nvPr/>
+        </p:nvPicPr>
+        <p:blipFill>
+          <a:blip r:embed="rId3"/>
+          <a:stretch>
+            <a:fillRect/>
+          </a:stretch>
+        </p:blipFill>
+        <p:spPr>
+          <a:xfrm>
+            <a:off x="1681315" y="1493351"/>
+            <a:ext cx="3810330" cy="3871295"/>
+          </a:xfrm>
+          <a:prstGeom prst="rect">
+            <a:avLst/>
+          </a:prstGeom>
+        </p:spPr>
+      </p:pic>
+      <p:sp>
+        <p:nvSpPr>
+          <p:cNvPr id="10" name="TextBox 9">
+            <a:extLst>
+              <a:ext uri="{FF2B5EF4-FFF2-40B4-BE49-F238E27FC236}">
+                <a16:creationId xmlns:a16="http://schemas.microsoft.com/office/drawing/2014/main" id="{5F8F277A-18D8-449D-86C9-4D44CAE125C9}"/>
+              </a:ext>
+            </a:extLst>
+          </p:cNvPr>
+          <p:cNvSpPr txBox="1"/>
+          <p:nvPr/>
+        </p:nvSpPr>
+        <p:spPr>
+          <a:xfrm>
+            <a:off x="3362149" y="5786132"/>
+            <a:ext cx="5467715" cy="707886"/>
+          </a:xfrm>
+          <a:prstGeom prst="rect">
+            <a:avLst/>
+          </a:prstGeom>
+          <a:noFill/>
+        </p:spPr>
+        <p:txBody>
+          <a:bodyPr wrap="none" rtlCol="0">
+            <a:spAutoFit/>
+          </a:bodyPr>
+          <a:lstStyle/>
+          <a:p>
+            <a:pPr algn="ctr"/>
+            <a:r>
+              <a:rPr lang="en-US" altLang="ko-KR" sz="2000">
+                <a:latin typeface="나눔스퀘어OTF Light" panose="020B0600000101010101" pitchFamily="34" charset="-127"/>
+                <a:ea typeface="나눔스퀘어OTF Light" panose="020B0600000101010101" pitchFamily="34" charset="-127"/>
+              </a:rPr>
+              <a:t>Render Mode</a:t>
+            </a:r>
+            <a:r>
+              <a:rPr lang="ko-KR" altLang="en-US" sz="2000">
+                <a:latin typeface="나눔스퀘어OTF Light" panose="020B0600000101010101" pitchFamily="34" charset="-127"/>
+                <a:ea typeface="나눔스퀘어OTF Light" panose="020B0600000101010101" pitchFamily="34" charset="-127"/>
+              </a:rPr>
+              <a:t>를 </a:t>
+            </a:r>
+            <a:r>
+              <a:rPr lang="en-US" altLang="ko-KR" sz="2000">
+                <a:latin typeface="나눔스퀘어OTF Light" panose="020B0600000101010101" pitchFamily="34" charset="-127"/>
+                <a:ea typeface="나눔스퀘어OTF Light" panose="020B0600000101010101" pitchFamily="34" charset="-127"/>
+              </a:rPr>
+              <a:t>Stretched Billboard</a:t>
+            </a:r>
+            <a:r>
+              <a:rPr lang="ko-KR" altLang="en-US" sz="2000">
+                <a:latin typeface="나눔스퀘어OTF Light" panose="020B0600000101010101" pitchFamily="34" charset="-127"/>
+                <a:ea typeface="나눔스퀘어OTF Light" panose="020B0600000101010101" pitchFamily="34" charset="-127"/>
+              </a:rPr>
+              <a:t>로 변경한 후</a:t>
+            </a:r>
+            <a:endParaRPr lang="en-US" altLang="ko-KR" sz="2000">
+              <a:latin typeface="나눔스퀘어OTF Light" panose="020B0600000101010101" pitchFamily="34" charset="-127"/>
+              <a:ea typeface="나눔스퀘어OTF Light" panose="020B0600000101010101" pitchFamily="34" charset="-127"/>
+            </a:endParaRPr>
+          </a:p>
+          <a:p>
+            <a:pPr algn="ctr"/>
+            <a:r>
+              <a:rPr lang="ko-KR" altLang="en-US" sz="2000">
+                <a:latin typeface="나눔스퀘어OTF Light" panose="020B0600000101010101" pitchFamily="34" charset="-127"/>
+                <a:ea typeface="나눔스퀘어OTF Light" panose="020B0600000101010101" pitchFamily="34" charset="-127"/>
+              </a:rPr>
+              <a:t>파티클의 크기를 적절히 수정합니다</a:t>
+            </a:r>
+            <a:endParaRPr lang="en-US" altLang="ko-KR" sz="2000">
+              <a:latin typeface="나눔스퀘어OTF Light" panose="020B0600000101010101" pitchFamily="34" charset="-127"/>
+              <a:ea typeface="나눔스퀘어OTF Light" panose="020B0600000101010101" pitchFamily="34" charset="-127"/>
+            </a:endParaRPr>
+          </a:p>
+        </p:txBody>
+      </p:sp>
+    </p:spTree>
+    <p:extLst>
+      <p:ext uri="{BB962C8B-B14F-4D97-AF65-F5344CB8AC3E}">
+        <p14:creationId xmlns:p14="http://schemas.microsoft.com/office/powerpoint/2010/main" val="2776162186"/>
+      </p:ext>
+    </p:extLst>
+  </p:cSld>
+  <p:clrMapOvr>
+    <a:masterClrMapping/>
+  </p:clrMapOvr>
+</p:sld>
+</file>
+
+<file path=ppt/slides/slide69.xml><?xml version="1.0" encoding="utf-8"?>
+<p:sld xmlns:a="http://schemas.openxmlformats.org/drawingml/2006/main" xmlns:r="http://schemas.openxmlformats.org/officeDocument/2006/relationships" xmlns:p="http://schemas.openxmlformats.org/presentationml/2006/main">
+  <p:cSld>
+    <p:spTree>
+      <p:nvGrpSpPr>
+        <p:cNvPr id="1" name=""/>
+        <p:cNvGrpSpPr/>
+        <p:nvPr/>
+      </p:nvGrpSpPr>
+      <p:grpSpPr>
+        <a:xfrm>
+          <a:off x="0" y="0"/>
+          <a:ext cx="0" cy="0"/>
+          <a:chOff x="0" y="0"/>
+          <a:chExt cx="0" cy="0"/>
+        </a:xfrm>
+      </p:grpSpPr>
+      <p:sp>
+        <p:nvSpPr>
+          <p:cNvPr id="6" name="TextBox 5">
+            <a:extLst>
+              <a:ext uri="{FF2B5EF4-FFF2-40B4-BE49-F238E27FC236}">
+                <a16:creationId xmlns:a16="http://schemas.microsoft.com/office/drawing/2014/main" id="{F453C929-8CA3-4E79-AF5D-99EC8407C6CF}"/>
+              </a:ext>
+            </a:extLst>
+          </p:cNvPr>
+          <p:cNvSpPr txBox="1"/>
+          <p:nvPr/>
+        </p:nvSpPr>
+        <p:spPr>
+          <a:xfrm>
+            <a:off x="171888" y="194702"/>
+            <a:ext cx="1954381" cy="523220"/>
+          </a:xfrm>
+          <a:prstGeom prst="rect">
+            <a:avLst/>
+          </a:prstGeom>
+          <a:noFill/>
+        </p:spPr>
+        <p:txBody>
+          <a:bodyPr wrap="none" rtlCol="0">
+            <a:spAutoFit/>
+          </a:bodyPr>
+          <a:lstStyle/>
+          <a:p>
+            <a:r>
+              <a:rPr lang="en-US" altLang="ko-KR" sz="2800">
+                <a:latin typeface="나눔스퀘어OTF Light" panose="020B0600000101010101" pitchFamily="34" charset="-127"/>
+                <a:ea typeface="나눔스퀘어OTF Light" panose="020B0600000101010101" pitchFamily="34" charset="-127"/>
+              </a:rPr>
+              <a:t>4. </a:t>
+            </a:r>
+            <a:r>
+              <a:rPr lang="ko-KR" altLang="en-US" sz="2800">
+                <a:latin typeface="나눔스퀘어OTF Light" panose="020B0600000101010101" pitchFamily="34" charset="-127"/>
+                <a:ea typeface="나눔스퀘어OTF Light" panose="020B0600000101010101" pitchFamily="34" charset="-127"/>
+              </a:rPr>
+              <a:t>비 파티클</a:t>
+            </a:r>
+          </a:p>
+        </p:txBody>
+      </p:sp>
+      <p:cxnSp>
+        <p:nvCxnSpPr>
+          <p:cNvPr id="4" name="직선 연결선 3">
+            <a:extLst>
+              <a:ext uri="{FF2B5EF4-FFF2-40B4-BE49-F238E27FC236}">
+                <a16:creationId xmlns:a16="http://schemas.microsoft.com/office/drawing/2014/main" id="{7442459B-3DED-44F0-9E4C-B50601FEB425}"/>
+              </a:ext>
+            </a:extLst>
+          </p:cNvPr>
+          <p:cNvCxnSpPr>
+            <a:cxnSpLocks/>
+          </p:cNvCxnSpPr>
+          <p:nvPr/>
+        </p:nvCxnSpPr>
+        <p:spPr>
+          <a:xfrm>
+            <a:off x="132133" y="780690"/>
+            <a:ext cx="819295" cy="0"/>
+          </a:xfrm>
+          <a:prstGeom prst="line">
+            <a:avLst/>
+          </a:prstGeom>
+          <a:ln>
+            <a:solidFill>
+              <a:schemeClr val="tx1"/>
+            </a:solidFill>
+          </a:ln>
+        </p:spPr>
+        <p:style>
+          <a:lnRef idx="1">
+            <a:schemeClr val="accent1"/>
+          </a:lnRef>
+          <a:fillRef idx="0">
+            <a:schemeClr val="accent1"/>
+          </a:fillRef>
+          <a:effectRef idx="0">
+            <a:schemeClr val="accent1"/>
+          </a:effectRef>
+          <a:fontRef idx="minor">
+            <a:schemeClr val="tx1"/>
+          </a:fontRef>
+        </p:style>
+      </p:cxnSp>
+      <p:sp>
+        <p:nvSpPr>
+          <p:cNvPr id="10" name="TextBox 9">
+            <a:extLst>
+              <a:ext uri="{FF2B5EF4-FFF2-40B4-BE49-F238E27FC236}">
+                <a16:creationId xmlns:a16="http://schemas.microsoft.com/office/drawing/2014/main" id="{5F8F277A-18D8-449D-86C9-4D44CAE125C9}"/>
+              </a:ext>
+            </a:extLst>
+          </p:cNvPr>
+          <p:cNvSpPr txBox="1"/>
+          <p:nvPr/>
+        </p:nvSpPr>
+        <p:spPr>
+          <a:xfrm>
+            <a:off x="3506200" y="5825682"/>
+            <a:ext cx="5179623" cy="400110"/>
+          </a:xfrm>
+          <a:prstGeom prst="rect">
+            <a:avLst/>
+          </a:prstGeom>
+          <a:noFill/>
+        </p:spPr>
+        <p:txBody>
+          <a:bodyPr wrap="none" rtlCol="0">
+            <a:spAutoFit/>
+          </a:bodyPr>
+          <a:lstStyle/>
+          <a:p>
+            <a:pPr algn="ctr"/>
+            <a:r>
+              <a:rPr lang="ko-KR" altLang="en-US" sz="2000">
+                <a:latin typeface="나눔스퀘어OTF Light" panose="020B0600000101010101" pitchFamily="34" charset="-127"/>
+                <a:ea typeface="나눔스퀘어OTF Light" panose="020B0600000101010101" pitchFamily="34" charset="-127"/>
+              </a:rPr>
+              <a:t>파티클의 색과 중력</a:t>
+            </a:r>
+            <a:r>
+              <a:rPr lang="en-US" altLang="ko-KR" sz="2000">
+                <a:latin typeface="나눔스퀘어OTF Light" panose="020B0600000101010101" pitchFamily="34" charset="-127"/>
+                <a:ea typeface="나눔스퀘어OTF Light" panose="020B0600000101010101" pitchFamily="34" charset="-127"/>
+              </a:rPr>
+              <a:t>, </a:t>
+            </a:r>
+            <a:r>
+              <a:rPr lang="ko-KR" altLang="en-US" sz="2000">
+                <a:latin typeface="나눔스퀘어OTF Light" panose="020B0600000101010101" pitchFamily="34" charset="-127"/>
+                <a:ea typeface="나눔스퀘어OTF Light" panose="020B0600000101010101" pitchFamily="34" charset="-127"/>
+              </a:rPr>
+              <a:t>개수</a:t>
+            </a:r>
+            <a:r>
+              <a:rPr lang="en-US" altLang="ko-KR" sz="2000">
+                <a:latin typeface="나눔스퀘어OTF Light" panose="020B0600000101010101" pitchFamily="34" charset="-127"/>
+                <a:ea typeface="나눔스퀘어OTF Light" panose="020B0600000101010101" pitchFamily="34" charset="-127"/>
+              </a:rPr>
+              <a:t>, </a:t>
+            </a:r>
+            <a:r>
+              <a:rPr lang="ko-KR" altLang="en-US" sz="2000">
+                <a:latin typeface="나눔스퀘어OTF Light" panose="020B0600000101010101" pitchFamily="34" charset="-127"/>
+                <a:ea typeface="나눔스퀘어OTF Light" panose="020B0600000101010101" pitchFamily="34" charset="-127"/>
+              </a:rPr>
+              <a:t>수명 등을 수정합니다</a:t>
+            </a:r>
+            <a:endParaRPr lang="en-US" altLang="ko-KR" sz="2000">
+              <a:latin typeface="나눔스퀘어OTF Light" panose="020B0600000101010101" pitchFamily="34" charset="-127"/>
+              <a:ea typeface="나눔스퀘어OTF Light" panose="020B0600000101010101" pitchFamily="34" charset="-127"/>
+            </a:endParaRPr>
+          </a:p>
+        </p:txBody>
+      </p:sp>
+      <p:pic>
+        <p:nvPicPr>
+          <p:cNvPr id="3" name="그림 2">
+            <a:extLst>
+              <a:ext uri="{FF2B5EF4-FFF2-40B4-BE49-F238E27FC236}">
+                <a16:creationId xmlns:a16="http://schemas.microsoft.com/office/drawing/2014/main" id="{22AE1DC7-9C7E-44F0-9F61-CF402B41E839}"/>
+              </a:ext>
+            </a:extLst>
+          </p:cNvPr>
+          <p:cNvPicPr>
+            <a:picLocks noChangeAspect="1"/>
+          </p:cNvPicPr>
+          <p:nvPr/>
+        </p:nvPicPr>
+        <p:blipFill>
+          <a:blip r:embed="rId2"/>
+          <a:stretch>
+            <a:fillRect/>
+          </a:stretch>
+        </p:blipFill>
+        <p:spPr>
+          <a:xfrm>
+            <a:off x="4640454" y="1032318"/>
+            <a:ext cx="2911092" cy="4427604"/>
+          </a:xfrm>
+          <a:prstGeom prst="rect">
+            <a:avLst/>
+          </a:prstGeom>
+        </p:spPr>
+      </p:pic>
+    </p:spTree>
+    <p:extLst>
+      <p:ext uri="{BB962C8B-B14F-4D97-AF65-F5344CB8AC3E}">
+        <p14:creationId xmlns:p14="http://schemas.microsoft.com/office/powerpoint/2010/main" val="1260555292"/>
       </p:ext>
     </p:extLst>
   </p:cSld>
@@ -13676,6 +20855,1999 @@
     <p:extLst>
       <p:ext uri="{BB962C8B-B14F-4D97-AF65-F5344CB8AC3E}">
         <p14:creationId xmlns:p14="http://schemas.microsoft.com/office/powerpoint/2010/main" val="2049909685"/>
+      </p:ext>
+    </p:extLst>
+  </p:cSld>
+  <p:clrMapOvr>
+    <a:masterClrMapping/>
+  </p:clrMapOvr>
+</p:sld>
+</file>
+
+<file path=ppt/slides/slide70.xml><?xml version="1.0" encoding="utf-8"?>
+<p:sld xmlns:a="http://schemas.openxmlformats.org/drawingml/2006/main" xmlns:r="http://schemas.openxmlformats.org/officeDocument/2006/relationships" xmlns:p="http://schemas.openxmlformats.org/presentationml/2006/main">
+  <p:cSld>
+    <p:spTree>
+      <p:nvGrpSpPr>
+        <p:cNvPr id="1" name=""/>
+        <p:cNvGrpSpPr/>
+        <p:nvPr/>
+      </p:nvGrpSpPr>
+      <p:grpSpPr>
+        <a:xfrm>
+          <a:off x="0" y="0"/>
+          <a:ext cx="0" cy="0"/>
+          <a:chOff x="0" y="0"/>
+          <a:chExt cx="0" cy="0"/>
+        </a:xfrm>
+      </p:grpSpPr>
+      <p:sp>
+        <p:nvSpPr>
+          <p:cNvPr id="6" name="TextBox 5">
+            <a:extLst>
+              <a:ext uri="{FF2B5EF4-FFF2-40B4-BE49-F238E27FC236}">
+                <a16:creationId xmlns:a16="http://schemas.microsoft.com/office/drawing/2014/main" id="{F453C929-8CA3-4E79-AF5D-99EC8407C6CF}"/>
+              </a:ext>
+            </a:extLst>
+          </p:cNvPr>
+          <p:cNvSpPr txBox="1"/>
+          <p:nvPr/>
+        </p:nvSpPr>
+        <p:spPr>
+          <a:xfrm>
+            <a:off x="171888" y="194702"/>
+            <a:ext cx="1954381" cy="523220"/>
+          </a:xfrm>
+          <a:prstGeom prst="rect">
+            <a:avLst/>
+          </a:prstGeom>
+          <a:noFill/>
+        </p:spPr>
+        <p:txBody>
+          <a:bodyPr wrap="none" rtlCol="0">
+            <a:spAutoFit/>
+          </a:bodyPr>
+          <a:lstStyle/>
+          <a:p>
+            <a:r>
+              <a:rPr lang="en-US" altLang="ko-KR" sz="2800">
+                <a:latin typeface="나눔스퀘어OTF Light" panose="020B0600000101010101" pitchFamily="34" charset="-127"/>
+                <a:ea typeface="나눔스퀘어OTF Light" panose="020B0600000101010101" pitchFamily="34" charset="-127"/>
+              </a:rPr>
+              <a:t>4. </a:t>
+            </a:r>
+            <a:r>
+              <a:rPr lang="ko-KR" altLang="en-US" sz="2800">
+                <a:latin typeface="나눔스퀘어OTF Light" panose="020B0600000101010101" pitchFamily="34" charset="-127"/>
+                <a:ea typeface="나눔스퀘어OTF Light" panose="020B0600000101010101" pitchFamily="34" charset="-127"/>
+              </a:rPr>
+              <a:t>비 파티클</a:t>
+            </a:r>
+          </a:p>
+        </p:txBody>
+      </p:sp>
+      <p:cxnSp>
+        <p:nvCxnSpPr>
+          <p:cNvPr id="4" name="직선 연결선 3">
+            <a:extLst>
+              <a:ext uri="{FF2B5EF4-FFF2-40B4-BE49-F238E27FC236}">
+                <a16:creationId xmlns:a16="http://schemas.microsoft.com/office/drawing/2014/main" id="{7442459B-3DED-44F0-9E4C-B50601FEB425}"/>
+              </a:ext>
+            </a:extLst>
+          </p:cNvPr>
+          <p:cNvCxnSpPr>
+            <a:cxnSpLocks/>
+          </p:cNvCxnSpPr>
+          <p:nvPr/>
+        </p:nvCxnSpPr>
+        <p:spPr>
+          <a:xfrm>
+            <a:off x="132133" y="780690"/>
+            <a:ext cx="819295" cy="0"/>
+          </a:xfrm>
+          <a:prstGeom prst="line">
+            <a:avLst/>
+          </a:prstGeom>
+          <a:ln>
+            <a:solidFill>
+              <a:schemeClr val="tx1"/>
+            </a:solidFill>
+          </a:ln>
+        </p:spPr>
+        <p:style>
+          <a:lnRef idx="1">
+            <a:schemeClr val="accent1"/>
+          </a:lnRef>
+          <a:fillRef idx="0">
+            <a:schemeClr val="accent1"/>
+          </a:fillRef>
+          <a:effectRef idx="0">
+            <a:schemeClr val="accent1"/>
+          </a:effectRef>
+          <a:fontRef idx="minor">
+            <a:schemeClr val="tx1"/>
+          </a:fontRef>
+        </p:style>
+      </p:cxnSp>
+      <p:pic>
+        <p:nvPicPr>
+          <p:cNvPr id="5" name="그림 4">
+            <a:extLst>
+              <a:ext uri="{FF2B5EF4-FFF2-40B4-BE49-F238E27FC236}">
+                <a16:creationId xmlns:a16="http://schemas.microsoft.com/office/drawing/2014/main" id="{7675692E-DD65-4585-82EF-74F93F2483D7}"/>
+              </a:ext>
+            </a:extLst>
+          </p:cNvPr>
+          <p:cNvPicPr>
+            <a:picLocks noChangeAspect="1"/>
+          </p:cNvPicPr>
+          <p:nvPr/>
+        </p:nvPicPr>
+        <p:blipFill>
+          <a:blip r:embed="rId2"/>
+          <a:stretch>
+            <a:fillRect/>
+          </a:stretch>
+        </p:blipFill>
+        <p:spPr>
+          <a:xfrm>
+            <a:off x="3457115" y="2409152"/>
+            <a:ext cx="5277768" cy="1380528"/>
+          </a:xfrm>
+          <a:prstGeom prst="rect">
+            <a:avLst/>
+          </a:prstGeom>
+        </p:spPr>
+      </p:pic>
+      <p:sp>
+        <p:nvSpPr>
+          <p:cNvPr id="8" name="TextBox 7">
+            <a:extLst>
+              <a:ext uri="{FF2B5EF4-FFF2-40B4-BE49-F238E27FC236}">
+                <a16:creationId xmlns:a16="http://schemas.microsoft.com/office/drawing/2014/main" id="{B560136F-6737-4849-8F45-7A3DF33B887B}"/>
+              </a:ext>
+            </a:extLst>
+          </p:cNvPr>
+          <p:cNvSpPr txBox="1"/>
+          <p:nvPr/>
+        </p:nvSpPr>
+        <p:spPr>
+          <a:xfrm>
+            <a:off x="4120138" y="5134802"/>
+            <a:ext cx="3951723" cy="400110"/>
+          </a:xfrm>
+          <a:prstGeom prst="rect">
+            <a:avLst/>
+          </a:prstGeom>
+          <a:noFill/>
+        </p:spPr>
+        <p:txBody>
+          <a:bodyPr wrap="none" rtlCol="0">
+            <a:spAutoFit/>
+          </a:bodyPr>
+          <a:lstStyle/>
+          <a:p>
+            <a:pPr algn="ctr"/>
+            <a:r>
+              <a:rPr lang="ko-KR" altLang="en-US" sz="2000">
+                <a:latin typeface="나눔스퀘어OTF Light" panose="020B0600000101010101" pitchFamily="34" charset="-127"/>
+                <a:ea typeface="나눔스퀘어OTF Light" panose="020B0600000101010101" pitchFamily="34" charset="-127"/>
+              </a:rPr>
+              <a:t>공기 저항과 종단 속도를 설정합니다</a:t>
+            </a:r>
+            <a:endParaRPr lang="en-US" altLang="ko-KR" sz="2000">
+              <a:latin typeface="나눔스퀘어OTF Light" panose="020B0600000101010101" pitchFamily="34" charset="-127"/>
+              <a:ea typeface="나눔스퀘어OTF Light" panose="020B0600000101010101" pitchFamily="34" charset="-127"/>
+            </a:endParaRPr>
+          </a:p>
+        </p:txBody>
+      </p:sp>
+    </p:spTree>
+    <p:extLst>
+      <p:ext uri="{BB962C8B-B14F-4D97-AF65-F5344CB8AC3E}">
+        <p14:creationId xmlns:p14="http://schemas.microsoft.com/office/powerpoint/2010/main" val="1697459789"/>
+      </p:ext>
+    </p:extLst>
+  </p:cSld>
+  <p:clrMapOvr>
+    <a:masterClrMapping/>
+  </p:clrMapOvr>
+</p:sld>
+</file>
+
+<file path=ppt/slides/slide71.xml><?xml version="1.0" encoding="utf-8"?>
+<p:sld xmlns:a="http://schemas.openxmlformats.org/drawingml/2006/main" xmlns:r="http://schemas.openxmlformats.org/officeDocument/2006/relationships" xmlns:p="http://schemas.openxmlformats.org/presentationml/2006/main">
+  <p:cSld>
+    <p:spTree>
+      <p:nvGrpSpPr>
+        <p:cNvPr id="1" name=""/>
+        <p:cNvGrpSpPr/>
+        <p:nvPr/>
+      </p:nvGrpSpPr>
+      <p:grpSpPr>
+        <a:xfrm>
+          <a:off x="0" y="0"/>
+          <a:ext cx="0" cy="0"/>
+          <a:chOff x="0" y="0"/>
+          <a:chExt cx="0" cy="0"/>
+        </a:xfrm>
+      </p:grpSpPr>
+      <p:sp>
+        <p:nvSpPr>
+          <p:cNvPr id="6" name="TextBox 5">
+            <a:extLst>
+              <a:ext uri="{FF2B5EF4-FFF2-40B4-BE49-F238E27FC236}">
+                <a16:creationId xmlns:a16="http://schemas.microsoft.com/office/drawing/2014/main" id="{F453C929-8CA3-4E79-AF5D-99EC8407C6CF}"/>
+              </a:ext>
+            </a:extLst>
+          </p:cNvPr>
+          <p:cNvSpPr txBox="1"/>
+          <p:nvPr/>
+        </p:nvSpPr>
+        <p:spPr>
+          <a:xfrm>
+            <a:off x="171888" y="194702"/>
+            <a:ext cx="1954381" cy="523220"/>
+          </a:xfrm>
+          <a:prstGeom prst="rect">
+            <a:avLst/>
+          </a:prstGeom>
+          <a:noFill/>
+        </p:spPr>
+        <p:txBody>
+          <a:bodyPr wrap="none" rtlCol="0">
+            <a:spAutoFit/>
+          </a:bodyPr>
+          <a:lstStyle/>
+          <a:p>
+            <a:r>
+              <a:rPr lang="en-US" altLang="ko-KR" sz="2800">
+                <a:latin typeface="나눔스퀘어OTF Light" panose="020B0600000101010101" pitchFamily="34" charset="-127"/>
+                <a:ea typeface="나눔스퀘어OTF Light" panose="020B0600000101010101" pitchFamily="34" charset="-127"/>
+              </a:rPr>
+              <a:t>4. </a:t>
+            </a:r>
+            <a:r>
+              <a:rPr lang="ko-KR" altLang="en-US" sz="2800">
+                <a:latin typeface="나눔스퀘어OTF Light" panose="020B0600000101010101" pitchFamily="34" charset="-127"/>
+                <a:ea typeface="나눔스퀘어OTF Light" panose="020B0600000101010101" pitchFamily="34" charset="-127"/>
+              </a:rPr>
+              <a:t>비 파티클</a:t>
+            </a:r>
+          </a:p>
+        </p:txBody>
+      </p:sp>
+      <p:cxnSp>
+        <p:nvCxnSpPr>
+          <p:cNvPr id="4" name="직선 연결선 3">
+            <a:extLst>
+              <a:ext uri="{FF2B5EF4-FFF2-40B4-BE49-F238E27FC236}">
+                <a16:creationId xmlns:a16="http://schemas.microsoft.com/office/drawing/2014/main" id="{7442459B-3DED-44F0-9E4C-B50601FEB425}"/>
+              </a:ext>
+            </a:extLst>
+          </p:cNvPr>
+          <p:cNvCxnSpPr>
+            <a:cxnSpLocks/>
+          </p:cNvCxnSpPr>
+          <p:nvPr/>
+        </p:nvCxnSpPr>
+        <p:spPr>
+          <a:xfrm>
+            <a:off x="132133" y="780690"/>
+            <a:ext cx="819295" cy="0"/>
+          </a:xfrm>
+          <a:prstGeom prst="line">
+            <a:avLst/>
+          </a:prstGeom>
+          <a:ln>
+            <a:solidFill>
+              <a:schemeClr val="tx1"/>
+            </a:solidFill>
+          </a:ln>
+        </p:spPr>
+        <p:style>
+          <a:lnRef idx="1">
+            <a:schemeClr val="accent1"/>
+          </a:lnRef>
+          <a:fillRef idx="0">
+            <a:schemeClr val="accent1"/>
+          </a:fillRef>
+          <a:effectRef idx="0">
+            <a:schemeClr val="accent1"/>
+          </a:effectRef>
+          <a:fontRef idx="minor">
+            <a:schemeClr val="tx1"/>
+          </a:fontRef>
+        </p:style>
+      </p:cxnSp>
+      <p:pic>
+        <p:nvPicPr>
+          <p:cNvPr id="3" name="그림 2">
+            <a:extLst>
+              <a:ext uri="{FF2B5EF4-FFF2-40B4-BE49-F238E27FC236}">
+                <a16:creationId xmlns:a16="http://schemas.microsoft.com/office/drawing/2014/main" id="{3DE5301A-9484-434A-AED6-57418AE6F31D}"/>
+              </a:ext>
+            </a:extLst>
+          </p:cNvPr>
+          <p:cNvPicPr>
+            <a:picLocks noChangeAspect="1"/>
+          </p:cNvPicPr>
+          <p:nvPr/>
+        </p:nvPicPr>
+        <p:blipFill>
+          <a:blip r:embed="rId2"/>
+          <a:stretch>
+            <a:fillRect/>
+          </a:stretch>
+        </p:blipFill>
+        <p:spPr>
+          <a:xfrm>
+            <a:off x="2586686" y="1706731"/>
+            <a:ext cx="7018628" cy="3444538"/>
+          </a:xfrm>
+          <a:prstGeom prst="rect">
+            <a:avLst/>
+          </a:prstGeom>
+        </p:spPr>
+      </p:pic>
+      <p:sp>
+        <p:nvSpPr>
+          <p:cNvPr id="9" name="TextBox 8">
+            <a:extLst>
+              <a:ext uri="{FF2B5EF4-FFF2-40B4-BE49-F238E27FC236}">
+                <a16:creationId xmlns:a16="http://schemas.microsoft.com/office/drawing/2014/main" id="{58064D85-B5E6-4640-8F91-A3F063230388}"/>
+              </a:ext>
+            </a:extLst>
+          </p:cNvPr>
+          <p:cNvSpPr txBox="1"/>
+          <p:nvPr/>
+        </p:nvSpPr>
+        <p:spPr>
+          <a:xfrm>
+            <a:off x="4886377" y="5592002"/>
+            <a:ext cx="2419253" cy="400110"/>
+          </a:xfrm>
+          <a:prstGeom prst="rect">
+            <a:avLst/>
+          </a:prstGeom>
+          <a:noFill/>
+        </p:spPr>
+        <p:txBody>
+          <a:bodyPr wrap="none" rtlCol="0">
+            <a:spAutoFit/>
+          </a:bodyPr>
+          <a:lstStyle/>
+          <a:p>
+            <a:pPr algn="ctr"/>
+            <a:r>
+              <a:rPr lang="ko-KR" altLang="en-US" sz="2000">
+                <a:latin typeface="나눔스퀘어OTF Light" panose="020B0600000101010101" pitchFamily="34" charset="-127"/>
+                <a:ea typeface="나눔스퀘어OTF Light" panose="020B0600000101010101" pitchFamily="34" charset="-127"/>
+              </a:rPr>
+              <a:t>플랫폼을 생성합니다</a:t>
+            </a:r>
+            <a:endParaRPr lang="en-US" altLang="ko-KR" sz="2000">
+              <a:latin typeface="나눔스퀘어OTF Light" panose="020B0600000101010101" pitchFamily="34" charset="-127"/>
+              <a:ea typeface="나눔스퀘어OTF Light" panose="020B0600000101010101" pitchFamily="34" charset="-127"/>
+            </a:endParaRPr>
+          </a:p>
+        </p:txBody>
+      </p:sp>
+    </p:spTree>
+    <p:extLst>
+      <p:ext uri="{BB962C8B-B14F-4D97-AF65-F5344CB8AC3E}">
+        <p14:creationId xmlns:p14="http://schemas.microsoft.com/office/powerpoint/2010/main" val="2606171678"/>
+      </p:ext>
+    </p:extLst>
+  </p:cSld>
+  <p:clrMapOvr>
+    <a:masterClrMapping/>
+  </p:clrMapOvr>
+</p:sld>
+</file>
+
+<file path=ppt/slides/slide72.xml><?xml version="1.0" encoding="utf-8"?>
+<p:sld xmlns:a="http://schemas.openxmlformats.org/drawingml/2006/main" xmlns:r="http://schemas.openxmlformats.org/officeDocument/2006/relationships" xmlns:p="http://schemas.openxmlformats.org/presentationml/2006/main">
+  <p:cSld>
+    <p:spTree>
+      <p:nvGrpSpPr>
+        <p:cNvPr id="1" name=""/>
+        <p:cNvGrpSpPr/>
+        <p:nvPr/>
+      </p:nvGrpSpPr>
+      <p:grpSpPr>
+        <a:xfrm>
+          <a:off x="0" y="0"/>
+          <a:ext cx="0" cy="0"/>
+          <a:chOff x="0" y="0"/>
+          <a:chExt cx="0" cy="0"/>
+        </a:xfrm>
+      </p:grpSpPr>
+      <p:sp>
+        <p:nvSpPr>
+          <p:cNvPr id="6" name="TextBox 5">
+            <a:extLst>
+              <a:ext uri="{FF2B5EF4-FFF2-40B4-BE49-F238E27FC236}">
+                <a16:creationId xmlns:a16="http://schemas.microsoft.com/office/drawing/2014/main" id="{F453C929-8CA3-4E79-AF5D-99EC8407C6CF}"/>
+              </a:ext>
+            </a:extLst>
+          </p:cNvPr>
+          <p:cNvSpPr txBox="1"/>
+          <p:nvPr/>
+        </p:nvSpPr>
+        <p:spPr>
+          <a:xfrm>
+            <a:off x="171888" y="194702"/>
+            <a:ext cx="1954381" cy="523220"/>
+          </a:xfrm>
+          <a:prstGeom prst="rect">
+            <a:avLst/>
+          </a:prstGeom>
+          <a:noFill/>
+        </p:spPr>
+        <p:txBody>
+          <a:bodyPr wrap="none" rtlCol="0">
+            <a:spAutoFit/>
+          </a:bodyPr>
+          <a:lstStyle/>
+          <a:p>
+            <a:r>
+              <a:rPr lang="en-US" altLang="ko-KR" sz="2800">
+                <a:latin typeface="나눔스퀘어OTF Light" panose="020B0600000101010101" pitchFamily="34" charset="-127"/>
+                <a:ea typeface="나눔스퀘어OTF Light" panose="020B0600000101010101" pitchFamily="34" charset="-127"/>
+              </a:rPr>
+              <a:t>4. </a:t>
+            </a:r>
+            <a:r>
+              <a:rPr lang="ko-KR" altLang="en-US" sz="2800">
+                <a:latin typeface="나눔스퀘어OTF Light" panose="020B0600000101010101" pitchFamily="34" charset="-127"/>
+                <a:ea typeface="나눔스퀘어OTF Light" panose="020B0600000101010101" pitchFamily="34" charset="-127"/>
+              </a:rPr>
+              <a:t>비 파티클</a:t>
+            </a:r>
+          </a:p>
+        </p:txBody>
+      </p:sp>
+      <p:cxnSp>
+        <p:nvCxnSpPr>
+          <p:cNvPr id="4" name="직선 연결선 3">
+            <a:extLst>
+              <a:ext uri="{FF2B5EF4-FFF2-40B4-BE49-F238E27FC236}">
+                <a16:creationId xmlns:a16="http://schemas.microsoft.com/office/drawing/2014/main" id="{7442459B-3DED-44F0-9E4C-B50601FEB425}"/>
+              </a:ext>
+            </a:extLst>
+          </p:cNvPr>
+          <p:cNvCxnSpPr>
+            <a:cxnSpLocks/>
+          </p:cNvCxnSpPr>
+          <p:nvPr/>
+        </p:nvCxnSpPr>
+        <p:spPr>
+          <a:xfrm>
+            <a:off x="132133" y="780690"/>
+            <a:ext cx="819295" cy="0"/>
+          </a:xfrm>
+          <a:prstGeom prst="line">
+            <a:avLst/>
+          </a:prstGeom>
+          <a:ln>
+            <a:solidFill>
+              <a:schemeClr val="tx1"/>
+            </a:solidFill>
+          </a:ln>
+        </p:spPr>
+        <p:style>
+          <a:lnRef idx="1">
+            <a:schemeClr val="accent1"/>
+          </a:lnRef>
+          <a:fillRef idx="0">
+            <a:schemeClr val="accent1"/>
+          </a:fillRef>
+          <a:effectRef idx="0">
+            <a:schemeClr val="accent1"/>
+          </a:effectRef>
+          <a:fontRef idx="minor">
+            <a:schemeClr val="tx1"/>
+          </a:fontRef>
+        </p:style>
+      </p:cxnSp>
+      <p:pic>
+        <p:nvPicPr>
+          <p:cNvPr id="5" name="그림 4">
+            <a:extLst>
+              <a:ext uri="{FF2B5EF4-FFF2-40B4-BE49-F238E27FC236}">
+                <a16:creationId xmlns:a16="http://schemas.microsoft.com/office/drawing/2014/main" id="{2CC7EF66-B9B0-44BA-BC2B-CAF0102E7289}"/>
+              </a:ext>
+            </a:extLst>
+          </p:cNvPr>
+          <p:cNvPicPr>
+            <a:picLocks noChangeAspect="1"/>
+          </p:cNvPicPr>
+          <p:nvPr/>
+        </p:nvPicPr>
+        <p:blipFill>
+          <a:blip r:embed="rId2"/>
+          <a:stretch>
+            <a:fillRect/>
+          </a:stretch>
+        </p:blipFill>
+        <p:spPr>
+          <a:xfrm>
+            <a:off x="6297597" y="2441545"/>
+            <a:ext cx="4942976" cy="1974907"/>
+          </a:xfrm>
+          <a:prstGeom prst="rect">
+            <a:avLst/>
+          </a:prstGeom>
+        </p:spPr>
+      </p:pic>
+      <p:pic>
+        <p:nvPicPr>
+          <p:cNvPr id="8" name="그림 7">
+            <a:extLst>
+              <a:ext uri="{FF2B5EF4-FFF2-40B4-BE49-F238E27FC236}">
+                <a16:creationId xmlns:a16="http://schemas.microsoft.com/office/drawing/2014/main" id="{DACDA3E3-50FD-484A-BF27-83F931514E4B}"/>
+              </a:ext>
+            </a:extLst>
+          </p:cNvPr>
+          <p:cNvPicPr>
+            <a:picLocks noChangeAspect="1"/>
+          </p:cNvPicPr>
+          <p:nvPr/>
+        </p:nvPicPr>
+        <p:blipFill>
+          <a:blip r:embed="rId3"/>
+          <a:stretch>
+            <a:fillRect/>
+          </a:stretch>
+        </p:blipFill>
+        <p:spPr>
+          <a:xfrm>
+            <a:off x="849615" y="2121472"/>
+            <a:ext cx="5044790" cy="2615055"/>
+          </a:xfrm>
+          <a:prstGeom prst="rect">
+            <a:avLst/>
+          </a:prstGeom>
+        </p:spPr>
+      </p:pic>
+      <p:sp>
+        <p:nvSpPr>
+          <p:cNvPr id="10" name="TextBox 9">
+            <a:extLst>
+              <a:ext uri="{FF2B5EF4-FFF2-40B4-BE49-F238E27FC236}">
+                <a16:creationId xmlns:a16="http://schemas.microsoft.com/office/drawing/2014/main" id="{DE387C01-6E1B-4D8B-9BF8-3A5ACA2DB96F}"/>
+              </a:ext>
+            </a:extLst>
+          </p:cNvPr>
+          <p:cNvSpPr txBox="1"/>
+          <p:nvPr/>
+        </p:nvSpPr>
+        <p:spPr>
+          <a:xfrm>
+            <a:off x="2385699" y="5592002"/>
+            <a:ext cx="7420622" cy="400110"/>
+          </a:xfrm>
+          <a:prstGeom prst="rect">
+            <a:avLst/>
+          </a:prstGeom>
+          <a:noFill/>
+        </p:spPr>
+        <p:txBody>
+          <a:bodyPr wrap="none" rtlCol="0">
+            <a:spAutoFit/>
+          </a:bodyPr>
+          <a:lstStyle/>
+          <a:p>
+            <a:pPr algn="ctr"/>
+            <a:r>
+              <a:rPr lang="ko-KR" altLang="en-US" sz="2000">
+                <a:latin typeface="나눔스퀘어OTF Light" panose="020B0600000101010101" pitchFamily="34" charset="-127"/>
+                <a:ea typeface="나눔스퀘어OTF Light" panose="020B0600000101010101" pitchFamily="34" charset="-127"/>
+              </a:rPr>
+              <a:t>트리거를 추가하여 플랫폼에 닿을 경우 파티클에 제거되게 설정합니다</a:t>
+            </a:r>
+            <a:endParaRPr lang="en-US" altLang="ko-KR" sz="2000">
+              <a:latin typeface="나눔스퀘어OTF Light" panose="020B0600000101010101" pitchFamily="34" charset="-127"/>
+              <a:ea typeface="나눔스퀘어OTF Light" panose="020B0600000101010101" pitchFamily="34" charset="-127"/>
+            </a:endParaRPr>
+          </a:p>
+        </p:txBody>
+      </p:sp>
+    </p:spTree>
+    <p:extLst>
+      <p:ext uri="{BB962C8B-B14F-4D97-AF65-F5344CB8AC3E}">
+        <p14:creationId xmlns:p14="http://schemas.microsoft.com/office/powerpoint/2010/main" val="3067717591"/>
+      </p:ext>
+    </p:extLst>
+  </p:cSld>
+  <p:clrMapOvr>
+    <a:masterClrMapping/>
+  </p:clrMapOvr>
+</p:sld>
+</file>
+
+<file path=ppt/slides/slide73.xml><?xml version="1.0" encoding="utf-8"?>
+<p:sld xmlns:a="http://schemas.openxmlformats.org/drawingml/2006/main" xmlns:r="http://schemas.openxmlformats.org/officeDocument/2006/relationships" xmlns:p="http://schemas.openxmlformats.org/presentationml/2006/main">
+  <p:cSld>
+    <p:spTree>
+      <p:nvGrpSpPr>
+        <p:cNvPr id="1" name=""/>
+        <p:cNvGrpSpPr/>
+        <p:nvPr/>
+      </p:nvGrpSpPr>
+      <p:grpSpPr>
+        <a:xfrm>
+          <a:off x="0" y="0"/>
+          <a:ext cx="0" cy="0"/>
+          <a:chOff x="0" y="0"/>
+          <a:chExt cx="0" cy="0"/>
+        </a:xfrm>
+      </p:grpSpPr>
+      <p:sp>
+        <p:nvSpPr>
+          <p:cNvPr id="6" name="TextBox 5">
+            <a:extLst>
+              <a:ext uri="{FF2B5EF4-FFF2-40B4-BE49-F238E27FC236}">
+                <a16:creationId xmlns:a16="http://schemas.microsoft.com/office/drawing/2014/main" id="{F453C929-8CA3-4E79-AF5D-99EC8407C6CF}"/>
+              </a:ext>
+            </a:extLst>
+          </p:cNvPr>
+          <p:cNvSpPr txBox="1"/>
+          <p:nvPr/>
+        </p:nvSpPr>
+        <p:spPr>
+          <a:xfrm>
+            <a:off x="171888" y="194702"/>
+            <a:ext cx="1954381" cy="523220"/>
+          </a:xfrm>
+          <a:prstGeom prst="rect">
+            <a:avLst/>
+          </a:prstGeom>
+          <a:noFill/>
+        </p:spPr>
+        <p:txBody>
+          <a:bodyPr wrap="none" rtlCol="0">
+            <a:spAutoFit/>
+          </a:bodyPr>
+          <a:lstStyle/>
+          <a:p>
+            <a:r>
+              <a:rPr lang="en-US" altLang="ko-KR" sz="2800">
+                <a:latin typeface="나눔스퀘어OTF Light" panose="020B0600000101010101" pitchFamily="34" charset="-127"/>
+                <a:ea typeface="나눔스퀘어OTF Light" panose="020B0600000101010101" pitchFamily="34" charset="-127"/>
+              </a:rPr>
+              <a:t>4. </a:t>
+            </a:r>
+            <a:r>
+              <a:rPr lang="ko-KR" altLang="en-US" sz="2800">
+                <a:latin typeface="나눔스퀘어OTF Light" panose="020B0600000101010101" pitchFamily="34" charset="-127"/>
+                <a:ea typeface="나눔스퀘어OTF Light" panose="020B0600000101010101" pitchFamily="34" charset="-127"/>
+              </a:rPr>
+              <a:t>비 파티클</a:t>
+            </a:r>
+          </a:p>
+        </p:txBody>
+      </p:sp>
+      <p:cxnSp>
+        <p:nvCxnSpPr>
+          <p:cNvPr id="4" name="직선 연결선 3">
+            <a:extLst>
+              <a:ext uri="{FF2B5EF4-FFF2-40B4-BE49-F238E27FC236}">
+                <a16:creationId xmlns:a16="http://schemas.microsoft.com/office/drawing/2014/main" id="{7442459B-3DED-44F0-9E4C-B50601FEB425}"/>
+              </a:ext>
+            </a:extLst>
+          </p:cNvPr>
+          <p:cNvCxnSpPr>
+            <a:cxnSpLocks/>
+          </p:cNvCxnSpPr>
+          <p:nvPr/>
+        </p:nvCxnSpPr>
+        <p:spPr>
+          <a:xfrm>
+            <a:off x="132133" y="780690"/>
+            <a:ext cx="819295" cy="0"/>
+          </a:xfrm>
+          <a:prstGeom prst="line">
+            <a:avLst/>
+          </a:prstGeom>
+          <a:ln>
+            <a:solidFill>
+              <a:schemeClr val="tx1"/>
+            </a:solidFill>
+          </a:ln>
+        </p:spPr>
+        <p:style>
+          <a:lnRef idx="1">
+            <a:schemeClr val="accent1"/>
+          </a:lnRef>
+          <a:fillRef idx="0">
+            <a:schemeClr val="accent1"/>
+          </a:fillRef>
+          <a:effectRef idx="0">
+            <a:schemeClr val="accent1"/>
+          </a:effectRef>
+          <a:fontRef idx="minor">
+            <a:schemeClr val="tx1"/>
+          </a:fontRef>
+        </p:style>
+      </p:cxnSp>
+      <p:pic>
+        <p:nvPicPr>
+          <p:cNvPr id="3" name="그림 2">
+            <a:extLst>
+              <a:ext uri="{FF2B5EF4-FFF2-40B4-BE49-F238E27FC236}">
+                <a16:creationId xmlns:a16="http://schemas.microsoft.com/office/drawing/2014/main" id="{05E33CD1-1A78-4467-99AA-C815E42C877A}"/>
+              </a:ext>
+            </a:extLst>
+          </p:cNvPr>
+          <p:cNvPicPr>
+            <a:picLocks noChangeAspect="1"/>
+          </p:cNvPicPr>
+          <p:nvPr/>
+        </p:nvPicPr>
+        <p:blipFill>
+          <a:blip r:embed="rId2"/>
+          <a:stretch>
+            <a:fillRect/>
+          </a:stretch>
+        </p:blipFill>
+        <p:spPr>
+          <a:xfrm>
+            <a:off x="3558320" y="1066608"/>
+            <a:ext cx="5075360" cy="4419983"/>
+          </a:xfrm>
+          <a:prstGeom prst="rect">
+            <a:avLst/>
+          </a:prstGeom>
+        </p:spPr>
+      </p:pic>
+      <p:sp>
+        <p:nvSpPr>
+          <p:cNvPr id="9" name="TextBox 8">
+            <a:extLst>
+              <a:ext uri="{FF2B5EF4-FFF2-40B4-BE49-F238E27FC236}">
+                <a16:creationId xmlns:a16="http://schemas.microsoft.com/office/drawing/2014/main" id="{EFAAC5E3-6363-40B5-947A-2D7694A85EA4}"/>
+              </a:ext>
+            </a:extLst>
+          </p:cNvPr>
+          <p:cNvSpPr txBox="1"/>
+          <p:nvPr/>
+        </p:nvSpPr>
+        <p:spPr>
+          <a:xfrm>
+            <a:off x="4088094" y="5774882"/>
+            <a:ext cx="4015843" cy="400110"/>
+          </a:xfrm>
+          <a:prstGeom prst="rect">
+            <a:avLst/>
+          </a:prstGeom>
+          <a:noFill/>
+        </p:spPr>
+        <p:txBody>
+          <a:bodyPr wrap="none" rtlCol="0">
+            <a:spAutoFit/>
+          </a:bodyPr>
+          <a:lstStyle/>
+          <a:p>
+            <a:pPr algn="ctr"/>
+            <a:r>
+              <a:rPr lang="ko-KR" altLang="en-US" sz="2000">
+                <a:latin typeface="나눔스퀘어OTF Light" panose="020B0600000101010101" pitchFamily="34" charset="-127"/>
+                <a:ea typeface="나눔스퀘어OTF Light" panose="020B0600000101010101" pitchFamily="34" charset="-127"/>
+              </a:rPr>
+              <a:t>외부 힘으로 바람 효과를 추가합니다</a:t>
+            </a:r>
+            <a:endParaRPr lang="en-US" altLang="ko-KR" sz="2000">
+              <a:latin typeface="나눔스퀘어OTF Light" panose="020B0600000101010101" pitchFamily="34" charset="-127"/>
+              <a:ea typeface="나눔스퀘어OTF Light" panose="020B0600000101010101" pitchFamily="34" charset="-127"/>
+            </a:endParaRPr>
+          </a:p>
+        </p:txBody>
+      </p:sp>
+    </p:spTree>
+    <p:extLst>
+      <p:ext uri="{BB962C8B-B14F-4D97-AF65-F5344CB8AC3E}">
+        <p14:creationId xmlns:p14="http://schemas.microsoft.com/office/powerpoint/2010/main" val="768500896"/>
+      </p:ext>
+    </p:extLst>
+  </p:cSld>
+  <p:clrMapOvr>
+    <a:masterClrMapping/>
+  </p:clrMapOvr>
+</p:sld>
+</file>
+
+<file path=ppt/slides/slide74.xml><?xml version="1.0" encoding="utf-8"?>
+<p:sld xmlns:a="http://schemas.openxmlformats.org/drawingml/2006/main" xmlns:r="http://schemas.openxmlformats.org/officeDocument/2006/relationships" xmlns:p="http://schemas.openxmlformats.org/presentationml/2006/main">
+  <p:cSld>
+    <p:spTree>
+      <p:nvGrpSpPr>
+        <p:cNvPr id="1" name=""/>
+        <p:cNvGrpSpPr/>
+        <p:nvPr/>
+      </p:nvGrpSpPr>
+      <p:grpSpPr>
+        <a:xfrm>
+          <a:off x="0" y="0"/>
+          <a:ext cx="0" cy="0"/>
+          <a:chOff x="0" y="0"/>
+          <a:chExt cx="0" cy="0"/>
+        </a:xfrm>
+      </p:grpSpPr>
+      <p:sp>
+        <p:nvSpPr>
+          <p:cNvPr id="6" name="TextBox 5">
+            <a:extLst>
+              <a:ext uri="{FF2B5EF4-FFF2-40B4-BE49-F238E27FC236}">
+                <a16:creationId xmlns:a16="http://schemas.microsoft.com/office/drawing/2014/main" id="{F453C929-8CA3-4E79-AF5D-99EC8407C6CF}"/>
+              </a:ext>
+            </a:extLst>
+          </p:cNvPr>
+          <p:cNvSpPr txBox="1"/>
+          <p:nvPr/>
+        </p:nvSpPr>
+        <p:spPr>
+          <a:xfrm>
+            <a:off x="171888" y="194702"/>
+            <a:ext cx="1954381" cy="523220"/>
+          </a:xfrm>
+          <a:prstGeom prst="rect">
+            <a:avLst/>
+          </a:prstGeom>
+          <a:noFill/>
+        </p:spPr>
+        <p:txBody>
+          <a:bodyPr wrap="none" rtlCol="0">
+            <a:spAutoFit/>
+          </a:bodyPr>
+          <a:lstStyle/>
+          <a:p>
+            <a:r>
+              <a:rPr lang="en-US" altLang="ko-KR" sz="2800">
+                <a:latin typeface="나눔스퀘어OTF Light" panose="020B0600000101010101" pitchFamily="34" charset="-127"/>
+                <a:ea typeface="나눔스퀘어OTF Light" panose="020B0600000101010101" pitchFamily="34" charset="-127"/>
+              </a:rPr>
+              <a:t>4. </a:t>
+            </a:r>
+            <a:r>
+              <a:rPr lang="ko-KR" altLang="en-US" sz="2800">
+                <a:latin typeface="나눔스퀘어OTF Light" panose="020B0600000101010101" pitchFamily="34" charset="-127"/>
+                <a:ea typeface="나눔스퀘어OTF Light" panose="020B0600000101010101" pitchFamily="34" charset="-127"/>
+              </a:rPr>
+              <a:t>비 파티클</a:t>
+            </a:r>
+          </a:p>
+        </p:txBody>
+      </p:sp>
+      <p:cxnSp>
+        <p:nvCxnSpPr>
+          <p:cNvPr id="4" name="직선 연결선 3">
+            <a:extLst>
+              <a:ext uri="{FF2B5EF4-FFF2-40B4-BE49-F238E27FC236}">
+                <a16:creationId xmlns:a16="http://schemas.microsoft.com/office/drawing/2014/main" id="{7442459B-3DED-44F0-9E4C-B50601FEB425}"/>
+              </a:ext>
+            </a:extLst>
+          </p:cNvPr>
+          <p:cNvCxnSpPr>
+            <a:cxnSpLocks/>
+          </p:cNvCxnSpPr>
+          <p:nvPr/>
+        </p:nvCxnSpPr>
+        <p:spPr>
+          <a:xfrm>
+            <a:off x="132133" y="780690"/>
+            <a:ext cx="819295" cy="0"/>
+          </a:xfrm>
+          <a:prstGeom prst="line">
+            <a:avLst/>
+          </a:prstGeom>
+          <a:ln>
+            <a:solidFill>
+              <a:schemeClr val="tx1"/>
+            </a:solidFill>
+          </a:ln>
+        </p:spPr>
+        <p:style>
+          <a:lnRef idx="1">
+            <a:schemeClr val="accent1"/>
+          </a:lnRef>
+          <a:fillRef idx="0">
+            <a:schemeClr val="accent1"/>
+          </a:fillRef>
+          <a:effectRef idx="0">
+            <a:schemeClr val="accent1"/>
+          </a:effectRef>
+          <a:fontRef idx="minor">
+            <a:schemeClr val="tx1"/>
+          </a:fontRef>
+        </p:style>
+      </p:cxnSp>
+      <p:pic>
+        <p:nvPicPr>
+          <p:cNvPr id="5" name="그림 4">
+            <a:extLst>
+              <a:ext uri="{FF2B5EF4-FFF2-40B4-BE49-F238E27FC236}">
+                <a16:creationId xmlns:a16="http://schemas.microsoft.com/office/drawing/2014/main" id="{AF753480-F150-49CE-AEBA-E654829E9E8F}"/>
+              </a:ext>
+            </a:extLst>
+          </p:cNvPr>
+          <p:cNvPicPr>
+            <a:picLocks noChangeAspect="1"/>
+          </p:cNvPicPr>
+          <p:nvPr/>
+        </p:nvPicPr>
+        <p:blipFill>
+          <a:blip r:embed="rId2"/>
+          <a:stretch>
+            <a:fillRect/>
+          </a:stretch>
+        </p:blipFill>
+        <p:spPr>
+          <a:xfrm>
+            <a:off x="6315003" y="2913344"/>
+            <a:ext cx="4926473" cy="1211615"/>
+          </a:xfrm>
+          <a:prstGeom prst="rect">
+            <a:avLst/>
+          </a:prstGeom>
+        </p:spPr>
+      </p:pic>
+      <p:sp>
+        <p:nvSpPr>
+          <p:cNvPr id="8" name="TextBox 7">
+            <a:extLst>
+              <a:ext uri="{FF2B5EF4-FFF2-40B4-BE49-F238E27FC236}">
+                <a16:creationId xmlns:a16="http://schemas.microsoft.com/office/drawing/2014/main" id="{6788156D-F522-4E86-89AE-BD854E1F6844}"/>
+              </a:ext>
+            </a:extLst>
+          </p:cNvPr>
+          <p:cNvSpPr txBox="1"/>
+          <p:nvPr/>
+        </p:nvSpPr>
+        <p:spPr>
+          <a:xfrm>
+            <a:off x="2970813" y="5774882"/>
+            <a:ext cx="6250430" cy="400110"/>
+          </a:xfrm>
+          <a:prstGeom prst="rect">
+            <a:avLst/>
+          </a:prstGeom>
+          <a:noFill/>
+        </p:spPr>
+        <p:txBody>
+          <a:bodyPr wrap="none" rtlCol="0">
+            <a:spAutoFit/>
+          </a:bodyPr>
+          <a:lstStyle/>
+          <a:p>
+            <a:pPr algn="ctr"/>
+            <a:r>
+              <a:rPr lang="ko-KR" altLang="en-US" sz="2000">
+                <a:latin typeface="나눔스퀘어OTF Light" panose="020B0600000101010101" pitchFamily="34" charset="-127"/>
+                <a:ea typeface="나눔스퀘어OTF Light" panose="020B0600000101010101" pitchFamily="34" charset="-127"/>
+              </a:rPr>
+              <a:t>빗방울이 터지는 파티클을 위해 서브 에미터를 추가합니다</a:t>
+            </a:r>
+            <a:endParaRPr lang="en-US" altLang="ko-KR" sz="2000">
+              <a:latin typeface="나눔스퀘어OTF Light" panose="020B0600000101010101" pitchFamily="34" charset="-127"/>
+              <a:ea typeface="나눔스퀘어OTF Light" panose="020B0600000101010101" pitchFamily="34" charset="-127"/>
+            </a:endParaRPr>
+          </a:p>
+        </p:txBody>
+      </p:sp>
+      <p:pic>
+        <p:nvPicPr>
+          <p:cNvPr id="10" name="그림 9">
+            <a:extLst>
+              <a:ext uri="{FF2B5EF4-FFF2-40B4-BE49-F238E27FC236}">
+                <a16:creationId xmlns:a16="http://schemas.microsoft.com/office/drawing/2014/main" id="{6043AD59-7522-479F-9160-82C8DC460874}"/>
+              </a:ext>
+            </a:extLst>
+          </p:cNvPr>
+          <p:cNvPicPr>
+            <a:picLocks noChangeAspect="1"/>
+          </p:cNvPicPr>
+          <p:nvPr/>
+        </p:nvPicPr>
+        <p:blipFill>
+          <a:blip r:embed="rId3"/>
+          <a:stretch>
+            <a:fillRect/>
+          </a:stretch>
+        </p:blipFill>
+        <p:spPr>
+          <a:xfrm>
+            <a:off x="1658252" y="1640013"/>
+            <a:ext cx="4244708" cy="3314987"/>
+          </a:xfrm>
+          <a:prstGeom prst="rect">
+            <a:avLst/>
+          </a:prstGeom>
+        </p:spPr>
+      </p:pic>
+    </p:spTree>
+    <p:extLst>
+      <p:ext uri="{BB962C8B-B14F-4D97-AF65-F5344CB8AC3E}">
+        <p14:creationId xmlns:p14="http://schemas.microsoft.com/office/powerpoint/2010/main" val="1283928553"/>
+      </p:ext>
+    </p:extLst>
+  </p:cSld>
+  <p:clrMapOvr>
+    <a:masterClrMapping/>
+  </p:clrMapOvr>
+</p:sld>
+</file>
+
+<file path=ppt/slides/slide75.xml><?xml version="1.0" encoding="utf-8"?>
+<p:sld xmlns:a="http://schemas.openxmlformats.org/drawingml/2006/main" xmlns:r="http://schemas.openxmlformats.org/officeDocument/2006/relationships" xmlns:p="http://schemas.openxmlformats.org/presentationml/2006/main">
+  <p:cSld>
+    <p:spTree>
+      <p:nvGrpSpPr>
+        <p:cNvPr id="1" name=""/>
+        <p:cNvGrpSpPr/>
+        <p:nvPr/>
+      </p:nvGrpSpPr>
+      <p:grpSpPr>
+        <a:xfrm>
+          <a:off x="0" y="0"/>
+          <a:ext cx="0" cy="0"/>
+          <a:chOff x="0" y="0"/>
+          <a:chExt cx="0" cy="0"/>
+        </a:xfrm>
+      </p:grpSpPr>
+      <p:sp>
+        <p:nvSpPr>
+          <p:cNvPr id="6" name="TextBox 5">
+            <a:extLst>
+              <a:ext uri="{FF2B5EF4-FFF2-40B4-BE49-F238E27FC236}">
+                <a16:creationId xmlns:a16="http://schemas.microsoft.com/office/drawing/2014/main" id="{F453C929-8CA3-4E79-AF5D-99EC8407C6CF}"/>
+              </a:ext>
+            </a:extLst>
+          </p:cNvPr>
+          <p:cNvSpPr txBox="1"/>
+          <p:nvPr/>
+        </p:nvSpPr>
+        <p:spPr>
+          <a:xfrm>
+            <a:off x="171888" y="194702"/>
+            <a:ext cx="1954381" cy="523220"/>
+          </a:xfrm>
+          <a:prstGeom prst="rect">
+            <a:avLst/>
+          </a:prstGeom>
+          <a:noFill/>
+        </p:spPr>
+        <p:txBody>
+          <a:bodyPr wrap="none" rtlCol="0">
+            <a:spAutoFit/>
+          </a:bodyPr>
+          <a:lstStyle/>
+          <a:p>
+            <a:r>
+              <a:rPr lang="en-US" altLang="ko-KR" sz="2800">
+                <a:latin typeface="나눔스퀘어OTF Light" panose="020B0600000101010101" pitchFamily="34" charset="-127"/>
+                <a:ea typeface="나눔스퀘어OTF Light" panose="020B0600000101010101" pitchFamily="34" charset="-127"/>
+              </a:rPr>
+              <a:t>4. </a:t>
+            </a:r>
+            <a:r>
+              <a:rPr lang="ko-KR" altLang="en-US" sz="2800">
+                <a:latin typeface="나눔스퀘어OTF Light" panose="020B0600000101010101" pitchFamily="34" charset="-127"/>
+                <a:ea typeface="나눔스퀘어OTF Light" panose="020B0600000101010101" pitchFamily="34" charset="-127"/>
+              </a:rPr>
+              <a:t>비 파티클</a:t>
+            </a:r>
+          </a:p>
+        </p:txBody>
+      </p:sp>
+      <p:cxnSp>
+        <p:nvCxnSpPr>
+          <p:cNvPr id="4" name="직선 연결선 3">
+            <a:extLst>
+              <a:ext uri="{FF2B5EF4-FFF2-40B4-BE49-F238E27FC236}">
+                <a16:creationId xmlns:a16="http://schemas.microsoft.com/office/drawing/2014/main" id="{7442459B-3DED-44F0-9E4C-B50601FEB425}"/>
+              </a:ext>
+            </a:extLst>
+          </p:cNvPr>
+          <p:cNvCxnSpPr>
+            <a:cxnSpLocks/>
+          </p:cNvCxnSpPr>
+          <p:nvPr/>
+        </p:nvCxnSpPr>
+        <p:spPr>
+          <a:xfrm>
+            <a:off x="132133" y="780690"/>
+            <a:ext cx="819295" cy="0"/>
+          </a:xfrm>
+          <a:prstGeom prst="line">
+            <a:avLst/>
+          </a:prstGeom>
+          <a:ln>
+            <a:solidFill>
+              <a:schemeClr val="tx1"/>
+            </a:solidFill>
+          </a:ln>
+        </p:spPr>
+        <p:style>
+          <a:lnRef idx="1">
+            <a:schemeClr val="accent1"/>
+          </a:lnRef>
+          <a:fillRef idx="0">
+            <a:schemeClr val="accent1"/>
+          </a:fillRef>
+          <a:effectRef idx="0">
+            <a:schemeClr val="accent1"/>
+          </a:effectRef>
+          <a:fontRef idx="minor">
+            <a:schemeClr val="tx1"/>
+          </a:fontRef>
+        </p:style>
+      </p:cxnSp>
+      <p:sp>
+        <p:nvSpPr>
+          <p:cNvPr id="9" name="TextBox 8">
+            <a:extLst>
+              <a:ext uri="{FF2B5EF4-FFF2-40B4-BE49-F238E27FC236}">
+                <a16:creationId xmlns:a16="http://schemas.microsoft.com/office/drawing/2014/main" id="{6850FD5A-B5A6-4C3A-85B4-FB1AA715264F}"/>
+              </a:ext>
+            </a:extLst>
+          </p:cNvPr>
+          <p:cNvSpPr txBox="1"/>
+          <p:nvPr/>
+        </p:nvSpPr>
+        <p:spPr>
+          <a:xfrm>
+            <a:off x="3236882" y="5704229"/>
+            <a:ext cx="5718232" cy="707886"/>
+          </a:xfrm>
+          <a:prstGeom prst="rect">
+            <a:avLst/>
+          </a:prstGeom>
+          <a:noFill/>
+        </p:spPr>
+        <p:txBody>
+          <a:bodyPr wrap="none" rtlCol="0">
+            <a:spAutoFit/>
+          </a:bodyPr>
+          <a:lstStyle/>
+          <a:p>
+            <a:pPr algn="ctr"/>
+            <a:r>
+              <a:rPr lang="ko-KR" altLang="en-US" sz="2000">
+                <a:latin typeface="나눔스퀘어OTF Light" panose="020B0600000101010101" pitchFamily="34" charset="-127"/>
+                <a:ea typeface="나눔스퀘어OTF Light" panose="020B0600000101010101" pitchFamily="34" charset="-127"/>
+              </a:rPr>
+              <a:t>서브 에미터는 파티클이 제거될 때 실행되도록 합니다</a:t>
+            </a:r>
+            <a:endParaRPr lang="en-US" altLang="ko-KR" sz="2000">
+              <a:latin typeface="나눔스퀘어OTF Light" panose="020B0600000101010101" pitchFamily="34" charset="-127"/>
+              <a:ea typeface="나눔스퀘어OTF Light" panose="020B0600000101010101" pitchFamily="34" charset="-127"/>
+            </a:endParaRPr>
+          </a:p>
+          <a:p>
+            <a:pPr algn="ctr"/>
+            <a:r>
+              <a:rPr lang="ko-KR" altLang="en-US" sz="2000">
+                <a:latin typeface="나눔스퀘어OTF Light" panose="020B0600000101010101" pitchFamily="34" charset="-127"/>
+                <a:ea typeface="나눔스퀘어OTF Light" panose="020B0600000101010101" pitchFamily="34" charset="-127"/>
+              </a:rPr>
+              <a:t>또한 상속되는 값을 색상으로 변경합니다</a:t>
+            </a:r>
+            <a:endParaRPr lang="en-US" altLang="ko-KR" sz="2000">
+              <a:latin typeface="나눔스퀘어OTF Light" panose="020B0600000101010101" pitchFamily="34" charset="-127"/>
+              <a:ea typeface="나눔스퀘어OTF Light" panose="020B0600000101010101" pitchFamily="34" charset="-127"/>
+            </a:endParaRPr>
+          </a:p>
+        </p:txBody>
+      </p:sp>
+      <p:pic>
+        <p:nvPicPr>
+          <p:cNvPr id="13" name="그림 12">
+            <a:extLst>
+              <a:ext uri="{FF2B5EF4-FFF2-40B4-BE49-F238E27FC236}">
+                <a16:creationId xmlns:a16="http://schemas.microsoft.com/office/drawing/2014/main" id="{77FB70CB-86AC-4481-BEA4-0E1370E2EF8B}"/>
+              </a:ext>
+            </a:extLst>
+          </p:cNvPr>
+          <p:cNvPicPr>
+            <a:picLocks noChangeAspect="1"/>
+          </p:cNvPicPr>
+          <p:nvPr/>
+        </p:nvPicPr>
+        <p:blipFill>
+          <a:blip r:embed="rId2"/>
+          <a:stretch>
+            <a:fillRect/>
+          </a:stretch>
+        </p:blipFill>
+        <p:spPr>
+          <a:xfrm>
+            <a:off x="7088997" y="2920348"/>
+            <a:ext cx="4246997" cy="1017304"/>
+          </a:xfrm>
+          <a:prstGeom prst="rect">
+            <a:avLst/>
+          </a:prstGeom>
+        </p:spPr>
+      </p:pic>
+      <p:pic>
+        <p:nvPicPr>
+          <p:cNvPr id="15" name="그림 14">
+            <a:extLst>
+              <a:ext uri="{FF2B5EF4-FFF2-40B4-BE49-F238E27FC236}">
+                <a16:creationId xmlns:a16="http://schemas.microsoft.com/office/drawing/2014/main" id="{FF3FE347-285A-4960-ABCA-C2D240482900}"/>
+              </a:ext>
+            </a:extLst>
+          </p:cNvPr>
+          <p:cNvPicPr>
+            <a:picLocks noChangeAspect="1"/>
+          </p:cNvPicPr>
+          <p:nvPr/>
+        </p:nvPicPr>
+        <p:blipFill>
+          <a:blip r:embed="rId3"/>
+          <a:stretch>
+            <a:fillRect/>
+          </a:stretch>
+        </p:blipFill>
+        <p:spPr>
+          <a:xfrm>
+            <a:off x="951428" y="1483272"/>
+            <a:ext cx="5720148" cy="3891456"/>
+          </a:xfrm>
+          <a:prstGeom prst="rect">
+            <a:avLst/>
+          </a:prstGeom>
+        </p:spPr>
+      </p:pic>
+    </p:spTree>
+    <p:extLst>
+      <p:ext uri="{BB962C8B-B14F-4D97-AF65-F5344CB8AC3E}">
+        <p14:creationId xmlns:p14="http://schemas.microsoft.com/office/powerpoint/2010/main" val="3499345494"/>
+      </p:ext>
+    </p:extLst>
+  </p:cSld>
+  <p:clrMapOvr>
+    <a:masterClrMapping/>
+  </p:clrMapOvr>
+</p:sld>
+</file>
+
+<file path=ppt/slides/slide76.xml><?xml version="1.0" encoding="utf-8"?>
+<p:sld xmlns:a="http://schemas.openxmlformats.org/drawingml/2006/main" xmlns:r="http://schemas.openxmlformats.org/officeDocument/2006/relationships" xmlns:p="http://schemas.openxmlformats.org/presentationml/2006/main">
+  <p:cSld>
+    <p:spTree>
+      <p:nvGrpSpPr>
+        <p:cNvPr id="1" name=""/>
+        <p:cNvGrpSpPr/>
+        <p:nvPr/>
+      </p:nvGrpSpPr>
+      <p:grpSpPr>
+        <a:xfrm>
+          <a:off x="0" y="0"/>
+          <a:ext cx="0" cy="0"/>
+          <a:chOff x="0" y="0"/>
+          <a:chExt cx="0" cy="0"/>
+        </a:xfrm>
+      </p:grpSpPr>
+      <p:sp>
+        <p:nvSpPr>
+          <p:cNvPr id="6" name="TextBox 5">
+            <a:extLst>
+              <a:ext uri="{FF2B5EF4-FFF2-40B4-BE49-F238E27FC236}">
+                <a16:creationId xmlns:a16="http://schemas.microsoft.com/office/drawing/2014/main" id="{F453C929-8CA3-4E79-AF5D-99EC8407C6CF}"/>
+              </a:ext>
+            </a:extLst>
+          </p:cNvPr>
+          <p:cNvSpPr txBox="1"/>
+          <p:nvPr/>
+        </p:nvSpPr>
+        <p:spPr>
+          <a:xfrm>
+            <a:off x="171888" y="194702"/>
+            <a:ext cx="1954381" cy="523220"/>
+          </a:xfrm>
+          <a:prstGeom prst="rect">
+            <a:avLst/>
+          </a:prstGeom>
+          <a:noFill/>
+        </p:spPr>
+        <p:txBody>
+          <a:bodyPr wrap="none" rtlCol="0">
+            <a:spAutoFit/>
+          </a:bodyPr>
+          <a:lstStyle/>
+          <a:p>
+            <a:r>
+              <a:rPr lang="en-US" altLang="ko-KR" sz="2800">
+                <a:latin typeface="나눔스퀘어OTF Light" panose="020B0600000101010101" pitchFamily="34" charset="-127"/>
+                <a:ea typeface="나눔스퀘어OTF Light" panose="020B0600000101010101" pitchFamily="34" charset="-127"/>
+              </a:rPr>
+              <a:t>4. </a:t>
+            </a:r>
+            <a:r>
+              <a:rPr lang="ko-KR" altLang="en-US" sz="2800">
+                <a:latin typeface="나눔스퀘어OTF Light" panose="020B0600000101010101" pitchFamily="34" charset="-127"/>
+                <a:ea typeface="나눔스퀘어OTF Light" panose="020B0600000101010101" pitchFamily="34" charset="-127"/>
+              </a:rPr>
+              <a:t>비 파티클</a:t>
+            </a:r>
+          </a:p>
+        </p:txBody>
+      </p:sp>
+      <p:cxnSp>
+        <p:nvCxnSpPr>
+          <p:cNvPr id="4" name="직선 연결선 3">
+            <a:extLst>
+              <a:ext uri="{FF2B5EF4-FFF2-40B4-BE49-F238E27FC236}">
+                <a16:creationId xmlns:a16="http://schemas.microsoft.com/office/drawing/2014/main" id="{7442459B-3DED-44F0-9E4C-B50601FEB425}"/>
+              </a:ext>
+            </a:extLst>
+          </p:cNvPr>
+          <p:cNvCxnSpPr>
+            <a:cxnSpLocks/>
+          </p:cNvCxnSpPr>
+          <p:nvPr/>
+        </p:nvCxnSpPr>
+        <p:spPr>
+          <a:xfrm>
+            <a:off x="132133" y="780690"/>
+            <a:ext cx="819295" cy="0"/>
+          </a:xfrm>
+          <a:prstGeom prst="line">
+            <a:avLst/>
+          </a:prstGeom>
+          <a:ln>
+            <a:solidFill>
+              <a:schemeClr val="tx1"/>
+            </a:solidFill>
+          </a:ln>
+        </p:spPr>
+        <p:style>
+          <a:lnRef idx="1">
+            <a:schemeClr val="accent1"/>
+          </a:lnRef>
+          <a:fillRef idx="0">
+            <a:schemeClr val="accent1"/>
+          </a:fillRef>
+          <a:effectRef idx="0">
+            <a:schemeClr val="accent1"/>
+          </a:effectRef>
+          <a:fontRef idx="minor">
+            <a:schemeClr val="tx1"/>
+          </a:fontRef>
+        </p:style>
+      </p:cxnSp>
+      <p:pic>
+        <p:nvPicPr>
+          <p:cNvPr id="8" name="그림 7">
+            <a:extLst>
+              <a:ext uri="{FF2B5EF4-FFF2-40B4-BE49-F238E27FC236}">
+                <a16:creationId xmlns:a16="http://schemas.microsoft.com/office/drawing/2014/main" id="{32892A1A-C5E0-4772-83BB-C7E4F2621835}"/>
+              </a:ext>
+            </a:extLst>
+          </p:cNvPr>
+          <p:cNvPicPr>
+            <a:picLocks noChangeAspect="1"/>
+          </p:cNvPicPr>
+          <p:nvPr/>
+        </p:nvPicPr>
+        <p:blipFill>
+          <a:blip r:embed="rId2"/>
+          <a:stretch>
+            <a:fillRect/>
+          </a:stretch>
+        </p:blipFill>
+        <p:spPr>
+          <a:xfrm>
+            <a:off x="7746856" y="963716"/>
+            <a:ext cx="3322608" cy="4930567"/>
+          </a:xfrm>
+          <a:prstGeom prst="rect">
+            <a:avLst/>
+          </a:prstGeom>
+        </p:spPr>
+      </p:pic>
+      <p:pic>
+        <p:nvPicPr>
+          <p:cNvPr id="11" name="그림 10">
+            <a:extLst>
+              <a:ext uri="{FF2B5EF4-FFF2-40B4-BE49-F238E27FC236}">
+                <a16:creationId xmlns:a16="http://schemas.microsoft.com/office/drawing/2014/main" id="{DCAB085D-28B9-4ABC-822A-F7D5A4195055}"/>
+              </a:ext>
+            </a:extLst>
+          </p:cNvPr>
+          <p:cNvPicPr>
+            <a:picLocks noChangeAspect="1"/>
+          </p:cNvPicPr>
+          <p:nvPr/>
+        </p:nvPicPr>
+        <p:blipFill>
+          <a:blip r:embed="rId3"/>
+          <a:stretch>
+            <a:fillRect/>
+          </a:stretch>
+        </p:blipFill>
+        <p:spPr>
+          <a:xfrm>
+            <a:off x="1122536" y="1596230"/>
+            <a:ext cx="5959356" cy="3665538"/>
+          </a:xfrm>
+          <a:prstGeom prst="rect">
+            <a:avLst/>
+          </a:prstGeom>
+        </p:spPr>
+      </p:pic>
+      <p:sp>
+        <p:nvSpPr>
+          <p:cNvPr id="12" name="TextBox 11">
+            <a:extLst>
+              <a:ext uri="{FF2B5EF4-FFF2-40B4-BE49-F238E27FC236}">
+                <a16:creationId xmlns:a16="http://schemas.microsoft.com/office/drawing/2014/main" id="{E36B369C-2871-4BD1-8AC7-BF6F236FFE8D}"/>
+              </a:ext>
+            </a:extLst>
+          </p:cNvPr>
+          <p:cNvSpPr txBox="1"/>
+          <p:nvPr/>
+        </p:nvSpPr>
+        <p:spPr>
+          <a:xfrm>
+            <a:off x="3769085" y="6140076"/>
+            <a:ext cx="4653838" cy="400110"/>
+          </a:xfrm>
+          <a:prstGeom prst="rect">
+            <a:avLst/>
+          </a:prstGeom>
+          <a:noFill/>
+        </p:spPr>
+        <p:txBody>
+          <a:bodyPr wrap="none" rtlCol="0">
+            <a:spAutoFit/>
+          </a:bodyPr>
+          <a:lstStyle/>
+          <a:p>
+            <a:pPr algn="ctr"/>
+            <a:r>
+              <a:rPr lang="ko-KR" altLang="en-US" sz="2000">
+                <a:latin typeface="나눔스퀘어OTF Light" panose="020B0600000101010101" pitchFamily="34" charset="-127"/>
+                <a:ea typeface="나눔스퀘어OTF Light" panose="020B0600000101010101" pitchFamily="34" charset="-127"/>
+              </a:rPr>
+              <a:t>서브 파티클의 에미션과 속도를 설정합니다</a:t>
+            </a:r>
+            <a:endParaRPr lang="en-US" altLang="ko-KR" sz="2000">
+              <a:latin typeface="나눔스퀘어OTF Light" panose="020B0600000101010101" pitchFamily="34" charset="-127"/>
+              <a:ea typeface="나눔스퀘어OTF Light" panose="020B0600000101010101" pitchFamily="34" charset="-127"/>
+            </a:endParaRPr>
+          </a:p>
+        </p:txBody>
+      </p:sp>
+    </p:spTree>
+    <p:extLst>
+      <p:ext uri="{BB962C8B-B14F-4D97-AF65-F5344CB8AC3E}">
+        <p14:creationId xmlns:p14="http://schemas.microsoft.com/office/powerpoint/2010/main" val="811517369"/>
+      </p:ext>
+    </p:extLst>
+  </p:cSld>
+  <p:clrMapOvr>
+    <a:masterClrMapping/>
+  </p:clrMapOvr>
+</p:sld>
+</file>
+
+<file path=ppt/slides/slide77.xml><?xml version="1.0" encoding="utf-8"?>
+<p:sld xmlns:a="http://schemas.openxmlformats.org/drawingml/2006/main" xmlns:r="http://schemas.openxmlformats.org/officeDocument/2006/relationships" xmlns:p="http://schemas.openxmlformats.org/presentationml/2006/main">
+  <p:cSld>
+    <p:spTree>
+      <p:nvGrpSpPr>
+        <p:cNvPr id="1" name=""/>
+        <p:cNvGrpSpPr/>
+        <p:nvPr/>
+      </p:nvGrpSpPr>
+      <p:grpSpPr>
+        <a:xfrm>
+          <a:off x="0" y="0"/>
+          <a:ext cx="0" cy="0"/>
+          <a:chOff x="0" y="0"/>
+          <a:chExt cx="0" cy="0"/>
+        </a:xfrm>
+      </p:grpSpPr>
+      <p:sp>
+        <p:nvSpPr>
+          <p:cNvPr id="6" name="TextBox 5">
+            <a:extLst>
+              <a:ext uri="{FF2B5EF4-FFF2-40B4-BE49-F238E27FC236}">
+                <a16:creationId xmlns:a16="http://schemas.microsoft.com/office/drawing/2014/main" id="{F453C929-8CA3-4E79-AF5D-99EC8407C6CF}"/>
+              </a:ext>
+            </a:extLst>
+          </p:cNvPr>
+          <p:cNvSpPr txBox="1"/>
+          <p:nvPr/>
+        </p:nvSpPr>
+        <p:spPr>
+          <a:xfrm>
+            <a:off x="171888" y="194702"/>
+            <a:ext cx="1954381" cy="523220"/>
+          </a:xfrm>
+          <a:prstGeom prst="rect">
+            <a:avLst/>
+          </a:prstGeom>
+          <a:noFill/>
+        </p:spPr>
+        <p:txBody>
+          <a:bodyPr wrap="none" rtlCol="0">
+            <a:spAutoFit/>
+          </a:bodyPr>
+          <a:lstStyle/>
+          <a:p>
+            <a:r>
+              <a:rPr lang="en-US" altLang="ko-KR" sz="2800">
+                <a:latin typeface="나눔스퀘어OTF Light" panose="020B0600000101010101" pitchFamily="34" charset="-127"/>
+                <a:ea typeface="나눔스퀘어OTF Light" panose="020B0600000101010101" pitchFamily="34" charset="-127"/>
+              </a:rPr>
+              <a:t>4. </a:t>
+            </a:r>
+            <a:r>
+              <a:rPr lang="ko-KR" altLang="en-US" sz="2800">
+                <a:latin typeface="나눔스퀘어OTF Light" panose="020B0600000101010101" pitchFamily="34" charset="-127"/>
+                <a:ea typeface="나눔스퀘어OTF Light" panose="020B0600000101010101" pitchFamily="34" charset="-127"/>
+              </a:rPr>
+              <a:t>비 파티클</a:t>
+            </a:r>
+          </a:p>
+        </p:txBody>
+      </p:sp>
+      <p:cxnSp>
+        <p:nvCxnSpPr>
+          <p:cNvPr id="4" name="직선 연결선 3">
+            <a:extLst>
+              <a:ext uri="{FF2B5EF4-FFF2-40B4-BE49-F238E27FC236}">
+                <a16:creationId xmlns:a16="http://schemas.microsoft.com/office/drawing/2014/main" id="{7442459B-3DED-44F0-9E4C-B50601FEB425}"/>
+              </a:ext>
+            </a:extLst>
+          </p:cNvPr>
+          <p:cNvCxnSpPr>
+            <a:cxnSpLocks/>
+          </p:cNvCxnSpPr>
+          <p:nvPr/>
+        </p:nvCxnSpPr>
+        <p:spPr>
+          <a:xfrm>
+            <a:off x="132133" y="780690"/>
+            <a:ext cx="819295" cy="0"/>
+          </a:xfrm>
+          <a:prstGeom prst="line">
+            <a:avLst/>
+          </a:prstGeom>
+          <a:ln>
+            <a:solidFill>
+              <a:schemeClr val="tx1"/>
+            </a:solidFill>
+          </a:ln>
+        </p:spPr>
+        <p:style>
+          <a:lnRef idx="1">
+            <a:schemeClr val="accent1"/>
+          </a:lnRef>
+          <a:fillRef idx="0">
+            <a:schemeClr val="accent1"/>
+          </a:fillRef>
+          <a:effectRef idx="0">
+            <a:schemeClr val="accent1"/>
+          </a:effectRef>
+          <a:fontRef idx="minor">
+            <a:schemeClr val="tx1"/>
+          </a:fontRef>
+        </p:style>
+      </p:cxnSp>
+      <p:sp>
+        <p:nvSpPr>
+          <p:cNvPr id="12" name="TextBox 11">
+            <a:extLst>
+              <a:ext uri="{FF2B5EF4-FFF2-40B4-BE49-F238E27FC236}">
+                <a16:creationId xmlns:a16="http://schemas.microsoft.com/office/drawing/2014/main" id="{E36B369C-2871-4BD1-8AC7-BF6F236FFE8D}"/>
+              </a:ext>
+            </a:extLst>
+          </p:cNvPr>
+          <p:cNvSpPr txBox="1"/>
+          <p:nvPr/>
+        </p:nvSpPr>
+        <p:spPr>
+          <a:xfrm>
+            <a:off x="3389181" y="5886076"/>
+            <a:ext cx="5413661" cy="400110"/>
+          </a:xfrm>
+          <a:prstGeom prst="rect">
+            <a:avLst/>
+          </a:prstGeom>
+          <a:noFill/>
+        </p:spPr>
+        <p:txBody>
+          <a:bodyPr wrap="none" rtlCol="0">
+            <a:spAutoFit/>
+          </a:bodyPr>
+          <a:lstStyle/>
+          <a:p>
+            <a:pPr algn="ctr"/>
+            <a:r>
+              <a:rPr lang="ko-KR" altLang="en-US" sz="2000">
+                <a:latin typeface="나눔스퀘어OTF Light" panose="020B0600000101010101" pitchFamily="34" charset="-127"/>
+                <a:ea typeface="나눔스퀘어OTF Light" panose="020B0600000101010101" pitchFamily="34" charset="-127"/>
+              </a:rPr>
+              <a:t>속도</a:t>
+            </a:r>
+            <a:r>
+              <a:rPr lang="en-US" altLang="ko-KR" sz="2000">
+                <a:latin typeface="나눔스퀘어OTF Light" panose="020B0600000101010101" pitchFamily="34" charset="-127"/>
+                <a:ea typeface="나눔스퀘어OTF Light" panose="020B0600000101010101" pitchFamily="34" charset="-127"/>
+              </a:rPr>
+              <a:t>, </a:t>
+            </a:r>
+            <a:r>
+              <a:rPr lang="ko-KR" altLang="en-US" sz="2000">
+                <a:latin typeface="나눔스퀘어OTF Light" panose="020B0600000101010101" pitchFamily="34" charset="-127"/>
+                <a:ea typeface="나눔스퀘어OTF Light" panose="020B0600000101010101" pitchFamily="34" charset="-127"/>
+              </a:rPr>
+              <a:t>중력</a:t>
+            </a:r>
+            <a:r>
+              <a:rPr lang="en-US" altLang="ko-KR" sz="2000">
+                <a:latin typeface="나눔스퀘어OTF Light" panose="020B0600000101010101" pitchFamily="34" charset="-127"/>
+                <a:ea typeface="나눔스퀘어OTF Light" panose="020B0600000101010101" pitchFamily="34" charset="-127"/>
+              </a:rPr>
+              <a:t>, </a:t>
+            </a:r>
+            <a:r>
+              <a:rPr lang="ko-KR" altLang="en-US" sz="2000">
+                <a:latin typeface="나눔스퀘어OTF Light" panose="020B0600000101010101" pitchFamily="34" charset="-127"/>
+                <a:ea typeface="나눔스퀘어OTF Light" panose="020B0600000101010101" pitchFamily="34" charset="-127"/>
+              </a:rPr>
+              <a:t>크기 등을 적절히 수정하여 완성합니다</a:t>
+            </a:r>
+            <a:endParaRPr lang="en-US" altLang="ko-KR" sz="2000">
+              <a:latin typeface="나눔스퀘어OTF Light" panose="020B0600000101010101" pitchFamily="34" charset="-127"/>
+              <a:ea typeface="나눔스퀘어OTF Light" panose="020B0600000101010101" pitchFamily="34" charset="-127"/>
+            </a:endParaRPr>
+          </a:p>
+        </p:txBody>
+      </p:sp>
+      <p:pic>
+        <p:nvPicPr>
+          <p:cNvPr id="3" name="그림 2">
+            <a:extLst>
+              <a:ext uri="{FF2B5EF4-FFF2-40B4-BE49-F238E27FC236}">
+                <a16:creationId xmlns:a16="http://schemas.microsoft.com/office/drawing/2014/main" id="{46C0F717-C359-43D0-A60A-7D90BB372DC0}"/>
+              </a:ext>
+            </a:extLst>
+          </p:cNvPr>
+          <p:cNvPicPr>
+            <a:picLocks noChangeAspect="1"/>
+          </p:cNvPicPr>
+          <p:nvPr/>
+        </p:nvPicPr>
+        <p:blipFill>
+          <a:blip r:embed="rId2"/>
+          <a:stretch>
+            <a:fillRect/>
+          </a:stretch>
+        </p:blipFill>
+        <p:spPr>
+          <a:xfrm>
+            <a:off x="3005822" y="1668627"/>
+            <a:ext cx="6180356" cy="3520745"/>
+          </a:xfrm>
+          <a:prstGeom prst="rect">
+            <a:avLst/>
+          </a:prstGeom>
+        </p:spPr>
+      </p:pic>
+    </p:spTree>
+    <p:extLst>
+      <p:ext uri="{BB962C8B-B14F-4D97-AF65-F5344CB8AC3E}">
+        <p14:creationId xmlns:p14="http://schemas.microsoft.com/office/powerpoint/2010/main" val="1829617443"/>
+      </p:ext>
+    </p:extLst>
+  </p:cSld>
+  <p:clrMapOvr>
+    <a:masterClrMapping/>
+  </p:clrMapOvr>
+</p:sld>
+</file>
+
+<file path=ppt/slides/slide78.xml><?xml version="1.0" encoding="utf-8"?>
+<p:sld xmlns:a="http://schemas.openxmlformats.org/drawingml/2006/main" xmlns:r="http://schemas.openxmlformats.org/officeDocument/2006/relationships" xmlns:p="http://schemas.openxmlformats.org/presentationml/2006/main">
+  <p:cSld>
+    <p:spTree>
+      <p:nvGrpSpPr>
+        <p:cNvPr id="1" name=""/>
+        <p:cNvGrpSpPr/>
+        <p:nvPr/>
+      </p:nvGrpSpPr>
+      <p:grpSpPr>
+        <a:xfrm>
+          <a:off x="0" y="0"/>
+          <a:ext cx="0" cy="0"/>
+          <a:chOff x="0" y="0"/>
+          <a:chExt cx="0" cy="0"/>
+        </a:xfrm>
+      </p:grpSpPr>
+      <p:sp>
+        <p:nvSpPr>
+          <p:cNvPr id="6" name="TextBox 5">
+            <a:extLst>
+              <a:ext uri="{FF2B5EF4-FFF2-40B4-BE49-F238E27FC236}">
+                <a16:creationId xmlns:a16="http://schemas.microsoft.com/office/drawing/2014/main" id="{F453C929-8CA3-4E79-AF5D-99EC8407C6CF}"/>
+              </a:ext>
+            </a:extLst>
+          </p:cNvPr>
+          <p:cNvSpPr txBox="1"/>
+          <p:nvPr/>
+        </p:nvSpPr>
+        <p:spPr>
+          <a:xfrm>
+            <a:off x="171888" y="194702"/>
+            <a:ext cx="1954381" cy="523220"/>
+          </a:xfrm>
+          <a:prstGeom prst="rect">
+            <a:avLst/>
+          </a:prstGeom>
+          <a:noFill/>
+        </p:spPr>
+        <p:txBody>
+          <a:bodyPr wrap="none" rtlCol="0">
+            <a:spAutoFit/>
+          </a:bodyPr>
+          <a:lstStyle/>
+          <a:p>
+            <a:r>
+              <a:rPr lang="en-US" altLang="ko-KR" sz="2800">
+                <a:latin typeface="나눔스퀘어OTF Light" panose="020B0600000101010101" pitchFamily="34" charset="-127"/>
+                <a:ea typeface="나눔스퀘어OTF Light" panose="020B0600000101010101" pitchFamily="34" charset="-127"/>
+              </a:rPr>
+              <a:t>4. </a:t>
+            </a:r>
+            <a:r>
+              <a:rPr lang="ko-KR" altLang="en-US" sz="2800">
+                <a:latin typeface="나눔스퀘어OTF Light" panose="020B0600000101010101" pitchFamily="34" charset="-127"/>
+                <a:ea typeface="나눔스퀘어OTF Light" panose="020B0600000101010101" pitchFamily="34" charset="-127"/>
+              </a:rPr>
+              <a:t>비 파티클</a:t>
+            </a:r>
+          </a:p>
+        </p:txBody>
+      </p:sp>
+      <p:cxnSp>
+        <p:nvCxnSpPr>
+          <p:cNvPr id="4" name="직선 연결선 3">
+            <a:extLst>
+              <a:ext uri="{FF2B5EF4-FFF2-40B4-BE49-F238E27FC236}">
+                <a16:creationId xmlns:a16="http://schemas.microsoft.com/office/drawing/2014/main" id="{7442459B-3DED-44F0-9E4C-B50601FEB425}"/>
+              </a:ext>
+            </a:extLst>
+          </p:cNvPr>
+          <p:cNvCxnSpPr>
+            <a:cxnSpLocks/>
+          </p:cNvCxnSpPr>
+          <p:nvPr/>
+        </p:nvCxnSpPr>
+        <p:spPr>
+          <a:xfrm>
+            <a:off x="132133" y="780690"/>
+            <a:ext cx="819295" cy="0"/>
+          </a:xfrm>
+          <a:prstGeom prst="line">
+            <a:avLst/>
+          </a:prstGeom>
+          <a:ln>
+            <a:solidFill>
+              <a:schemeClr val="tx1"/>
+            </a:solidFill>
+          </a:ln>
+        </p:spPr>
+        <p:style>
+          <a:lnRef idx="1">
+            <a:schemeClr val="accent1"/>
+          </a:lnRef>
+          <a:fillRef idx="0">
+            <a:schemeClr val="accent1"/>
+          </a:fillRef>
+          <a:effectRef idx="0">
+            <a:schemeClr val="accent1"/>
+          </a:effectRef>
+          <a:fontRef idx="minor">
+            <a:schemeClr val="tx1"/>
+          </a:fontRef>
+        </p:style>
+      </p:cxnSp>
+      <p:pic>
+        <p:nvPicPr>
+          <p:cNvPr id="5" name="그림 4">
+            <a:extLst>
+              <a:ext uri="{FF2B5EF4-FFF2-40B4-BE49-F238E27FC236}">
+                <a16:creationId xmlns:a16="http://schemas.microsoft.com/office/drawing/2014/main" id="{EF4A58AB-9897-4171-9953-A62D111CE1A8}"/>
+              </a:ext>
+            </a:extLst>
+          </p:cNvPr>
+          <p:cNvPicPr>
+            <a:picLocks noChangeAspect="1"/>
+          </p:cNvPicPr>
+          <p:nvPr/>
+        </p:nvPicPr>
+        <p:blipFill>
+          <a:blip r:embed="rId2"/>
+          <a:stretch>
+            <a:fillRect/>
+          </a:stretch>
+        </p:blipFill>
+        <p:spPr>
+          <a:xfrm>
+            <a:off x="2775833" y="1516211"/>
+            <a:ext cx="6640334" cy="4386749"/>
+          </a:xfrm>
+          <a:prstGeom prst="rect">
+            <a:avLst/>
+          </a:prstGeom>
+        </p:spPr>
+      </p:pic>
+    </p:spTree>
+    <p:extLst>
+      <p:ext uri="{BB962C8B-B14F-4D97-AF65-F5344CB8AC3E}">
+        <p14:creationId xmlns:p14="http://schemas.microsoft.com/office/powerpoint/2010/main" val="2483699273"/>
+      </p:ext>
+    </p:extLst>
+  </p:cSld>
+  <p:clrMapOvr>
+    <a:masterClrMapping/>
+  </p:clrMapOvr>
+</p:sld>
+</file>
+
+<file path=ppt/slides/slide79.xml><?xml version="1.0" encoding="utf-8"?>
+<p:sld xmlns:a="http://schemas.openxmlformats.org/drawingml/2006/main" xmlns:r="http://schemas.openxmlformats.org/officeDocument/2006/relationships" xmlns:p="http://schemas.openxmlformats.org/presentationml/2006/main">
+  <p:cSld>
+    <p:spTree>
+      <p:nvGrpSpPr>
+        <p:cNvPr id="1" name=""/>
+        <p:cNvGrpSpPr/>
+        <p:nvPr/>
+      </p:nvGrpSpPr>
+      <p:grpSpPr>
+        <a:xfrm>
+          <a:off x="0" y="0"/>
+          <a:ext cx="0" cy="0"/>
+          <a:chOff x="0" y="0"/>
+          <a:chExt cx="0" cy="0"/>
+        </a:xfrm>
+      </p:grpSpPr>
+      <p:sp>
+        <p:nvSpPr>
+          <p:cNvPr id="6" name="TextBox 5">
+            <a:extLst>
+              <a:ext uri="{FF2B5EF4-FFF2-40B4-BE49-F238E27FC236}">
+                <a16:creationId xmlns:a16="http://schemas.microsoft.com/office/drawing/2014/main" id="{F453C929-8CA3-4E79-AF5D-99EC8407C6CF}"/>
+              </a:ext>
+            </a:extLst>
+          </p:cNvPr>
+          <p:cNvSpPr txBox="1"/>
+          <p:nvPr/>
+        </p:nvSpPr>
+        <p:spPr>
+          <a:xfrm>
+            <a:off x="5770431" y="2629032"/>
+            <a:ext cx="651140" cy="707886"/>
+          </a:xfrm>
+          <a:prstGeom prst="rect">
+            <a:avLst/>
+          </a:prstGeom>
+          <a:noFill/>
+        </p:spPr>
+        <p:txBody>
+          <a:bodyPr wrap="none" rtlCol="0">
+            <a:spAutoFit/>
+          </a:bodyPr>
+          <a:lstStyle/>
+          <a:p>
+            <a:pPr algn="ctr"/>
+            <a:r>
+              <a:rPr lang="ko-KR" altLang="en-US" sz="4000">
+                <a:latin typeface="나눔스퀘어OTF Light" panose="020B0600000101010101" pitchFamily="34" charset="-127"/>
+                <a:ea typeface="나눔스퀘어OTF Light" panose="020B0600000101010101" pitchFamily="34" charset="-127"/>
+              </a:rPr>
+              <a:t>끝</a:t>
+            </a:r>
+          </a:p>
+        </p:txBody>
+      </p:sp>
+      <p:sp>
+        <p:nvSpPr>
+          <p:cNvPr id="3" name="TextBox 2">
+            <a:extLst>
+              <a:ext uri="{FF2B5EF4-FFF2-40B4-BE49-F238E27FC236}">
+                <a16:creationId xmlns:a16="http://schemas.microsoft.com/office/drawing/2014/main" id="{3D4DB731-0D09-4D43-B30D-F113660223A3}"/>
+              </a:ext>
+            </a:extLst>
+          </p:cNvPr>
+          <p:cNvSpPr txBox="1"/>
+          <p:nvPr/>
+        </p:nvSpPr>
+        <p:spPr>
+          <a:xfrm>
+            <a:off x="3595155" y="3336918"/>
+            <a:ext cx="1683474" cy="400110"/>
+          </a:xfrm>
+          <a:prstGeom prst="rect">
+            <a:avLst/>
+          </a:prstGeom>
+          <a:noFill/>
+        </p:spPr>
+        <p:txBody>
+          <a:bodyPr wrap="none" rtlCol="0">
+            <a:spAutoFit/>
+          </a:bodyPr>
+          <a:lstStyle/>
+          <a:p>
+            <a:r>
+              <a:rPr lang="en-US" altLang="ko-KR" sz="2000">
+                <a:latin typeface="나눔스퀘어OTF Light" panose="020B0600000101010101" pitchFamily="34" charset="-127"/>
+                <a:ea typeface="나눔스퀘어OTF Light" panose="020B0600000101010101" pitchFamily="34" charset="-127"/>
+              </a:rPr>
+              <a:t>3. </a:t>
+            </a:r>
+            <a:r>
+              <a:rPr lang="ko-KR" altLang="en-US" sz="2000">
+                <a:latin typeface="나눔스퀘어OTF Light" panose="020B0600000101010101" pitchFamily="34" charset="-127"/>
+                <a:ea typeface="나눔스퀘어OTF Light" panose="020B0600000101010101" pitchFamily="34" charset="-127"/>
+              </a:rPr>
+              <a:t>파티클 응용</a:t>
+            </a:r>
+          </a:p>
+        </p:txBody>
+      </p:sp>
+      <p:cxnSp>
+        <p:nvCxnSpPr>
+          <p:cNvPr id="4" name="직선 연결선 3">
+            <a:extLst>
+              <a:ext uri="{FF2B5EF4-FFF2-40B4-BE49-F238E27FC236}">
+                <a16:creationId xmlns:a16="http://schemas.microsoft.com/office/drawing/2014/main" id="{7442459B-3DED-44F0-9E4C-B50601FEB425}"/>
+              </a:ext>
+            </a:extLst>
+          </p:cNvPr>
+          <p:cNvCxnSpPr/>
+          <p:nvPr/>
+        </p:nvCxnSpPr>
+        <p:spPr>
+          <a:xfrm>
+            <a:off x="3642861" y="3328967"/>
+            <a:ext cx="4858247" cy="0"/>
+          </a:xfrm>
+          <a:prstGeom prst="line">
+            <a:avLst/>
+          </a:prstGeom>
+          <a:ln>
+            <a:solidFill>
+              <a:schemeClr val="tx1"/>
+            </a:solidFill>
+          </a:ln>
+        </p:spPr>
+        <p:style>
+          <a:lnRef idx="1">
+            <a:schemeClr val="accent1"/>
+          </a:lnRef>
+          <a:fillRef idx="0">
+            <a:schemeClr val="accent1"/>
+          </a:fillRef>
+          <a:effectRef idx="0">
+            <a:schemeClr val="accent1"/>
+          </a:effectRef>
+          <a:fontRef idx="minor">
+            <a:schemeClr val="tx1"/>
+          </a:fontRef>
+        </p:style>
+      </p:cxnSp>
+    </p:spTree>
+    <p:extLst>
+      <p:ext uri="{BB962C8B-B14F-4D97-AF65-F5344CB8AC3E}">
+        <p14:creationId xmlns:p14="http://schemas.microsoft.com/office/powerpoint/2010/main" val="1544407394"/>
       </p:ext>
     </p:extLst>
   </p:cSld>

--- a/3 - 파티클 응용.pptx
+++ b/3 - 파티클 응용.pptx
@@ -15978,8 +15978,8 @@
         </p:nvSpPr>
         <p:spPr>
           <a:xfrm>
-            <a:off x="6315684" y="5461907"/>
-            <a:ext cx="4152419" cy="400110"/>
+            <a:off x="6420681" y="5461907"/>
+            <a:ext cx="3942425" cy="400110"/>
           </a:xfrm>
           <a:prstGeom prst="rect">
             <a:avLst/>
@@ -15998,7 +15998,7 @@
                 <a:latin typeface="나눔스퀘어OTF Light" panose="020B0600000101010101" pitchFamily="34" charset="-127"/>
                 <a:ea typeface="나눔스퀘어OTF Light" panose="020B0600000101010101" pitchFamily="34" charset="-127"/>
               </a:rPr>
-              <a:t>Standard Surfadce Particle Shader</a:t>
+              <a:t>Standard Surface Particle Shader</a:t>
             </a:r>
           </a:p>
         </p:txBody>
